--- a/AXPE_FRONT_TallerUSAL_.pptx
+++ b/AXPE_FRONT_TallerUSAL_.pptx
@@ -5,7 +5,7 @@
     <p:sldMasterId id="2147483648" r:id="rId4"/>
   </p:sldMasterIdLst>
   <p:notesMasterIdLst>
-    <p:notesMasterId r:id="rId21"/>
+    <p:notesMasterId r:id="rId23"/>
   </p:notesMasterIdLst>
   <p:sldIdLst>
     <p:sldId id="256" r:id="rId5"/>
@@ -15,15 +15,17 @@
     <p:sldId id="429" r:id="rId9"/>
     <p:sldId id="369" r:id="rId10"/>
     <p:sldId id="386" r:id="rId11"/>
-    <p:sldId id="430" r:id="rId12"/>
-    <p:sldId id="437" r:id="rId13"/>
-    <p:sldId id="431" r:id="rId14"/>
-    <p:sldId id="438" r:id="rId15"/>
-    <p:sldId id="432" r:id="rId16"/>
-    <p:sldId id="435" r:id="rId17"/>
-    <p:sldId id="433" r:id="rId18"/>
-    <p:sldId id="436" r:id="rId19"/>
-    <p:sldId id="311" r:id="rId20"/>
+    <p:sldId id="439" r:id="rId12"/>
+    <p:sldId id="440" r:id="rId13"/>
+    <p:sldId id="430" r:id="rId14"/>
+    <p:sldId id="437" r:id="rId15"/>
+    <p:sldId id="431" r:id="rId16"/>
+    <p:sldId id="438" r:id="rId17"/>
+    <p:sldId id="432" r:id="rId18"/>
+    <p:sldId id="435" r:id="rId19"/>
+    <p:sldId id="433" r:id="rId20"/>
+    <p:sldId id="436" r:id="rId21"/>
+    <p:sldId id="311" r:id="rId22"/>
   </p:sldIdLst>
   <p:sldSz cx="12192000" cy="6858000"/>
   <p:notesSz cx="6858000" cy="9144000"/>
@@ -224,7 +226,7 @@
           <a:p>
             <a:fld id="{B6DE7779-352D-4266-B34C-E3568CFA9023}" type="datetimeFigureOut">
               <a:rPr lang="es-ES" smtClean="0"/>
-              <a:t>4/3/24</a:t>
+              <a:t>6/3/24</a:t>
             </a:fld>
             <a:endParaRPr lang="es-ES"/>
           </a:p>
@@ -649,7 +651,7 @@
     </p:spTree>
     <p:extLst>
       <p:ext uri="{BB962C8B-B14F-4D97-AF65-F5344CB8AC3E}">
-        <p14:creationId xmlns:p14="http://schemas.microsoft.com/office/powerpoint/2010/main" val="3146253095"/>
+        <p14:creationId xmlns:p14="http://schemas.microsoft.com/office/powerpoint/2010/main" val="109919088"/>
       </p:ext>
     </p:extLst>
   </p:cSld>
@@ -733,7 +735,7 @@
     </p:spTree>
     <p:extLst>
       <p:ext uri="{BB962C8B-B14F-4D97-AF65-F5344CB8AC3E}">
-        <p14:creationId xmlns:p14="http://schemas.microsoft.com/office/powerpoint/2010/main" val="1579590632"/>
+        <p14:creationId xmlns:p14="http://schemas.microsoft.com/office/powerpoint/2010/main" val="1300334912"/>
       </p:ext>
     </p:extLst>
   </p:cSld>
@@ -817,7 +819,7 @@
     </p:spTree>
     <p:extLst>
       <p:ext uri="{BB962C8B-B14F-4D97-AF65-F5344CB8AC3E}">
-        <p14:creationId xmlns:p14="http://schemas.microsoft.com/office/powerpoint/2010/main" val="3535494824"/>
+        <p14:creationId xmlns:p14="http://schemas.microsoft.com/office/powerpoint/2010/main" val="3146253095"/>
       </p:ext>
     </p:extLst>
   </p:cSld>
@@ -901,7 +903,7 @@
     </p:spTree>
     <p:extLst>
       <p:ext uri="{BB962C8B-B14F-4D97-AF65-F5344CB8AC3E}">
-        <p14:creationId xmlns:p14="http://schemas.microsoft.com/office/powerpoint/2010/main" val="1588792978"/>
+        <p14:creationId xmlns:p14="http://schemas.microsoft.com/office/powerpoint/2010/main" val="1579590632"/>
       </p:ext>
     </p:extLst>
   </p:cSld>
@@ -985,7 +987,7 @@
     </p:spTree>
     <p:extLst>
       <p:ext uri="{BB962C8B-B14F-4D97-AF65-F5344CB8AC3E}">
-        <p14:creationId xmlns:p14="http://schemas.microsoft.com/office/powerpoint/2010/main" val="1727806511"/>
+        <p14:creationId xmlns:p14="http://schemas.microsoft.com/office/powerpoint/2010/main" val="3535494824"/>
       </p:ext>
     </p:extLst>
   </p:cSld>
@@ -1069,7 +1071,7 @@
     </p:spTree>
     <p:extLst>
       <p:ext uri="{BB962C8B-B14F-4D97-AF65-F5344CB8AC3E}">
-        <p14:creationId xmlns:p14="http://schemas.microsoft.com/office/powerpoint/2010/main" val="2327188088"/>
+        <p14:creationId xmlns:p14="http://schemas.microsoft.com/office/powerpoint/2010/main" val="1588792978"/>
       </p:ext>
     </p:extLst>
   </p:cSld>
@@ -1145,6 +1147,174 @@
             <a:fld id="{CDD52475-3746-48F0-8777-1146C5DC1AAC}" type="slidenum">
               <a:rPr lang="es-ES" smtClean="0"/>
               <a:t>16</a:t>
+            </a:fld>
+            <a:endParaRPr lang="es-ES"/>
+          </a:p>
+        </p:txBody>
+      </p:sp>
+    </p:spTree>
+    <p:extLst>
+      <p:ext uri="{BB962C8B-B14F-4D97-AF65-F5344CB8AC3E}">
+        <p14:creationId xmlns:p14="http://schemas.microsoft.com/office/powerpoint/2010/main" val="1727806511"/>
+      </p:ext>
+    </p:extLst>
+  </p:cSld>
+  <p:clrMapOvr>
+    <a:masterClrMapping/>
+  </p:clrMapOvr>
+</p:notes>
+</file>
+
+<file path=ppt/notesSlides/notesSlide17.xml><?xml version="1.0" encoding="utf-8"?>
+<p:notes xmlns:a="http://schemas.openxmlformats.org/drawingml/2006/main" xmlns:r="http://schemas.openxmlformats.org/officeDocument/2006/relationships" xmlns:p="http://schemas.openxmlformats.org/presentationml/2006/main">
+  <p:cSld>
+    <p:spTree>
+      <p:nvGrpSpPr>
+        <p:cNvPr id="1" name=""/>
+        <p:cNvGrpSpPr/>
+        <p:nvPr/>
+      </p:nvGrpSpPr>
+      <p:grpSpPr>
+        <a:xfrm>
+          <a:off x="0" y="0"/>
+          <a:ext cx="0" cy="0"/>
+          <a:chOff x="0" y="0"/>
+          <a:chExt cx="0" cy="0"/>
+        </a:xfrm>
+      </p:grpSpPr>
+      <p:sp>
+        <p:nvSpPr>
+          <p:cNvPr id="2" name="Marcador de imagen de diapositiva 1"/>
+          <p:cNvSpPr>
+            <a:spLocks noGrp="1" noRot="1" noChangeAspect="1"/>
+          </p:cNvSpPr>
+          <p:nvPr>
+            <p:ph type="sldImg"/>
+          </p:nvPr>
+        </p:nvSpPr>
+        <p:spPr/>
+      </p:sp>
+      <p:sp>
+        <p:nvSpPr>
+          <p:cNvPr id="3" name="Marcador de notas 2"/>
+          <p:cNvSpPr>
+            <a:spLocks noGrp="1"/>
+          </p:cNvSpPr>
+          <p:nvPr>
+            <p:ph type="body" idx="1"/>
+          </p:nvPr>
+        </p:nvSpPr>
+        <p:spPr/>
+        <p:txBody>
+          <a:bodyPr/>
+          <a:lstStyle/>
+          <a:p>
+            <a:endParaRPr lang="es-ES"/>
+          </a:p>
+        </p:txBody>
+      </p:sp>
+      <p:sp>
+        <p:nvSpPr>
+          <p:cNvPr id="4" name="Marcador de número de diapositiva 3"/>
+          <p:cNvSpPr>
+            <a:spLocks noGrp="1"/>
+          </p:cNvSpPr>
+          <p:nvPr>
+            <p:ph type="sldNum" sz="quarter" idx="5"/>
+          </p:nvPr>
+        </p:nvSpPr>
+        <p:spPr/>
+        <p:txBody>
+          <a:bodyPr/>
+          <a:lstStyle/>
+          <a:p>
+            <a:fld id="{CDD52475-3746-48F0-8777-1146C5DC1AAC}" type="slidenum">
+              <a:rPr lang="es-ES" smtClean="0"/>
+              <a:t>17</a:t>
+            </a:fld>
+            <a:endParaRPr lang="es-ES"/>
+          </a:p>
+        </p:txBody>
+      </p:sp>
+    </p:spTree>
+    <p:extLst>
+      <p:ext uri="{BB962C8B-B14F-4D97-AF65-F5344CB8AC3E}">
+        <p14:creationId xmlns:p14="http://schemas.microsoft.com/office/powerpoint/2010/main" val="2327188088"/>
+      </p:ext>
+    </p:extLst>
+  </p:cSld>
+  <p:clrMapOvr>
+    <a:masterClrMapping/>
+  </p:clrMapOvr>
+</p:notes>
+</file>
+
+<file path=ppt/notesSlides/notesSlide18.xml><?xml version="1.0" encoding="utf-8"?>
+<p:notes xmlns:a="http://schemas.openxmlformats.org/drawingml/2006/main" xmlns:r="http://schemas.openxmlformats.org/officeDocument/2006/relationships" xmlns:p="http://schemas.openxmlformats.org/presentationml/2006/main">
+  <p:cSld>
+    <p:spTree>
+      <p:nvGrpSpPr>
+        <p:cNvPr id="1" name=""/>
+        <p:cNvGrpSpPr/>
+        <p:nvPr/>
+      </p:nvGrpSpPr>
+      <p:grpSpPr>
+        <a:xfrm>
+          <a:off x="0" y="0"/>
+          <a:ext cx="0" cy="0"/>
+          <a:chOff x="0" y="0"/>
+          <a:chExt cx="0" cy="0"/>
+        </a:xfrm>
+      </p:grpSpPr>
+      <p:sp>
+        <p:nvSpPr>
+          <p:cNvPr id="2" name="Marcador de imagen de diapositiva 1"/>
+          <p:cNvSpPr>
+            <a:spLocks noGrp="1" noRot="1" noChangeAspect="1"/>
+          </p:cNvSpPr>
+          <p:nvPr>
+            <p:ph type="sldImg"/>
+          </p:nvPr>
+        </p:nvSpPr>
+        <p:spPr/>
+      </p:sp>
+      <p:sp>
+        <p:nvSpPr>
+          <p:cNvPr id="3" name="Marcador de notas 2"/>
+          <p:cNvSpPr>
+            <a:spLocks noGrp="1"/>
+          </p:cNvSpPr>
+          <p:nvPr>
+            <p:ph type="body" idx="1"/>
+          </p:nvPr>
+        </p:nvSpPr>
+        <p:spPr/>
+        <p:txBody>
+          <a:bodyPr/>
+          <a:lstStyle/>
+          <a:p>
+            <a:endParaRPr lang="es-ES"/>
+          </a:p>
+        </p:txBody>
+      </p:sp>
+      <p:sp>
+        <p:nvSpPr>
+          <p:cNvPr id="4" name="Marcador de número de diapositiva 3"/>
+          <p:cNvSpPr>
+            <a:spLocks noGrp="1"/>
+          </p:cNvSpPr>
+          <p:nvPr>
+            <p:ph type="sldNum" sz="quarter" idx="5"/>
+          </p:nvPr>
+        </p:nvSpPr>
+        <p:spPr/>
+        <p:txBody>
+          <a:bodyPr/>
+          <a:lstStyle/>
+          <a:p>
+            <a:fld id="{CDD52475-3746-48F0-8777-1146C5DC1AAC}" type="slidenum">
+              <a:rPr lang="es-ES" smtClean="0"/>
+              <a:t>18</a:t>
             </a:fld>
             <a:endParaRPr lang="es-ES"/>
           </a:p>
@@ -1656,7 +1826,27 @@
           <a:bodyPr/>
           <a:lstStyle/>
           <a:p>
-            <a:endParaRPr lang="es-ES"/>
+            <a:r>
+              <a:rPr lang="es-ES" dirty="0"/>
+              <a:t>Transición de una lógica en servidor a mucha responsabilidad en clientes</a:t>
+            </a:r>
+          </a:p>
+          <a:p>
+            <a:r>
+              <a:rPr lang="es-ES" dirty="0"/>
+              <a:t>UI </a:t>
+            </a:r>
+            <a:r>
+              <a:rPr lang="es-ES" dirty="0" err="1"/>
+              <a:t>Hydration</a:t>
+            </a:r>
+            <a:endParaRPr lang="es-ES" dirty="0"/>
+          </a:p>
+          <a:p>
+            <a:r>
+              <a:rPr lang="es-ES" dirty="0"/>
+              <a:t>Ahora de vuelta al servidor con Next</a:t>
+            </a:r>
           </a:p>
         </p:txBody>
       </p:sp>
@@ -1740,7 +1930,16 @@
           <a:bodyPr/>
           <a:lstStyle/>
           <a:p>
-            <a:endParaRPr lang="es-ES"/>
+            <a:r>
+              <a:rPr lang="es-ES" dirty="0"/>
+              <a:t>Transición de una lógica en servidor a mucha responsabilidad en clientes</a:t>
+            </a:r>
+          </a:p>
+          <a:p>
+            <a:r>
+              <a:rPr lang="es-ES" dirty="0"/>
+              <a:t>Ahora de vuelta al servidor con Next</a:t>
+            </a:r>
           </a:p>
         </p:txBody>
       </p:sp>
@@ -1770,7 +1969,7 @@
     </p:spTree>
     <p:extLst>
       <p:ext uri="{BB962C8B-B14F-4D97-AF65-F5344CB8AC3E}">
-        <p14:creationId xmlns:p14="http://schemas.microsoft.com/office/powerpoint/2010/main" val="109919088"/>
+        <p14:creationId xmlns:p14="http://schemas.microsoft.com/office/powerpoint/2010/main" val="1465384391"/>
       </p:ext>
     </p:extLst>
   </p:cSld>
@@ -1824,7 +2023,27 @@
           <a:bodyPr/>
           <a:lstStyle/>
           <a:p>
-            <a:endParaRPr lang="es-ES"/>
+            <a:r>
+              <a:rPr lang="es-ES" dirty="0"/>
+              <a:t>Transición de una lógica en servidor a mucha responsabilidad en clientes</a:t>
+            </a:r>
+          </a:p>
+          <a:p>
+            <a:r>
+              <a:rPr lang="es-ES" dirty="0"/>
+              <a:t>UI </a:t>
+            </a:r>
+            <a:r>
+              <a:rPr lang="es-ES" dirty="0" err="1"/>
+              <a:t>Hydration</a:t>
+            </a:r>
+            <a:endParaRPr lang="es-ES" dirty="0"/>
+          </a:p>
+          <a:p>
+            <a:r>
+              <a:rPr lang="es-ES" dirty="0"/>
+              <a:t>Ahora de vuelta al servidor con Next</a:t>
+            </a:r>
           </a:p>
         </p:txBody>
       </p:sp>
@@ -1854,7 +2073,7 @@
     </p:spTree>
     <p:extLst>
       <p:ext uri="{BB962C8B-B14F-4D97-AF65-F5344CB8AC3E}">
-        <p14:creationId xmlns:p14="http://schemas.microsoft.com/office/powerpoint/2010/main" val="1300334912"/>
+        <p14:creationId xmlns:p14="http://schemas.microsoft.com/office/powerpoint/2010/main" val="3665288725"/>
       </p:ext>
     </p:extLst>
   </p:cSld>
@@ -2011,7 +2230,7 @@
           <a:p>
             <a:fld id="{80A585E9-3F29-6D4E-ACD6-665777B2053A}" type="datetimeFigureOut">
               <a:rPr lang="es-ES" smtClean="0"/>
-              <a:t>4/3/24</a:t>
+              <a:t>6/3/24</a:t>
             </a:fld>
             <a:endParaRPr lang="es-ES"/>
           </a:p>
@@ -2209,7 +2428,7 @@
           <a:p>
             <a:fld id="{80A585E9-3F29-6D4E-ACD6-665777B2053A}" type="datetimeFigureOut">
               <a:rPr lang="es-ES" smtClean="0"/>
-              <a:t>4/3/24</a:t>
+              <a:t>6/3/24</a:t>
             </a:fld>
             <a:endParaRPr lang="es-ES"/>
           </a:p>
@@ -2417,7 +2636,7 @@
           <a:p>
             <a:fld id="{80A585E9-3F29-6D4E-ACD6-665777B2053A}" type="datetimeFigureOut">
               <a:rPr lang="es-ES" smtClean="0"/>
-              <a:t>4/3/24</a:t>
+              <a:t>6/3/24</a:t>
             </a:fld>
             <a:endParaRPr lang="es-ES"/>
           </a:p>
@@ -2615,7 +2834,7 @@
           <a:p>
             <a:fld id="{80A585E9-3F29-6D4E-ACD6-665777B2053A}" type="datetimeFigureOut">
               <a:rPr lang="es-ES" smtClean="0"/>
-              <a:t>4/3/24</a:t>
+              <a:t>6/3/24</a:t>
             </a:fld>
             <a:endParaRPr lang="es-ES"/>
           </a:p>
@@ -2890,7 +3109,7 @@
           <a:p>
             <a:fld id="{80A585E9-3F29-6D4E-ACD6-665777B2053A}" type="datetimeFigureOut">
               <a:rPr lang="es-ES" smtClean="0"/>
-              <a:t>4/3/24</a:t>
+              <a:t>6/3/24</a:t>
             </a:fld>
             <a:endParaRPr lang="es-ES"/>
           </a:p>
@@ -3155,7 +3374,7 @@
           <a:p>
             <a:fld id="{80A585E9-3F29-6D4E-ACD6-665777B2053A}" type="datetimeFigureOut">
               <a:rPr lang="es-ES" smtClean="0"/>
-              <a:t>4/3/24</a:t>
+              <a:t>6/3/24</a:t>
             </a:fld>
             <a:endParaRPr lang="es-ES"/>
           </a:p>
@@ -3567,7 +3786,7 @@
           <a:p>
             <a:fld id="{80A585E9-3F29-6D4E-ACD6-665777B2053A}" type="datetimeFigureOut">
               <a:rPr lang="es-ES" smtClean="0"/>
-              <a:t>4/3/24</a:t>
+              <a:t>6/3/24</a:t>
             </a:fld>
             <a:endParaRPr lang="es-ES"/>
           </a:p>
@@ -3708,7 +3927,7 @@
           <a:p>
             <a:fld id="{80A585E9-3F29-6D4E-ACD6-665777B2053A}" type="datetimeFigureOut">
               <a:rPr lang="es-ES" smtClean="0"/>
-              <a:t>4/3/24</a:t>
+              <a:t>6/3/24</a:t>
             </a:fld>
             <a:endParaRPr lang="es-ES"/>
           </a:p>
@@ -3821,7 +4040,7 @@
           <a:p>
             <a:fld id="{80A585E9-3F29-6D4E-ACD6-665777B2053A}" type="datetimeFigureOut">
               <a:rPr lang="es-ES" smtClean="0"/>
-              <a:t>4/3/24</a:t>
+              <a:t>6/3/24</a:t>
             </a:fld>
             <a:endParaRPr lang="es-ES"/>
           </a:p>
@@ -4132,7 +4351,7 @@
           <a:p>
             <a:fld id="{80A585E9-3F29-6D4E-ACD6-665777B2053A}" type="datetimeFigureOut">
               <a:rPr lang="es-ES" smtClean="0"/>
-              <a:t>4/3/24</a:t>
+              <a:t>6/3/24</a:t>
             </a:fld>
             <a:endParaRPr lang="es-ES"/>
           </a:p>
@@ -4420,7 +4639,7 @@
           <a:p>
             <a:fld id="{80A585E9-3F29-6D4E-ACD6-665777B2053A}" type="datetimeFigureOut">
               <a:rPr lang="es-ES" smtClean="0"/>
-              <a:t>4/3/24</a:t>
+              <a:t>6/3/24</a:t>
             </a:fld>
             <a:endParaRPr lang="es-ES"/>
           </a:p>
@@ -4661,7 +4880,7 @@
           <a:p>
             <a:fld id="{80A585E9-3F29-6D4E-ACD6-665777B2053A}" type="datetimeFigureOut">
               <a:rPr lang="es-ES" smtClean="0"/>
-              <a:t>4/3/24</a:t>
+              <a:t>6/3/24</a:t>
             </a:fld>
             <a:endParaRPr lang="es-ES"/>
           </a:p>
@@ -5758,6 +5977,1787 @@
 </file>
 
 <file path=ppt/slides/slide10.xml><?xml version="1.0" encoding="utf-8"?>
+<p:sld xmlns:a="http://schemas.openxmlformats.org/drawingml/2006/main" xmlns:r="http://schemas.openxmlformats.org/officeDocument/2006/relationships" xmlns:p="http://schemas.openxmlformats.org/presentationml/2006/main">
+  <p:cSld>
+    <p:spTree>
+      <p:nvGrpSpPr>
+        <p:cNvPr id="1" name="">
+          <a:extLst>
+            <a:ext uri="{FF2B5EF4-FFF2-40B4-BE49-F238E27FC236}">
+              <a16:creationId xmlns:a16="http://schemas.microsoft.com/office/drawing/2014/main" id="{99F6C7D6-48E3-7CD2-5C9E-540A0A187AD2}"/>
+            </a:ext>
+          </a:extLst>
+        </p:cNvPr>
+        <p:cNvGrpSpPr/>
+        <p:nvPr/>
+      </p:nvGrpSpPr>
+      <p:grpSpPr>
+        <a:xfrm>
+          <a:off x="0" y="0"/>
+          <a:ext cx="0" cy="0"/>
+          <a:chOff x="0" y="0"/>
+          <a:chExt cx="0" cy="0"/>
+        </a:xfrm>
+      </p:grpSpPr>
+      <p:grpSp>
+        <p:nvGrpSpPr>
+          <p:cNvPr id="2" name="Grupo 1">
+            <a:extLst>
+              <a:ext uri="{FF2B5EF4-FFF2-40B4-BE49-F238E27FC236}">
+                <a16:creationId xmlns:a16="http://schemas.microsoft.com/office/drawing/2014/main" id="{3FB0D076-BDE7-CA9D-7159-CA17A94454C3}"/>
+              </a:ext>
+            </a:extLst>
+          </p:cNvPr>
+          <p:cNvGrpSpPr/>
+          <p:nvPr/>
+        </p:nvGrpSpPr>
+        <p:grpSpPr>
+          <a:xfrm>
+            <a:off x="4773411" y="2509730"/>
+            <a:ext cx="7250481" cy="4066382"/>
+            <a:chOff x="4885152" y="1912521"/>
+            <a:chExt cx="7250481" cy="4066382"/>
+          </a:xfrm>
+        </p:grpSpPr>
+        <p:sp>
+          <p:nvSpPr>
+            <p:cNvPr id="4" name="Hexágono 3">
+              <a:extLst>
+                <a:ext uri="{FF2B5EF4-FFF2-40B4-BE49-F238E27FC236}">
+                  <a16:creationId xmlns:a16="http://schemas.microsoft.com/office/drawing/2014/main" id="{1B0AEED3-2F26-F6F1-046D-7978F10A7406}"/>
+                </a:ext>
+              </a:extLst>
+            </p:cNvPr>
+            <p:cNvSpPr/>
+            <p:nvPr/>
+          </p:nvSpPr>
+          <p:spPr>
+            <a:xfrm>
+              <a:off x="7352778" y="2154476"/>
+              <a:ext cx="2630465" cy="2267642"/>
+            </a:xfrm>
+            <a:prstGeom prst="hexagon">
+              <a:avLst/>
+            </a:prstGeom>
+            <a:blipFill>
+              <a:blip r:embed="rId3" cstate="screen">
+                <a:extLst>
+                  <a:ext uri="{28A0092B-C50C-407E-A947-70E740481C1C}">
+                    <a14:useLocalDpi xmlns:a14="http://schemas.microsoft.com/office/drawing/2010/main"/>
+                  </a:ext>
+                </a:extLst>
+              </a:blip>
+              <a:stretch>
+                <a:fillRect/>
+              </a:stretch>
+            </a:blipFill>
+            <a:ln>
+              <a:noFill/>
+            </a:ln>
+          </p:spPr>
+          <p:style>
+            <a:lnRef idx="2">
+              <a:schemeClr val="accent1">
+                <a:shade val="15000"/>
+              </a:schemeClr>
+            </a:lnRef>
+            <a:fillRef idx="1">
+              <a:schemeClr val="accent1"/>
+            </a:fillRef>
+            <a:effectRef idx="0">
+              <a:schemeClr val="accent1"/>
+            </a:effectRef>
+            <a:fontRef idx="minor">
+              <a:schemeClr val="lt1"/>
+            </a:fontRef>
+          </p:style>
+          <p:txBody>
+            <a:bodyPr rtlCol="0" anchor="ctr"/>
+            <a:lstStyle/>
+            <a:p>
+              <a:pPr algn="ctr"/>
+              <a:endParaRPr lang="es-ES"/>
+            </a:p>
+          </p:txBody>
+        </p:sp>
+        <p:sp>
+          <p:nvSpPr>
+            <p:cNvPr id="5" name="Hexágono 4">
+              <a:extLst>
+                <a:ext uri="{FF2B5EF4-FFF2-40B4-BE49-F238E27FC236}">
+                  <a16:creationId xmlns:a16="http://schemas.microsoft.com/office/drawing/2014/main" id="{C2D40C21-8A49-1058-9158-3BACD3C974FD}"/>
+                </a:ext>
+              </a:extLst>
+            </p:cNvPr>
+            <p:cNvSpPr/>
+            <p:nvPr/>
+          </p:nvSpPr>
+          <p:spPr>
+            <a:xfrm>
+              <a:off x="5200388" y="3338401"/>
+              <a:ext cx="2630465" cy="2267642"/>
+            </a:xfrm>
+            <a:prstGeom prst="hexagon">
+              <a:avLst/>
+            </a:prstGeom>
+            <a:blipFill>
+              <a:blip r:embed="rId4" cstate="screen">
+                <a:extLst>
+                  <a:ext uri="{28A0092B-C50C-407E-A947-70E740481C1C}">
+                    <a14:useLocalDpi xmlns:a14="http://schemas.microsoft.com/office/drawing/2010/main"/>
+                  </a:ext>
+                </a:extLst>
+              </a:blip>
+              <a:stretch>
+                <a:fillRect/>
+              </a:stretch>
+            </a:blipFill>
+            <a:ln>
+              <a:noFill/>
+            </a:ln>
+          </p:spPr>
+          <p:style>
+            <a:lnRef idx="2">
+              <a:schemeClr val="accent1">
+                <a:shade val="15000"/>
+              </a:schemeClr>
+            </a:lnRef>
+            <a:fillRef idx="1">
+              <a:schemeClr val="accent1"/>
+            </a:fillRef>
+            <a:effectRef idx="0">
+              <a:schemeClr val="accent1"/>
+            </a:effectRef>
+            <a:fontRef idx="minor">
+              <a:schemeClr val="lt1"/>
+            </a:fontRef>
+          </p:style>
+          <p:txBody>
+            <a:bodyPr rtlCol="0" anchor="ctr"/>
+            <a:lstStyle/>
+            <a:p>
+              <a:pPr algn="ctr"/>
+              <a:endParaRPr lang="es-ES"/>
+            </a:p>
+          </p:txBody>
+        </p:sp>
+        <p:sp>
+          <p:nvSpPr>
+            <p:cNvPr id="6" name="Hexágono 5">
+              <a:extLst>
+                <a:ext uri="{FF2B5EF4-FFF2-40B4-BE49-F238E27FC236}">
+                  <a16:creationId xmlns:a16="http://schemas.microsoft.com/office/drawing/2014/main" id="{7886ACDC-BAE0-7322-4285-106FAA115F39}"/>
+                </a:ext>
+              </a:extLst>
+            </p:cNvPr>
+            <p:cNvSpPr/>
+            <p:nvPr/>
+          </p:nvSpPr>
+          <p:spPr>
+            <a:xfrm>
+              <a:off x="9505168" y="3338401"/>
+              <a:ext cx="2630465" cy="2267642"/>
+            </a:xfrm>
+            <a:prstGeom prst="hexagon">
+              <a:avLst/>
+            </a:prstGeom>
+            <a:blipFill>
+              <a:blip r:embed="rId5" cstate="screen">
+                <a:extLst>
+                  <a:ext uri="{28A0092B-C50C-407E-A947-70E740481C1C}">
+                    <a14:useLocalDpi xmlns:a14="http://schemas.microsoft.com/office/drawing/2010/main"/>
+                  </a:ext>
+                </a:extLst>
+              </a:blip>
+              <a:stretch>
+                <a:fillRect/>
+              </a:stretch>
+            </a:blipFill>
+            <a:ln>
+              <a:noFill/>
+            </a:ln>
+          </p:spPr>
+          <p:style>
+            <a:lnRef idx="2">
+              <a:schemeClr val="accent1">
+                <a:shade val="15000"/>
+              </a:schemeClr>
+            </a:lnRef>
+            <a:fillRef idx="1">
+              <a:schemeClr val="accent1"/>
+            </a:fillRef>
+            <a:effectRef idx="0">
+              <a:schemeClr val="accent1"/>
+            </a:effectRef>
+            <a:fontRef idx="minor">
+              <a:schemeClr val="lt1"/>
+            </a:fontRef>
+          </p:style>
+          <p:txBody>
+            <a:bodyPr rtlCol="0" anchor="ctr"/>
+            <a:lstStyle/>
+            <a:p>
+              <a:pPr algn="ctr"/>
+              <a:endParaRPr lang="es-ES"/>
+            </a:p>
+          </p:txBody>
+        </p:sp>
+        <p:sp>
+          <p:nvSpPr>
+            <p:cNvPr id="7" name="Hexágono 6">
+              <a:extLst>
+                <a:ext uri="{FF2B5EF4-FFF2-40B4-BE49-F238E27FC236}">
+                  <a16:creationId xmlns:a16="http://schemas.microsoft.com/office/drawing/2014/main" id="{A5640031-399E-7E42-3D45-A3A5CEC098A9}"/>
+                </a:ext>
+              </a:extLst>
+            </p:cNvPr>
+            <p:cNvSpPr/>
+            <p:nvPr/>
+          </p:nvSpPr>
+          <p:spPr>
+            <a:xfrm>
+              <a:off x="7830853" y="1912521"/>
+              <a:ext cx="2630465" cy="2267642"/>
+            </a:xfrm>
+            <a:prstGeom prst="hexagon">
+              <a:avLst/>
+            </a:prstGeom>
+            <a:noFill/>
+            <a:ln w="28575">
+              <a:solidFill>
+                <a:schemeClr val="accent5"/>
+              </a:solidFill>
+            </a:ln>
+          </p:spPr>
+          <p:style>
+            <a:lnRef idx="2">
+              <a:schemeClr val="accent2"/>
+            </a:lnRef>
+            <a:fillRef idx="1">
+              <a:schemeClr val="lt1"/>
+            </a:fillRef>
+            <a:effectRef idx="0">
+              <a:schemeClr val="accent2"/>
+            </a:effectRef>
+            <a:fontRef idx="minor">
+              <a:schemeClr val="dk1"/>
+            </a:fontRef>
+          </p:style>
+          <p:txBody>
+            <a:bodyPr rtlCol="0" anchor="ctr"/>
+            <a:lstStyle/>
+            <a:p>
+              <a:pPr algn="ctr"/>
+              <a:endParaRPr lang="es-ES">
+                <a:solidFill>
+                  <a:schemeClr val="accent4"/>
+                </a:solidFill>
+              </a:endParaRPr>
+            </a:p>
+          </p:txBody>
+        </p:sp>
+        <p:sp>
+          <p:nvSpPr>
+            <p:cNvPr id="8" name="Hexágono 7">
+              <a:extLst>
+                <a:ext uri="{FF2B5EF4-FFF2-40B4-BE49-F238E27FC236}">
+                  <a16:creationId xmlns:a16="http://schemas.microsoft.com/office/drawing/2014/main" id="{77EFF2E6-59C7-F5B8-5C7A-7408A0C566AA}"/>
+                </a:ext>
+              </a:extLst>
+            </p:cNvPr>
+            <p:cNvSpPr/>
+            <p:nvPr/>
+          </p:nvSpPr>
+          <p:spPr>
+            <a:xfrm>
+              <a:off x="4885152" y="3618149"/>
+              <a:ext cx="2630465" cy="2267642"/>
+            </a:xfrm>
+            <a:prstGeom prst="hexagon">
+              <a:avLst/>
+            </a:prstGeom>
+            <a:noFill/>
+            <a:ln w="28575">
+              <a:solidFill>
+                <a:schemeClr val="accent5"/>
+              </a:solidFill>
+            </a:ln>
+          </p:spPr>
+          <p:style>
+            <a:lnRef idx="2">
+              <a:schemeClr val="accent2"/>
+            </a:lnRef>
+            <a:fillRef idx="1">
+              <a:schemeClr val="lt1"/>
+            </a:fillRef>
+            <a:effectRef idx="0">
+              <a:schemeClr val="accent2"/>
+            </a:effectRef>
+            <a:fontRef idx="minor">
+              <a:schemeClr val="dk1"/>
+            </a:fontRef>
+          </p:style>
+          <p:txBody>
+            <a:bodyPr rtlCol="0" anchor="ctr"/>
+            <a:lstStyle/>
+            <a:p>
+              <a:pPr algn="ctr"/>
+              <a:endParaRPr lang="es-ES">
+                <a:solidFill>
+                  <a:schemeClr val="accent4"/>
+                </a:solidFill>
+              </a:endParaRPr>
+            </a:p>
+          </p:txBody>
+        </p:sp>
+        <p:sp>
+          <p:nvSpPr>
+            <p:cNvPr id="12" name="Hexágono 11">
+              <a:extLst>
+                <a:ext uri="{FF2B5EF4-FFF2-40B4-BE49-F238E27FC236}">
+                  <a16:creationId xmlns:a16="http://schemas.microsoft.com/office/drawing/2014/main" id="{7455C750-1128-AA37-0677-6ADF09F5B47B}"/>
+                </a:ext>
+              </a:extLst>
+            </p:cNvPr>
+            <p:cNvSpPr/>
+            <p:nvPr/>
+          </p:nvSpPr>
+          <p:spPr>
+            <a:xfrm>
+              <a:off x="6515620" y="2295732"/>
+              <a:ext cx="216021" cy="186225"/>
+            </a:xfrm>
+            <a:prstGeom prst="hexagon">
+              <a:avLst/>
+            </a:prstGeom>
+            <a:noFill/>
+            <a:ln w="19050">
+              <a:solidFill>
+                <a:schemeClr val="bg2">
+                  <a:lumMod val="90000"/>
+                </a:schemeClr>
+              </a:solidFill>
+            </a:ln>
+          </p:spPr>
+          <p:style>
+            <a:lnRef idx="2">
+              <a:schemeClr val="accent1">
+                <a:shade val="15000"/>
+              </a:schemeClr>
+            </a:lnRef>
+            <a:fillRef idx="1">
+              <a:schemeClr val="accent1"/>
+            </a:fillRef>
+            <a:effectRef idx="0">
+              <a:schemeClr val="accent1"/>
+            </a:effectRef>
+            <a:fontRef idx="minor">
+              <a:schemeClr val="lt1"/>
+            </a:fontRef>
+          </p:style>
+          <p:txBody>
+            <a:bodyPr rtlCol="0" anchor="ctr"/>
+            <a:lstStyle/>
+            <a:p>
+              <a:pPr algn="ctr"/>
+              <a:endParaRPr lang="es-ES" b="1" i="0">
+                <a:latin typeface="Lexend SemiBold" pitchFamily="2" charset="77"/>
+              </a:endParaRPr>
+            </a:p>
+          </p:txBody>
+        </p:sp>
+        <p:sp>
+          <p:nvSpPr>
+            <p:cNvPr id="13" name="Hexágono 12">
+              <a:extLst>
+                <a:ext uri="{FF2B5EF4-FFF2-40B4-BE49-F238E27FC236}">
+                  <a16:creationId xmlns:a16="http://schemas.microsoft.com/office/drawing/2014/main" id="{327F64D6-C536-DF35-7A5F-8BA771579AEE}"/>
+                </a:ext>
+              </a:extLst>
+            </p:cNvPr>
+            <p:cNvSpPr/>
+            <p:nvPr/>
+          </p:nvSpPr>
+          <p:spPr>
+            <a:xfrm>
+              <a:off x="9146085" y="5792678"/>
+              <a:ext cx="216021" cy="186225"/>
+            </a:xfrm>
+            <a:prstGeom prst="hexagon">
+              <a:avLst/>
+            </a:prstGeom>
+            <a:noFill/>
+            <a:ln w="19050">
+              <a:solidFill>
+                <a:schemeClr val="bg2">
+                  <a:lumMod val="90000"/>
+                </a:schemeClr>
+              </a:solidFill>
+            </a:ln>
+          </p:spPr>
+          <p:style>
+            <a:lnRef idx="2">
+              <a:schemeClr val="accent1">
+                <a:shade val="15000"/>
+              </a:schemeClr>
+            </a:lnRef>
+            <a:fillRef idx="1">
+              <a:schemeClr val="accent1"/>
+            </a:fillRef>
+            <a:effectRef idx="0">
+              <a:schemeClr val="accent1"/>
+            </a:effectRef>
+            <a:fontRef idx="minor">
+              <a:schemeClr val="lt1"/>
+            </a:fontRef>
+          </p:style>
+          <p:txBody>
+            <a:bodyPr rtlCol="0" anchor="ctr"/>
+            <a:lstStyle/>
+            <a:p>
+              <a:pPr algn="ctr"/>
+              <a:endParaRPr lang="es-ES" b="1" i="0">
+                <a:latin typeface="Lexend SemiBold" pitchFamily="2" charset="77"/>
+              </a:endParaRPr>
+            </a:p>
+          </p:txBody>
+        </p:sp>
+      </p:grpSp>
+      <p:sp>
+        <p:nvSpPr>
+          <p:cNvPr id="3" name="CuadroTexto 2">
+            <a:extLst>
+              <a:ext uri="{FF2B5EF4-FFF2-40B4-BE49-F238E27FC236}">
+                <a16:creationId xmlns:a16="http://schemas.microsoft.com/office/drawing/2014/main" id="{532C5669-E0F5-7DE6-AB44-F54914B273D0}"/>
+              </a:ext>
+            </a:extLst>
+          </p:cNvPr>
+          <p:cNvSpPr txBox="1"/>
+          <p:nvPr/>
+        </p:nvSpPr>
+        <p:spPr>
+          <a:xfrm>
+            <a:off x="3223890" y="3184612"/>
+            <a:ext cx="639919" cy="584775"/>
+          </a:xfrm>
+          <a:prstGeom prst="rect">
+            <a:avLst/>
+          </a:prstGeom>
+          <a:noFill/>
+        </p:spPr>
+        <p:txBody>
+          <a:bodyPr wrap="none" rtlCol="0">
+            <a:spAutoFit/>
+          </a:bodyPr>
+          <a:lstStyle/>
+          <a:p>
+            <a:r>
+              <a:rPr lang="es-ES" sz="3200" b="1" dirty="0">
+                <a:solidFill>
+                  <a:schemeClr val="accent6"/>
+                </a:solidFill>
+                <a:latin typeface="Barlow" pitchFamily="2" charset="77"/>
+              </a:rPr>
+              <a:t>03</a:t>
+            </a:r>
+          </a:p>
+        </p:txBody>
+      </p:sp>
+      <p:sp>
+        <p:nvSpPr>
+          <p:cNvPr id="11" name="CuadroTexto 10">
+            <a:extLst>
+              <a:ext uri="{FF2B5EF4-FFF2-40B4-BE49-F238E27FC236}">
+                <a16:creationId xmlns:a16="http://schemas.microsoft.com/office/drawing/2014/main" id="{46B71E81-B0DF-CD3D-71AC-57B1A40D3F23}"/>
+              </a:ext>
+            </a:extLst>
+          </p:cNvPr>
+          <p:cNvSpPr txBox="1"/>
+          <p:nvPr/>
+        </p:nvSpPr>
+        <p:spPr>
+          <a:xfrm>
+            <a:off x="1656846" y="1995243"/>
+            <a:ext cx="3772404" cy="1200329"/>
+          </a:xfrm>
+          <a:prstGeom prst="rect">
+            <a:avLst/>
+          </a:prstGeom>
+          <a:noFill/>
+        </p:spPr>
+        <p:txBody>
+          <a:bodyPr wrap="square" rtlCol="0">
+            <a:spAutoFit/>
+          </a:bodyPr>
+          <a:lstStyle/>
+          <a:p>
+            <a:r>
+              <a:rPr lang="es-ES" sz="2400" dirty="0">
+                <a:solidFill>
+                  <a:srgbClr val="4D4D4D"/>
+                </a:solidFill>
+                <a:latin typeface="Barlow Medium" pitchFamily="2" charset="77"/>
+              </a:rPr>
+              <a:t>Cómo actúan librerías y frameworks en este proceso</a:t>
+            </a:r>
+          </a:p>
+        </p:txBody>
+      </p:sp>
+      <p:sp>
+        <p:nvSpPr>
+          <p:cNvPr id="14" name="CuadroTexto 13">
+            <a:extLst>
+              <a:ext uri="{FF2B5EF4-FFF2-40B4-BE49-F238E27FC236}">
+                <a16:creationId xmlns:a16="http://schemas.microsoft.com/office/drawing/2014/main" id="{E5299A54-3C09-BB94-D112-7A6105564A8F}"/>
+              </a:ext>
+            </a:extLst>
+          </p:cNvPr>
+          <p:cNvSpPr txBox="1"/>
+          <p:nvPr/>
+        </p:nvSpPr>
+        <p:spPr>
+          <a:xfrm>
+            <a:off x="1565405" y="945249"/>
+            <a:ext cx="9356421" cy="1015663"/>
+          </a:xfrm>
+          <a:prstGeom prst="rect">
+            <a:avLst/>
+          </a:prstGeom>
+          <a:noFill/>
+        </p:spPr>
+        <p:txBody>
+          <a:bodyPr wrap="square" rtlCol="0">
+            <a:spAutoFit/>
+          </a:bodyPr>
+          <a:lstStyle/>
+          <a:p>
+            <a:r>
+              <a:rPr lang="es-ES" sz="6000" b="1" dirty="0">
+                <a:solidFill>
+                  <a:schemeClr val="accent1"/>
+                </a:solidFill>
+                <a:latin typeface="Sama Devanagari" panose="020F0603040507060303" pitchFamily="34" charset="0"/>
+                <a:cs typeface="Sama Devanagari" panose="020F0603040507060303" pitchFamily="34" charset="0"/>
+              </a:rPr>
+              <a:t>Papel de </a:t>
+            </a:r>
+            <a:r>
+              <a:rPr lang="es-ES" sz="6000" b="1" dirty="0" err="1">
+                <a:solidFill>
+                  <a:schemeClr val="accent6"/>
+                </a:solidFill>
+                <a:latin typeface="Sama Devanagari" panose="020F0603040507060303" pitchFamily="34" charset="0"/>
+                <a:cs typeface="Sama Devanagari" panose="020F0603040507060303" pitchFamily="34" charset="0"/>
+              </a:rPr>
+              <a:t>React</a:t>
+            </a:r>
+            <a:endParaRPr lang="es-ES" sz="6000" b="1" dirty="0">
+              <a:solidFill>
+                <a:schemeClr val="accent6"/>
+              </a:solidFill>
+              <a:latin typeface="Sama Devanagari" panose="020F0603040507060303" pitchFamily="34" charset="0"/>
+              <a:cs typeface="Sama Devanagari" panose="020F0603040507060303" pitchFamily="34" charset="0"/>
+            </a:endParaRPr>
+          </a:p>
+        </p:txBody>
+      </p:sp>
+    </p:spTree>
+    <p:extLst>
+      <p:ext uri="{BB962C8B-B14F-4D97-AF65-F5344CB8AC3E}">
+        <p14:creationId xmlns:p14="http://schemas.microsoft.com/office/powerpoint/2010/main" val="3171664539"/>
+      </p:ext>
+    </p:extLst>
+  </p:cSld>
+  <p:clrMapOvr>
+    <a:masterClrMapping/>
+  </p:clrMapOvr>
+</p:sld>
+</file>
+
+<file path=ppt/slides/slide11.xml><?xml version="1.0" encoding="utf-8"?>
+<p:sld xmlns:a="http://schemas.openxmlformats.org/drawingml/2006/main" xmlns:r="http://schemas.openxmlformats.org/officeDocument/2006/relationships" xmlns:p="http://schemas.openxmlformats.org/presentationml/2006/main">
+  <p:cSld>
+    <p:spTree>
+      <p:nvGrpSpPr>
+        <p:cNvPr id="1" name=""/>
+        <p:cNvGrpSpPr/>
+        <p:nvPr/>
+      </p:nvGrpSpPr>
+      <p:grpSpPr>
+        <a:xfrm>
+          <a:off x="0" y="0"/>
+          <a:ext cx="0" cy="0"/>
+          <a:chOff x="0" y="0"/>
+          <a:chExt cx="0" cy="0"/>
+        </a:xfrm>
+      </p:grpSpPr>
+      <p:sp>
+        <p:nvSpPr>
+          <p:cNvPr id="29" name="Rectángulo 28">
+            <a:extLst>
+              <a:ext uri="{FF2B5EF4-FFF2-40B4-BE49-F238E27FC236}">
+                <a16:creationId xmlns:a16="http://schemas.microsoft.com/office/drawing/2014/main" id="{4D818091-695C-2453-BDC8-5B233EDAD2F4}"/>
+              </a:ext>
+            </a:extLst>
+          </p:cNvPr>
+          <p:cNvSpPr/>
+          <p:nvPr/>
+        </p:nvSpPr>
+        <p:spPr>
+          <a:xfrm>
+            <a:off x="573898" y="1020266"/>
+            <a:ext cx="11308913" cy="571416"/>
+          </a:xfrm>
+          <a:prstGeom prst="rect">
+            <a:avLst/>
+          </a:prstGeom>
+          <a:solidFill>
+            <a:schemeClr val="bg1">
+              <a:lumMod val="95000"/>
+            </a:schemeClr>
+          </a:solidFill>
+          <a:ln>
+            <a:noFill/>
+          </a:ln>
+        </p:spPr>
+        <p:style>
+          <a:lnRef idx="2">
+            <a:schemeClr val="accent1">
+              <a:shade val="15000"/>
+            </a:schemeClr>
+          </a:lnRef>
+          <a:fillRef idx="1">
+            <a:schemeClr val="accent1"/>
+          </a:fillRef>
+          <a:effectRef idx="0">
+            <a:schemeClr val="accent1"/>
+          </a:effectRef>
+          <a:fontRef idx="minor">
+            <a:schemeClr val="lt1"/>
+          </a:fontRef>
+        </p:style>
+        <p:txBody>
+          <a:bodyPr rtlCol="0" anchor="ctr"/>
+          <a:lstStyle/>
+          <a:p>
+            <a:pPr algn="ctr"/>
+            <a:endParaRPr lang="es-ES"/>
+          </a:p>
+        </p:txBody>
+      </p:sp>
+      <p:sp>
+        <p:nvSpPr>
+          <p:cNvPr id="5" name="CuadroTexto 4">
+            <a:extLst>
+              <a:ext uri="{FF2B5EF4-FFF2-40B4-BE49-F238E27FC236}">
+                <a16:creationId xmlns:a16="http://schemas.microsoft.com/office/drawing/2014/main" id="{98029146-D78F-FA74-1EA1-F96D5FB0D66C}"/>
+              </a:ext>
+            </a:extLst>
+          </p:cNvPr>
+          <p:cNvSpPr txBox="1"/>
+          <p:nvPr/>
+        </p:nvSpPr>
+        <p:spPr>
+          <a:xfrm>
+            <a:off x="7979454" y="-1968417"/>
+            <a:ext cx="960519" cy="307777"/>
+          </a:xfrm>
+          <a:prstGeom prst="rect">
+            <a:avLst/>
+          </a:prstGeom>
+          <a:noFill/>
+        </p:spPr>
+        <p:txBody>
+          <a:bodyPr wrap="none" rtlCol="0">
+            <a:spAutoFit/>
+          </a:bodyPr>
+          <a:lstStyle/>
+          <a:p>
+            <a:r>
+              <a:rPr lang="es-ES" sz="1400">
+                <a:latin typeface="Lexend Medium" pitchFamily="2" charset="77"/>
+              </a:rPr>
+              <a:t>Flexibles</a:t>
+            </a:r>
+          </a:p>
+        </p:txBody>
+      </p:sp>
+      <p:sp>
+        <p:nvSpPr>
+          <p:cNvPr id="6" name="CuadroTexto 5">
+            <a:extLst>
+              <a:ext uri="{FF2B5EF4-FFF2-40B4-BE49-F238E27FC236}">
+                <a16:creationId xmlns:a16="http://schemas.microsoft.com/office/drawing/2014/main" id="{2FBF4510-8AC7-5716-228F-F9ADDD3348BE}"/>
+              </a:ext>
+            </a:extLst>
+          </p:cNvPr>
+          <p:cNvSpPr txBox="1"/>
+          <p:nvPr/>
+        </p:nvSpPr>
+        <p:spPr>
+          <a:xfrm>
+            <a:off x="7979454" y="-1306642"/>
+            <a:ext cx="1197764" cy="307777"/>
+          </a:xfrm>
+          <a:prstGeom prst="rect">
+            <a:avLst/>
+          </a:prstGeom>
+          <a:noFill/>
+        </p:spPr>
+        <p:txBody>
+          <a:bodyPr wrap="none" rtlCol="0">
+            <a:spAutoFit/>
+          </a:bodyPr>
+          <a:lstStyle/>
+          <a:p>
+            <a:r>
+              <a:rPr lang="es-ES" sz="1400">
+                <a:latin typeface="Lexend Medium" pitchFamily="2" charset="77"/>
+              </a:rPr>
+              <a:t>Adaptables</a:t>
+            </a:r>
+          </a:p>
+        </p:txBody>
+      </p:sp>
+      <p:sp>
+        <p:nvSpPr>
+          <p:cNvPr id="7" name="CuadroTexto 6">
+            <a:extLst>
+              <a:ext uri="{FF2B5EF4-FFF2-40B4-BE49-F238E27FC236}">
+                <a16:creationId xmlns:a16="http://schemas.microsoft.com/office/drawing/2014/main" id="{4D083F20-BA08-9BB3-E085-D18D83E6823A}"/>
+              </a:ext>
+            </a:extLst>
+          </p:cNvPr>
+          <p:cNvSpPr txBox="1"/>
+          <p:nvPr/>
+        </p:nvSpPr>
+        <p:spPr>
+          <a:xfrm>
+            <a:off x="10165557" y="-1882545"/>
+            <a:ext cx="1114408" cy="307777"/>
+          </a:xfrm>
+          <a:prstGeom prst="rect">
+            <a:avLst/>
+          </a:prstGeom>
+          <a:noFill/>
+        </p:spPr>
+        <p:txBody>
+          <a:bodyPr wrap="none" rtlCol="0">
+            <a:spAutoFit/>
+          </a:bodyPr>
+          <a:lstStyle/>
+          <a:p>
+            <a:r>
+              <a:rPr lang="es-ES" sz="1400">
+                <a:latin typeface="Lexend Medium" pitchFamily="2" charset="77"/>
+              </a:rPr>
+              <a:t>Escalables</a:t>
+            </a:r>
+          </a:p>
+        </p:txBody>
+      </p:sp>
+      <p:sp>
+        <p:nvSpPr>
+          <p:cNvPr id="8" name="CuadroTexto 7">
+            <a:extLst>
+              <a:ext uri="{FF2B5EF4-FFF2-40B4-BE49-F238E27FC236}">
+                <a16:creationId xmlns:a16="http://schemas.microsoft.com/office/drawing/2014/main" id="{BB090657-113D-D4E4-4CF4-D95CEFA2E1C5}"/>
+              </a:ext>
+            </a:extLst>
+          </p:cNvPr>
+          <p:cNvSpPr txBox="1"/>
+          <p:nvPr/>
+        </p:nvSpPr>
+        <p:spPr>
+          <a:xfrm>
+            <a:off x="10165557" y="-1254251"/>
+            <a:ext cx="1003801" cy="307777"/>
+          </a:xfrm>
+          <a:prstGeom prst="rect">
+            <a:avLst/>
+          </a:prstGeom>
+          <a:noFill/>
+        </p:spPr>
+        <p:txBody>
+          <a:bodyPr wrap="none" rtlCol="0">
+            <a:spAutoFit/>
+          </a:bodyPr>
+          <a:lstStyle/>
+          <a:p>
+            <a:r>
+              <a:rPr lang="es-ES" sz="1400">
+                <a:latin typeface="Lexend Medium" pitchFamily="2" charset="77"/>
+              </a:rPr>
+              <a:t>Robustos</a:t>
+            </a:r>
+          </a:p>
+        </p:txBody>
+      </p:sp>
+      <p:grpSp>
+        <p:nvGrpSpPr>
+          <p:cNvPr id="14" name="Grupo 13">
+            <a:extLst>
+              <a:ext uri="{FF2B5EF4-FFF2-40B4-BE49-F238E27FC236}">
+                <a16:creationId xmlns:a16="http://schemas.microsoft.com/office/drawing/2014/main" id="{8C67021A-696E-D0C6-A89E-9BD9267CACD2}"/>
+              </a:ext>
+            </a:extLst>
+          </p:cNvPr>
+          <p:cNvGrpSpPr/>
+          <p:nvPr/>
+        </p:nvGrpSpPr>
+        <p:grpSpPr>
+          <a:xfrm>
+            <a:off x="942680" y="-4681737"/>
+            <a:ext cx="5137934" cy="4170376"/>
+            <a:chOff x="3880339" y="2126063"/>
+            <a:chExt cx="5137934" cy="4170376"/>
+          </a:xfrm>
+        </p:grpSpPr>
+        <p:sp>
+          <p:nvSpPr>
+            <p:cNvPr id="15" name="CuadroTexto 14">
+              <a:extLst>
+                <a:ext uri="{FF2B5EF4-FFF2-40B4-BE49-F238E27FC236}">
+                  <a16:creationId xmlns:a16="http://schemas.microsoft.com/office/drawing/2014/main" id="{7C740263-92DC-BCEF-25C0-98BBEBAE6C37}"/>
+                </a:ext>
+              </a:extLst>
+            </p:cNvPr>
+            <p:cNvSpPr txBox="1"/>
+            <p:nvPr/>
+          </p:nvSpPr>
+          <p:spPr>
+            <a:xfrm>
+              <a:off x="4194207" y="2126063"/>
+              <a:ext cx="4297971" cy="461665"/>
+            </a:xfrm>
+            <a:prstGeom prst="rect">
+              <a:avLst/>
+            </a:prstGeom>
+            <a:noFill/>
+          </p:spPr>
+          <p:txBody>
+            <a:bodyPr wrap="none" rtlCol="0">
+              <a:spAutoFit/>
+            </a:bodyPr>
+            <a:lstStyle/>
+            <a:p>
+              <a:r>
+                <a:rPr lang="es-ES" sz="2400" b="1">
+                  <a:latin typeface="Lexend SemiBold" pitchFamily="2" charset="77"/>
+                </a:rPr>
+                <a:t>Nuestro decálogo de </a:t>
+              </a:r>
+              <a:r>
+                <a:rPr lang="es-ES" sz="2400" b="1">
+                  <a:solidFill>
+                    <a:schemeClr val="accent3"/>
+                  </a:solidFill>
+                  <a:latin typeface="Lexend SemiBold" pitchFamily="2" charset="77"/>
+                </a:rPr>
+                <a:t>valor</a:t>
+              </a:r>
+            </a:p>
+          </p:txBody>
+        </p:sp>
+        <p:sp>
+          <p:nvSpPr>
+            <p:cNvPr id="16" name="CuadroTexto 15">
+              <a:extLst>
+                <a:ext uri="{FF2B5EF4-FFF2-40B4-BE49-F238E27FC236}">
+                  <a16:creationId xmlns:a16="http://schemas.microsoft.com/office/drawing/2014/main" id="{74715BE1-BC7A-948A-9CC1-977D5E2EAF71}"/>
+                </a:ext>
+              </a:extLst>
+            </p:cNvPr>
+            <p:cNvSpPr txBox="1"/>
+            <p:nvPr/>
+          </p:nvSpPr>
+          <p:spPr>
+            <a:xfrm>
+              <a:off x="4276269" y="2686989"/>
+              <a:ext cx="4742004" cy="3609450"/>
+            </a:xfrm>
+            <a:prstGeom prst="rect">
+              <a:avLst/>
+            </a:prstGeom>
+            <a:noFill/>
+          </p:spPr>
+          <p:txBody>
+            <a:bodyPr wrap="none" rtlCol="0">
+              <a:spAutoFit/>
+            </a:bodyPr>
+            <a:lstStyle/>
+            <a:p>
+              <a:pPr marL="285750" indent="-285750">
+                <a:lnSpc>
+                  <a:spcPct val="150000"/>
+                </a:lnSpc>
+                <a:buFont typeface="Wingdings" pitchFamily="2" charset="2"/>
+                <a:buChar char="Ø"/>
+              </a:pPr>
+              <a:r>
+                <a:rPr lang="es-ES" sz="1400">
+                  <a:latin typeface="Lexend ExtraLight" pitchFamily="2" charset="77"/>
+                </a:rPr>
+                <a:t>Arquitecturas limpias</a:t>
+              </a:r>
+            </a:p>
+            <a:p>
+              <a:pPr marL="285750" indent="-285750">
+                <a:lnSpc>
+                  <a:spcPct val="150000"/>
+                </a:lnSpc>
+                <a:buFont typeface="Wingdings" pitchFamily="2" charset="2"/>
+                <a:buChar char="Ø"/>
+              </a:pPr>
+              <a:r>
+                <a:rPr lang="es-ES" sz="1400">
+                  <a:latin typeface="Lexend ExtraLight" pitchFamily="2" charset="77"/>
+                </a:rPr>
+                <a:t>Arquitecturas monolíticas</a:t>
+              </a:r>
+            </a:p>
+            <a:p>
+              <a:pPr marL="285750" indent="-285750">
+                <a:lnSpc>
+                  <a:spcPct val="150000"/>
+                </a:lnSpc>
+                <a:buFont typeface="Wingdings" pitchFamily="2" charset="2"/>
+                <a:buChar char="Ø"/>
+              </a:pPr>
+              <a:r>
+                <a:rPr lang="es-ES" sz="1400">
+                  <a:latin typeface="Lexend ExtraLight" pitchFamily="2" charset="77"/>
+                </a:rPr>
+                <a:t>Arquitecturas distribuidas</a:t>
+              </a:r>
+            </a:p>
+            <a:p>
+              <a:pPr marL="285750" indent="-285750">
+                <a:lnSpc>
+                  <a:spcPct val="150000"/>
+                </a:lnSpc>
+                <a:buFont typeface="Wingdings" pitchFamily="2" charset="2"/>
+                <a:buChar char="Ø"/>
+              </a:pPr>
+              <a:r>
+                <a:rPr lang="es-ES" sz="1400">
+                  <a:latin typeface="Lexend ExtraLight" pitchFamily="2" charset="77"/>
+                </a:rPr>
+                <a:t>Arquitecturas de Microservicios</a:t>
+              </a:r>
+            </a:p>
+            <a:p>
+              <a:pPr marL="285750" indent="-285750">
+                <a:lnSpc>
+                  <a:spcPct val="150000"/>
+                </a:lnSpc>
+                <a:buFont typeface="Wingdings" pitchFamily="2" charset="2"/>
+                <a:buChar char="Ø"/>
+              </a:pPr>
+              <a:r>
+                <a:rPr lang="es-ES" sz="1400">
+                  <a:latin typeface="Lexend ExtraLight" pitchFamily="2" charset="77"/>
+                </a:rPr>
+                <a:t>Service Mesh</a:t>
+              </a:r>
+            </a:p>
+            <a:p>
+              <a:pPr marL="285750" indent="-285750">
+                <a:lnSpc>
+                  <a:spcPct val="150000"/>
+                </a:lnSpc>
+                <a:buFont typeface="Wingdings" pitchFamily="2" charset="2"/>
+                <a:buChar char="Ø"/>
+              </a:pPr>
+              <a:r>
+                <a:rPr lang="es-ES" sz="1400">
+                  <a:latin typeface="Lexend ExtraLight" pitchFamily="2" charset="77"/>
+                </a:rPr>
+                <a:t>Arquitecturas orientadas a Eventos</a:t>
+              </a:r>
+            </a:p>
+            <a:p>
+              <a:pPr marL="285750" indent="-285750">
+                <a:lnSpc>
+                  <a:spcPct val="150000"/>
+                </a:lnSpc>
+                <a:buFont typeface="Wingdings" pitchFamily="2" charset="2"/>
+                <a:buChar char="Ø"/>
+              </a:pPr>
+              <a:r>
+                <a:rPr lang="es-ES" sz="1400">
+                  <a:latin typeface="Lexend ExtraLight" pitchFamily="2" charset="77"/>
+                </a:rPr>
+                <a:t>Brokers y plataformas de streaming</a:t>
+              </a:r>
+            </a:p>
+            <a:p>
+              <a:pPr marL="285750" indent="-285750">
+                <a:lnSpc>
+                  <a:spcPct val="150000"/>
+                </a:lnSpc>
+                <a:buFont typeface="Wingdings" pitchFamily="2" charset="2"/>
+                <a:buChar char="Ø"/>
+              </a:pPr>
+              <a:r>
+                <a:rPr lang="es-ES" sz="1400">
+                  <a:latin typeface="Lexend ExtraLight" pitchFamily="2" charset="77"/>
+                </a:rPr>
+                <a:t>Microfrontales y Servicios BFF</a:t>
+              </a:r>
+            </a:p>
+            <a:p>
+              <a:pPr marL="285750" indent="-285750">
+                <a:lnSpc>
+                  <a:spcPct val="150000"/>
+                </a:lnSpc>
+                <a:buFont typeface="Wingdings" pitchFamily="2" charset="2"/>
+                <a:buChar char="Ø"/>
+              </a:pPr>
+              <a:r>
+                <a:rPr lang="es-ES" sz="1400">
+                  <a:latin typeface="Lexend ExtraLight" pitchFamily="2" charset="77"/>
+                </a:rPr>
+                <a:t>Arquitecturas inteligentes y analítica avanzada</a:t>
+              </a:r>
+            </a:p>
+            <a:p>
+              <a:pPr marL="285750" indent="-285750">
+                <a:lnSpc>
+                  <a:spcPct val="150000"/>
+                </a:lnSpc>
+                <a:buFont typeface="Wingdings" pitchFamily="2" charset="2"/>
+                <a:buChar char="Ø"/>
+              </a:pPr>
+              <a:r>
+                <a:rPr lang="es-ES" sz="1400">
+                  <a:latin typeface="Lexend ExtraLight" pitchFamily="2" charset="77"/>
+                </a:rPr>
+                <a:t>Arquitecturas híbridas</a:t>
+              </a:r>
+            </a:p>
+            <a:p>
+              <a:pPr>
+                <a:lnSpc>
+                  <a:spcPct val="150000"/>
+                </a:lnSpc>
+              </a:pPr>
+              <a:r>
+                <a:rPr lang="es-ES" sz="1400">
+                  <a:latin typeface="Lexend ExtraLight" pitchFamily="2" charset="77"/>
+                </a:rPr>
+                <a:t>      (Cloud | OnPrem | MiltiCloud | Native)</a:t>
+              </a:r>
+            </a:p>
+          </p:txBody>
+        </p:sp>
+        <p:pic>
+          <p:nvPicPr>
+            <p:cNvPr id="17" name="Gráfico 16" descr="Reproducir con relleno sólido">
+              <a:extLst>
+                <a:ext uri="{FF2B5EF4-FFF2-40B4-BE49-F238E27FC236}">
+                  <a16:creationId xmlns:a16="http://schemas.microsoft.com/office/drawing/2014/main" id="{B2F0241D-7758-39E2-6257-F5AF62F3B29F}"/>
+                </a:ext>
+              </a:extLst>
+            </p:cNvPr>
+            <p:cNvPicPr>
+              <a:picLocks noChangeAspect="1"/>
+            </p:cNvPicPr>
+            <p:nvPr/>
+          </p:nvPicPr>
+          <p:blipFill>
+            <a:blip r:embed="rId3" cstate="screen">
+              <a:extLst>
+                <a:ext uri="{28A0092B-C50C-407E-A947-70E740481C1C}">
+                  <a14:useLocalDpi xmlns:a14="http://schemas.microsoft.com/office/drawing/2010/main"/>
+                </a:ext>
+                <a:ext uri="{96DAC541-7B7A-43D3-8B79-37D633B846F1}">
+                  <asvg:svgBlip xmlns:asvg="http://schemas.microsoft.com/office/drawing/2016/SVG/main" r:embed="rId4"/>
+                </a:ext>
+              </a:extLst>
+            </a:blip>
+            <a:stretch>
+              <a:fillRect/>
+            </a:stretch>
+          </p:blipFill>
+          <p:spPr>
+            <a:xfrm>
+              <a:off x="3880339" y="2212673"/>
+              <a:ext cx="313868" cy="313868"/>
+            </a:xfrm>
+            <a:prstGeom prst="rect">
+              <a:avLst/>
+            </a:prstGeom>
+          </p:spPr>
+        </p:pic>
+      </p:grpSp>
+      <p:sp>
+        <p:nvSpPr>
+          <p:cNvPr id="23" name="CuadroTexto 22">
+            <a:extLst>
+              <a:ext uri="{FF2B5EF4-FFF2-40B4-BE49-F238E27FC236}">
+                <a16:creationId xmlns:a16="http://schemas.microsoft.com/office/drawing/2014/main" id="{AA464986-E082-E4FA-8287-C7382C8C3489}"/>
+              </a:ext>
+            </a:extLst>
+          </p:cNvPr>
+          <p:cNvSpPr txBox="1"/>
+          <p:nvPr/>
+        </p:nvSpPr>
+        <p:spPr>
+          <a:xfrm>
+            <a:off x="12605946" y="2202923"/>
+            <a:ext cx="1582421" cy="707886"/>
+          </a:xfrm>
+          <a:prstGeom prst="rect">
+            <a:avLst/>
+          </a:prstGeom>
+          <a:noFill/>
+        </p:spPr>
+        <p:txBody>
+          <a:bodyPr wrap="none" rtlCol="0">
+            <a:spAutoFit/>
+          </a:bodyPr>
+          <a:lstStyle/>
+          <a:p>
+            <a:r>
+              <a:rPr lang="es-ES" sz="2000">
+                <a:solidFill>
+                  <a:schemeClr val="bg1">
+                    <a:lumMod val="50000"/>
+                  </a:schemeClr>
+                </a:solidFill>
+                <a:latin typeface="Sama Devanagari" panose="020F0603040507060303" pitchFamily="34" charset="0"/>
+                <a:cs typeface="Sama Devanagari" panose="020F0603040507060303" pitchFamily="34" charset="0"/>
+              </a:rPr>
+              <a:t>Implantación</a:t>
+            </a:r>
+          </a:p>
+          <a:p>
+            <a:r>
+              <a:rPr lang="es-ES" sz="2000">
+                <a:solidFill>
+                  <a:schemeClr val="bg1">
+                    <a:lumMod val="50000"/>
+                  </a:schemeClr>
+                </a:solidFill>
+                <a:latin typeface="Sama Devanagari" panose="020F0603040507060303" pitchFamily="34" charset="0"/>
+                <a:cs typeface="Sama Devanagari" panose="020F0603040507060303" pitchFamily="34" charset="0"/>
+              </a:rPr>
+              <a:t>Validación</a:t>
+            </a:r>
+          </a:p>
+        </p:txBody>
+      </p:sp>
+      <p:sp>
+        <p:nvSpPr>
+          <p:cNvPr id="27" name="CuadroTexto 26">
+            <a:extLst>
+              <a:ext uri="{FF2B5EF4-FFF2-40B4-BE49-F238E27FC236}">
+                <a16:creationId xmlns:a16="http://schemas.microsoft.com/office/drawing/2014/main" id="{5014834D-A02F-7459-D6D1-234AE12EFF15}"/>
+              </a:ext>
+            </a:extLst>
+          </p:cNvPr>
+          <p:cNvSpPr txBox="1"/>
+          <p:nvPr/>
+        </p:nvSpPr>
+        <p:spPr>
+          <a:xfrm>
+            <a:off x="769177" y="460596"/>
+            <a:ext cx="2414444" cy="523220"/>
+          </a:xfrm>
+          <a:prstGeom prst="rect">
+            <a:avLst/>
+          </a:prstGeom>
+          <a:noFill/>
+        </p:spPr>
+        <p:txBody>
+          <a:bodyPr wrap="none" rtlCol="0">
+            <a:spAutoFit/>
+          </a:bodyPr>
+          <a:lstStyle/>
+          <a:p>
+            <a:r>
+              <a:rPr lang="es-ES" sz="2800" b="1" dirty="0">
+                <a:solidFill>
+                  <a:schemeClr val="accent1"/>
+                </a:solidFill>
+                <a:latin typeface="Barlow" pitchFamily="2" charset="77"/>
+              </a:rPr>
+              <a:t>Conector </a:t>
+            </a:r>
+            <a:r>
+              <a:rPr lang="es-ES" sz="2800" b="1" dirty="0">
+                <a:solidFill>
+                  <a:schemeClr val="accent6"/>
+                </a:solidFill>
+                <a:latin typeface="Barlow" pitchFamily="2" charset="77"/>
+              </a:rPr>
+              <a:t>JMS</a:t>
+            </a:r>
+          </a:p>
+        </p:txBody>
+      </p:sp>
+      <p:sp>
+        <p:nvSpPr>
+          <p:cNvPr id="2" name="CuadroTexto 1">
+            <a:extLst>
+              <a:ext uri="{FF2B5EF4-FFF2-40B4-BE49-F238E27FC236}">
+                <a16:creationId xmlns:a16="http://schemas.microsoft.com/office/drawing/2014/main" id="{89AF8FD2-4E67-EF2D-5D3E-8843455313AB}"/>
+              </a:ext>
+            </a:extLst>
+          </p:cNvPr>
+          <p:cNvSpPr txBox="1"/>
+          <p:nvPr/>
+        </p:nvSpPr>
+        <p:spPr>
+          <a:xfrm>
+            <a:off x="665480" y="1034295"/>
+            <a:ext cx="11080848" cy="523220"/>
+          </a:xfrm>
+          <a:prstGeom prst="rect">
+            <a:avLst/>
+          </a:prstGeom>
+          <a:noFill/>
+        </p:spPr>
+        <p:txBody>
+          <a:bodyPr wrap="square" rtlCol="0">
+            <a:spAutoFit/>
+          </a:bodyPr>
+          <a:lstStyle/>
+          <a:p>
+            <a:r>
+              <a:rPr lang="es-ES" sz="1400" dirty="0">
+                <a:solidFill>
+                  <a:schemeClr val="accent1"/>
+                </a:solidFill>
+                <a:latin typeface="Barlow" pitchFamily="2" charset="77"/>
+              </a:rPr>
+              <a:t>Implica varios pasos clave, centrados en la orquestación de contenedores y la automatización de despliegues sin la necesidad de administrar la infraestructura subyacente directamente</a:t>
+            </a:r>
+          </a:p>
+        </p:txBody>
+      </p:sp>
+      <p:pic>
+        <p:nvPicPr>
+          <p:cNvPr id="3" name="Imagen 2">
+            <a:extLst>
+              <a:ext uri="{FF2B5EF4-FFF2-40B4-BE49-F238E27FC236}">
+                <a16:creationId xmlns:a16="http://schemas.microsoft.com/office/drawing/2014/main" id="{953029D9-B06A-49CC-5943-8675B596AB0F}"/>
+              </a:ext>
+            </a:extLst>
+          </p:cNvPr>
+          <p:cNvPicPr>
+            <a:picLocks noChangeAspect="1"/>
+          </p:cNvPicPr>
+          <p:nvPr/>
+        </p:nvPicPr>
+        <p:blipFill>
+          <a:blip r:embed="rId5"/>
+          <a:stretch>
+            <a:fillRect/>
+          </a:stretch>
+        </p:blipFill>
+        <p:spPr>
+          <a:xfrm>
+            <a:off x="5671110" y="1581425"/>
+            <a:ext cx="6178915" cy="2187483"/>
+          </a:xfrm>
+          <a:prstGeom prst="rect">
+            <a:avLst/>
+          </a:prstGeom>
+        </p:spPr>
+      </p:pic>
+      <p:sp>
+        <p:nvSpPr>
+          <p:cNvPr id="10" name="CuadroTexto 9">
+            <a:extLst>
+              <a:ext uri="{FF2B5EF4-FFF2-40B4-BE49-F238E27FC236}">
+                <a16:creationId xmlns:a16="http://schemas.microsoft.com/office/drawing/2014/main" id="{0251D8B5-D242-BDF3-BE76-C8C4F8FFF209}"/>
+              </a:ext>
+            </a:extLst>
+          </p:cNvPr>
+          <p:cNvSpPr txBox="1"/>
+          <p:nvPr/>
+        </p:nvSpPr>
+        <p:spPr>
+          <a:xfrm>
+            <a:off x="558865" y="1778558"/>
+            <a:ext cx="4649829" cy="2654573"/>
+          </a:xfrm>
+          <a:prstGeom prst="rect">
+            <a:avLst/>
+          </a:prstGeom>
+          <a:solidFill>
+            <a:schemeClr val="accent2"/>
+          </a:solidFill>
+          <a:ln w="19050">
+            <a:noFill/>
+          </a:ln>
+        </p:spPr>
+        <p:txBody>
+          <a:bodyPr wrap="square" lIns="91440" tIns="45720" rIns="91440" bIns="45720" rtlCol="0" anchor="t">
+            <a:spAutoFit/>
+          </a:bodyPr>
+          <a:lstStyle/>
+          <a:p>
+            <a:pPr algn="ctr"/>
+            <a:r>
+              <a:rPr lang="es-ES" sz="1400" b="1" dirty="0">
+                <a:solidFill>
+                  <a:schemeClr val="accent1"/>
+                </a:solidFill>
+                <a:latin typeface="Barlow"/>
+                <a:cs typeface="Sama Devanagari" panose="020F0603040507060303" pitchFamily="34" charset="0"/>
+              </a:rPr>
+              <a:t>Entornos AWS</a:t>
+            </a:r>
+            <a:endParaRPr lang="es-ES" b="1" dirty="0">
+              <a:solidFill>
+                <a:schemeClr val="accent1"/>
+              </a:solidFill>
+              <a:latin typeface="Barlow"/>
+              <a:cs typeface="Sama Devanagari" panose="020F0603040507060303" pitchFamily="34" charset="0"/>
+            </a:endParaRPr>
+          </a:p>
+          <a:p>
+            <a:endParaRPr lang="es-ES" sz="1100" dirty="0">
+              <a:solidFill>
+                <a:schemeClr val="accent1"/>
+              </a:solidFill>
+              <a:latin typeface="Barlow" pitchFamily="2" charset="77"/>
+              <a:cs typeface="Sama Devanagari" panose="020F0603040507060303" pitchFamily="34" charset="0"/>
+            </a:endParaRPr>
+          </a:p>
+          <a:p>
+            <a:pPr marL="171450" indent="-171450">
+              <a:lnSpc>
+                <a:spcPct val="150000"/>
+              </a:lnSpc>
+              <a:buFont typeface="Wingdings" panose="05000000000000000000" pitchFamily="2" charset="2"/>
+              <a:buChar char="Ø"/>
+            </a:pPr>
+            <a:r>
+              <a:rPr lang="es-ES" sz="1200" dirty="0">
+                <a:solidFill>
+                  <a:schemeClr val="accent1"/>
+                </a:solidFill>
+                <a:latin typeface="Barlow"/>
+                <a:cs typeface="Sama Devanagari" panose="020F0603040507060303" pitchFamily="34" charset="0"/>
+              </a:rPr>
+              <a:t>Identificar las necesidades de cada entorno</a:t>
+            </a:r>
+          </a:p>
+          <a:p>
+            <a:pPr marL="171450" indent="-171450">
+              <a:lnSpc>
+                <a:spcPct val="150000"/>
+              </a:lnSpc>
+              <a:buFont typeface="Wingdings" panose="05000000000000000000" pitchFamily="2" charset="2"/>
+              <a:buChar char="Ø"/>
+            </a:pPr>
+            <a:r>
+              <a:rPr lang="es-ES" sz="1200" dirty="0">
+                <a:solidFill>
+                  <a:schemeClr val="accent1"/>
+                </a:solidFill>
+                <a:latin typeface="Barlow"/>
+                <a:cs typeface="Sama Devanagari" panose="020F0603040507060303" pitchFamily="34" charset="0"/>
+              </a:rPr>
+              <a:t>Utilizar AWS Terraform para definir toda la infraestructura necesaria</a:t>
+            </a:r>
+          </a:p>
+          <a:p>
+            <a:pPr marL="171450" indent="-171450">
+              <a:lnSpc>
+                <a:spcPct val="150000"/>
+              </a:lnSpc>
+              <a:buFont typeface="Wingdings" panose="05000000000000000000" pitchFamily="2" charset="2"/>
+              <a:buChar char="Ø"/>
+            </a:pPr>
+            <a:r>
+              <a:rPr lang="es-ES" sz="1200" dirty="0">
+                <a:solidFill>
+                  <a:schemeClr val="accent1"/>
+                </a:solidFill>
+                <a:latin typeface="Barlow"/>
+                <a:cs typeface="Sama Devanagari" panose="020F0603040507060303" pitchFamily="34" charset="0"/>
+              </a:rPr>
+              <a:t>Configurar las VPCs, subredes, y gateways de internet/NAT para asegurar el aislamiento de los entornos y el control de acceso adecuado</a:t>
+            </a:r>
+          </a:p>
+          <a:p>
+            <a:pPr marL="171450" indent="-171450">
+              <a:lnSpc>
+                <a:spcPct val="150000"/>
+              </a:lnSpc>
+              <a:buFont typeface="Wingdings" panose="05000000000000000000" pitchFamily="2" charset="2"/>
+              <a:buChar char="Ø"/>
+            </a:pPr>
+            <a:r>
+              <a:rPr lang="es-ES" sz="1200" dirty="0">
+                <a:solidFill>
+                  <a:schemeClr val="accent1"/>
+                </a:solidFill>
+                <a:latin typeface="Barlow"/>
+                <a:cs typeface="Sama Devanagari" panose="020F0603040507060303" pitchFamily="34" charset="0"/>
+              </a:rPr>
+              <a:t>Configurar pipelines usando servicios como Jenkins para automatizar el despliegue</a:t>
+            </a:r>
+          </a:p>
+        </p:txBody>
+      </p:sp>
+      <p:sp>
+        <p:nvSpPr>
+          <p:cNvPr id="11" name="CuadroTexto 10">
+            <a:extLst>
+              <a:ext uri="{FF2B5EF4-FFF2-40B4-BE49-F238E27FC236}">
+                <a16:creationId xmlns:a16="http://schemas.microsoft.com/office/drawing/2014/main" id="{2571821C-E318-4B24-596C-8EC74B749DDC}"/>
+              </a:ext>
+            </a:extLst>
+          </p:cNvPr>
+          <p:cNvSpPr txBox="1"/>
+          <p:nvPr/>
+        </p:nvSpPr>
+        <p:spPr>
+          <a:xfrm>
+            <a:off x="569139" y="4627698"/>
+            <a:ext cx="4649830" cy="1823576"/>
+          </a:xfrm>
+          <a:prstGeom prst="rect">
+            <a:avLst/>
+          </a:prstGeom>
+          <a:solidFill>
+            <a:schemeClr val="accent6"/>
+          </a:solidFill>
+          <a:ln w="19050">
+            <a:noFill/>
+          </a:ln>
+        </p:spPr>
+        <p:txBody>
+          <a:bodyPr wrap="square" rtlCol="0">
+            <a:spAutoFit/>
+          </a:bodyPr>
+          <a:lstStyle/>
+          <a:p>
+            <a:pPr algn="ctr"/>
+            <a:r>
+              <a:rPr lang="es-ES" sz="1400" b="1" dirty="0">
+                <a:solidFill>
+                  <a:schemeClr val="accent1"/>
+                </a:solidFill>
+                <a:latin typeface="Barlow" pitchFamily="2" charset="77"/>
+                <a:cs typeface="Sama Devanagari" panose="020F0603040507060303" pitchFamily="34" charset="0"/>
+              </a:rPr>
+              <a:t>Despliegue y configuración</a:t>
+            </a:r>
+          </a:p>
+          <a:p>
+            <a:endParaRPr lang="es-ES" sz="1100" dirty="0">
+              <a:solidFill>
+                <a:schemeClr val="accent1"/>
+              </a:solidFill>
+              <a:latin typeface="Barlow" pitchFamily="2" charset="77"/>
+              <a:cs typeface="Sama Devanagari" panose="020F0603040507060303" pitchFamily="34" charset="0"/>
+            </a:endParaRPr>
+          </a:p>
+          <a:p>
+            <a:pPr marL="171450" indent="-171450">
+              <a:lnSpc>
+                <a:spcPct val="150000"/>
+              </a:lnSpc>
+              <a:buFont typeface="Wingdings" panose="05000000000000000000" pitchFamily="2" charset="2"/>
+              <a:buChar char="Ø"/>
+            </a:pPr>
+            <a:r>
+              <a:rPr lang="es-ES" sz="1200" dirty="0">
+                <a:solidFill>
+                  <a:schemeClr val="accent1"/>
+                </a:solidFill>
+                <a:latin typeface="Barlow"/>
+                <a:cs typeface="Sama Devanagari" panose="020F0603040507060303" pitchFamily="34" charset="0"/>
+              </a:rPr>
+              <a:t>Confirmar la funcionalidad del archivo JAR y su compatibilidad en un entorno contenerizado</a:t>
+            </a:r>
+          </a:p>
+          <a:p>
+            <a:pPr marL="171450" indent="-171450">
+              <a:lnSpc>
+                <a:spcPct val="150000"/>
+              </a:lnSpc>
+              <a:buFont typeface="Wingdings" panose="05000000000000000000" pitchFamily="2" charset="2"/>
+              <a:buChar char="Ø"/>
+            </a:pPr>
+            <a:r>
+              <a:rPr lang="es-ES_tradnl" sz="1200" dirty="0">
+                <a:solidFill>
+                  <a:schemeClr val="accent1"/>
+                </a:solidFill>
+                <a:latin typeface="Barlow"/>
+              </a:rPr>
+              <a:t>Integración con Bitbucket y ACR</a:t>
+            </a:r>
+            <a:endParaRPr lang="es-ES" sz="1200" dirty="0">
+              <a:solidFill>
+                <a:schemeClr val="accent1"/>
+              </a:solidFill>
+              <a:latin typeface="Barlow"/>
+            </a:endParaRPr>
+          </a:p>
+          <a:p>
+            <a:pPr marL="171450" indent="-171450">
+              <a:lnSpc>
+                <a:spcPct val="150000"/>
+              </a:lnSpc>
+              <a:buFont typeface="Wingdings" panose="05000000000000000000" pitchFamily="2" charset="2"/>
+              <a:buChar char="Ø"/>
+            </a:pPr>
+            <a:r>
+              <a:rPr lang="es-ES" sz="1200" dirty="0">
+                <a:solidFill>
+                  <a:schemeClr val="accent1"/>
+                </a:solidFill>
+                <a:latin typeface="Barlow"/>
+                <a:cs typeface="Sama Devanagari" panose="020F0603040507060303" pitchFamily="34" charset="0"/>
+              </a:rPr>
+              <a:t>Configurar el pipeline para que despliegue automáticamente la imagen desde ACR a Amazon ECS con Fargate</a:t>
+            </a:r>
+          </a:p>
+        </p:txBody>
+      </p:sp>
+      <p:sp>
+        <p:nvSpPr>
+          <p:cNvPr id="12" name="CuadroTexto 11">
+            <a:extLst>
+              <a:ext uri="{FF2B5EF4-FFF2-40B4-BE49-F238E27FC236}">
+                <a16:creationId xmlns:a16="http://schemas.microsoft.com/office/drawing/2014/main" id="{6ED99397-C63F-FF7F-2FDD-25DAA18A2408}"/>
+              </a:ext>
+            </a:extLst>
+          </p:cNvPr>
+          <p:cNvSpPr txBox="1"/>
+          <p:nvPr/>
+        </p:nvSpPr>
+        <p:spPr>
+          <a:xfrm>
+            <a:off x="5756464" y="3951904"/>
+            <a:ext cx="3875765" cy="1351588"/>
+          </a:xfrm>
+          <a:prstGeom prst="rect">
+            <a:avLst/>
+          </a:prstGeom>
+          <a:noFill/>
+        </p:spPr>
+        <p:txBody>
+          <a:bodyPr wrap="square" lIns="91440" tIns="45720" rIns="91440" bIns="45720" rtlCol="0" anchor="t">
+            <a:spAutoFit/>
+          </a:bodyPr>
+          <a:lstStyle>
+            <a:defPPr>
+              <a:defRPr lang="es-ES"/>
+            </a:defPPr>
+            <a:lvl1pPr marL="171450" indent="-171450">
+              <a:lnSpc>
+                <a:spcPct val="150000"/>
+              </a:lnSpc>
+              <a:buBlip>
+                <a:blip r:embed="rId6">
+                  <a:extLst>
+                    <a:ext uri="{96DAC541-7B7A-43D3-8B79-37D633B846F1}">
+                      <asvg:svgBlip xmlns:asvg="http://schemas.microsoft.com/office/drawing/2016/SVG/main" r:embed="rId7"/>
+                    </a:ext>
+                  </a:extLst>
+                </a:blip>
+              </a:buBlip>
+              <a:defRPr sz="1400">
+                <a:solidFill>
+                  <a:srgbClr val="4D4D4D"/>
+                </a:solidFill>
+                <a:latin typeface="Lexend ExtraLight"/>
+              </a:defRPr>
+            </a:lvl1pPr>
+          </a:lstStyle>
+          <a:p>
+            <a:pPr marL="0" indent="0">
+              <a:buNone/>
+            </a:pPr>
+            <a:r>
+              <a:rPr lang="es-ES" b="1" dirty="0"/>
+              <a:t>Rendimiento y escalado</a:t>
+            </a:r>
+          </a:p>
+          <a:p>
+            <a:r>
+              <a:rPr lang="es-ES" dirty="0"/>
+              <a:t>Uso de las herramientas JMeter, Gatling, Taurus</a:t>
+            </a:r>
+          </a:p>
+          <a:p>
+            <a:r>
+              <a:rPr lang="es-ES" dirty="0"/>
+              <a:t>Generar las estrategias de pruebas</a:t>
+            </a:r>
+          </a:p>
+          <a:p>
+            <a:r>
+              <a:rPr lang="es-ES" dirty="0"/>
+              <a:t>Automatización y Análisis de resultados</a:t>
+            </a:r>
+          </a:p>
+        </p:txBody>
+      </p:sp>
+      <p:sp>
+        <p:nvSpPr>
+          <p:cNvPr id="21" name="CuadroTexto 20">
+            <a:extLst>
+              <a:ext uri="{FF2B5EF4-FFF2-40B4-BE49-F238E27FC236}">
+                <a16:creationId xmlns:a16="http://schemas.microsoft.com/office/drawing/2014/main" id="{68AEC67C-8833-3E5D-9532-E845B3FB651E}"/>
+              </a:ext>
+            </a:extLst>
+          </p:cNvPr>
+          <p:cNvSpPr txBox="1"/>
+          <p:nvPr/>
+        </p:nvSpPr>
+        <p:spPr>
+          <a:xfrm>
+            <a:off x="8550305" y="5276575"/>
+            <a:ext cx="3875765" cy="1351588"/>
+          </a:xfrm>
+          <a:prstGeom prst="rect">
+            <a:avLst/>
+          </a:prstGeom>
+          <a:noFill/>
+        </p:spPr>
+        <p:txBody>
+          <a:bodyPr wrap="square" lIns="91440" tIns="45720" rIns="91440" bIns="45720" rtlCol="0" anchor="t">
+            <a:spAutoFit/>
+          </a:bodyPr>
+          <a:lstStyle>
+            <a:defPPr>
+              <a:defRPr lang="es-ES"/>
+            </a:defPPr>
+            <a:lvl1pPr marL="171450" indent="-171450">
+              <a:lnSpc>
+                <a:spcPct val="150000"/>
+              </a:lnSpc>
+              <a:buBlip>
+                <a:blip r:embed="rId6">
+                  <a:extLst>
+                    <a:ext uri="{96DAC541-7B7A-43D3-8B79-37D633B846F1}">
+                      <asvg:svgBlip xmlns:asvg="http://schemas.microsoft.com/office/drawing/2016/SVG/main" r:embed="rId7"/>
+                    </a:ext>
+                  </a:extLst>
+                </a:blip>
+              </a:buBlip>
+              <a:defRPr sz="1400">
+                <a:solidFill>
+                  <a:srgbClr val="4D4D4D"/>
+                </a:solidFill>
+                <a:latin typeface="Lexend ExtraLight"/>
+              </a:defRPr>
+            </a:lvl1pPr>
+          </a:lstStyle>
+          <a:p>
+            <a:pPr marL="0" indent="0">
+              <a:buNone/>
+            </a:pPr>
+            <a:r>
+              <a:rPr lang="es-ES" b="1" dirty="0"/>
+              <a:t>Monitorización y alertas</a:t>
+            </a:r>
+          </a:p>
+          <a:p>
+            <a:r>
+              <a:rPr lang="es-ES" dirty="0"/>
+              <a:t>Integración de CloudWatch con Splunk</a:t>
+            </a:r>
+          </a:p>
+          <a:p>
+            <a:r>
+              <a:rPr lang="es-ES" dirty="0"/>
+              <a:t>Definición de alertas</a:t>
+            </a:r>
+          </a:p>
+          <a:p>
+            <a:r>
+              <a:rPr lang="es-ES" dirty="0"/>
+              <a:t>Automatización de alertas y Optimización</a:t>
+            </a:r>
+          </a:p>
+        </p:txBody>
+      </p:sp>
+      <p:pic>
+        <p:nvPicPr>
+          <p:cNvPr id="22" name="Imagen 21">
+            <a:extLst>
+              <a:ext uri="{FF2B5EF4-FFF2-40B4-BE49-F238E27FC236}">
+                <a16:creationId xmlns:a16="http://schemas.microsoft.com/office/drawing/2014/main" id="{3ECFF54B-6576-B501-5E65-BB023ED9FEC8}"/>
+              </a:ext>
+            </a:extLst>
+          </p:cNvPr>
+          <p:cNvPicPr>
+            <a:picLocks noChangeAspect="1"/>
+          </p:cNvPicPr>
+          <p:nvPr/>
+        </p:nvPicPr>
+        <p:blipFill>
+          <a:blip r:embed="rId8"/>
+          <a:stretch>
+            <a:fillRect/>
+          </a:stretch>
+        </p:blipFill>
+        <p:spPr>
+          <a:xfrm>
+            <a:off x="9643570" y="4105436"/>
+            <a:ext cx="2058765" cy="958507"/>
+          </a:xfrm>
+          <a:prstGeom prst="rect">
+            <a:avLst/>
+          </a:prstGeom>
+        </p:spPr>
+      </p:pic>
+      <p:pic>
+        <p:nvPicPr>
+          <p:cNvPr id="24" name="Imagen 23">
+            <a:extLst>
+              <a:ext uri="{FF2B5EF4-FFF2-40B4-BE49-F238E27FC236}">
+                <a16:creationId xmlns:a16="http://schemas.microsoft.com/office/drawing/2014/main" id="{2FD00064-3381-63C9-1F4A-ECF769D9E30F}"/>
+              </a:ext>
+            </a:extLst>
+          </p:cNvPr>
+          <p:cNvPicPr>
+            <a:picLocks noChangeAspect="1"/>
+          </p:cNvPicPr>
+          <p:nvPr/>
+        </p:nvPicPr>
+        <p:blipFill>
+          <a:blip r:embed="rId9"/>
+          <a:stretch>
+            <a:fillRect/>
+          </a:stretch>
+        </p:blipFill>
+        <p:spPr>
+          <a:xfrm>
+            <a:off x="6144097" y="5605478"/>
+            <a:ext cx="1912131" cy="733506"/>
+          </a:xfrm>
+          <a:prstGeom prst="rect">
+            <a:avLst/>
+          </a:prstGeom>
+        </p:spPr>
+      </p:pic>
+    </p:spTree>
+    <p:extLst>
+      <p:ext uri="{BB962C8B-B14F-4D97-AF65-F5344CB8AC3E}">
+        <p14:creationId xmlns:p14="http://schemas.microsoft.com/office/powerpoint/2010/main" val="4156459272"/>
+      </p:ext>
+    </p:extLst>
+  </p:cSld>
+  <p:clrMapOvr>
+    <a:masterClrMapping/>
+  </p:clrMapOvr>
+</p:sld>
+</file>
+
+<file path=ppt/slides/slide12.xml><?xml version="1.0" encoding="utf-8"?>
 <p:sld xmlns:a="http://schemas.openxmlformats.org/drawingml/2006/main" xmlns:r="http://schemas.openxmlformats.org/officeDocument/2006/relationships" xmlns:p="http://schemas.openxmlformats.org/presentationml/2006/main">
   <p:cSld>
     <p:spTree>
@@ -6348,7 +8348,7 @@
 </p:sld>
 </file>
 
-<file path=ppt/slides/slide11.xml><?xml version="1.0" encoding="utf-8"?>
+<file path=ppt/slides/slide13.xml><?xml version="1.0" encoding="utf-8"?>
 <p:sld xmlns:a="http://schemas.openxmlformats.org/drawingml/2006/main" xmlns:r="http://schemas.openxmlformats.org/officeDocument/2006/relationships" xmlns:p="http://schemas.openxmlformats.org/presentationml/2006/main">
   <p:cSld>
     <p:spTree>
@@ -7807,7 +9807,7 @@
 </p:sld>
 </file>
 
-<file path=ppt/slides/slide12.xml><?xml version="1.0" encoding="utf-8"?>
+<file path=ppt/slides/slide14.xml><?xml version="1.0" encoding="utf-8"?>
 <p:sld xmlns:a="http://schemas.openxmlformats.org/drawingml/2006/main" xmlns:r="http://schemas.openxmlformats.org/officeDocument/2006/relationships" xmlns:p="http://schemas.openxmlformats.org/presentationml/2006/main">
   <p:cSld>
     <p:spTree>
@@ -8398,7 +10398,7 @@
 </p:sld>
 </file>
 
-<file path=ppt/slides/slide13.xml><?xml version="1.0" encoding="utf-8"?>
+<file path=ppt/slides/slide15.xml><?xml version="1.0" encoding="utf-8"?>
 <p:sld xmlns:a="http://schemas.openxmlformats.org/drawingml/2006/main" xmlns:r="http://schemas.openxmlformats.org/officeDocument/2006/relationships" xmlns:p="http://schemas.openxmlformats.org/presentationml/2006/main">
   <p:cSld>
     <p:spTree>
@@ -9502,7 +11502,7 @@
 </p:sld>
 </file>
 
-<file path=ppt/slides/slide14.xml><?xml version="1.0" encoding="utf-8"?>
+<file path=ppt/slides/slide16.xml><?xml version="1.0" encoding="utf-8"?>
 <p:sld xmlns:a="http://schemas.openxmlformats.org/drawingml/2006/main" xmlns:r="http://schemas.openxmlformats.org/officeDocument/2006/relationships" xmlns:p="http://schemas.openxmlformats.org/presentationml/2006/main">
   <p:cSld>
     <p:spTree>
@@ -10093,7 +12093,7 @@
 </p:sld>
 </file>
 
-<file path=ppt/slides/slide15.xml><?xml version="1.0" encoding="utf-8"?>
+<file path=ppt/slides/slide17.xml><?xml version="1.0" encoding="utf-8"?>
 <p:sld xmlns:a="http://schemas.openxmlformats.org/drawingml/2006/main" xmlns:r="http://schemas.openxmlformats.org/officeDocument/2006/relationships" xmlns:p="http://schemas.openxmlformats.org/presentationml/2006/main">
   <p:cSld>
     <p:spTree>
@@ -11570,7 +13570,7 @@
 </p:sld>
 </file>
 
-<file path=ppt/slides/slide16.xml><?xml version="1.0" encoding="utf-8"?>
+<file path=ppt/slides/slide18.xml><?xml version="1.0" encoding="utf-8"?>
 <p:sld xmlns:a="http://schemas.openxmlformats.org/drawingml/2006/main" xmlns:r="http://schemas.openxmlformats.org/officeDocument/2006/relationships" xmlns:p="http://schemas.openxmlformats.org/presentationml/2006/main">
   <p:cSld>
     <p:bg>
@@ -14692,7 +16692,7 @@
         <p:spPr>
           <a:xfrm>
             <a:off x="516742" y="4513893"/>
-            <a:ext cx="3741367" cy="1107996"/>
+            <a:ext cx="3741367" cy="1400383"/>
           </a:xfrm>
           <a:prstGeom prst="rect">
             <a:avLst/>
@@ -14769,6 +16769,27 @@
                 <a:cs typeface="Sama Devanagari" panose="020F0603040507060303" pitchFamily="34" charset="0"/>
               </a:rPr>
               <a:t>Sigue las indicaciones establecidas en UX</a:t>
+            </a:r>
+          </a:p>
+          <a:p>
+            <a:pPr marL="285750" indent="-285750">
+              <a:spcAft>
+                <a:spcPts val="600"/>
+              </a:spcAft>
+              <a:buFont typeface="Arial" panose="020B0604020202020204" pitchFamily="34" charset="0"/>
+              <a:buChar char="•"/>
+            </a:pPr>
+            <a:r>
+              <a:rPr lang="es-ES" sz="1400" dirty="0">
+                <a:solidFill>
+                  <a:schemeClr val="accent6">
+                    <a:lumMod val="75000"/>
+                  </a:schemeClr>
+                </a:solidFill>
+                <a:latin typeface="Sama Devanagari" panose="020F0603040507060303" pitchFamily="34" charset="0"/>
+                <a:cs typeface="Sama Devanagari" panose="020F0603040507060303" pitchFamily="34" charset="0"/>
+              </a:rPr>
+              <a:t>Conecta la lógica de negocio con el usuario</a:t>
             </a:r>
           </a:p>
         </p:txBody>
@@ -14893,29 +16914,327 @@
           <a:chExt cx="0" cy="0"/>
         </a:xfrm>
       </p:grpSpPr>
+      <p:sp>
+        <p:nvSpPr>
+          <p:cNvPr id="63" name="CuadroTexto 62">
+            <a:extLst>
+              <a:ext uri="{FF2B5EF4-FFF2-40B4-BE49-F238E27FC236}">
+                <a16:creationId xmlns:a16="http://schemas.microsoft.com/office/drawing/2014/main" id="{0C24DF01-1116-D031-C626-DB6B83661336}"/>
+              </a:ext>
+            </a:extLst>
+          </p:cNvPr>
+          <p:cNvSpPr txBox="1"/>
+          <p:nvPr/>
+        </p:nvSpPr>
+        <p:spPr>
+          <a:xfrm>
+            <a:off x="402764" y="292287"/>
+            <a:ext cx="8638440" cy="769441"/>
+          </a:xfrm>
+          <a:prstGeom prst="rect">
+            <a:avLst/>
+          </a:prstGeom>
+          <a:noFill/>
+        </p:spPr>
+        <p:txBody>
+          <a:bodyPr wrap="square" rtlCol="0">
+            <a:spAutoFit/>
+          </a:bodyPr>
+          <a:lstStyle/>
+          <a:p>
+            <a:r>
+              <a:rPr lang="es-ES" sz="4400" b="1" dirty="0">
+                <a:solidFill>
+                  <a:schemeClr val="accent1"/>
+                </a:solidFill>
+                <a:latin typeface="Sama Devanagari" panose="020F0603040507060303" pitchFamily="34" charset="0"/>
+                <a:cs typeface="Sama Devanagari" panose="020F0603040507060303" pitchFamily="34" charset="0"/>
+              </a:rPr>
+              <a:t>Flujo de datos</a:t>
+            </a:r>
+          </a:p>
+        </p:txBody>
+      </p:sp>
+      <p:sp>
+        <p:nvSpPr>
+          <p:cNvPr id="64" name="CuadroTexto 63">
+            <a:extLst>
+              <a:ext uri="{FF2B5EF4-FFF2-40B4-BE49-F238E27FC236}">
+                <a16:creationId xmlns:a16="http://schemas.microsoft.com/office/drawing/2014/main" id="{329D2F2B-5C6E-0B5F-61A5-007378157F8F}"/>
+              </a:ext>
+            </a:extLst>
+          </p:cNvPr>
+          <p:cNvSpPr txBox="1"/>
+          <p:nvPr/>
+        </p:nvSpPr>
+        <p:spPr>
+          <a:xfrm>
+            <a:off x="516742" y="944844"/>
+            <a:ext cx="10718948" cy="423449"/>
+          </a:xfrm>
+          <a:prstGeom prst="rect">
+            <a:avLst/>
+          </a:prstGeom>
+          <a:noFill/>
+        </p:spPr>
+        <p:txBody>
+          <a:bodyPr wrap="square" rtlCol="0">
+            <a:spAutoFit/>
+          </a:bodyPr>
+          <a:lstStyle/>
+          <a:p>
+            <a:pPr algn="just">
+              <a:lnSpc>
+                <a:spcPct val="150000"/>
+              </a:lnSpc>
+            </a:pPr>
+            <a:r>
+              <a:rPr lang="es-ES" sz="1600" dirty="0">
+                <a:solidFill>
+                  <a:schemeClr val="accent1"/>
+                </a:solidFill>
+                <a:latin typeface="Sama Devanagari" panose="020F0603040507060303" pitchFamily="34" charset="0"/>
+                <a:cs typeface="Sama Devanagari" panose="020F0603040507060303" pitchFamily="34" charset="0"/>
+              </a:rPr>
+              <a:t>El papel del </a:t>
+            </a:r>
+            <a:r>
+              <a:rPr lang="es-ES" sz="1600" dirty="0" err="1">
+                <a:solidFill>
+                  <a:schemeClr val="accent1"/>
+                </a:solidFill>
+                <a:latin typeface="Sama Devanagari" panose="020F0603040507060303" pitchFamily="34" charset="0"/>
+                <a:cs typeface="Sama Devanagari" panose="020F0603040507060303" pitchFamily="34" charset="0"/>
+              </a:rPr>
+              <a:t>front</a:t>
+            </a:r>
+            <a:r>
+              <a:rPr lang="es-ES" sz="1600" dirty="0">
+                <a:solidFill>
+                  <a:schemeClr val="accent1"/>
+                </a:solidFill>
+                <a:latin typeface="Sama Devanagari" panose="020F0603040507060303" pitchFamily="34" charset="0"/>
+                <a:cs typeface="Sama Devanagari" panose="020F0603040507060303" pitchFamily="34" charset="0"/>
+              </a:rPr>
+              <a:t> en el proceso de transmisión de los datos</a:t>
+            </a:r>
+          </a:p>
+        </p:txBody>
+      </p:sp>
+      <p:pic>
+        <p:nvPicPr>
+          <p:cNvPr id="1026" name="Picture 2" descr="Backend - Iconos gratis de seo y web">
+            <a:extLst>
+              <a:ext uri="{FF2B5EF4-FFF2-40B4-BE49-F238E27FC236}">
+                <a16:creationId xmlns:a16="http://schemas.microsoft.com/office/drawing/2014/main" id="{CD5594F4-CD98-40C9-2D97-C7925D189F78}"/>
+              </a:ext>
+            </a:extLst>
+          </p:cNvPr>
+          <p:cNvPicPr>
+            <a:picLocks noChangeAspect="1" noChangeArrowheads="1"/>
+          </p:cNvPicPr>
+          <p:nvPr/>
+        </p:nvPicPr>
+        <p:blipFill>
+          <a:blip r:embed="rId3">
+            <a:extLst>
+              <a:ext uri="{28A0092B-C50C-407E-A947-70E740481C1C}">
+                <a14:useLocalDpi xmlns:a14="http://schemas.microsoft.com/office/drawing/2010/main" val="0"/>
+              </a:ext>
+            </a:extLst>
+          </a:blip>
+          <a:srcRect/>
+          <a:stretch>
+            <a:fillRect/>
+          </a:stretch>
+        </p:blipFill>
+        <p:spPr bwMode="auto">
+          <a:xfrm>
+            <a:off x="3784600" y="2529583"/>
+            <a:ext cx="1680049" cy="1680049"/>
+          </a:xfrm>
+          <a:prstGeom prst="rect">
+            <a:avLst/>
+          </a:prstGeom>
+          <a:noFill/>
+          <a:extLst>
+            <a:ext uri="{909E8E84-426E-40DD-AFC4-6F175D3DCCD1}">
+              <a14:hiddenFill xmlns:a14="http://schemas.microsoft.com/office/drawing/2010/main">
+                <a:solidFill>
+                  <a:srgbClr val="FFFFFF"/>
+                </a:solidFill>
+              </a14:hiddenFill>
+            </a:ext>
+          </a:extLst>
+        </p:spPr>
+      </p:pic>
+      <p:pic>
+        <p:nvPicPr>
+          <p:cNvPr id="1028" name="Picture 4" descr="Data Analysis Generic color lineal-color icon">
+            <a:extLst>
+              <a:ext uri="{FF2B5EF4-FFF2-40B4-BE49-F238E27FC236}">
+                <a16:creationId xmlns:a16="http://schemas.microsoft.com/office/drawing/2014/main" id="{7DD77966-6E87-5680-368A-58B691E4AF4A}"/>
+              </a:ext>
+            </a:extLst>
+          </p:cNvPr>
+          <p:cNvPicPr>
+            <a:picLocks noChangeAspect="1" noChangeArrowheads="1"/>
+          </p:cNvPicPr>
+          <p:nvPr/>
+        </p:nvPicPr>
+        <p:blipFill>
+          <a:blip r:embed="rId4">
+            <a:extLst>
+              <a:ext uri="{28A0092B-C50C-407E-A947-70E740481C1C}">
+                <a14:useLocalDpi xmlns:a14="http://schemas.microsoft.com/office/drawing/2010/main" val="0"/>
+              </a:ext>
+            </a:extLst>
+          </a:blip>
+          <a:srcRect/>
+          <a:stretch>
+            <a:fillRect/>
+          </a:stretch>
+        </p:blipFill>
+        <p:spPr bwMode="auto">
+          <a:xfrm>
+            <a:off x="714383" y="2609361"/>
+            <a:ext cx="1600271" cy="1600271"/>
+          </a:xfrm>
+          <a:prstGeom prst="rect">
+            <a:avLst/>
+          </a:prstGeom>
+          <a:noFill/>
+          <a:extLst>
+            <a:ext uri="{909E8E84-426E-40DD-AFC4-6F175D3DCCD1}">
+              <a14:hiddenFill xmlns:a14="http://schemas.microsoft.com/office/drawing/2010/main">
+                <a:solidFill>
+                  <a:srgbClr val="FFFFFF"/>
+                </a:solidFill>
+              </a14:hiddenFill>
+            </a:ext>
+          </a:extLst>
+        </p:spPr>
+      </p:pic>
+      <p:pic>
+        <p:nvPicPr>
+          <p:cNvPr id="1030" name="Picture 6" descr="Api - Iconos gratis de computadora">
+            <a:extLst>
+              <a:ext uri="{FF2B5EF4-FFF2-40B4-BE49-F238E27FC236}">
+                <a16:creationId xmlns:a16="http://schemas.microsoft.com/office/drawing/2014/main" id="{E71DEC17-94FF-A0EE-3E44-8B755D34DAB3}"/>
+              </a:ext>
+            </a:extLst>
+          </p:cNvPr>
+          <p:cNvPicPr>
+            <a:picLocks noChangeAspect="1" noChangeArrowheads="1"/>
+          </p:cNvPicPr>
+          <p:nvPr/>
+        </p:nvPicPr>
+        <p:blipFill>
+          <a:blip r:embed="rId5">
+            <a:extLst>
+              <a:ext uri="{28A0092B-C50C-407E-A947-70E740481C1C}">
+                <a14:useLocalDpi xmlns:a14="http://schemas.microsoft.com/office/drawing/2010/main" val="0"/>
+              </a:ext>
+            </a:extLst>
+          </a:blip>
+          <a:srcRect/>
+          <a:stretch>
+            <a:fillRect/>
+          </a:stretch>
+        </p:blipFill>
+        <p:spPr bwMode="auto">
+          <a:xfrm>
+            <a:off x="6841461" y="2605007"/>
+            <a:ext cx="1604625" cy="1604625"/>
+          </a:xfrm>
+          <a:prstGeom prst="rect">
+            <a:avLst/>
+          </a:prstGeom>
+          <a:noFill/>
+          <a:extLst>
+            <a:ext uri="{909E8E84-426E-40DD-AFC4-6F175D3DCCD1}">
+              <a14:hiddenFill xmlns:a14="http://schemas.microsoft.com/office/drawing/2010/main">
+                <a:solidFill>
+                  <a:srgbClr val="FFFFFF"/>
+                </a:solidFill>
+              </a14:hiddenFill>
+            </a:ext>
+          </a:extLst>
+        </p:spPr>
+      </p:pic>
+      <p:pic>
+        <p:nvPicPr>
+          <p:cNvPr id="1032" name="Picture 8" descr="Front end Special Lineal color icon">
+            <a:extLst>
+              <a:ext uri="{FF2B5EF4-FFF2-40B4-BE49-F238E27FC236}">
+                <a16:creationId xmlns:a16="http://schemas.microsoft.com/office/drawing/2014/main" id="{AEF818B5-3850-A2FB-FD18-8E5B0193BFDC}"/>
+              </a:ext>
+            </a:extLst>
+          </p:cNvPr>
+          <p:cNvPicPr>
+            <a:picLocks noChangeAspect="1" noChangeArrowheads="1"/>
+          </p:cNvPicPr>
+          <p:nvPr/>
+        </p:nvPicPr>
+        <p:blipFill>
+          <a:blip r:embed="rId6">
+            <a:extLst>
+              <a:ext uri="{28A0092B-C50C-407E-A947-70E740481C1C}">
+                <a14:useLocalDpi xmlns:a14="http://schemas.microsoft.com/office/drawing/2010/main" val="0"/>
+              </a:ext>
+            </a:extLst>
+          </a:blip>
+          <a:srcRect/>
+          <a:stretch>
+            <a:fillRect/>
+          </a:stretch>
+        </p:blipFill>
+        <p:spPr bwMode="auto">
+          <a:xfrm>
+            <a:off x="9581479" y="2529583"/>
+            <a:ext cx="1896138" cy="1896138"/>
+          </a:xfrm>
+          <a:prstGeom prst="rect">
+            <a:avLst/>
+          </a:prstGeom>
+          <a:noFill/>
+          <a:extLst>
+            <a:ext uri="{909E8E84-426E-40DD-AFC4-6F175D3DCCD1}">
+              <a14:hiddenFill xmlns:a14="http://schemas.microsoft.com/office/drawing/2010/main">
+                <a:solidFill>
+                  <a:srgbClr val="FFFFFF"/>
+                </a:solidFill>
+              </a14:hiddenFill>
+            </a:ext>
+          </a:extLst>
+        </p:spPr>
+      </p:pic>
       <p:cxnSp>
         <p:nvCxnSpPr>
-          <p:cNvPr id="18" name="Conector recto 17">
-            <a:extLst>
-              <a:ext uri="{FF2B5EF4-FFF2-40B4-BE49-F238E27FC236}">
-                <a16:creationId xmlns:a16="http://schemas.microsoft.com/office/drawing/2014/main" id="{6C4EA237-0711-D29E-0108-36AB9A4B1298}"/>
+          <p:cNvPr id="10" name="Conector recto de flecha 9">
+            <a:extLst>
+              <a:ext uri="{FF2B5EF4-FFF2-40B4-BE49-F238E27FC236}">
+                <a16:creationId xmlns:a16="http://schemas.microsoft.com/office/drawing/2014/main" id="{1EFFD118-0815-F01A-EA7F-58775E9FD392}"/>
               </a:ext>
             </a:extLst>
           </p:cNvPr>
           <p:cNvCxnSpPr>
-            <a:cxnSpLocks/>
+            <a:endCxn id="1026" idx="1"/>
           </p:cNvCxnSpPr>
           <p:nvPr/>
         </p:nvCxnSpPr>
         <p:spPr>
           <a:xfrm>
-            <a:off x="1209368" y="5501147"/>
-            <a:ext cx="6066503" cy="0"/>
+            <a:off x="2387600" y="3369607"/>
+            <a:ext cx="1397000" cy="1"/>
           </a:xfrm>
-          <a:prstGeom prst="line">
+          <a:prstGeom prst="straightConnector1">
             <a:avLst/>
           </a:prstGeom>
-          <a:ln w="9525"/>
+          <a:ln>
+            <a:headEnd type="triangle"/>
+            <a:tailEnd type="triangle"/>
+          </a:ln>
         </p:spPr>
         <p:style>
           <a:lnRef idx="1">
@@ -14934,10 +17253,10 @@
       </p:cxnSp>
       <p:cxnSp>
         <p:nvCxnSpPr>
-          <p:cNvPr id="16" name="Conector recto 15">
-            <a:extLst>
-              <a:ext uri="{FF2B5EF4-FFF2-40B4-BE49-F238E27FC236}">
-                <a16:creationId xmlns:a16="http://schemas.microsoft.com/office/drawing/2014/main" id="{1DFD6BE2-D4A0-06CF-5517-E2E2E4FFD936}"/>
+          <p:cNvPr id="11" name="Conector recto de flecha 10">
+            <a:extLst>
+              <a:ext uri="{FF2B5EF4-FFF2-40B4-BE49-F238E27FC236}">
+                <a16:creationId xmlns:a16="http://schemas.microsoft.com/office/drawing/2014/main" id="{B2DB2EC3-9670-9381-E046-2F5B70F94133}"/>
               </a:ext>
             </a:extLst>
           </p:cNvPr>
@@ -14947,14 +17266,17 @@
           <p:nvPr/>
         </p:nvCxnSpPr>
         <p:spPr>
-          <a:xfrm>
-            <a:off x="1209368" y="4237702"/>
-            <a:ext cx="6066503" cy="0"/>
+          <a:xfrm flipV="1">
+            <a:off x="5444461" y="3369607"/>
+            <a:ext cx="1282892" cy="253"/>
           </a:xfrm>
-          <a:prstGeom prst="line">
+          <a:prstGeom prst="straightConnector1">
             <a:avLst/>
           </a:prstGeom>
-          <a:ln w="9525"/>
+          <a:ln>
+            <a:headEnd type="triangle"/>
+            <a:tailEnd type="triangle"/>
+          </a:ln>
         </p:spPr>
         <p:style>
           <a:lnRef idx="1">
@@ -14973,10 +17295,10 @@
       </p:cxnSp>
       <p:cxnSp>
         <p:nvCxnSpPr>
-          <p:cNvPr id="14" name="Conector recto 13">
-            <a:extLst>
-              <a:ext uri="{FF2B5EF4-FFF2-40B4-BE49-F238E27FC236}">
-                <a16:creationId xmlns:a16="http://schemas.microsoft.com/office/drawing/2014/main" id="{0AF04BE1-3CE5-2B42-B831-8FFA448884D6}"/>
+          <p:cNvPr id="13" name="Conector recto de flecha 12">
+            <a:extLst>
+              <a:ext uri="{FF2B5EF4-FFF2-40B4-BE49-F238E27FC236}">
+                <a16:creationId xmlns:a16="http://schemas.microsoft.com/office/drawing/2014/main" id="{704089BF-B16C-3E7C-165A-9E96E6AD82E6}"/>
               </a:ext>
             </a:extLst>
           </p:cNvPr>
@@ -14987,13 +17309,16 @@
         </p:nvCxnSpPr>
         <p:spPr>
           <a:xfrm>
-            <a:off x="1209368" y="2993923"/>
-            <a:ext cx="4975122" cy="0"/>
+            <a:off x="8502170" y="3364860"/>
+            <a:ext cx="972030" cy="0"/>
           </a:xfrm>
-          <a:prstGeom prst="line">
+          <a:prstGeom prst="straightConnector1">
             <a:avLst/>
           </a:prstGeom>
-          <a:ln w="9525"/>
+          <a:ln>
+            <a:headEnd type="triangle"/>
+            <a:tailEnd type="triangle"/>
+          </a:ln>
         </p:spPr>
         <p:style>
           <a:lnRef idx="1">
@@ -15010,139 +17335,22 @@
           </a:fontRef>
         </p:style>
       </p:cxnSp>
-      <p:cxnSp>
-        <p:nvCxnSpPr>
-          <p:cNvPr id="9" name="Conector recto 8">
-            <a:extLst>
-              <a:ext uri="{FF2B5EF4-FFF2-40B4-BE49-F238E27FC236}">
-                <a16:creationId xmlns:a16="http://schemas.microsoft.com/office/drawing/2014/main" id="{D56B3E42-CC39-638B-E575-7088427748D0}"/>
-              </a:ext>
-            </a:extLst>
-          </p:cNvPr>
-          <p:cNvCxnSpPr>
-            <a:cxnSpLocks/>
-          </p:cNvCxnSpPr>
+      <p:sp>
+        <p:nvSpPr>
+          <p:cNvPr id="19" name="CuadroTexto 18">
+            <a:extLst>
+              <a:ext uri="{FF2B5EF4-FFF2-40B4-BE49-F238E27FC236}">
+                <a16:creationId xmlns:a16="http://schemas.microsoft.com/office/drawing/2014/main" id="{0E9F258C-1400-D7EC-2A24-60361DD2D24B}"/>
+              </a:ext>
+            </a:extLst>
+          </p:cNvPr>
+          <p:cNvSpPr txBox="1"/>
           <p:nvPr/>
-        </p:nvCxnSpPr>
+        </p:nvSpPr>
         <p:spPr>
           <a:xfrm>
-            <a:off x="1209368" y="2172929"/>
-            <a:ext cx="963561" cy="0"/>
-          </a:xfrm>
-          <a:prstGeom prst="line">
-            <a:avLst/>
-          </a:prstGeom>
-          <a:ln w="9525"/>
-        </p:spPr>
-        <p:style>
-          <a:lnRef idx="1">
-            <a:schemeClr val="accent1"/>
-          </a:lnRef>
-          <a:fillRef idx="0">
-            <a:schemeClr val="accent1"/>
-          </a:fillRef>
-          <a:effectRef idx="0">
-            <a:schemeClr val="accent1"/>
-          </a:effectRef>
-          <a:fontRef idx="minor">
-            <a:schemeClr val="tx1"/>
-          </a:fontRef>
-        </p:style>
-      </p:cxnSp>
-      <p:cxnSp>
-        <p:nvCxnSpPr>
-          <p:cNvPr id="8" name="Conector recto 7">
-            <a:extLst>
-              <a:ext uri="{FF2B5EF4-FFF2-40B4-BE49-F238E27FC236}">
-                <a16:creationId xmlns:a16="http://schemas.microsoft.com/office/drawing/2014/main" id="{98B1666B-AA7B-69C7-BC21-473CD834FB35}"/>
-              </a:ext>
-            </a:extLst>
-          </p:cNvPr>
-          <p:cNvCxnSpPr/>
-          <p:nvPr/>
-        </p:nvCxnSpPr>
-        <p:spPr>
-          <a:xfrm>
-            <a:off x="1209368" y="1597729"/>
-            <a:ext cx="0" cy="4704748"/>
-          </a:xfrm>
-          <a:prstGeom prst="line">
-            <a:avLst/>
-          </a:prstGeom>
-          <a:ln w="19050"/>
-        </p:spPr>
-        <p:style>
-          <a:lnRef idx="1">
-            <a:schemeClr val="accent1"/>
-          </a:lnRef>
-          <a:fillRef idx="0">
-            <a:schemeClr val="accent1"/>
-          </a:fillRef>
-          <a:effectRef idx="0">
-            <a:schemeClr val="accent1"/>
-          </a:effectRef>
-          <a:fontRef idx="minor">
-            <a:schemeClr val="tx1"/>
-          </a:fontRef>
-        </p:style>
-      </p:cxnSp>
-      <p:sp>
-        <p:nvSpPr>
-          <p:cNvPr id="63" name="CuadroTexto 62">
-            <a:extLst>
-              <a:ext uri="{FF2B5EF4-FFF2-40B4-BE49-F238E27FC236}">
-                <a16:creationId xmlns:a16="http://schemas.microsoft.com/office/drawing/2014/main" id="{0C24DF01-1116-D031-C626-DB6B83661336}"/>
-              </a:ext>
-            </a:extLst>
-          </p:cNvPr>
-          <p:cNvSpPr txBox="1"/>
-          <p:nvPr/>
-        </p:nvSpPr>
-        <p:spPr>
-          <a:xfrm>
-            <a:off x="402764" y="292287"/>
-            <a:ext cx="8638440" cy="769441"/>
-          </a:xfrm>
-          <a:prstGeom prst="rect">
-            <a:avLst/>
-          </a:prstGeom>
-          <a:noFill/>
-        </p:spPr>
-        <p:txBody>
-          <a:bodyPr wrap="square" rtlCol="0">
-            <a:spAutoFit/>
-          </a:bodyPr>
-          <a:lstStyle/>
-          <a:p>
-            <a:r>
-              <a:rPr lang="es-ES" sz="4400" b="1" dirty="0">
-                <a:solidFill>
-                  <a:schemeClr val="accent1"/>
-                </a:solidFill>
-                <a:latin typeface="Sama Devanagari" panose="020F0603040507060303" pitchFamily="34" charset="0"/>
-                <a:cs typeface="Sama Devanagari" panose="020F0603040507060303" pitchFamily="34" charset="0"/>
-              </a:rPr>
-              <a:t>Flujo de datos</a:t>
-            </a:r>
-          </a:p>
-        </p:txBody>
-      </p:sp>
-      <p:sp>
-        <p:nvSpPr>
-          <p:cNvPr id="64" name="CuadroTexto 63">
-            <a:extLst>
-              <a:ext uri="{FF2B5EF4-FFF2-40B4-BE49-F238E27FC236}">
-                <a16:creationId xmlns:a16="http://schemas.microsoft.com/office/drawing/2014/main" id="{329D2F2B-5C6E-0B5F-61A5-007378157F8F}"/>
-              </a:ext>
-            </a:extLst>
-          </p:cNvPr>
-          <p:cNvSpPr txBox="1"/>
-          <p:nvPr/>
-        </p:nvSpPr>
-        <p:spPr>
-          <a:xfrm>
-            <a:off x="516742" y="944844"/>
-            <a:ext cx="10718948" cy="423449"/>
+            <a:off x="735903" y="4425720"/>
+            <a:ext cx="2006674" cy="423449"/>
           </a:xfrm>
           <a:prstGeom prst="rect">
             <a:avLst/>
@@ -15168,8 +17376,44 @@
                 <a:latin typeface="Sama Devanagari" panose="020F0603040507060303" pitchFamily="34" charset="0"/>
                 <a:cs typeface="Sama Devanagari" panose="020F0603040507060303" pitchFamily="34" charset="0"/>
               </a:rPr>
-              <a:t>El papel del </a:t>
-            </a:r>
+              <a:t>Análisis de datos</a:t>
+            </a:r>
+          </a:p>
+        </p:txBody>
+      </p:sp>
+      <p:sp>
+        <p:nvSpPr>
+          <p:cNvPr id="21" name="CuadroTexto 20">
+            <a:extLst>
+              <a:ext uri="{FF2B5EF4-FFF2-40B4-BE49-F238E27FC236}">
+                <a16:creationId xmlns:a16="http://schemas.microsoft.com/office/drawing/2014/main" id="{6A92B2A3-22CD-1377-60D0-45F448AB4653}"/>
+              </a:ext>
+            </a:extLst>
+          </p:cNvPr>
+          <p:cNvSpPr txBox="1"/>
+          <p:nvPr/>
+        </p:nvSpPr>
+        <p:spPr>
+          <a:xfrm>
+            <a:off x="4155666" y="4425720"/>
+            <a:ext cx="2006674" cy="423449"/>
+          </a:xfrm>
+          <a:prstGeom prst="rect">
+            <a:avLst/>
+          </a:prstGeom>
+          <a:noFill/>
+        </p:spPr>
+        <p:txBody>
+          <a:bodyPr wrap="square" rtlCol="0">
+            <a:spAutoFit/>
+          </a:bodyPr>
+          <a:lstStyle/>
+          <a:p>
+            <a:pPr algn="just">
+              <a:lnSpc>
+                <a:spcPct val="150000"/>
+              </a:lnSpc>
+            </a:pPr>
             <a:r>
               <a:rPr lang="es-ES" sz="1600" dirty="0" err="1">
                 <a:solidFill>
@@ -15178,8 +17422,51 @@
                 <a:latin typeface="Sama Devanagari" panose="020F0603040507060303" pitchFamily="34" charset="0"/>
                 <a:cs typeface="Sama Devanagari" panose="020F0603040507060303" pitchFamily="34" charset="0"/>
               </a:rPr>
-              <a:t>front</a:t>
-            </a:r>
+              <a:t>Backend</a:t>
+            </a:r>
+            <a:endParaRPr lang="es-ES" sz="1600" dirty="0">
+              <a:solidFill>
+                <a:schemeClr val="accent1"/>
+              </a:solidFill>
+              <a:latin typeface="Sama Devanagari" panose="020F0603040507060303" pitchFamily="34" charset="0"/>
+              <a:cs typeface="Sama Devanagari" panose="020F0603040507060303" pitchFamily="34" charset="0"/>
+            </a:endParaRPr>
+          </a:p>
+        </p:txBody>
+      </p:sp>
+      <p:sp>
+        <p:nvSpPr>
+          <p:cNvPr id="22" name="CuadroTexto 21">
+            <a:extLst>
+              <a:ext uri="{FF2B5EF4-FFF2-40B4-BE49-F238E27FC236}">
+                <a16:creationId xmlns:a16="http://schemas.microsoft.com/office/drawing/2014/main" id="{4687C14D-9FD1-C4AF-1DD6-17DEC908F24A}"/>
+              </a:ext>
+            </a:extLst>
+          </p:cNvPr>
+          <p:cNvSpPr txBox="1"/>
+          <p:nvPr/>
+        </p:nvSpPr>
+        <p:spPr>
+          <a:xfrm>
+            <a:off x="7442749" y="4425720"/>
+            <a:ext cx="2006674" cy="423449"/>
+          </a:xfrm>
+          <a:prstGeom prst="rect">
+            <a:avLst/>
+          </a:prstGeom>
+          <a:noFill/>
+        </p:spPr>
+        <p:txBody>
+          <a:bodyPr wrap="square" rtlCol="0">
+            <a:spAutoFit/>
+          </a:bodyPr>
+          <a:lstStyle/>
+          <a:p>
+            <a:pPr algn="just">
+              <a:lnSpc>
+                <a:spcPct val="150000"/>
+              </a:lnSpc>
+            </a:pPr>
             <a:r>
               <a:rPr lang="es-ES" sz="1600" dirty="0">
                 <a:solidFill>
@@ -15188,17 +17475,17 @@
                 <a:latin typeface="Sama Devanagari" panose="020F0603040507060303" pitchFamily="34" charset="0"/>
                 <a:cs typeface="Sama Devanagari" panose="020F0603040507060303" pitchFamily="34" charset="0"/>
               </a:rPr>
-              <a:t> en el proceso de transmisión de los datos</a:t>
-            </a:r>
-          </a:p>
-        </p:txBody>
-      </p:sp>
-      <p:sp>
-        <p:nvSpPr>
-          <p:cNvPr id="2" name="CuadroTexto 1">
-            <a:extLst>
-              <a:ext uri="{FF2B5EF4-FFF2-40B4-BE49-F238E27FC236}">
-                <a16:creationId xmlns:a16="http://schemas.microsoft.com/office/drawing/2014/main" id="{54FCB41B-5216-4DE9-D1FF-BEAF150BBA57}"/>
+              <a:t>API</a:t>
+            </a:r>
+          </a:p>
+        </p:txBody>
+      </p:sp>
+      <p:sp>
+        <p:nvSpPr>
+          <p:cNvPr id="23" name="CuadroTexto 22">
+            <a:extLst>
+              <a:ext uri="{FF2B5EF4-FFF2-40B4-BE49-F238E27FC236}">
+                <a16:creationId xmlns:a16="http://schemas.microsoft.com/office/drawing/2014/main" id="{31067E10-43D5-3933-2F52-3415CDFDE4A0}"/>
               </a:ext>
             </a:extLst>
           </p:cNvPr>
@@ -15207,176 +17494,13 @@
         </p:nvSpPr>
         <p:spPr>
           <a:xfrm>
-            <a:off x="1791855" y="1597729"/>
-            <a:ext cx="3393597" cy="2377574"/>
+            <a:off x="10113945" y="4425719"/>
+            <a:ext cx="2006674" cy="423449"/>
           </a:xfrm>
           <a:prstGeom prst="rect">
             <a:avLst/>
           </a:prstGeom>
-          <a:solidFill>
-            <a:schemeClr val="accent2"/>
-          </a:solidFill>
-          <a:ln w="19050">
-            <a:noFill/>
-          </a:ln>
-        </p:spPr>
-        <p:txBody>
-          <a:bodyPr wrap="square" lIns="91440" tIns="45720" rIns="91440" bIns="45720" rtlCol="0" anchor="t">
-            <a:spAutoFit/>
-          </a:bodyPr>
-          <a:lstStyle/>
-          <a:p>
-            <a:pPr algn="ctr"/>
-            <a:r>
-              <a:rPr lang="es-ES" sz="1400" b="1" dirty="0">
-                <a:solidFill>
-                  <a:schemeClr val="accent1"/>
-                </a:solidFill>
-                <a:latin typeface="Barlow"/>
-                <a:cs typeface="Sama Devanagari" panose="020F0603040507060303" pitchFamily="34" charset="0"/>
-              </a:rPr>
-              <a:t>Conector JMS</a:t>
-            </a:r>
-            <a:endParaRPr lang="es-ES" b="1" dirty="0">
-              <a:solidFill>
-                <a:schemeClr val="accent1"/>
-              </a:solidFill>
-              <a:latin typeface="Barlow"/>
-              <a:cs typeface="Sama Devanagari" panose="020F0603040507060303" pitchFamily="34" charset="0"/>
-            </a:endParaRPr>
-          </a:p>
-          <a:p>
-            <a:endParaRPr lang="es-ES" sz="1100" dirty="0">
-              <a:solidFill>
-                <a:schemeClr val="accent1"/>
-              </a:solidFill>
-              <a:latin typeface="Barlow" pitchFamily="2" charset="77"/>
-              <a:cs typeface="Sama Devanagari" panose="020F0603040507060303" pitchFamily="34" charset="0"/>
-            </a:endParaRPr>
-          </a:p>
-          <a:p>
-            <a:pPr marL="171450" indent="-171450">
-              <a:lnSpc>
-                <a:spcPct val="150000"/>
-              </a:lnSpc>
-              <a:buFont typeface="Wingdings" panose="05000000000000000000" pitchFamily="2" charset="2"/>
-              <a:buChar char="Ø"/>
-            </a:pPr>
-            <a:r>
-              <a:rPr lang="es-ES" sz="1200" dirty="0">
-                <a:solidFill>
-                  <a:schemeClr val="accent1"/>
-                </a:solidFill>
-                <a:latin typeface="Barlow"/>
-                <a:cs typeface="Sama Devanagari" panose="020F0603040507060303" pitchFamily="34" charset="0"/>
-              </a:rPr>
-              <a:t>Creación de entornos en AWS</a:t>
-            </a:r>
-          </a:p>
-          <a:p>
-            <a:pPr marL="171450" indent="-171450">
-              <a:lnSpc>
-                <a:spcPct val="150000"/>
-              </a:lnSpc>
-              <a:buFont typeface="Wingdings" panose="05000000000000000000" pitchFamily="2" charset="2"/>
-              <a:buChar char="Ø"/>
-            </a:pPr>
-            <a:r>
-              <a:rPr lang="es-ES" sz="1200" dirty="0">
-                <a:solidFill>
-                  <a:schemeClr val="accent1"/>
-                </a:solidFill>
-                <a:latin typeface="Barlow"/>
-                <a:cs typeface="Sama Devanagari" panose="020F0603040507060303" pitchFamily="34" charset="0"/>
-              </a:rPr>
-              <a:t>Despliegue y configuración del conector de manera automatizada a través de la plataforma Devops en los diferentes entornos</a:t>
-            </a:r>
-          </a:p>
-          <a:p>
-            <a:pPr marL="171450" indent="-171450">
-              <a:lnSpc>
-                <a:spcPct val="150000"/>
-              </a:lnSpc>
-              <a:buFont typeface="Wingdings" panose="05000000000000000000" pitchFamily="2" charset="2"/>
-              <a:buChar char="Ø"/>
-            </a:pPr>
-            <a:r>
-              <a:rPr lang="es-ES" sz="1200" dirty="0">
-                <a:solidFill>
-                  <a:schemeClr val="accent1"/>
-                </a:solidFill>
-                <a:latin typeface="Barlow"/>
-                <a:cs typeface="Sama Devanagari" panose="020F0603040507060303" pitchFamily="34" charset="0"/>
-              </a:rPr>
-              <a:t>Pruebas de rendimiento y escalado</a:t>
-            </a:r>
-          </a:p>
-          <a:p>
-            <a:pPr marL="171450" indent="-171450">
-              <a:lnSpc>
-                <a:spcPct val="150000"/>
-              </a:lnSpc>
-              <a:buFont typeface="Wingdings" panose="05000000000000000000" pitchFamily="2" charset="2"/>
-              <a:buChar char="Ø"/>
-            </a:pPr>
-            <a:r>
-              <a:rPr lang="es-ES" sz="1200" dirty="0">
-                <a:solidFill>
-                  <a:schemeClr val="accent1"/>
-                </a:solidFill>
-                <a:latin typeface="Barlow"/>
-                <a:cs typeface="Sama Devanagari" panose="020F0603040507060303" pitchFamily="34" charset="0"/>
-              </a:rPr>
-              <a:t>Monitorización y creación de alertas</a:t>
-            </a:r>
-          </a:p>
-          <a:p>
-            <a:pPr marL="171450" indent="-171450">
-              <a:lnSpc>
-                <a:spcPct val="150000"/>
-              </a:lnSpc>
-              <a:buFont typeface="Wingdings" panose="05000000000000000000" pitchFamily="2" charset="2"/>
-              <a:buChar char="Ø"/>
-            </a:pPr>
-            <a:r>
-              <a:rPr lang="es-ES" sz="1200" dirty="0">
-                <a:solidFill>
-                  <a:schemeClr val="accent1"/>
-                </a:solidFill>
-                <a:latin typeface="Barlow"/>
-                <a:cs typeface="Sama Devanagari" panose="020F0603040507060303" pitchFamily="34" charset="0"/>
-              </a:rPr>
-              <a:t>Manual de explotación</a:t>
-            </a:r>
-          </a:p>
-        </p:txBody>
-      </p:sp>
-      <p:sp>
-        <p:nvSpPr>
-          <p:cNvPr id="3" name="CuadroTexto 2">
-            <a:extLst>
-              <a:ext uri="{FF2B5EF4-FFF2-40B4-BE49-F238E27FC236}">
-                <a16:creationId xmlns:a16="http://schemas.microsoft.com/office/drawing/2014/main" id="{12492A6C-A7F5-5349-E908-310898787B81}"/>
-              </a:ext>
-            </a:extLst>
-          </p:cNvPr>
-          <p:cNvSpPr txBox="1"/>
-          <p:nvPr/>
-        </p:nvSpPr>
-        <p:spPr>
-          <a:xfrm>
-            <a:off x="5792359" y="1603166"/>
-            <a:ext cx="3942195" cy="1823576"/>
-          </a:xfrm>
-          <a:prstGeom prst="rect">
-            <a:avLst/>
-          </a:prstGeom>
-          <a:solidFill>
-            <a:schemeClr val="accent6"/>
-          </a:solidFill>
-          <a:ln w="19050">
-            <a:noFill/>
-          </a:ln>
+          <a:noFill/>
         </p:spPr>
         <p:txBody>
           <a:bodyPr wrap="square" rtlCol="0">
@@ -15384,435 +17508,28 @@
           </a:bodyPr>
           <a:lstStyle/>
           <a:p>
-            <a:pPr algn="ctr"/>
-            <a:r>
-              <a:rPr lang="es-ES" sz="1400" b="1" dirty="0">
+            <a:pPr algn="just">
+              <a:lnSpc>
+                <a:spcPct val="150000"/>
+              </a:lnSpc>
+            </a:pPr>
+            <a:r>
+              <a:rPr lang="es-ES" sz="1600" dirty="0" err="1">
                 <a:solidFill>
                   <a:schemeClr val="accent1"/>
                 </a:solidFill>
-                <a:latin typeface="Barlow" pitchFamily="2" charset="77"/>
+                <a:latin typeface="Sama Devanagari" panose="020F0603040507060303" pitchFamily="34" charset="0"/>
                 <a:cs typeface="Sama Devanagari" panose="020F0603040507060303" pitchFamily="34" charset="0"/>
               </a:rPr>
-              <a:t>Plataforma Eventos (Confluent)</a:t>
-            </a:r>
-          </a:p>
-          <a:p>
-            <a:endParaRPr lang="es-ES" sz="1100" dirty="0">
+              <a:t>FrontEnd</a:t>
+            </a:r>
+            <a:endParaRPr lang="es-ES" sz="1600" dirty="0">
               <a:solidFill>
                 <a:schemeClr val="accent1"/>
               </a:solidFill>
-              <a:latin typeface="Barlow" pitchFamily="2" charset="77"/>
+              <a:latin typeface="Sama Devanagari" panose="020F0603040507060303" pitchFamily="34" charset="0"/>
               <a:cs typeface="Sama Devanagari" panose="020F0603040507060303" pitchFamily="34" charset="0"/>
             </a:endParaRPr>
-          </a:p>
-          <a:p>
-            <a:pPr marL="171450" indent="-171450">
-              <a:lnSpc>
-                <a:spcPct val="150000"/>
-              </a:lnSpc>
-              <a:buFont typeface="Wingdings" panose="05000000000000000000" pitchFamily="2" charset="2"/>
-              <a:buChar char="Ø"/>
-            </a:pPr>
-            <a:r>
-              <a:rPr lang="es-ES" sz="1200" dirty="0">
-                <a:solidFill>
-                  <a:schemeClr val="accent1"/>
-                </a:solidFill>
-                <a:latin typeface="Barlow"/>
-                <a:cs typeface="Sama Devanagari" panose="020F0603040507060303" pitchFamily="34" charset="0"/>
-              </a:rPr>
-              <a:t>Creación de los diferentes </a:t>
-            </a:r>
-            <a:r>
-              <a:rPr lang="es-ES" sz="1200" dirty="0" err="1">
-                <a:solidFill>
-                  <a:schemeClr val="accent1"/>
-                </a:solidFill>
-                <a:latin typeface="Barlow"/>
-                <a:cs typeface="Sama Devanagari" panose="020F0603040507060303" pitchFamily="34" charset="0"/>
-              </a:rPr>
-              <a:t>Environment</a:t>
-            </a:r>
-            <a:r>
-              <a:rPr lang="es-ES" sz="1200" dirty="0">
-                <a:solidFill>
-                  <a:schemeClr val="accent1"/>
-                </a:solidFill>
-                <a:latin typeface="Barlow"/>
-                <a:cs typeface="Sama Devanagari" panose="020F0603040507060303" pitchFamily="34" charset="0"/>
-              </a:rPr>
-              <a:t> / </a:t>
-            </a:r>
-            <a:r>
-              <a:rPr lang="es-ES" sz="1200" dirty="0" err="1">
-                <a:solidFill>
-                  <a:schemeClr val="accent1"/>
-                </a:solidFill>
-                <a:latin typeface="Barlow"/>
-                <a:cs typeface="Sama Devanagari" panose="020F0603040507060303" pitchFamily="34" charset="0"/>
-              </a:rPr>
-              <a:t>Cluster</a:t>
-            </a:r>
-            <a:endParaRPr lang="es-ES" sz="1200" dirty="0">
-              <a:solidFill>
-                <a:schemeClr val="accent1"/>
-              </a:solidFill>
-              <a:latin typeface="Barlow"/>
-              <a:cs typeface="Sama Devanagari" panose="020F0603040507060303" pitchFamily="34" charset="0"/>
-            </a:endParaRPr>
-          </a:p>
-          <a:p>
-            <a:pPr marL="171450" indent="-171450">
-              <a:lnSpc>
-                <a:spcPct val="150000"/>
-              </a:lnSpc>
-              <a:buFont typeface="Wingdings" panose="05000000000000000000" pitchFamily="2" charset="2"/>
-              <a:buChar char="Ø"/>
-            </a:pPr>
-            <a:r>
-              <a:rPr lang="es-ES" sz="1200" dirty="0">
-                <a:solidFill>
-                  <a:schemeClr val="accent1"/>
-                </a:solidFill>
-                <a:latin typeface="Barlow"/>
-                <a:cs typeface="Sama Devanagari" panose="020F0603040507060303" pitchFamily="34" charset="0"/>
-              </a:rPr>
-              <a:t>Gestión de errores</a:t>
-            </a:r>
-          </a:p>
-          <a:p>
-            <a:pPr marL="171450" indent="-171450">
-              <a:lnSpc>
-                <a:spcPct val="150000"/>
-              </a:lnSpc>
-              <a:buFont typeface="Wingdings" panose="05000000000000000000" pitchFamily="2" charset="2"/>
-              <a:buChar char="Ø"/>
-            </a:pPr>
-            <a:r>
-              <a:rPr lang="es-ES" sz="1200" dirty="0">
-                <a:solidFill>
-                  <a:schemeClr val="accent1"/>
-                </a:solidFill>
-                <a:latin typeface="Barlow"/>
-                <a:cs typeface="Sama Devanagari" panose="020F0603040507060303" pitchFamily="34" charset="0"/>
-              </a:rPr>
-              <a:t>Pruebas de rendimiento y escalado</a:t>
-            </a:r>
-          </a:p>
-          <a:p>
-            <a:pPr marL="171450" indent="-171450">
-              <a:lnSpc>
-                <a:spcPct val="150000"/>
-              </a:lnSpc>
-              <a:buFont typeface="Wingdings" panose="05000000000000000000" pitchFamily="2" charset="2"/>
-              <a:buChar char="Ø"/>
-            </a:pPr>
-            <a:r>
-              <a:rPr lang="es-ES" sz="1200" dirty="0">
-                <a:solidFill>
-                  <a:schemeClr val="accent1"/>
-                </a:solidFill>
-                <a:latin typeface="Barlow"/>
-                <a:cs typeface="Sama Devanagari" panose="020F0603040507060303" pitchFamily="34" charset="0"/>
-              </a:rPr>
-              <a:t>Monitorización y creación de alertas</a:t>
-            </a:r>
-          </a:p>
-          <a:p>
-            <a:pPr marL="171450" indent="-171450">
-              <a:lnSpc>
-                <a:spcPct val="150000"/>
-              </a:lnSpc>
-              <a:buFont typeface="Wingdings" panose="05000000000000000000" pitchFamily="2" charset="2"/>
-              <a:buChar char="Ø"/>
-            </a:pPr>
-            <a:r>
-              <a:rPr lang="es-ES" sz="1200" dirty="0">
-                <a:solidFill>
-                  <a:schemeClr val="accent1"/>
-                </a:solidFill>
-                <a:latin typeface="Barlow"/>
-                <a:cs typeface="Sama Devanagari" panose="020F0603040507060303" pitchFamily="34" charset="0"/>
-              </a:rPr>
-              <a:t>Manual de explotación</a:t>
-            </a:r>
-          </a:p>
-        </p:txBody>
-      </p:sp>
-      <p:sp>
-        <p:nvSpPr>
-          <p:cNvPr id="5" name="CuadroTexto 4">
-            <a:extLst>
-              <a:ext uri="{FF2B5EF4-FFF2-40B4-BE49-F238E27FC236}">
-                <a16:creationId xmlns:a16="http://schemas.microsoft.com/office/drawing/2014/main" id="{132293E4-2985-30D0-9344-FF8F21CD5830}"/>
-              </a:ext>
-            </a:extLst>
-          </p:cNvPr>
-          <p:cNvSpPr txBox="1"/>
-          <p:nvPr/>
-        </p:nvSpPr>
-        <p:spPr>
-          <a:xfrm>
-            <a:off x="4721984" y="4895048"/>
-            <a:ext cx="3000070" cy="1269578"/>
-          </a:xfrm>
-          <a:prstGeom prst="rect">
-            <a:avLst/>
-          </a:prstGeom>
-          <a:solidFill>
-            <a:schemeClr val="accent2"/>
-          </a:solidFill>
-          <a:ln w="19050">
-            <a:noFill/>
-          </a:ln>
-        </p:spPr>
-        <p:txBody>
-          <a:bodyPr wrap="square" lIns="91440" tIns="45720" rIns="91440" bIns="45720" rtlCol="0" anchor="t">
-            <a:spAutoFit/>
-          </a:bodyPr>
-          <a:lstStyle/>
-          <a:p>
-            <a:pPr algn="ctr"/>
-            <a:r>
-              <a:rPr lang="es-ES" sz="1400" b="1" dirty="0">
-                <a:solidFill>
-                  <a:schemeClr val="accent1"/>
-                </a:solidFill>
-                <a:latin typeface="Barlow"/>
-                <a:cs typeface="Sama Devanagari" panose="020F0603040507060303" pitchFamily="34" charset="0"/>
-              </a:rPr>
-              <a:t>Modelo de Gobierno</a:t>
-            </a:r>
-            <a:endParaRPr lang="es-ES" b="1" dirty="0">
-              <a:solidFill>
-                <a:schemeClr val="accent1"/>
-              </a:solidFill>
-              <a:latin typeface="Barlow"/>
-              <a:cs typeface="Sama Devanagari" panose="020F0603040507060303" pitchFamily="34" charset="0"/>
-            </a:endParaRPr>
-          </a:p>
-          <a:p>
-            <a:endParaRPr lang="es-ES" sz="1100" dirty="0">
-              <a:solidFill>
-                <a:schemeClr val="accent1"/>
-              </a:solidFill>
-              <a:latin typeface="Barlow" pitchFamily="2" charset="77"/>
-              <a:cs typeface="Sama Devanagari" panose="020F0603040507060303" pitchFamily="34" charset="0"/>
-            </a:endParaRPr>
-          </a:p>
-          <a:p>
-            <a:pPr marL="171450" indent="-171450">
-              <a:lnSpc>
-                <a:spcPct val="150000"/>
-              </a:lnSpc>
-              <a:buFont typeface="Wingdings" panose="05000000000000000000" pitchFamily="2" charset="2"/>
-              <a:buChar char="Ø"/>
-            </a:pPr>
-            <a:r>
-              <a:rPr lang="es-ES" sz="1200" dirty="0">
-                <a:solidFill>
-                  <a:schemeClr val="accent1"/>
-                </a:solidFill>
-                <a:latin typeface="Barlow"/>
-                <a:cs typeface="Sama Devanagari" panose="020F0603040507060303" pitchFamily="34" charset="0"/>
-              </a:rPr>
-              <a:t>Normativas</a:t>
-            </a:r>
-          </a:p>
-          <a:p>
-            <a:pPr marL="171450" indent="-171450">
-              <a:lnSpc>
-                <a:spcPct val="150000"/>
-              </a:lnSpc>
-              <a:buFont typeface="Wingdings" panose="05000000000000000000" pitchFamily="2" charset="2"/>
-              <a:buChar char="Ø"/>
-            </a:pPr>
-            <a:r>
-              <a:rPr lang="es-ES" sz="1200" dirty="0">
-                <a:solidFill>
-                  <a:schemeClr val="accent1"/>
-                </a:solidFill>
-                <a:latin typeface="Barlow"/>
-                <a:cs typeface="Sama Devanagari" panose="020F0603040507060303" pitchFamily="34" charset="0"/>
-              </a:rPr>
-              <a:t>Procedimientos</a:t>
-            </a:r>
-          </a:p>
-          <a:p>
-            <a:pPr marL="171450" indent="-171450">
-              <a:lnSpc>
-                <a:spcPct val="150000"/>
-              </a:lnSpc>
-              <a:buFont typeface="Wingdings" panose="05000000000000000000" pitchFamily="2" charset="2"/>
-              <a:buChar char="Ø"/>
-            </a:pPr>
-            <a:r>
-              <a:rPr lang="es-ES" sz="1200" dirty="0">
-                <a:solidFill>
-                  <a:schemeClr val="accent1"/>
-                </a:solidFill>
-                <a:latin typeface="Barlow"/>
-                <a:cs typeface="Sama Devanagari" panose="020F0603040507060303" pitchFamily="34" charset="0"/>
-              </a:rPr>
-              <a:t>Automatización</a:t>
-            </a:r>
-          </a:p>
-        </p:txBody>
-      </p:sp>
-      <p:sp>
-        <p:nvSpPr>
-          <p:cNvPr id="6" name="CuadroTexto 5">
-            <a:extLst>
-              <a:ext uri="{FF2B5EF4-FFF2-40B4-BE49-F238E27FC236}">
-                <a16:creationId xmlns:a16="http://schemas.microsoft.com/office/drawing/2014/main" id="{2363703C-F5FF-FB59-7249-041B08E42972}"/>
-              </a:ext>
-            </a:extLst>
-          </p:cNvPr>
-          <p:cNvSpPr txBox="1"/>
-          <p:nvPr/>
-        </p:nvSpPr>
-        <p:spPr>
-          <a:xfrm>
-            <a:off x="673759" y="4452222"/>
-            <a:ext cx="3556495" cy="715581"/>
-          </a:xfrm>
-          <a:prstGeom prst="rect">
-            <a:avLst/>
-          </a:prstGeom>
-          <a:solidFill>
-            <a:schemeClr val="accent6"/>
-          </a:solidFill>
-          <a:ln w="19050">
-            <a:noFill/>
-          </a:ln>
-        </p:spPr>
-        <p:txBody>
-          <a:bodyPr wrap="square" rtlCol="0">
-            <a:spAutoFit/>
-          </a:bodyPr>
-          <a:lstStyle/>
-          <a:p>
-            <a:pPr algn="ctr"/>
-            <a:r>
-              <a:rPr lang="es-ES" sz="1400" b="1" dirty="0">
-                <a:solidFill>
-                  <a:schemeClr val="accent1"/>
-                </a:solidFill>
-                <a:latin typeface="Barlow" pitchFamily="2" charset="77"/>
-                <a:cs typeface="Sama Devanagari" panose="020F0603040507060303" pitchFamily="34" charset="0"/>
-              </a:rPr>
-              <a:t>Suscriptores</a:t>
-            </a:r>
-          </a:p>
-          <a:p>
-            <a:endParaRPr lang="es-ES" sz="1100" dirty="0">
-              <a:solidFill>
-                <a:schemeClr val="accent1"/>
-              </a:solidFill>
-              <a:latin typeface="Barlow" pitchFamily="2" charset="77"/>
-              <a:cs typeface="Sama Devanagari" panose="020F0603040507060303" pitchFamily="34" charset="0"/>
-            </a:endParaRPr>
-          </a:p>
-          <a:p>
-            <a:pPr marL="171450" indent="-171450">
-              <a:lnSpc>
-                <a:spcPct val="150000"/>
-              </a:lnSpc>
-              <a:buFont typeface="Wingdings" panose="05000000000000000000" pitchFamily="2" charset="2"/>
-              <a:buChar char="Ø"/>
-            </a:pPr>
-            <a:r>
-              <a:rPr lang="es-ES" sz="1200" dirty="0">
-                <a:solidFill>
-                  <a:schemeClr val="accent1"/>
-                </a:solidFill>
-                <a:latin typeface="Barlow"/>
-                <a:cs typeface="Sama Devanagari" panose="020F0603040507060303" pitchFamily="34" charset="0"/>
-              </a:rPr>
-              <a:t>Creación de escenarios para consumir eventos</a:t>
-            </a:r>
-          </a:p>
-        </p:txBody>
-      </p:sp>
-      <p:sp>
-        <p:nvSpPr>
-          <p:cNvPr id="7" name="CuadroTexto 6">
-            <a:extLst>
-              <a:ext uri="{FF2B5EF4-FFF2-40B4-BE49-F238E27FC236}">
-                <a16:creationId xmlns:a16="http://schemas.microsoft.com/office/drawing/2014/main" id="{BDCD1B3E-48DE-C690-0B6B-B520FD5AE6FC}"/>
-              </a:ext>
-            </a:extLst>
-          </p:cNvPr>
-          <p:cNvSpPr txBox="1"/>
-          <p:nvPr/>
-        </p:nvSpPr>
-        <p:spPr>
-          <a:xfrm>
-            <a:off x="6799137" y="3665672"/>
-            <a:ext cx="4118246" cy="992579"/>
-          </a:xfrm>
-          <a:prstGeom prst="rect">
-            <a:avLst/>
-          </a:prstGeom>
-          <a:solidFill>
-            <a:schemeClr val="accent2"/>
-          </a:solidFill>
-          <a:ln w="19050">
-            <a:noFill/>
-          </a:ln>
-        </p:spPr>
-        <p:txBody>
-          <a:bodyPr wrap="square" lIns="91440" tIns="45720" rIns="91440" bIns="45720" rtlCol="0" anchor="t">
-            <a:spAutoFit/>
-          </a:bodyPr>
-          <a:lstStyle/>
-          <a:p>
-            <a:pPr algn="ctr"/>
-            <a:r>
-              <a:rPr lang="es-ES" sz="1400" b="1" dirty="0">
-                <a:solidFill>
-                  <a:schemeClr val="accent1"/>
-                </a:solidFill>
-                <a:latin typeface="Barlow"/>
-                <a:cs typeface="Sama Devanagari" panose="020F0603040507060303" pitchFamily="34" charset="0"/>
-              </a:rPr>
-              <a:t>Divulgación</a:t>
-            </a:r>
-            <a:endParaRPr lang="es-ES" b="1" dirty="0">
-              <a:solidFill>
-                <a:schemeClr val="accent1"/>
-              </a:solidFill>
-              <a:latin typeface="Barlow"/>
-              <a:cs typeface="Sama Devanagari" panose="020F0603040507060303" pitchFamily="34" charset="0"/>
-            </a:endParaRPr>
-          </a:p>
-          <a:p>
-            <a:endParaRPr lang="es-ES" sz="1100" dirty="0">
-              <a:solidFill>
-                <a:schemeClr val="accent1"/>
-              </a:solidFill>
-              <a:latin typeface="Barlow" pitchFamily="2" charset="77"/>
-              <a:cs typeface="Sama Devanagari" panose="020F0603040507060303" pitchFamily="34" charset="0"/>
-            </a:endParaRPr>
-          </a:p>
-          <a:p>
-            <a:pPr marL="171450" indent="-171450">
-              <a:lnSpc>
-                <a:spcPct val="150000"/>
-              </a:lnSpc>
-              <a:buFont typeface="Wingdings" panose="05000000000000000000" pitchFamily="2" charset="2"/>
-              <a:buChar char="Ø"/>
-            </a:pPr>
-            <a:r>
-              <a:rPr lang="es-ES" sz="1200" dirty="0">
-                <a:solidFill>
-                  <a:schemeClr val="accent1"/>
-                </a:solidFill>
-                <a:latin typeface="Barlow"/>
-                <a:cs typeface="Sama Devanagari" panose="020F0603040507060303" pitchFamily="34" charset="0"/>
-              </a:rPr>
-              <a:t>Preparación de los diferentes materiales para realizar una comunicación / divulgación a los equipos de TI</a:t>
-            </a:r>
           </a:p>
         </p:txBody>
       </p:sp>
@@ -16345,7 +18062,7 @@
                 </a:solidFill>
                 <a:latin typeface="Barlow Medium" pitchFamily="2" charset="77"/>
               </a:rPr>
-              <a:t>Visión a alto nivel de la solución propuesta</a:t>
+              <a:t>Visión a alto nivel de las interacciones</a:t>
             </a:r>
           </a:p>
         </p:txBody>
@@ -16379,24 +18096,14 @@
           <a:lstStyle/>
           <a:p>
             <a:r>
-              <a:rPr lang="es-ES" sz="6000" b="1">
-                <a:solidFill>
-                  <a:schemeClr val="accent1"/>
-                </a:solidFill>
-                <a:latin typeface="Sama Devanagari" panose="020F0603040507060303" pitchFamily="34" charset="0"/>
-                <a:cs typeface="Sama Devanagari" panose="020F0603040507060303" pitchFamily="34" charset="0"/>
-              </a:rPr>
-              <a:t>Propuesta de </a:t>
-            </a:r>
-            <a:r>
-              <a:rPr lang="es-ES" sz="6000" b="1">
+              <a:rPr lang="es-ES" sz="6000" b="1" dirty="0">
                 <a:solidFill>
                   <a:schemeClr val="accent6"/>
                 </a:solidFill>
                 <a:latin typeface="Sama Devanagari" panose="020F0603040507060303" pitchFamily="34" charset="0"/>
                 <a:cs typeface="Sama Devanagari" panose="020F0603040507060303" pitchFamily="34" charset="0"/>
               </a:rPr>
-              <a:t>solución</a:t>
+              <a:t>Arquitectura</a:t>
             </a:r>
           </a:p>
         </p:txBody>
@@ -16431,210 +18138,6 @@
           <a:chExt cx="0" cy="0"/>
         </a:xfrm>
       </p:grpSpPr>
-      <p:sp>
-        <p:nvSpPr>
-          <p:cNvPr id="1057" name="Rectángulo 1056">
-            <a:extLst>
-              <a:ext uri="{FF2B5EF4-FFF2-40B4-BE49-F238E27FC236}">
-                <a16:creationId xmlns:a16="http://schemas.microsoft.com/office/drawing/2014/main" id="{40AB5543-9708-9735-B6D1-007640B4CDC4}"/>
-              </a:ext>
-            </a:extLst>
-          </p:cNvPr>
-          <p:cNvSpPr/>
-          <p:nvPr/>
-        </p:nvSpPr>
-        <p:spPr>
-          <a:xfrm>
-            <a:off x="608015" y="4762733"/>
-            <a:ext cx="10765379" cy="380937"/>
-          </a:xfrm>
-          <a:prstGeom prst="rect">
-            <a:avLst/>
-          </a:prstGeom>
-          <a:solidFill>
-            <a:schemeClr val="bg2"/>
-          </a:solidFill>
-          <a:ln>
-            <a:noFill/>
-          </a:ln>
-        </p:spPr>
-        <p:style>
-          <a:lnRef idx="1">
-            <a:schemeClr val="dk1"/>
-          </a:lnRef>
-          <a:fillRef idx="2">
-            <a:schemeClr val="dk1"/>
-          </a:fillRef>
-          <a:effectRef idx="1">
-            <a:schemeClr val="dk1"/>
-          </a:effectRef>
-          <a:fontRef idx="minor">
-            <a:schemeClr val="dk1"/>
-          </a:fontRef>
-        </p:style>
-        <p:txBody>
-          <a:bodyPr rtlCol="0" anchor="ctr"/>
-          <a:lstStyle/>
-          <a:p>
-            <a:pPr algn="ctr"/>
-            <a:endParaRPr lang="es-ES"/>
-          </a:p>
-        </p:txBody>
-      </p:sp>
-      <p:sp>
-        <p:nvSpPr>
-          <p:cNvPr id="1058" name="Rectángulo 1057">
-            <a:extLst>
-              <a:ext uri="{FF2B5EF4-FFF2-40B4-BE49-F238E27FC236}">
-                <a16:creationId xmlns:a16="http://schemas.microsoft.com/office/drawing/2014/main" id="{33339F76-2F4F-0290-FE8B-8D5939FB65C3}"/>
-              </a:ext>
-            </a:extLst>
-          </p:cNvPr>
-          <p:cNvSpPr/>
-          <p:nvPr/>
-        </p:nvSpPr>
-        <p:spPr>
-          <a:xfrm>
-            <a:off x="608015" y="3298302"/>
-            <a:ext cx="10765379" cy="1420733"/>
-          </a:xfrm>
-          <a:prstGeom prst="rect">
-            <a:avLst/>
-          </a:prstGeom>
-          <a:solidFill>
-            <a:schemeClr val="accent2"/>
-          </a:solidFill>
-          <a:ln>
-            <a:noFill/>
-          </a:ln>
-        </p:spPr>
-        <p:style>
-          <a:lnRef idx="2">
-            <a:schemeClr val="accent1">
-              <a:shade val="15000"/>
-            </a:schemeClr>
-          </a:lnRef>
-          <a:fillRef idx="1">
-            <a:schemeClr val="accent1"/>
-          </a:fillRef>
-          <a:effectRef idx="0">
-            <a:schemeClr val="accent1"/>
-          </a:effectRef>
-          <a:fontRef idx="minor">
-            <a:schemeClr val="lt1"/>
-          </a:fontRef>
-        </p:style>
-        <p:txBody>
-          <a:bodyPr rtlCol="0" anchor="ctr"/>
-          <a:lstStyle/>
-          <a:p>
-            <a:pPr algn="ctr"/>
-            <a:endParaRPr lang="es-ES"/>
-          </a:p>
-        </p:txBody>
-      </p:sp>
-      <p:sp>
-        <p:nvSpPr>
-          <p:cNvPr id="1056" name="Rectángulo 1055">
-            <a:extLst>
-              <a:ext uri="{FF2B5EF4-FFF2-40B4-BE49-F238E27FC236}">
-                <a16:creationId xmlns:a16="http://schemas.microsoft.com/office/drawing/2014/main" id="{08D22757-38C6-BFE9-8626-86D017DFD0EC}"/>
-              </a:ext>
-            </a:extLst>
-          </p:cNvPr>
-          <p:cNvSpPr/>
-          <p:nvPr/>
-        </p:nvSpPr>
-        <p:spPr>
-          <a:xfrm>
-            <a:off x="608015" y="2165809"/>
-            <a:ext cx="10765379" cy="1079417"/>
-          </a:xfrm>
-          <a:prstGeom prst="rect">
-            <a:avLst/>
-          </a:prstGeom>
-          <a:solidFill>
-            <a:schemeClr val="bg2"/>
-          </a:solidFill>
-          <a:ln>
-            <a:noFill/>
-          </a:ln>
-        </p:spPr>
-        <p:style>
-          <a:lnRef idx="1">
-            <a:schemeClr val="dk1"/>
-          </a:lnRef>
-          <a:fillRef idx="2">
-            <a:schemeClr val="dk1"/>
-          </a:fillRef>
-          <a:effectRef idx="1">
-            <a:schemeClr val="dk1"/>
-          </a:effectRef>
-          <a:fontRef idx="minor">
-            <a:schemeClr val="dk1"/>
-          </a:fontRef>
-        </p:style>
-        <p:txBody>
-          <a:bodyPr rtlCol="0" anchor="ctr"/>
-          <a:lstStyle/>
-          <a:p>
-            <a:pPr algn="ctr"/>
-            <a:endParaRPr lang="es-ES"/>
-          </a:p>
-        </p:txBody>
-      </p:sp>
-      <p:sp>
-        <p:nvSpPr>
-          <p:cNvPr id="1055" name="Rectángulo 1054">
-            <a:extLst>
-              <a:ext uri="{FF2B5EF4-FFF2-40B4-BE49-F238E27FC236}">
-                <a16:creationId xmlns:a16="http://schemas.microsoft.com/office/drawing/2014/main" id="{E79DFB24-481A-D39B-3A11-06629D07DA71}"/>
-              </a:ext>
-            </a:extLst>
-          </p:cNvPr>
-          <p:cNvSpPr/>
-          <p:nvPr/>
-        </p:nvSpPr>
-        <p:spPr>
-          <a:xfrm>
-            <a:off x="608015" y="1367746"/>
-            <a:ext cx="10765379" cy="750356"/>
-          </a:xfrm>
-          <a:prstGeom prst="rect">
-            <a:avLst/>
-          </a:prstGeom>
-          <a:solidFill>
-            <a:schemeClr val="accent2"/>
-          </a:solidFill>
-          <a:ln>
-            <a:noFill/>
-          </a:ln>
-        </p:spPr>
-        <p:style>
-          <a:lnRef idx="2">
-            <a:schemeClr val="accent1">
-              <a:shade val="15000"/>
-            </a:schemeClr>
-          </a:lnRef>
-          <a:fillRef idx="1">
-            <a:schemeClr val="accent1"/>
-          </a:fillRef>
-          <a:effectRef idx="0">
-            <a:schemeClr val="accent1"/>
-          </a:effectRef>
-          <a:fontRef idx="minor">
-            <a:schemeClr val="lt1"/>
-          </a:fontRef>
-        </p:style>
-        <p:txBody>
-          <a:bodyPr rtlCol="0" anchor="ctr"/>
-          <a:lstStyle/>
-          <a:p>
-            <a:pPr algn="ctr"/>
-            <a:endParaRPr lang="es-ES"/>
-          </a:p>
-        </p:txBody>
-      </p:sp>
       <p:sp>
         <p:nvSpPr>
           <p:cNvPr id="5" name="CuadroTexto 4">
@@ -17083,10 +18586,10 @@
       </p:grpSp>
       <p:sp>
         <p:nvSpPr>
-          <p:cNvPr id="22" name="CuadroTexto 21">
-            <a:extLst>
-              <a:ext uri="{FF2B5EF4-FFF2-40B4-BE49-F238E27FC236}">
-                <a16:creationId xmlns:a16="http://schemas.microsoft.com/office/drawing/2014/main" id="{2F1184F4-EFF7-CE2F-45DB-55677F50869C}"/>
+          <p:cNvPr id="26" name="CuadroTexto 25">
+            <a:extLst>
+              <a:ext uri="{FF2B5EF4-FFF2-40B4-BE49-F238E27FC236}">
+                <a16:creationId xmlns:a16="http://schemas.microsoft.com/office/drawing/2014/main" id="{A352DC4F-475A-5412-93D6-E03A41E120E2}"/>
               </a:ext>
             </a:extLst>
           </p:cNvPr>
@@ -17095,8 +18598,8 @@
         </p:nvSpPr>
         <p:spPr>
           <a:xfrm>
-            <a:off x="2583879" y="4810393"/>
-            <a:ext cx="9364681" cy="276999"/>
+            <a:off x="778702" y="931079"/>
+            <a:ext cx="4464684" cy="307777"/>
           </a:xfrm>
           <a:prstGeom prst="rect">
             <a:avLst/>
@@ -17104,33 +18607,29 @@
           <a:noFill/>
         </p:spPr>
         <p:txBody>
-          <a:bodyPr wrap="square" rtlCol="0">
+          <a:bodyPr wrap="none" rtlCol="0">
             <a:spAutoFit/>
           </a:bodyPr>
           <a:lstStyle/>
           <a:p>
-            <a:pPr marL="457200" indent="-457200">
-              <a:buAutoNum type="arabicPeriod"/>
-            </a:pPr>
-            <a:r>
-              <a:rPr lang="es-ES" sz="1200" dirty="0">
+            <a:r>
+              <a:rPr lang="es-ES" sz="1400" dirty="0">
                 <a:solidFill>
                   <a:schemeClr val="accent1"/>
                 </a:solidFill>
-                <a:latin typeface="Sama Devanagari" panose="020F0603040507060303" pitchFamily="34" charset="0"/>
-                <a:cs typeface="Sama Devanagari" panose="020F0603040507060303" pitchFamily="34" charset="0"/>
+                <a:latin typeface="Barlow" pitchFamily="2" charset="77"/>
               </a:rPr>
-              <a:t>Creación de la aplicación para consumir eventos</a:t>
-            </a:r>
-          </a:p>
-        </p:txBody>
-      </p:sp>
-      <p:sp>
-        <p:nvSpPr>
-          <p:cNvPr id="26" name="CuadroTexto 25">
-            <a:extLst>
-              <a:ext uri="{FF2B5EF4-FFF2-40B4-BE49-F238E27FC236}">
-                <a16:creationId xmlns:a16="http://schemas.microsoft.com/office/drawing/2014/main" id="{A352DC4F-475A-5412-93D6-E03A41E120E2}"/>
+              <a:t>Visión a alto nivel de las responsabilidades de los nodos</a:t>
+            </a:r>
+          </a:p>
+        </p:txBody>
+      </p:sp>
+      <p:sp>
+        <p:nvSpPr>
+          <p:cNvPr id="27" name="CuadroTexto 26">
+            <a:extLst>
+              <a:ext uri="{FF2B5EF4-FFF2-40B4-BE49-F238E27FC236}">
+                <a16:creationId xmlns:a16="http://schemas.microsoft.com/office/drawing/2014/main" id="{5014834D-A02F-7459-D6D1-234AE12EFF15}"/>
               </a:ext>
             </a:extLst>
           </p:cNvPr>
@@ -17139,8 +18638,8 @@
         </p:nvSpPr>
         <p:spPr>
           <a:xfrm>
-            <a:off x="778702" y="931079"/>
-            <a:ext cx="3435556" cy="307777"/>
+            <a:off x="769177" y="460596"/>
+            <a:ext cx="2816797" cy="523220"/>
           </a:xfrm>
           <a:prstGeom prst="rect">
             <a:avLst/>
@@ -17154,53 +18653,13 @@
           <a:lstStyle/>
           <a:p>
             <a:r>
-              <a:rPr lang="es-ES" sz="1400" dirty="0">
-                <a:solidFill>
-                  <a:schemeClr val="accent1"/>
-                </a:solidFill>
-                <a:latin typeface="Barlow" pitchFamily="2" charset="77"/>
-              </a:rPr>
-              <a:t>Visión a alto nivel de las tareas principales</a:t>
-            </a:r>
-          </a:p>
-        </p:txBody>
-      </p:sp>
-      <p:sp>
-        <p:nvSpPr>
-          <p:cNvPr id="27" name="CuadroTexto 26">
-            <a:extLst>
-              <a:ext uri="{FF2B5EF4-FFF2-40B4-BE49-F238E27FC236}">
-                <a16:creationId xmlns:a16="http://schemas.microsoft.com/office/drawing/2014/main" id="{5014834D-A02F-7459-D6D1-234AE12EFF15}"/>
-              </a:ext>
-            </a:extLst>
-          </p:cNvPr>
-          <p:cNvSpPr txBox="1"/>
-          <p:nvPr/>
-        </p:nvSpPr>
-        <p:spPr>
-          <a:xfrm>
-            <a:off x="769177" y="460596"/>
-            <a:ext cx="3722494" cy="523220"/>
-          </a:xfrm>
-          <a:prstGeom prst="rect">
-            <a:avLst/>
-          </a:prstGeom>
-          <a:noFill/>
-        </p:spPr>
-        <p:txBody>
-          <a:bodyPr wrap="none" rtlCol="0">
-            <a:spAutoFit/>
-          </a:bodyPr>
-          <a:lstStyle/>
-          <a:p>
-            <a:r>
               <a:rPr lang="es-ES" sz="2800" b="1" dirty="0">
                 <a:solidFill>
                   <a:schemeClr val="accent1"/>
                 </a:solidFill>
                 <a:latin typeface="Barlow" pitchFamily="2" charset="77"/>
               </a:rPr>
-              <a:t>Propuesta de </a:t>
+              <a:t>Cliente </a:t>
             </a:r>
             <a:r>
               <a:rPr lang="es-ES" sz="2800" b="1" dirty="0">
@@ -17209,1090 +18668,58 @@
                 </a:solidFill>
                 <a:latin typeface="Barlow" pitchFamily="2" charset="77"/>
               </a:rPr>
-              <a:t>solución</a:t>
-            </a:r>
-          </a:p>
-        </p:txBody>
-      </p:sp>
-      <p:sp>
-        <p:nvSpPr>
-          <p:cNvPr id="1052" name="CuadroTexto 1051">
-            <a:extLst>
-              <a:ext uri="{FF2B5EF4-FFF2-40B4-BE49-F238E27FC236}">
-                <a16:creationId xmlns:a16="http://schemas.microsoft.com/office/drawing/2014/main" id="{61D63E1D-BF45-25FB-3D93-163B0709280E}"/>
-              </a:ext>
-            </a:extLst>
-          </p:cNvPr>
-          <p:cNvSpPr txBox="1"/>
+              <a:t>Servidor</a:t>
+            </a:r>
+          </a:p>
+        </p:txBody>
+      </p:sp>
+      <p:pic>
+        <p:nvPicPr>
+          <p:cNvPr id="2050" name="Picture 2">
+            <a:extLst>
+              <a:ext uri="{FF2B5EF4-FFF2-40B4-BE49-F238E27FC236}">
+                <a16:creationId xmlns:a16="http://schemas.microsoft.com/office/drawing/2014/main" id="{103F0761-F399-9500-4A58-1123A84B1623}"/>
+              </a:ext>
+            </a:extLst>
+          </p:cNvPr>
+          <p:cNvPicPr>
+            <a:picLocks noChangeAspect="1" noChangeArrowheads="1"/>
+          </p:cNvPicPr>
           <p:nvPr/>
-        </p:nvSpPr>
-        <p:spPr>
+        </p:nvPicPr>
+        <p:blipFill>
+          <a:blip r:embed="rId5">
+            <a:extLst>
+              <a:ext uri="{28A0092B-C50C-407E-A947-70E740481C1C}">
+                <a14:useLocalDpi xmlns:a14="http://schemas.microsoft.com/office/drawing/2010/main" val="0"/>
+              </a:ext>
+            </a:extLst>
+          </a:blip>
+          <a:srcRect/>
+          <a:stretch>
+            <a:fillRect/>
+          </a:stretch>
+        </p:blipFill>
+        <p:spPr bwMode="auto">
           <a:xfrm>
-            <a:off x="2583879" y="3334040"/>
-            <a:ext cx="9364681" cy="1384995"/>
+            <a:off x="3289315" y="1709339"/>
+            <a:ext cx="5289021" cy="4446112"/>
           </a:xfrm>
           <a:prstGeom prst="rect">
             <a:avLst/>
           </a:prstGeom>
           <a:noFill/>
+          <a:extLst>
+            <a:ext uri="{909E8E84-426E-40DD-AFC4-6F175D3DCCD1}">
+              <a14:hiddenFill xmlns:a14="http://schemas.microsoft.com/office/drawing/2010/main">
+                <a:solidFill>
+                  <a:srgbClr val="FFFFFF"/>
+                </a:solidFill>
+              </a14:hiddenFill>
+            </a:ext>
+          </a:extLst>
         </p:spPr>
-        <p:txBody>
-          <a:bodyPr wrap="square" lIns="91440" tIns="45720" rIns="91440" bIns="45720" rtlCol="0" anchor="t">
-            <a:spAutoFit/>
-          </a:bodyPr>
-          <a:lstStyle/>
-          <a:p>
-            <a:pPr marL="457200" indent="-457200">
-              <a:buAutoNum type="arabicPeriod"/>
-            </a:pPr>
-            <a:r>
-              <a:rPr lang="es-ES" sz="1200" dirty="0">
-                <a:solidFill>
-                  <a:schemeClr val="accent1"/>
-                </a:solidFill>
-                <a:latin typeface="Sama Devanagari"/>
-                <a:cs typeface="Sama Devanagari" panose="020F0603040507060303" pitchFamily="34" charset="0"/>
-              </a:rPr>
-              <a:t>Creación entornos No productivo y Productivo</a:t>
-            </a:r>
-          </a:p>
-          <a:p>
-            <a:pPr marL="457200" indent="-457200">
-              <a:buAutoNum type="arabicPeriod"/>
-            </a:pPr>
-            <a:r>
-              <a:rPr lang="es-ES" sz="1200" dirty="0">
-                <a:solidFill>
-                  <a:schemeClr val="accent1"/>
-                </a:solidFill>
-                <a:latin typeface="Sama Devanagari"/>
-                <a:cs typeface="Sama Devanagari" panose="020F0603040507060303" pitchFamily="34" charset="0"/>
-              </a:rPr>
-              <a:t>Configuración y Gestión de errores</a:t>
-            </a:r>
-          </a:p>
-          <a:p>
-            <a:pPr marL="457200" indent="-457200">
-              <a:buAutoNum type="arabicPeriod"/>
-            </a:pPr>
-            <a:r>
-              <a:rPr lang="es-ES" sz="1200" dirty="0">
-                <a:solidFill>
-                  <a:schemeClr val="accent1"/>
-                </a:solidFill>
-                <a:latin typeface="Sama Devanagari"/>
-                <a:cs typeface="Sama Devanagari" panose="020F0603040507060303" pitchFamily="34" charset="0"/>
-              </a:rPr>
-              <a:t>Pruebas de rendimiento y escalado</a:t>
-            </a:r>
-          </a:p>
-          <a:p>
-            <a:pPr marL="457200" indent="-457200">
-              <a:buAutoNum type="arabicPeriod"/>
-            </a:pPr>
-            <a:r>
-              <a:rPr lang="es-ES" sz="1200" dirty="0">
-                <a:solidFill>
-                  <a:schemeClr val="accent1"/>
-                </a:solidFill>
-                <a:latin typeface="Sama Devanagari"/>
-                <a:cs typeface="Sama Devanagari" panose="020F0603040507060303" pitchFamily="34" charset="0"/>
-              </a:rPr>
-              <a:t>Plan Disaster Recovery</a:t>
-            </a:r>
-          </a:p>
-          <a:p>
-            <a:pPr marL="457200" indent="-457200">
-              <a:buAutoNum type="arabicPeriod"/>
-            </a:pPr>
-            <a:r>
-              <a:rPr lang="es-ES" sz="1200" dirty="0">
-                <a:solidFill>
-                  <a:schemeClr val="accent1"/>
-                </a:solidFill>
-                <a:latin typeface="Sama Devanagari"/>
-                <a:cs typeface="Sama Devanagari" panose="020F0603040507060303" pitchFamily="34" charset="0"/>
-              </a:rPr>
-              <a:t>Monitorización y Alertas</a:t>
-            </a:r>
-          </a:p>
-          <a:p>
-            <a:pPr marL="457200" indent="-457200">
-              <a:buAutoNum type="arabicPeriod"/>
-            </a:pPr>
-            <a:r>
-              <a:rPr lang="es-ES" sz="1200" dirty="0">
-                <a:solidFill>
-                  <a:schemeClr val="accent1"/>
-                </a:solidFill>
-                <a:latin typeface="Sama Devanagari"/>
-                <a:cs typeface="Sama Devanagari" panose="020F0603040507060303" pitchFamily="34" charset="0"/>
-              </a:rPr>
-              <a:t>Explotación</a:t>
-            </a:r>
-          </a:p>
-          <a:p>
-            <a:pPr marL="457200" indent="-457200">
-              <a:buAutoNum type="arabicPeriod"/>
-            </a:pPr>
-            <a:r>
-              <a:rPr lang="es-ES" sz="1200" dirty="0">
-                <a:solidFill>
-                  <a:schemeClr val="accent1"/>
-                </a:solidFill>
-                <a:latin typeface="Sama Devanagari"/>
-                <a:cs typeface="Sama Devanagari" panose="020F0603040507060303" pitchFamily="34" charset="0"/>
-              </a:rPr>
-              <a:t>Implementación de caso de uso sobre pólizas</a:t>
-            </a:r>
-          </a:p>
-        </p:txBody>
-      </p:sp>
-      <p:sp>
-        <p:nvSpPr>
-          <p:cNvPr id="1053" name="CuadroTexto 1052">
-            <a:extLst>
-              <a:ext uri="{FF2B5EF4-FFF2-40B4-BE49-F238E27FC236}">
-                <a16:creationId xmlns:a16="http://schemas.microsoft.com/office/drawing/2014/main" id="{EB554339-4C24-1A3E-0AC3-B8CF2119E484}"/>
-              </a:ext>
-            </a:extLst>
-          </p:cNvPr>
-          <p:cNvSpPr txBox="1"/>
-          <p:nvPr/>
-        </p:nvSpPr>
-        <p:spPr>
-          <a:xfrm>
-            <a:off x="2583879" y="2195302"/>
-            <a:ext cx="9364681" cy="1015663"/>
-          </a:xfrm>
-          <a:prstGeom prst="rect">
-            <a:avLst/>
-          </a:prstGeom>
-          <a:noFill/>
-        </p:spPr>
-        <p:txBody>
-          <a:bodyPr wrap="square" lIns="91440" tIns="45720" rIns="91440" bIns="45720" rtlCol="0" anchor="t">
-            <a:spAutoFit/>
-          </a:bodyPr>
-          <a:lstStyle/>
-          <a:p>
-            <a:pPr marL="457200" indent="-457200">
-              <a:buAutoNum type="arabicPeriod"/>
-            </a:pPr>
-            <a:r>
-              <a:rPr lang="es-ES" sz="1200" dirty="0">
-                <a:solidFill>
-                  <a:schemeClr val="accent1"/>
-                </a:solidFill>
-                <a:latin typeface="Sama Devanagari"/>
-                <a:cs typeface="Sama Devanagari" panose="020F0603040507060303" pitchFamily="34" charset="0"/>
-              </a:rPr>
-              <a:t>Creación entornos AWS (Dev, Pre, Pro)</a:t>
-            </a:r>
-          </a:p>
-          <a:p>
-            <a:pPr marL="457200" indent="-457200">
-              <a:buAutoNum type="arabicPeriod"/>
-            </a:pPr>
-            <a:r>
-              <a:rPr lang="es-ES" sz="1200" dirty="0">
-                <a:solidFill>
-                  <a:schemeClr val="accent1"/>
-                </a:solidFill>
-                <a:latin typeface="Sama Devanagari"/>
-                <a:cs typeface="Sama Devanagari" panose="020F0603040507060303" pitchFamily="34" charset="0"/>
-              </a:rPr>
-              <a:t>Despliegue y configuración del conector de manera automatizada a través de la plataforma Devops en los diferentes entornos</a:t>
-            </a:r>
-          </a:p>
-          <a:p>
-            <a:pPr marL="457200" indent="-457200">
-              <a:buAutoNum type="arabicPeriod"/>
-            </a:pPr>
-            <a:r>
-              <a:rPr lang="es-ES" sz="1200" dirty="0">
-                <a:solidFill>
-                  <a:schemeClr val="accent1"/>
-                </a:solidFill>
-                <a:latin typeface="Sama Devanagari" panose="020F0603040507060303" pitchFamily="34" charset="0"/>
-                <a:cs typeface="Sama Devanagari" panose="020F0603040507060303" pitchFamily="34" charset="0"/>
-              </a:rPr>
-              <a:t>Herramientas y Procedimientos para las Pruebas de Rendimiento y Escalado</a:t>
-            </a:r>
-          </a:p>
-          <a:p>
-            <a:pPr marL="457200" indent="-457200">
-              <a:buAutoNum type="arabicPeriod"/>
-            </a:pPr>
-            <a:r>
-              <a:rPr lang="es-ES" sz="1200" dirty="0">
-                <a:solidFill>
-                  <a:schemeClr val="accent1"/>
-                </a:solidFill>
-                <a:latin typeface="Sama Devanagari" panose="020F0603040507060303" pitchFamily="34" charset="0"/>
-                <a:cs typeface="Sama Devanagari" panose="020F0603040507060303" pitchFamily="34" charset="0"/>
-              </a:rPr>
-              <a:t>Herramientas y Procedimientos para la Monitorización y Creación de Alertas</a:t>
-            </a:r>
-          </a:p>
-          <a:p>
-            <a:pPr marL="457200" indent="-457200">
-              <a:buAutoNum type="arabicPeriod"/>
-            </a:pPr>
-            <a:r>
-              <a:rPr lang="es-ES" sz="1200" dirty="0">
-                <a:solidFill>
-                  <a:schemeClr val="accent1"/>
-                </a:solidFill>
-                <a:latin typeface="Sama Devanagari" panose="020F0603040507060303" pitchFamily="34" charset="0"/>
-                <a:cs typeface="Sama Devanagari" panose="020F0603040507060303" pitchFamily="34" charset="0"/>
-              </a:rPr>
-              <a:t>Explotación</a:t>
-            </a:r>
-          </a:p>
-        </p:txBody>
-      </p:sp>
-      <p:sp>
-        <p:nvSpPr>
-          <p:cNvPr id="1054" name="CuadroTexto 1053">
-            <a:extLst>
-              <a:ext uri="{FF2B5EF4-FFF2-40B4-BE49-F238E27FC236}">
-                <a16:creationId xmlns:a16="http://schemas.microsoft.com/office/drawing/2014/main" id="{12FECC90-8527-B425-4C08-75FEBDF486F7}"/>
-              </a:ext>
-            </a:extLst>
-          </p:cNvPr>
-          <p:cNvSpPr txBox="1"/>
-          <p:nvPr/>
-        </p:nvSpPr>
-        <p:spPr>
-          <a:xfrm>
-            <a:off x="2583879" y="1403967"/>
-            <a:ext cx="9364681" cy="646331"/>
-          </a:xfrm>
-          <a:prstGeom prst="rect">
-            <a:avLst/>
-          </a:prstGeom>
-          <a:noFill/>
-        </p:spPr>
-        <p:txBody>
-          <a:bodyPr wrap="square" lIns="91440" tIns="45720" rIns="91440" bIns="45720" rtlCol="0" anchor="t">
-            <a:spAutoFit/>
-          </a:bodyPr>
-          <a:lstStyle/>
-          <a:p>
-            <a:pPr marL="457200" indent="-457200">
-              <a:buAutoNum type="arabicPeriod"/>
-            </a:pPr>
-            <a:r>
-              <a:rPr lang="es-ES" sz="1200" dirty="0">
-                <a:solidFill>
-                  <a:schemeClr val="accent1"/>
-                </a:solidFill>
-                <a:latin typeface="Sama Devanagari"/>
-                <a:cs typeface="Sama Devanagari" panose="020F0603040507060303" pitchFamily="34" charset="0"/>
-              </a:rPr>
-              <a:t>Entorno de trabajo (Plataforma DevOps, Zeus, Poseidón…)</a:t>
-            </a:r>
-          </a:p>
-          <a:p>
-            <a:pPr marL="457200" indent="-457200">
-              <a:buFontTx/>
-              <a:buAutoNum type="arabicPeriod"/>
-            </a:pPr>
-            <a:r>
-              <a:rPr lang="es-ES" sz="1200" dirty="0">
-                <a:solidFill>
-                  <a:schemeClr val="accent1"/>
-                </a:solidFill>
-                <a:latin typeface="Sama Devanagari"/>
-                <a:cs typeface="Sama Devanagari" panose="020F0603040507060303" pitchFamily="34" charset="0"/>
-              </a:rPr>
-              <a:t>Análisis de la PoC realizada</a:t>
-            </a:r>
-          </a:p>
-          <a:p>
-            <a:pPr marL="457200" indent="-457200">
-              <a:buFontTx/>
-              <a:buAutoNum type="arabicPeriod"/>
-            </a:pPr>
-            <a:r>
-              <a:rPr lang="es-ES" sz="1200" dirty="0">
-                <a:solidFill>
-                  <a:schemeClr val="accent1"/>
-                </a:solidFill>
-                <a:latin typeface="Sama Devanagari"/>
-                <a:cs typeface="Sama Devanagari" panose="020F0603040507060303" pitchFamily="34" charset="0"/>
-              </a:rPr>
-              <a:t>Entorno CI/CD - CDK Amazon</a:t>
-            </a:r>
-          </a:p>
-        </p:txBody>
-      </p:sp>
-      <p:sp>
-        <p:nvSpPr>
-          <p:cNvPr id="1059" name="Hexágono 1058">
-            <a:extLst>
-              <a:ext uri="{FF2B5EF4-FFF2-40B4-BE49-F238E27FC236}">
-                <a16:creationId xmlns:a16="http://schemas.microsoft.com/office/drawing/2014/main" id="{840D9971-0EE5-81C1-4CB0-6F87EAA99EDA}"/>
-              </a:ext>
-            </a:extLst>
-          </p:cNvPr>
-          <p:cNvSpPr/>
-          <p:nvPr/>
-        </p:nvSpPr>
-        <p:spPr>
-          <a:xfrm>
-            <a:off x="969421" y="1606021"/>
-            <a:ext cx="1224000" cy="252000"/>
-          </a:xfrm>
-          <a:prstGeom prst="hexagon">
-            <a:avLst/>
-          </a:prstGeom>
-        </p:spPr>
-        <p:style>
-          <a:lnRef idx="2">
-            <a:schemeClr val="accent1">
-              <a:shade val="15000"/>
-            </a:schemeClr>
-          </a:lnRef>
-          <a:fillRef idx="1">
-            <a:schemeClr val="accent1"/>
-          </a:fillRef>
-          <a:effectRef idx="0">
-            <a:schemeClr val="accent1"/>
-          </a:effectRef>
-          <a:fontRef idx="minor">
-            <a:schemeClr val="lt1"/>
-          </a:fontRef>
-        </p:style>
-        <p:txBody>
-          <a:bodyPr rtlCol="0" anchor="ctr"/>
-          <a:lstStyle/>
-          <a:p>
-            <a:pPr algn="ctr"/>
-            <a:endParaRPr lang="es-ES"/>
-          </a:p>
-        </p:txBody>
-      </p:sp>
-      <p:sp>
-        <p:nvSpPr>
-          <p:cNvPr id="1060" name="Hexágono 1059">
-            <a:extLst>
-              <a:ext uri="{FF2B5EF4-FFF2-40B4-BE49-F238E27FC236}">
-                <a16:creationId xmlns:a16="http://schemas.microsoft.com/office/drawing/2014/main" id="{9C8D2EDC-42E4-2D78-C8EA-18F87BC0017E}"/>
-              </a:ext>
-            </a:extLst>
-          </p:cNvPr>
-          <p:cNvSpPr/>
-          <p:nvPr/>
-        </p:nvSpPr>
-        <p:spPr>
-          <a:xfrm>
-            <a:off x="1007955" y="3764926"/>
-            <a:ext cx="1181564" cy="261611"/>
-          </a:xfrm>
-          <a:prstGeom prst="hexagon">
-            <a:avLst/>
-          </a:prstGeom>
-        </p:spPr>
-        <p:style>
-          <a:lnRef idx="2">
-            <a:schemeClr val="accent1">
-              <a:shade val="15000"/>
-            </a:schemeClr>
-          </a:lnRef>
-          <a:fillRef idx="1">
-            <a:schemeClr val="accent1"/>
-          </a:fillRef>
-          <a:effectRef idx="0">
-            <a:schemeClr val="accent1"/>
-          </a:effectRef>
-          <a:fontRef idx="minor">
-            <a:schemeClr val="lt1"/>
-          </a:fontRef>
-        </p:style>
-        <p:txBody>
-          <a:bodyPr rtlCol="0" anchor="ctr"/>
-          <a:lstStyle/>
-          <a:p>
-            <a:pPr algn="ctr"/>
-            <a:endParaRPr lang="es-ES"/>
-          </a:p>
-        </p:txBody>
-      </p:sp>
-      <p:sp>
-        <p:nvSpPr>
-          <p:cNvPr id="1061" name="Hexágono 1060">
-            <a:extLst>
-              <a:ext uri="{FF2B5EF4-FFF2-40B4-BE49-F238E27FC236}">
-                <a16:creationId xmlns:a16="http://schemas.microsoft.com/office/drawing/2014/main" id="{5CC52267-2422-64E4-21C6-31B1164B5678}"/>
-              </a:ext>
-            </a:extLst>
-          </p:cNvPr>
-          <p:cNvSpPr/>
-          <p:nvPr/>
-        </p:nvSpPr>
-        <p:spPr>
-          <a:xfrm>
-            <a:off x="969422" y="2456943"/>
-            <a:ext cx="1257041" cy="261611"/>
-          </a:xfrm>
-          <a:prstGeom prst="hexagon">
-            <a:avLst/>
-          </a:prstGeom>
-          <a:solidFill>
-            <a:schemeClr val="accent6"/>
-          </a:solidFill>
-        </p:spPr>
-        <p:style>
-          <a:lnRef idx="2">
-            <a:schemeClr val="accent1">
-              <a:shade val="15000"/>
-            </a:schemeClr>
-          </a:lnRef>
-          <a:fillRef idx="1">
-            <a:schemeClr val="accent1"/>
-          </a:fillRef>
-          <a:effectRef idx="0">
-            <a:schemeClr val="accent1"/>
-          </a:effectRef>
-          <a:fontRef idx="minor">
-            <a:schemeClr val="lt1"/>
-          </a:fontRef>
-        </p:style>
-        <p:txBody>
-          <a:bodyPr rtlCol="0" anchor="ctr"/>
-          <a:lstStyle/>
-          <a:p>
-            <a:pPr algn="ctr"/>
-            <a:endParaRPr lang="es-ES"/>
-          </a:p>
-        </p:txBody>
-      </p:sp>
-      <p:sp>
-        <p:nvSpPr>
-          <p:cNvPr id="1062" name="Hexágono 1061">
-            <a:extLst>
-              <a:ext uri="{FF2B5EF4-FFF2-40B4-BE49-F238E27FC236}">
-                <a16:creationId xmlns:a16="http://schemas.microsoft.com/office/drawing/2014/main" id="{D7D6653A-9E07-FA53-C30B-B25EE843015D}"/>
-              </a:ext>
-            </a:extLst>
-          </p:cNvPr>
-          <p:cNvSpPr/>
-          <p:nvPr/>
-        </p:nvSpPr>
-        <p:spPr>
-          <a:xfrm>
-            <a:off x="1007955" y="4810758"/>
-            <a:ext cx="1181563" cy="276999"/>
-          </a:xfrm>
-          <a:prstGeom prst="hexagon">
-            <a:avLst/>
-          </a:prstGeom>
-          <a:solidFill>
-            <a:schemeClr val="accent6"/>
-          </a:solidFill>
-        </p:spPr>
-        <p:style>
-          <a:lnRef idx="2">
-            <a:schemeClr val="accent1">
-              <a:shade val="15000"/>
-            </a:schemeClr>
-          </a:lnRef>
-          <a:fillRef idx="1">
-            <a:schemeClr val="accent1"/>
-          </a:fillRef>
-          <a:effectRef idx="0">
-            <a:schemeClr val="accent1"/>
-          </a:effectRef>
-          <a:fontRef idx="minor">
-            <a:schemeClr val="lt1"/>
-          </a:fontRef>
-        </p:style>
-        <p:txBody>
-          <a:bodyPr rtlCol="0" anchor="ctr"/>
-          <a:lstStyle/>
-          <a:p>
-            <a:pPr algn="ctr"/>
-            <a:endParaRPr lang="es-ES"/>
-          </a:p>
-        </p:txBody>
-      </p:sp>
-      <p:sp>
-        <p:nvSpPr>
-          <p:cNvPr id="1063" name="CuadroTexto 1062">
-            <a:extLst>
-              <a:ext uri="{FF2B5EF4-FFF2-40B4-BE49-F238E27FC236}">
-                <a16:creationId xmlns:a16="http://schemas.microsoft.com/office/drawing/2014/main" id="{8375D782-971B-BEF6-8916-3F32340FCFFF}"/>
-              </a:ext>
-            </a:extLst>
-          </p:cNvPr>
-          <p:cNvSpPr txBox="1"/>
-          <p:nvPr/>
-        </p:nvSpPr>
-        <p:spPr>
-          <a:xfrm>
-            <a:off x="984914" y="1600805"/>
-            <a:ext cx="1213841" cy="261610"/>
-          </a:xfrm>
-          <a:prstGeom prst="rect">
-            <a:avLst/>
-          </a:prstGeom>
-          <a:noFill/>
-        </p:spPr>
-        <p:txBody>
-          <a:bodyPr wrap="square" rtlCol="0">
-            <a:spAutoFit/>
-          </a:bodyPr>
-          <a:lstStyle/>
-          <a:p>
-            <a:pPr algn="ctr"/>
-            <a:r>
-              <a:rPr lang="es-ES" sz="1100" dirty="0">
-                <a:solidFill>
-                  <a:schemeClr val="bg1"/>
-                </a:solidFill>
-              </a:rPr>
-              <a:t>FAMILIARIZACIÓN</a:t>
-            </a:r>
-          </a:p>
-        </p:txBody>
-      </p:sp>
-      <p:sp>
-        <p:nvSpPr>
-          <p:cNvPr id="1064" name="CuadroTexto 1063">
-            <a:extLst>
-              <a:ext uri="{FF2B5EF4-FFF2-40B4-BE49-F238E27FC236}">
-                <a16:creationId xmlns:a16="http://schemas.microsoft.com/office/drawing/2014/main" id="{2F2B20B0-C3B1-7687-2CAF-3CE825B8070A}"/>
-              </a:ext>
-            </a:extLst>
-          </p:cNvPr>
-          <p:cNvSpPr txBox="1"/>
-          <p:nvPr/>
-        </p:nvSpPr>
-        <p:spPr>
-          <a:xfrm>
-            <a:off x="1113304" y="3764927"/>
-            <a:ext cx="1002058" cy="261610"/>
-          </a:xfrm>
-          <a:prstGeom prst="rect">
-            <a:avLst/>
-          </a:prstGeom>
-          <a:noFill/>
-        </p:spPr>
-        <p:txBody>
-          <a:bodyPr wrap="square" rtlCol="0">
-            <a:spAutoFit/>
-          </a:bodyPr>
-          <a:lstStyle/>
-          <a:p>
-            <a:pPr algn="ctr"/>
-            <a:r>
-              <a:rPr lang="es-ES" sz="1100" dirty="0">
-                <a:solidFill>
-                  <a:schemeClr val="bg1"/>
-                </a:solidFill>
-              </a:rPr>
-              <a:t>PLATAFORMA</a:t>
-            </a:r>
-          </a:p>
-        </p:txBody>
-      </p:sp>
-      <p:sp>
-        <p:nvSpPr>
-          <p:cNvPr id="1065" name="CuadroTexto 1064">
-            <a:extLst>
-              <a:ext uri="{FF2B5EF4-FFF2-40B4-BE49-F238E27FC236}">
-                <a16:creationId xmlns:a16="http://schemas.microsoft.com/office/drawing/2014/main" id="{576A36F2-6EE6-4878-5F9F-F24F195BEB74}"/>
-              </a:ext>
-            </a:extLst>
-          </p:cNvPr>
-          <p:cNvSpPr txBox="1"/>
-          <p:nvPr/>
-        </p:nvSpPr>
-        <p:spPr>
-          <a:xfrm>
-            <a:off x="1027619" y="2456944"/>
-            <a:ext cx="1152000" cy="261610"/>
-          </a:xfrm>
-          <a:prstGeom prst="rect">
-            <a:avLst/>
-          </a:prstGeom>
-          <a:noFill/>
-        </p:spPr>
-        <p:txBody>
-          <a:bodyPr wrap="square" rtlCol="0">
-            <a:spAutoFit/>
-          </a:bodyPr>
-          <a:lstStyle/>
-          <a:p>
-            <a:pPr algn="ctr"/>
-            <a:r>
-              <a:rPr lang="es-ES" sz="1100" b="1" dirty="0"/>
-              <a:t>CONECTOR JMS</a:t>
-            </a:r>
-          </a:p>
-        </p:txBody>
-      </p:sp>
-      <p:sp>
-        <p:nvSpPr>
-          <p:cNvPr id="1066" name="CuadroTexto 1065">
-            <a:extLst>
-              <a:ext uri="{FF2B5EF4-FFF2-40B4-BE49-F238E27FC236}">
-                <a16:creationId xmlns:a16="http://schemas.microsoft.com/office/drawing/2014/main" id="{DFB67942-870C-83E7-3702-F1C4F772EE5B}"/>
-              </a:ext>
-            </a:extLst>
-          </p:cNvPr>
-          <p:cNvSpPr txBox="1"/>
-          <p:nvPr/>
-        </p:nvSpPr>
-        <p:spPr>
-          <a:xfrm>
-            <a:off x="1073256" y="4826643"/>
-            <a:ext cx="1080000" cy="262800"/>
-          </a:xfrm>
-          <a:prstGeom prst="rect">
-            <a:avLst/>
-          </a:prstGeom>
-          <a:noFill/>
-        </p:spPr>
-        <p:txBody>
-          <a:bodyPr wrap="square" rtlCol="0">
-            <a:spAutoFit/>
-          </a:bodyPr>
-          <a:lstStyle/>
-          <a:p>
-            <a:pPr algn="ctr"/>
-            <a:r>
-              <a:rPr lang="es-ES" sz="1100" b="1" dirty="0"/>
-              <a:t>SUSCRIPTOR</a:t>
-            </a:r>
-          </a:p>
-        </p:txBody>
-      </p:sp>
-      <p:sp>
-        <p:nvSpPr>
-          <p:cNvPr id="2" name="Rectángulo 1">
-            <a:extLst>
-              <a:ext uri="{FF2B5EF4-FFF2-40B4-BE49-F238E27FC236}">
-                <a16:creationId xmlns:a16="http://schemas.microsoft.com/office/drawing/2014/main" id="{0504224E-A261-CC1A-3923-8491A12006D1}"/>
-              </a:ext>
-            </a:extLst>
-          </p:cNvPr>
-          <p:cNvSpPr/>
-          <p:nvPr/>
-        </p:nvSpPr>
-        <p:spPr>
-          <a:xfrm>
-            <a:off x="608015" y="5212488"/>
-            <a:ext cx="10765379" cy="866735"/>
-          </a:xfrm>
-          <a:prstGeom prst="rect">
-            <a:avLst/>
-          </a:prstGeom>
-          <a:solidFill>
-            <a:schemeClr val="accent2"/>
-          </a:solidFill>
-          <a:ln>
-            <a:noFill/>
-          </a:ln>
-        </p:spPr>
-        <p:style>
-          <a:lnRef idx="2">
-            <a:schemeClr val="accent1">
-              <a:shade val="15000"/>
-            </a:schemeClr>
-          </a:lnRef>
-          <a:fillRef idx="1">
-            <a:schemeClr val="accent1"/>
-          </a:fillRef>
-          <a:effectRef idx="0">
-            <a:schemeClr val="accent1"/>
-          </a:effectRef>
-          <a:fontRef idx="minor">
-            <a:schemeClr val="lt1"/>
-          </a:fontRef>
-        </p:style>
-        <p:txBody>
-          <a:bodyPr rtlCol="0" anchor="ctr"/>
-          <a:lstStyle/>
-          <a:p>
-            <a:pPr algn="ctr"/>
-            <a:endParaRPr lang="es-ES"/>
-          </a:p>
-        </p:txBody>
-      </p:sp>
-      <p:sp>
-        <p:nvSpPr>
-          <p:cNvPr id="3" name="CuadroTexto 2">
-            <a:extLst>
-              <a:ext uri="{FF2B5EF4-FFF2-40B4-BE49-F238E27FC236}">
-                <a16:creationId xmlns:a16="http://schemas.microsoft.com/office/drawing/2014/main" id="{2148F836-DEBB-31F2-39FA-82C2A7A00EBB}"/>
-              </a:ext>
-            </a:extLst>
-          </p:cNvPr>
-          <p:cNvSpPr txBox="1"/>
-          <p:nvPr/>
-        </p:nvSpPr>
-        <p:spPr>
-          <a:xfrm>
-            <a:off x="2583879" y="5248226"/>
-            <a:ext cx="9364681" cy="830997"/>
-          </a:xfrm>
-          <a:prstGeom prst="rect">
-            <a:avLst/>
-          </a:prstGeom>
-          <a:noFill/>
-        </p:spPr>
-        <p:txBody>
-          <a:bodyPr wrap="square" lIns="91440" tIns="45720" rIns="91440" bIns="45720" rtlCol="0" anchor="t">
-            <a:spAutoFit/>
-          </a:bodyPr>
-          <a:lstStyle/>
-          <a:p>
-            <a:pPr marL="457200" indent="-457200">
-              <a:buAutoNum type="arabicPeriod"/>
-            </a:pPr>
-            <a:r>
-              <a:rPr lang="es-ES" sz="1200" dirty="0">
-                <a:solidFill>
-                  <a:schemeClr val="accent1"/>
-                </a:solidFill>
-                <a:latin typeface="Sama Devanagari"/>
-                <a:cs typeface="Sama Devanagari" panose="020F0603040507060303" pitchFamily="34" charset="0"/>
-              </a:rPr>
-              <a:t>Normativas, modelo de seguridad</a:t>
-            </a:r>
-          </a:p>
-          <a:p>
-            <a:pPr marL="457200" indent="-457200">
-              <a:buAutoNum type="arabicPeriod"/>
-            </a:pPr>
-            <a:r>
-              <a:rPr lang="es-ES" sz="1200" dirty="0">
-                <a:solidFill>
-                  <a:schemeClr val="accent1"/>
-                </a:solidFill>
-                <a:latin typeface="Sama Devanagari"/>
-                <a:cs typeface="Sama Devanagari" panose="020F0603040507060303" pitchFamily="34" charset="0"/>
-              </a:rPr>
-              <a:t>Procedimientos</a:t>
-            </a:r>
-          </a:p>
-          <a:p>
-            <a:pPr marL="457200" indent="-457200">
-              <a:buAutoNum type="arabicPeriod"/>
-            </a:pPr>
-            <a:r>
-              <a:rPr lang="es-ES" sz="1200" dirty="0">
-                <a:solidFill>
-                  <a:schemeClr val="accent1"/>
-                </a:solidFill>
-                <a:latin typeface="Sama Devanagari"/>
-                <a:cs typeface="Sama Devanagari" panose="020F0603040507060303" pitchFamily="34" charset="0"/>
-              </a:rPr>
-              <a:t>Automatización (Publicación del contrato con validaciones y Creación de recursos en Confluent)</a:t>
-            </a:r>
-          </a:p>
-          <a:p>
-            <a:pPr marL="457200" indent="-457200">
-              <a:buAutoNum type="arabicPeriod"/>
-            </a:pPr>
-            <a:r>
-              <a:rPr lang="es-ES" sz="1200" dirty="0">
-                <a:solidFill>
-                  <a:schemeClr val="accent1"/>
-                </a:solidFill>
-                <a:latin typeface="Sama Devanagari"/>
-                <a:cs typeface="Sama Devanagari" panose="020F0603040507060303" pitchFamily="34" charset="0"/>
-              </a:rPr>
-              <a:t>Integración en ciclo de vida actual de las </a:t>
-            </a:r>
-            <a:r>
-              <a:rPr lang="es-ES" sz="1200" dirty="0" err="1">
-                <a:solidFill>
-                  <a:schemeClr val="accent1"/>
-                </a:solidFill>
-                <a:latin typeface="Sama Devanagari"/>
-                <a:cs typeface="Sama Devanagari" panose="020F0603040507060303" pitchFamily="34" charset="0"/>
-              </a:rPr>
-              <a:t>APIs</a:t>
-            </a:r>
-            <a:endParaRPr lang="es-ES" sz="1200" dirty="0">
-              <a:solidFill>
-                <a:schemeClr val="accent1"/>
-              </a:solidFill>
-              <a:latin typeface="Sama Devanagari"/>
-              <a:cs typeface="Sama Devanagari" panose="020F0603040507060303" pitchFamily="34" charset="0"/>
-            </a:endParaRPr>
-          </a:p>
-        </p:txBody>
-      </p:sp>
-      <p:sp>
-        <p:nvSpPr>
-          <p:cNvPr id="4" name="Hexágono 3">
-            <a:extLst>
-              <a:ext uri="{FF2B5EF4-FFF2-40B4-BE49-F238E27FC236}">
-                <a16:creationId xmlns:a16="http://schemas.microsoft.com/office/drawing/2014/main" id="{11942C3F-F85B-FC49-278F-0F9D2B0C31A4}"/>
-              </a:ext>
-            </a:extLst>
-          </p:cNvPr>
-          <p:cNvSpPr/>
-          <p:nvPr/>
-        </p:nvSpPr>
-        <p:spPr>
-          <a:xfrm>
-            <a:off x="1007955" y="5468787"/>
-            <a:ext cx="1181563" cy="261610"/>
-          </a:xfrm>
-          <a:prstGeom prst="hexagon">
-            <a:avLst/>
-          </a:prstGeom>
-        </p:spPr>
-        <p:style>
-          <a:lnRef idx="2">
-            <a:schemeClr val="accent1">
-              <a:shade val="15000"/>
-            </a:schemeClr>
-          </a:lnRef>
-          <a:fillRef idx="1">
-            <a:schemeClr val="accent1"/>
-          </a:fillRef>
-          <a:effectRef idx="0">
-            <a:schemeClr val="accent1"/>
-          </a:effectRef>
-          <a:fontRef idx="minor">
-            <a:schemeClr val="lt1"/>
-          </a:fontRef>
-        </p:style>
-        <p:txBody>
-          <a:bodyPr rtlCol="0" anchor="ctr"/>
-          <a:lstStyle/>
-          <a:p>
-            <a:pPr algn="ctr"/>
-            <a:endParaRPr lang="es-ES"/>
-          </a:p>
-        </p:txBody>
-      </p:sp>
-      <p:sp>
-        <p:nvSpPr>
-          <p:cNvPr id="9" name="CuadroTexto 8">
-            <a:extLst>
-              <a:ext uri="{FF2B5EF4-FFF2-40B4-BE49-F238E27FC236}">
-                <a16:creationId xmlns:a16="http://schemas.microsoft.com/office/drawing/2014/main" id="{922DA42E-02A4-4AFD-BFB3-1734B9C3344D}"/>
-              </a:ext>
-            </a:extLst>
-          </p:cNvPr>
-          <p:cNvSpPr txBox="1"/>
-          <p:nvPr/>
-        </p:nvSpPr>
-        <p:spPr>
-          <a:xfrm>
-            <a:off x="1194853" y="5468786"/>
-            <a:ext cx="825288" cy="261610"/>
-          </a:xfrm>
-          <a:prstGeom prst="rect">
-            <a:avLst/>
-          </a:prstGeom>
-          <a:noFill/>
-        </p:spPr>
-        <p:txBody>
-          <a:bodyPr wrap="square" rtlCol="0">
-            <a:spAutoFit/>
-          </a:bodyPr>
-          <a:lstStyle/>
-          <a:p>
-            <a:pPr algn="ctr"/>
-            <a:r>
-              <a:rPr lang="es-ES" sz="1100" dirty="0">
-                <a:solidFill>
-                  <a:schemeClr val="bg1"/>
-                </a:solidFill>
-              </a:rPr>
-              <a:t>GOBIERNO</a:t>
-            </a:r>
-          </a:p>
-        </p:txBody>
-      </p:sp>
-      <p:sp>
-        <p:nvSpPr>
-          <p:cNvPr id="10" name="Rectángulo 9">
-            <a:extLst>
-              <a:ext uri="{FF2B5EF4-FFF2-40B4-BE49-F238E27FC236}">
-                <a16:creationId xmlns:a16="http://schemas.microsoft.com/office/drawing/2014/main" id="{387FC527-2D1D-1E18-2323-A168F1FCD32C}"/>
-              </a:ext>
-            </a:extLst>
-          </p:cNvPr>
-          <p:cNvSpPr/>
-          <p:nvPr/>
-        </p:nvSpPr>
-        <p:spPr>
-          <a:xfrm>
-            <a:off x="608015" y="6125588"/>
-            <a:ext cx="10765379" cy="391888"/>
-          </a:xfrm>
-          <a:prstGeom prst="rect">
-            <a:avLst/>
-          </a:prstGeom>
-          <a:solidFill>
-            <a:schemeClr val="bg2"/>
-          </a:solidFill>
-          <a:ln>
-            <a:noFill/>
-          </a:ln>
-        </p:spPr>
-        <p:style>
-          <a:lnRef idx="1">
-            <a:schemeClr val="dk1"/>
-          </a:lnRef>
-          <a:fillRef idx="2">
-            <a:schemeClr val="dk1"/>
-          </a:fillRef>
-          <a:effectRef idx="1">
-            <a:schemeClr val="dk1"/>
-          </a:effectRef>
-          <a:fontRef idx="minor">
-            <a:schemeClr val="dk1"/>
-          </a:fontRef>
-        </p:style>
-        <p:txBody>
-          <a:bodyPr rtlCol="0" anchor="ctr"/>
-          <a:lstStyle/>
-          <a:p>
-            <a:pPr algn="ctr"/>
-            <a:endParaRPr lang="es-ES"/>
-          </a:p>
-        </p:txBody>
-      </p:sp>
-      <p:sp>
-        <p:nvSpPr>
-          <p:cNvPr id="11" name="CuadroTexto 10">
-            <a:extLst>
-              <a:ext uri="{FF2B5EF4-FFF2-40B4-BE49-F238E27FC236}">
-                <a16:creationId xmlns:a16="http://schemas.microsoft.com/office/drawing/2014/main" id="{CBBC2CB8-AD27-3484-0993-9CF32227BBA1}"/>
-              </a:ext>
-            </a:extLst>
-          </p:cNvPr>
-          <p:cNvSpPr txBox="1"/>
-          <p:nvPr/>
-        </p:nvSpPr>
-        <p:spPr>
-          <a:xfrm>
-            <a:off x="2583879" y="6173247"/>
-            <a:ext cx="9364681" cy="276999"/>
-          </a:xfrm>
-          <a:prstGeom prst="rect">
-            <a:avLst/>
-          </a:prstGeom>
-          <a:noFill/>
-        </p:spPr>
-        <p:txBody>
-          <a:bodyPr wrap="square" rtlCol="0">
-            <a:spAutoFit/>
-          </a:bodyPr>
-          <a:lstStyle/>
-          <a:p>
-            <a:pPr marL="457200" indent="-457200">
-              <a:buAutoNum type="arabicPeriod"/>
-            </a:pPr>
-            <a:r>
-              <a:rPr lang="es-ES" sz="1200" dirty="0">
-                <a:solidFill>
-                  <a:schemeClr val="accent1"/>
-                </a:solidFill>
-                <a:latin typeface="Sama Devanagari" panose="020F0603040507060303" pitchFamily="34" charset="0"/>
-                <a:cs typeface="Sama Devanagari" panose="020F0603040507060303" pitchFamily="34" charset="0"/>
-              </a:rPr>
-              <a:t>Preparación materiales y divulgación a los equipos de TI</a:t>
-            </a:r>
-          </a:p>
-        </p:txBody>
-      </p:sp>
-      <p:sp>
-        <p:nvSpPr>
-          <p:cNvPr id="12" name="Hexágono 11">
-            <a:extLst>
-              <a:ext uri="{FF2B5EF4-FFF2-40B4-BE49-F238E27FC236}">
-                <a16:creationId xmlns:a16="http://schemas.microsoft.com/office/drawing/2014/main" id="{8C0967C1-97ED-9E23-7CD8-B1B83FD92FF9}"/>
-              </a:ext>
-            </a:extLst>
-          </p:cNvPr>
-          <p:cNvSpPr/>
-          <p:nvPr/>
-        </p:nvSpPr>
-        <p:spPr>
-          <a:xfrm>
-            <a:off x="1007955" y="6173612"/>
-            <a:ext cx="1190800" cy="261610"/>
-          </a:xfrm>
-          <a:prstGeom prst="hexagon">
-            <a:avLst/>
-          </a:prstGeom>
-          <a:solidFill>
-            <a:schemeClr val="accent6"/>
-          </a:solidFill>
-        </p:spPr>
-        <p:style>
-          <a:lnRef idx="2">
-            <a:schemeClr val="accent1">
-              <a:shade val="15000"/>
-            </a:schemeClr>
-          </a:lnRef>
-          <a:fillRef idx="1">
-            <a:schemeClr val="accent1"/>
-          </a:fillRef>
-          <a:effectRef idx="0">
-            <a:schemeClr val="accent1"/>
-          </a:effectRef>
-          <a:fontRef idx="minor">
-            <a:schemeClr val="lt1"/>
-          </a:fontRef>
-        </p:style>
-        <p:txBody>
-          <a:bodyPr rtlCol="0" anchor="ctr"/>
-          <a:lstStyle/>
-          <a:p>
-            <a:pPr algn="ctr"/>
-            <a:endParaRPr lang="es-ES"/>
-          </a:p>
-        </p:txBody>
-      </p:sp>
-      <p:sp>
-        <p:nvSpPr>
-          <p:cNvPr id="13" name="CuadroTexto 12">
-            <a:extLst>
-              <a:ext uri="{FF2B5EF4-FFF2-40B4-BE49-F238E27FC236}">
-                <a16:creationId xmlns:a16="http://schemas.microsoft.com/office/drawing/2014/main" id="{281FA70D-B581-3632-DBE7-5A65744A780D}"/>
-              </a:ext>
-            </a:extLst>
-          </p:cNvPr>
-          <p:cNvSpPr txBox="1"/>
-          <p:nvPr/>
-        </p:nvSpPr>
-        <p:spPr>
-          <a:xfrm>
-            <a:off x="1107179" y="6173612"/>
-            <a:ext cx="1022442" cy="261610"/>
-          </a:xfrm>
-          <a:prstGeom prst="rect">
-            <a:avLst/>
-          </a:prstGeom>
-          <a:noFill/>
-        </p:spPr>
-        <p:txBody>
-          <a:bodyPr wrap="square" rtlCol="0">
-            <a:spAutoFit/>
-          </a:bodyPr>
-          <a:lstStyle/>
-          <a:p>
-            <a:pPr algn="ctr"/>
-            <a:r>
-              <a:rPr lang="es-ES" sz="1100" b="1" dirty="0"/>
-              <a:t>DIVULGACIÓN</a:t>
-            </a:r>
-          </a:p>
-        </p:txBody>
-      </p:sp>
+      </p:pic>
     </p:spTree>
     <p:extLst>
       <p:ext uri="{BB962C8B-B14F-4D97-AF65-F5344CB8AC3E}">
@@ -18311,597 +18738,6 @@
   <p:cSld>
     <p:spTree>
       <p:nvGrpSpPr>
-        <p:cNvPr id="1" name="">
-          <a:extLst>
-            <a:ext uri="{FF2B5EF4-FFF2-40B4-BE49-F238E27FC236}">
-              <a16:creationId xmlns:a16="http://schemas.microsoft.com/office/drawing/2014/main" id="{99F6C7D6-48E3-7CD2-5C9E-540A0A187AD2}"/>
-            </a:ext>
-          </a:extLst>
-        </p:cNvPr>
-        <p:cNvGrpSpPr/>
-        <p:nvPr/>
-      </p:nvGrpSpPr>
-      <p:grpSpPr>
-        <a:xfrm>
-          <a:off x="0" y="0"/>
-          <a:ext cx="0" cy="0"/>
-          <a:chOff x="0" y="0"/>
-          <a:chExt cx="0" cy="0"/>
-        </a:xfrm>
-      </p:grpSpPr>
-      <p:grpSp>
-        <p:nvGrpSpPr>
-          <p:cNvPr id="2" name="Grupo 1">
-            <a:extLst>
-              <a:ext uri="{FF2B5EF4-FFF2-40B4-BE49-F238E27FC236}">
-                <a16:creationId xmlns:a16="http://schemas.microsoft.com/office/drawing/2014/main" id="{3FB0D076-BDE7-CA9D-7159-CA17A94454C3}"/>
-              </a:ext>
-            </a:extLst>
-          </p:cNvPr>
-          <p:cNvGrpSpPr/>
-          <p:nvPr/>
-        </p:nvGrpSpPr>
-        <p:grpSpPr>
-          <a:xfrm>
-            <a:off x="4773411" y="2509730"/>
-            <a:ext cx="7250481" cy="4066382"/>
-            <a:chOff x="4885152" y="1912521"/>
-            <a:chExt cx="7250481" cy="4066382"/>
-          </a:xfrm>
-        </p:grpSpPr>
-        <p:sp>
-          <p:nvSpPr>
-            <p:cNvPr id="4" name="Hexágono 3">
-              <a:extLst>
-                <a:ext uri="{FF2B5EF4-FFF2-40B4-BE49-F238E27FC236}">
-                  <a16:creationId xmlns:a16="http://schemas.microsoft.com/office/drawing/2014/main" id="{1B0AEED3-2F26-F6F1-046D-7978F10A7406}"/>
-                </a:ext>
-              </a:extLst>
-            </p:cNvPr>
-            <p:cNvSpPr/>
-            <p:nvPr/>
-          </p:nvSpPr>
-          <p:spPr>
-            <a:xfrm>
-              <a:off x="7352778" y="2154476"/>
-              <a:ext cx="2630465" cy="2267642"/>
-            </a:xfrm>
-            <a:prstGeom prst="hexagon">
-              <a:avLst/>
-            </a:prstGeom>
-            <a:blipFill>
-              <a:blip r:embed="rId3" cstate="screen">
-                <a:extLst>
-                  <a:ext uri="{28A0092B-C50C-407E-A947-70E740481C1C}">
-                    <a14:useLocalDpi xmlns:a14="http://schemas.microsoft.com/office/drawing/2010/main"/>
-                  </a:ext>
-                </a:extLst>
-              </a:blip>
-              <a:stretch>
-                <a:fillRect/>
-              </a:stretch>
-            </a:blipFill>
-            <a:ln>
-              <a:noFill/>
-            </a:ln>
-          </p:spPr>
-          <p:style>
-            <a:lnRef idx="2">
-              <a:schemeClr val="accent1">
-                <a:shade val="15000"/>
-              </a:schemeClr>
-            </a:lnRef>
-            <a:fillRef idx="1">
-              <a:schemeClr val="accent1"/>
-            </a:fillRef>
-            <a:effectRef idx="0">
-              <a:schemeClr val="accent1"/>
-            </a:effectRef>
-            <a:fontRef idx="minor">
-              <a:schemeClr val="lt1"/>
-            </a:fontRef>
-          </p:style>
-          <p:txBody>
-            <a:bodyPr rtlCol="0" anchor="ctr"/>
-            <a:lstStyle/>
-            <a:p>
-              <a:pPr algn="ctr"/>
-              <a:endParaRPr lang="es-ES"/>
-            </a:p>
-          </p:txBody>
-        </p:sp>
-        <p:sp>
-          <p:nvSpPr>
-            <p:cNvPr id="5" name="Hexágono 4">
-              <a:extLst>
-                <a:ext uri="{FF2B5EF4-FFF2-40B4-BE49-F238E27FC236}">
-                  <a16:creationId xmlns:a16="http://schemas.microsoft.com/office/drawing/2014/main" id="{C2D40C21-8A49-1058-9158-3BACD3C974FD}"/>
-                </a:ext>
-              </a:extLst>
-            </p:cNvPr>
-            <p:cNvSpPr/>
-            <p:nvPr/>
-          </p:nvSpPr>
-          <p:spPr>
-            <a:xfrm>
-              <a:off x="5200388" y="3338401"/>
-              <a:ext cx="2630465" cy="2267642"/>
-            </a:xfrm>
-            <a:prstGeom prst="hexagon">
-              <a:avLst/>
-            </a:prstGeom>
-            <a:blipFill>
-              <a:blip r:embed="rId4" cstate="screen">
-                <a:extLst>
-                  <a:ext uri="{28A0092B-C50C-407E-A947-70E740481C1C}">
-                    <a14:useLocalDpi xmlns:a14="http://schemas.microsoft.com/office/drawing/2010/main"/>
-                  </a:ext>
-                </a:extLst>
-              </a:blip>
-              <a:stretch>
-                <a:fillRect/>
-              </a:stretch>
-            </a:blipFill>
-            <a:ln>
-              <a:noFill/>
-            </a:ln>
-          </p:spPr>
-          <p:style>
-            <a:lnRef idx="2">
-              <a:schemeClr val="accent1">
-                <a:shade val="15000"/>
-              </a:schemeClr>
-            </a:lnRef>
-            <a:fillRef idx="1">
-              <a:schemeClr val="accent1"/>
-            </a:fillRef>
-            <a:effectRef idx="0">
-              <a:schemeClr val="accent1"/>
-            </a:effectRef>
-            <a:fontRef idx="minor">
-              <a:schemeClr val="lt1"/>
-            </a:fontRef>
-          </p:style>
-          <p:txBody>
-            <a:bodyPr rtlCol="0" anchor="ctr"/>
-            <a:lstStyle/>
-            <a:p>
-              <a:pPr algn="ctr"/>
-              <a:endParaRPr lang="es-ES"/>
-            </a:p>
-          </p:txBody>
-        </p:sp>
-        <p:sp>
-          <p:nvSpPr>
-            <p:cNvPr id="6" name="Hexágono 5">
-              <a:extLst>
-                <a:ext uri="{FF2B5EF4-FFF2-40B4-BE49-F238E27FC236}">
-                  <a16:creationId xmlns:a16="http://schemas.microsoft.com/office/drawing/2014/main" id="{7886ACDC-BAE0-7322-4285-106FAA115F39}"/>
-                </a:ext>
-              </a:extLst>
-            </p:cNvPr>
-            <p:cNvSpPr/>
-            <p:nvPr/>
-          </p:nvSpPr>
-          <p:spPr>
-            <a:xfrm>
-              <a:off x="9505168" y="3338401"/>
-              <a:ext cx="2630465" cy="2267642"/>
-            </a:xfrm>
-            <a:prstGeom prst="hexagon">
-              <a:avLst/>
-            </a:prstGeom>
-            <a:blipFill>
-              <a:blip r:embed="rId5" cstate="screen">
-                <a:extLst>
-                  <a:ext uri="{28A0092B-C50C-407E-A947-70E740481C1C}">
-                    <a14:useLocalDpi xmlns:a14="http://schemas.microsoft.com/office/drawing/2010/main"/>
-                  </a:ext>
-                </a:extLst>
-              </a:blip>
-              <a:stretch>
-                <a:fillRect/>
-              </a:stretch>
-            </a:blipFill>
-            <a:ln>
-              <a:noFill/>
-            </a:ln>
-          </p:spPr>
-          <p:style>
-            <a:lnRef idx="2">
-              <a:schemeClr val="accent1">
-                <a:shade val="15000"/>
-              </a:schemeClr>
-            </a:lnRef>
-            <a:fillRef idx="1">
-              <a:schemeClr val="accent1"/>
-            </a:fillRef>
-            <a:effectRef idx="0">
-              <a:schemeClr val="accent1"/>
-            </a:effectRef>
-            <a:fontRef idx="minor">
-              <a:schemeClr val="lt1"/>
-            </a:fontRef>
-          </p:style>
-          <p:txBody>
-            <a:bodyPr rtlCol="0" anchor="ctr"/>
-            <a:lstStyle/>
-            <a:p>
-              <a:pPr algn="ctr"/>
-              <a:endParaRPr lang="es-ES"/>
-            </a:p>
-          </p:txBody>
-        </p:sp>
-        <p:sp>
-          <p:nvSpPr>
-            <p:cNvPr id="7" name="Hexágono 6">
-              <a:extLst>
-                <a:ext uri="{FF2B5EF4-FFF2-40B4-BE49-F238E27FC236}">
-                  <a16:creationId xmlns:a16="http://schemas.microsoft.com/office/drawing/2014/main" id="{A5640031-399E-7E42-3D45-A3A5CEC098A9}"/>
-                </a:ext>
-              </a:extLst>
-            </p:cNvPr>
-            <p:cNvSpPr/>
-            <p:nvPr/>
-          </p:nvSpPr>
-          <p:spPr>
-            <a:xfrm>
-              <a:off x="7830853" y="1912521"/>
-              <a:ext cx="2630465" cy="2267642"/>
-            </a:xfrm>
-            <a:prstGeom prst="hexagon">
-              <a:avLst/>
-            </a:prstGeom>
-            <a:noFill/>
-            <a:ln w="28575">
-              <a:solidFill>
-                <a:schemeClr val="accent5"/>
-              </a:solidFill>
-            </a:ln>
-          </p:spPr>
-          <p:style>
-            <a:lnRef idx="2">
-              <a:schemeClr val="accent2"/>
-            </a:lnRef>
-            <a:fillRef idx="1">
-              <a:schemeClr val="lt1"/>
-            </a:fillRef>
-            <a:effectRef idx="0">
-              <a:schemeClr val="accent2"/>
-            </a:effectRef>
-            <a:fontRef idx="minor">
-              <a:schemeClr val="dk1"/>
-            </a:fontRef>
-          </p:style>
-          <p:txBody>
-            <a:bodyPr rtlCol="0" anchor="ctr"/>
-            <a:lstStyle/>
-            <a:p>
-              <a:pPr algn="ctr"/>
-              <a:endParaRPr lang="es-ES">
-                <a:solidFill>
-                  <a:schemeClr val="accent4"/>
-                </a:solidFill>
-              </a:endParaRPr>
-            </a:p>
-          </p:txBody>
-        </p:sp>
-        <p:sp>
-          <p:nvSpPr>
-            <p:cNvPr id="8" name="Hexágono 7">
-              <a:extLst>
-                <a:ext uri="{FF2B5EF4-FFF2-40B4-BE49-F238E27FC236}">
-                  <a16:creationId xmlns:a16="http://schemas.microsoft.com/office/drawing/2014/main" id="{77EFF2E6-59C7-F5B8-5C7A-7408A0C566AA}"/>
-                </a:ext>
-              </a:extLst>
-            </p:cNvPr>
-            <p:cNvSpPr/>
-            <p:nvPr/>
-          </p:nvSpPr>
-          <p:spPr>
-            <a:xfrm>
-              <a:off x="4885152" y="3618149"/>
-              <a:ext cx="2630465" cy="2267642"/>
-            </a:xfrm>
-            <a:prstGeom prst="hexagon">
-              <a:avLst/>
-            </a:prstGeom>
-            <a:noFill/>
-            <a:ln w="28575">
-              <a:solidFill>
-                <a:schemeClr val="accent5"/>
-              </a:solidFill>
-            </a:ln>
-          </p:spPr>
-          <p:style>
-            <a:lnRef idx="2">
-              <a:schemeClr val="accent2"/>
-            </a:lnRef>
-            <a:fillRef idx="1">
-              <a:schemeClr val="lt1"/>
-            </a:fillRef>
-            <a:effectRef idx="0">
-              <a:schemeClr val="accent2"/>
-            </a:effectRef>
-            <a:fontRef idx="minor">
-              <a:schemeClr val="dk1"/>
-            </a:fontRef>
-          </p:style>
-          <p:txBody>
-            <a:bodyPr rtlCol="0" anchor="ctr"/>
-            <a:lstStyle/>
-            <a:p>
-              <a:pPr algn="ctr"/>
-              <a:endParaRPr lang="es-ES">
-                <a:solidFill>
-                  <a:schemeClr val="accent4"/>
-                </a:solidFill>
-              </a:endParaRPr>
-            </a:p>
-          </p:txBody>
-        </p:sp>
-        <p:sp>
-          <p:nvSpPr>
-            <p:cNvPr id="12" name="Hexágono 11">
-              <a:extLst>
-                <a:ext uri="{FF2B5EF4-FFF2-40B4-BE49-F238E27FC236}">
-                  <a16:creationId xmlns:a16="http://schemas.microsoft.com/office/drawing/2014/main" id="{7455C750-1128-AA37-0677-6ADF09F5B47B}"/>
-                </a:ext>
-              </a:extLst>
-            </p:cNvPr>
-            <p:cNvSpPr/>
-            <p:nvPr/>
-          </p:nvSpPr>
-          <p:spPr>
-            <a:xfrm>
-              <a:off x="6515620" y="2295732"/>
-              <a:ext cx="216021" cy="186225"/>
-            </a:xfrm>
-            <a:prstGeom prst="hexagon">
-              <a:avLst/>
-            </a:prstGeom>
-            <a:noFill/>
-            <a:ln w="19050">
-              <a:solidFill>
-                <a:schemeClr val="bg2">
-                  <a:lumMod val="90000"/>
-                </a:schemeClr>
-              </a:solidFill>
-            </a:ln>
-          </p:spPr>
-          <p:style>
-            <a:lnRef idx="2">
-              <a:schemeClr val="accent1">
-                <a:shade val="15000"/>
-              </a:schemeClr>
-            </a:lnRef>
-            <a:fillRef idx="1">
-              <a:schemeClr val="accent1"/>
-            </a:fillRef>
-            <a:effectRef idx="0">
-              <a:schemeClr val="accent1"/>
-            </a:effectRef>
-            <a:fontRef idx="minor">
-              <a:schemeClr val="lt1"/>
-            </a:fontRef>
-          </p:style>
-          <p:txBody>
-            <a:bodyPr rtlCol="0" anchor="ctr"/>
-            <a:lstStyle/>
-            <a:p>
-              <a:pPr algn="ctr"/>
-              <a:endParaRPr lang="es-ES" b="1" i="0">
-                <a:latin typeface="Lexend SemiBold" pitchFamily="2" charset="77"/>
-              </a:endParaRPr>
-            </a:p>
-          </p:txBody>
-        </p:sp>
-        <p:sp>
-          <p:nvSpPr>
-            <p:cNvPr id="13" name="Hexágono 12">
-              <a:extLst>
-                <a:ext uri="{FF2B5EF4-FFF2-40B4-BE49-F238E27FC236}">
-                  <a16:creationId xmlns:a16="http://schemas.microsoft.com/office/drawing/2014/main" id="{327F64D6-C536-DF35-7A5F-8BA771579AEE}"/>
-                </a:ext>
-              </a:extLst>
-            </p:cNvPr>
-            <p:cNvSpPr/>
-            <p:nvPr/>
-          </p:nvSpPr>
-          <p:spPr>
-            <a:xfrm>
-              <a:off x="9146085" y="5792678"/>
-              <a:ext cx="216021" cy="186225"/>
-            </a:xfrm>
-            <a:prstGeom prst="hexagon">
-              <a:avLst/>
-            </a:prstGeom>
-            <a:noFill/>
-            <a:ln w="19050">
-              <a:solidFill>
-                <a:schemeClr val="bg2">
-                  <a:lumMod val="90000"/>
-                </a:schemeClr>
-              </a:solidFill>
-            </a:ln>
-          </p:spPr>
-          <p:style>
-            <a:lnRef idx="2">
-              <a:schemeClr val="accent1">
-                <a:shade val="15000"/>
-              </a:schemeClr>
-            </a:lnRef>
-            <a:fillRef idx="1">
-              <a:schemeClr val="accent1"/>
-            </a:fillRef>
-            <a:effectRef idx="0">
-              <a:schemeClr val="accent1"/>
-            </a:effectRef>
-            <a:fontRef idx="minor">
-              <a:schemeClr val="lt1"/>
-            </a:fontRef>
-          </p:style>
-          <p:txBody>
-            <a:bodyPr rtlCol="0" anchor="ctr"/>
-            <a:lstStyle/>
-            <a:p>
-              <a:pPr algn="ctr"/>
-              <a:endParaRPr lang="es-ES" b="1" i="0">
-                <a:latin typeface="Lexend SemiBold" pitchFamily="2" charset="77"/>
-              </a:endParaRPr>
-            </a:p>
-          </p:txBody>
-        </p:sp>
-      </p:grpSp>
-      <p:sp>
-        <p:nvSpPr>
-          <p:cNvPr id="3" name="CuadroTexto 2">
-            <a:extLst>
-              <a:ext uri="{FF2B5EF4-FFF2-40B4-BE49-F238E27FC236}">
-                <a16:creationId xmlns:a16="http://schemas.microsoft.com/office/drawing/2014/main" id="{532C5669-E0F5-7DE6-AB44-F54914B273D0}"/>
-              </a:ext>
-            </a:extLst>
-          </p:cNvPr>
-          <p:cNvSpPr txBox="1"/>
-          <p:nvPr/>
-        </p:nvSpPr>
-        <p:spPr>
-          <a:xfrm>
-            <a:off x="3223890" y="3184612"/>
-            <a:ext cx="639919" cy="584775"/>
-          </a:xfrm>
-          <a:prstGeom prst="rect">
-            <a:avLst/>
-          </a:prstGeom>
-          <a:noFill/>
-        </p:spPr>
-        <p:txBody>
-          <a:bodyPr wrap="none" rtlCol="0">
-            <a:spAutoFit/>
-          </a:bodyPr>
-          <a:lstStyle/>
-          <a:p>
-            <a:r>
-              <a:rPr lang="es-ES" sz="3200" b="1" dirty="0">
-                <a:solidFill>
-                  <a:schemeClr val="accent6"/>
-                </a:solidFill>
-                <a:latin typeface="Barlow" pitchFamily="2" charset="77"/>
-              </a:rPr>
-              <a:t>03</a:t>
-            </a:r>
-          </a:p>
-        </p:txBody>
-      </p:sp>
-      <p:sp>
-        <p:nvSpPr>
-          <p:cNvPr id="11" name="CuadroTexto 10">
-            <a:extLst>
-              <a:ext uri="{FF2B5EF4-FFF2-40B4-BE49-F238E27FC236}">
-                <a16:creationId xmlns:a16="http://schemas.microsoft.com/office/drawing/2014/main" id="{46B71E81-B0DF-CD3D-71AC-57B1A40D3F23}"/>
-              </a:ext>
-            </a:extLst>
-          </p:cNvPr>
-          <p:cNvSpPr txBox="1"/>
-          <p:nvPr/>
-        </p:nvSpPr>
-        <p:spPr>
-          <a:xfrm>
-            <a:off x="1656846" y="1995243"/>
-            <a:ext cx="3772404" cy="830997"/>
-          </a:xfrm>
-          <a:prstGeom prst="rect">
-            <a:avLst/>
-          </a:prstGeom>
-          <a:noFill/>
-        </p:spPr>
-        <p:txBody>
-          <a:bodyPr wrap="square" rtlCol="0">
-            <a:spAutoFit/>
-          </a:bodyPr>
-          <a:lstStyle/>
-          <a:p>
-            <a:r>
-              <a:rPr lang="es-ES" sz="2400" dirty="0">
-                <a:solidFill>
-                  <a:srgbClr val="4D4D4D"/>
-                </a:solidFill>
-                <a:latin typeface="Barlow Medium" pitchFamily="2" charset="77"/>
-              </a:rPr>
-              <a:t>Detalle de solución para el conector JMS</a:t>
-            </a:r>
-          </a:p>
-        </p:txBody>
-      </p:sp>
-      <p:sp>
-        <p:nvSpPr>
-          <p:cNvPr id="14" name="CuadroTexto 13">
-            <a:extLst>
-              <a:ext uri="{FF2B5EF4-FFF2-40B4-BE49-F238E27FC236}">
-                <a16:creationId xmlns:a16="http://schemas.microsoft.com/office/drawing/2014/main" id="{E5299A54-3C09-BB94-D112-7A6105564A8F}"/>
-              </a:ext>
-            </a:extLst>
-          </p:cNvPr>
-          <p:cNvSpPr txBox="1"/>
-          <p:nvPr/>
-        </p:nvSpPr>
-        <p:spPr>
-          <a:xfrm>
-            <a:off x="1565405" y="945249"/>
-            <a:ext cx="9356421" cy="1015663"/>
-          </a:xfrm>
-          <a:prstGeom prst="rect">
-            <a:avLst/>
-          </a:prstGeom>
-          <a:noFill/>
-        </p:spPr>
-        <p:txBody>
-          <a:bodyPr wrap="square" rtlCol="0">
-            <a:spAutoFit/>
-          </a:bodyPr>
-          <a:lstStyle/>
-          <a:p>
-            <a:r>
-              <a:rPr lang="es-ES" sz="6000" b="1" dirty="0">
-                <a:solidFill>
-                  <a:schemeClr val="accent1"/>
-                </a:solidFill>
-                <a:latin typeface="Sama Devanagari" panose="020F0603040507060303" pitchFamily="34" charset="0"/>
-                <a:cs typeface="Sama Devanagari" panose="020F0603040507060303" pitchFamily="34" charset="0"/>
-              </a:rPr>
-              <a:t>Conector </a:t>
-            </a:r>
-            <a:r>
-              <a:rPr lang="es-ES" sz="6000" b="1" dirty="0">
-                <a:solidFill>
-                  <a:schemeClr val="accent6"/>
-                </a:solidFill>
-                <a:latin typeface="Sama Devanagari" panose="020F0603040507060303" pitchFamily="34" charset="0"/>
-                <a:cs typeface="Sama Devanagari" panose="020F0603040507060303" pitchFamily="34" charset="0"/>
-              </a:rPr>
-              <a:t>JMS</a:t>
-            </a:r>
-          </a:p>
-        </p:txBody>
-      </p:sp>
-    </p:spTree>
-    <p:extLst>
-      <p:ext uri="{BB962C8B-B14F-4D97-AF65-F5344CB8AC3E}">
-        <p14:creationId xmlns:p14="http://schemas.microsoft.com/office/powerpoint/2010/main" val="3171664539"/>
-      </p:ext>
-    </p:extLst>
-  </p:cSld>
-  <p:clrMapOvr>
-    <a:masterClrMapping/>
-  </p:clrMapOvr>
-</p:sld>
-</file>
-
-<file path=ppt/slides/slide9.xml><?xml version="1.0" encoding="utf-8"?>
-<p:sld xmlns:a="http://schemas.openxmlformats.org/drawingml/2006/main" xmlns:r="http://schemas.openxmlformats.org/officeDocument/2006/relationships" xmlns:p="http://schemas.openxmlformats.org/presentationml/2006/main">
-  <p:cSld>
-    <p:spTree>
-      <p:nvGrpSpPr>
         <p:cNvPr id="1" name=""/>
         <p:cNvGrpSpPr/>
         <p:nvPr/>
@@ -18914,60 +18750,6 @@
           <a:chExt cx="0" cy="0"/>
         </a:xfrm>
       </p:grpSpPr>
-      <p:sp>
-        <p:nvSpPr>
-          <p:cNvPr id="29" name="Rectángulo 28">
-            <a:extLst>
-              <a:ext uri="{FF2B5EF4-FFF2-40B4-BE49-F238E27FC236}">
-                <a16:creationId xmlns:a16="http://schemas.microsoft.com/office/drawing/2014/main" id="{4D818091-695C-2453-BDC8-5B233EDAD2F4}"/>
-              </a:ext>
-            </a:extLst>
-          </p:cNvPr>
-          <p:cNvSpPr/>
-          <p:nvPr/>
-        </p:nvSpPr>
-        <p:spPr>
-          <a:xfrm>
-            <a:off x="573898" y="1020266"/>
-            <a:ext cx="11308913" cy="571416"/>
-          </a:xfrm>
-          <a:prstGeom prst="rect">
-            <a:avLst/>
-          </a:prstGeom>
-          <a:solidFill>
-            <a:schemeClr val="bg1">
-              <a:lumMod val="95000"/>
-            </a:schemeClr>
-          </a:solidFill>
-          <a:ln>
-            <a:noFill/>
-          </a:ln>
-        </p:spPr>
-        <p:style>
-          <a:lnRef idx="2">
-            <a:schemeClr val="accent1">
-              <a:shade val="15000"/>
-            </a:schemeClr>
-          </a:lnRef>
-          <a:fillRef idx="1">
-            <a:schemeClr val="accent1"/>
-          </a:fillRef>
-          <a:effectRef idx="0">
-            <a:schemeClr val="accent1"/>
-          </a:effectRef>
-          <a:fontRef idx="minor">
-            <a:schemeClr val="lt1"/>
-          </a:fontRef>
-        </p:style>
-        <p:txBody>
-          <a:bodyPr rtlCol="0" anchor="ctr"/>
-          <a:lstStyle/>
-          <a:p>
-            <a:pPr algn="ctr"/>
-            <a:endParaRPr lang="es-ES"/>
-          </a:p>
-        </p:txBody>
-      </p:sp>
       <p:sp>
         <p:nvSpPr>
           <p:cNvPr id="5" name="CuadroTexto 4">
@@ -19416,10 +19198,10 @@
       </p:grpSp>
       <p:sp>
         <p:nvSpPr>
-          <p:cNvPr id="23" name="CuadroTexto 22">
-            <a:extLst>
-              <a:ext uri="{FF2B5EF4-FFF2-40B4-BE49-F238E27FC236}">
-                <a16:creationId xmlns:a16="http://schemas.microsoft.com/office/drawing/2014/main" id="{AA464986-E082-E4FA-8287-C7382C8C3489}"/>
+          <p:cNvPr id="26" name="CuadroTexto 25">
+            <a:extLst>
+              <a:ext uri="{FF2B5EF4-FFF2-40B4-BE49-F238E27FC236}">
+                <a16:creationId xmlns:a16="http://schemas.microsoft.com/office/drawing/2014/main" id="{A352DC4F-475A-5412-93D6-E03A41E120E2}"/>
               </a:ext>
             </a:extLst>
           </p:cNvPr>
@@ -19428,8 +19210,8 @@
         </p:nvSpPr>
         <p:spPr>
           <a:xfrm>
-            <a:off x="12605946" y="2202923"/>
-            <a:ext cx="1582421" cy="707886"/>
+            <a:off x="778702" y="931079"/>
+            <a:ext cx="3663182" cy="307777"/>
           </a:xfrm>
           <a:prstGeom prst="rect">
             <a:avLst/>
@@ -19443,30 +19225,13 @@
           <a:lstStyle/>
           <a:p>
             <a:r>
-              <a:rPr lang="es-ES" sz="2000">
+              <a:rPr lang="es-ES" sz="1400" dirty="0">
                 <a:solidFill>
-                  <a:schemeClr val="bg1">
-                    <a:lumMod val="50000"/>
-                  </a:schemeClr>
+                  <a:schemeClr val="accent1"/>
                 </a:solidFill>
-                <a:latin typeface="Sama Devanagari" panose="020F0603040507060303" pitchFamily="34" charset="0"/>
-                <a:cs typeface="Sama Devanagari" panose="020F0603040507060303" pitchFamily="34" charset="0"/>
+                <a:latin typeface="Barlow" pitchFamily="2" charset="77"/>
               </a:rPr>
-              <a:t>Implantación</a:t>
-            </a:r>
-          </a:p>
-          <a:p>
-            <a:r>
-              <a:rPr lang="es-ES" sz="2000">
-                <a:solidFill>
-                  <a:schemeClr val="bg1">
-                    <a:lumMod val="50000"/>
-                  </a:schemeClr>
-                </a:solidFill>
-                <a:latin typeface="Sama Devanagari" panose="020F0603040507060303" pitchFamily="34" charset="0"/>
-                <a:cs typeface="Sama Devanagari" panose="020F0603040507060303" pitchFamily="34" charset="0"/>
-              </a:rPr>
-              <a:t>Validación</a:t>
+              <a:t>Los pilares sobre los que se construye la web</a:t>
             </a:r>
           </a:p>
         </p:txBody>
@@ -19486,7 +19251,7 @@
         <p:spPr>
           <a:xfrm>
             <a:off x="769177" y="460596"/>
-            <a:ext cx="2414444" cy="523220"/>
+            <a:ext cx="2619628" cy="523220"/>
           </a:xfrm>
           <a:prstGeom prst="rect">
             <a:avLst/>
@@ -19506,66 +19271,79 @@
                 </a:solidFill>
                 <a:latin typeface="Barlow" pitchFamily="2" charset="77"/>
               </a:rPr>
-              <a:t>Conector </a:t>
-            </a:r>
-            <a:r>
-              <a:rPr lang="es-ES" sz="2800" b="1" dirty="0">
+              <a:t>Web </a:t>
+            </a:r>
+            <a:r>
+              <a:rPr lang="es-ES" sz="2800" b="1" dirty="0" err="1">
                 <a:solidFill>
                   <a:schemeClr val="accent6"/>
                 </a:solidFill>
                 <a:latin typeface="Barlow" pitchFamily="2" charset="77"/>
               </a:rPr>
-              <a:t>JMS</a:t>
-            </a:r>
-          </a:p>
-        </p:txBody>
-      </p:sp>
-      <p:sp>
-        <p:nvSpPr>
-          <p:cNvPr id="2" name="CuadroTexto 1">
-            <a:extLst>
-              <a:ext uri="{FF2B5EF4-FFF2-40B4-BE49-F238E27FC236}">
-                <a16:creationId xmlns:a16="http://schemas.microsoft.com/office/drawing/2014/main" id="{89AF8FD2-4E67-EF2D-5D3E-8843455313AB}"/>
-              </a:ext>
-            </a:extLst>
-          </p:cNvPr>
-          <p:cNvSpPr txBox="1"/>
+              <a:t>Standards</a:t>
+            </a:r>
+            <a:endParaRPr lang="es-ES" sz="2800" b="1" dirty="0">
+              <a:solidFill>
+                <a:schemeClr val="accent6"/>
+              </a:solidFill>
+              <a:latin typeface="Barlow" pitchFamily="2" charset="77"/>
+            </a:endParaRPr>
+          </a:p>
+        </p:txBody>
+      </p:sp>
+      <p:pic>
+        <p:nvPicPr>
+          <p:cNvPr id="4100" name="Picture 4" descr="Web Standards - Government Information Center">
+            <a:extLst>
+              <a:ext uri="{FF2B5EF4-FFF2-40B4-BE49-F238E27FC236}">
+                <a16:creationId xmlns:a16="http://schemas.microsoft.com/office/drawing/2014/main" id="{C530D38B-243F-09AA-BAE0-239D39BB7292}"/>
+              </a:ext>
+            </a:extLst>
+          </p:cNvPr>
+          <p:cNvPicPr>
+            <a:picLocks noChangeAspect="1" noChangeArrowheads="1"/>
+          </p:cNvPicPr>
           <p:nvPr/>
-        </p:nvSpPr>
-        <p:spPr>
+        </p:nvPicPr>
+        <p:blipFill>
+          <a:blip r:embed="rId5">
+            <a:extLst>
+              <a:ext uri="{28A0092B-C50C-407E-A947-70E740481C1C}">
+                <a14:useLocalDpi xmlns:a14="http://schemas.microsoft.com/office/drawing/2010/main" val="0"/>
+              </a:ext>
+            </a:extLst>
+          </a:blip>
+          <a:srcRect/>
+          <a:stretch>
+            <a:fillRect/>
+          </a:stretch>
+        </p:blipFill>
+        <p:spPr bwMode="auto">
           <a:xfrm>
-            <a:off x="665480" y="1034295"/>
-            <a:ext cx="11080848" cy="523220"/>
+            <a:off x="3537559" y="1325195"/>
+            <a:ext cx="5086110" cy="2980062"/>
           </a:xfrm>
           <a:prstGeom prst="rect">
             <a:avLst/>
           </a:prstGeom>
           <a:noFill/>
+          <a:extLst>
+            <a:ext uri="{909E8E84-426E-40DD-AFC4-6F175D3DCCD1}">
+              <a14:hiddenFill xmlns:a14="http://schemas.microsoft.com/office/drawing/2010/main">
+                <a:solidFill>
+                  <a:srgbClr val="FFFFFF"/>
+                </a:solidFill>
+              </a14:hiddenFill>
+            </a:ext>
+          </a:extLst>
         </p:spPr>
-        <p:txBody>
-          <a:bodyPr wrap="square" rtlCol="0">
-            <a:spAutoFit/>
-          </a:bodyPr>
-          <a:lstStyle/>
-          <a:p>
-            <a:r>
-              <a:rPr lang="es-ES" sz="1400" dirty="0">
-                <a:solidFill>
-                  <a:schemeClr val="accent1"/>
-                </a:solidFill>
-                <a:latin typeface="Barlow" pitchFamily="2" charset="77"/>
-              </a:rPr>
-              <a:t>Implica varios pasos clave, centrados en la orquestación de contenedores y la automatización de despliegues sin la necesidad de administrar la infraestructura subyacente directamente</a:t>
-            </a:r>
-          </a:p>
-        </p:txBody>
-      </p:sp>
+      </p:pic>
       <p:pic>
         <p:nvPicPr>
-          <p:cNvPr id="3" name="Imagen 2">
-            <a:extLst>
-              <a:ext uri="{FF2B5EF4-FFF2-40B4-BE49-F238E27FC236}">
-                <a16:creationId xmlns:a16="http://schemas.microsoft.com/office/drawing/2014/main" id="{953029D9-B06A-49CC-5943-8675B596AB0F}"/>
+          <p:cNvPr id="4" name="Imagen 3">
+            <a:extLst>
+              <a:ext uri="{FF2B5EF4-FFF2-40B4-BE49-F238E27FC236}">
+                <a16:creationId xmlns:a16="http://schemas.microsoft.com/office/drawing/2014/main" id="{3A7CA9FB-EE71-E19F-4914-46F5CB0F23E3}"/>
               </a:ext>
             </a:extLst>
           </p:cNvPr>
@@ -19575,444 +19353,57 @@
           <p:nvPr/>
         </p:nvPicPr>
         <p:blipFill>
-          <a:blip r:embed="rId5"/>
+          <a:blip r:embed="rId6"/>
           <a:stretch>
             <a:fillRect/>
           </a:stretch>
         </p:blipFill>
         <p:spPr>
           <a:xfrm>
-            <a:off x="5671110" y="1581425"/>
-            <a:ext cx="6178915" cy="2187483"/>
+            <a:off x="201568" y="2463794"/>
+            <a:ext cx="3171851" cy="3809449"/>
           </a:xfrm>
           <a:prstGeom prst="rect">
             <a:avLst/>
           </a:prstGeom>
         </p:spPr>
       </p:pic>
-      <p:sp>
-        <p:nvSpPr>
-          <p:cNvPr id="10" name="CuadroTexto 9">
-            <a:extLst>
-              <a:ext uri="{FF2B5EF4-FFF2-40B4-BE49-F238E27FC236}">
-                <a16:creationId xmlns:a16="http://schemas.microsoft.com/office/drawing/2014/main" id="{0251D8B5-D242-BDF3-BE76-C8C4F8FFF209}"/>
-              </a:ext>
-            </a:extLst>
-          </p:cNvPr>
-          <p:cNvSpPr txBox="1"/>
+      <p:pic>
+        <p:nvPicPr>
+          <p:cNvPr id="9" name="Imagen 8">
+            <a:extLst>
+              <a:ext uri="{FF2B5EF4-FFF2-40B4-BE49-F238E27FC236}">
+                <a16:creationId xmlns:a16="http://schemas.microsoft.com/office/drawing/2014/main" id="{8EDD5AFC-C69D-3C1C-0D22-A6A155787957}"/>
+              </a:ext>
+            </a:extLst>
+          </p:cNvPr>
+          <p:cNvPicPr>
+            <a:picLocks noChangeAspect="1"/>
+          </p:cNvPicPr>
           <p:nvPr/>
-        </p:nvSpPr>
+        </p:nvPicPr>
+        <p:blipFill>
+          <a:blip r:embed="rId7"/>
+          <a:stretch>
+            <a:fillRect/>
+          </a:stretch>
+        </p:blipFill>
         <p:spPr>
           <a:xfrm>
-            <a:off x="558865" y="1778558"/>
-            <a:ext cx="4649829" cy="2654573"/>
+            <a:off x="9101142" y="2193185"/>
+            <a:ext cx="2858517" cy="4204219"/>
           </a:xfrm>
           <a:prstGeom prst="rect">
             <a:avLst/>
           </a:prstGeom>
-          <a:solidFill>
-            <a:schemeClr val="accent2"/>
-          </a:solidFill>
-          <a:ln w="19050">
-            <a:noFill/>
-          </a:ln>
         </p:spPr>
-        <p:txBody>
-          <a:bodyPr wrap="square" lIns="91440" tIns="45720" rIns="91440" bIns="45720" rtlCol="0" anchor="t">
-            <a:spAutoFit/>
-          </a:bodyPr>
-          <a:lstStyle/>
-          <a:p>
-            <a:pPr algn="ctr"/>
-            <a:r>
-              <a:rPr lang="es-ES" sz="1400" b="1" dirty="0">
-                <a:solidFill>
-                  <a:schemeClr val="accent1"/>
-                </a:solidFill>
-                <a:latin typeface="Barlow"/>
-                <a:cs typeface="Sama Devanagari" panose="020F0603040507060303" pitchFamily="34" charset="0"/>
-              </a:rPr>
-              <a:t>Entornos AWS</a:t>
-            </a:r>
-            <a:endParaRPr lang="es-ES" b="1" dirty="0">
-              <a:solidFill>
-                <a:schemeClr val="accent1"/>
-              </a:solidFill>
-              <a:latin typeface="Barlow"/>
-              <a:cs typeface="Sama Devanagari" panose="020F0603040507060303" pitchFamily="34" charset="0"/>
-            </a:endParaRPr>
-          </a:p>
-          <a:p>
-            <a:endParaRPr lang="es-ES" sz="1100" dirty="0">
-              <a:solidFill>
-                <a:schemeClr val="accent1"/>
-              </a:solidFill>
-              <a:latin typeface="Barlow" pitchFamily="2" charset="77"/>
-              <a:cs typeface="Sama Devanagari" panose="020F0603040507060303" pitchFamily="34" charset="0"/>
-            </a:endParaRPr>
-          </a:p>
-          <a:p>
-            <a:pPr marL="171450" indent="-171450">
-              <a:lnSpc>
-                <a:spcPct val="150000"/>
-              </a:lnSpc>
-              <a:buFont typeface="Wingdings" panose="05000000000000000000" pitchFamily="2" charset="2"/>
-              <a:buChar char="Ø"/>
-            </a:pPr>
-            <a:r>
-              <a:rPr lang="es-ES" sz="1200" dirty="0">
-                <a:solidFill>
-                  <a:schemeClr val="accent1"/>
-                </a:solidFill>
-                <a:latin typeface="Barlow"/>
-                <a:cs typeface="Sama Devanagari" panose="020F0603040507060303" pitchFamily="34" charset="0"/>
-              </a:rPr>
-              <a:t>Identificar las necesidades de cada entorno</a:t>
-            </a:r>
-          </a:p>
-          <a:p>
-            <a:pPr marL="171450" indent="-171450">
-              <a:lnSpc>
-                <a:spcPct val="150000"/>
-              </a:lnSpc>
-              <a:buFont typeface="Wingdings" panose="05000000000000000000" pitchFamily="2" charset="2"/>
-              <a:buChar char="Ø"/>
-            </a:pPr>
-            <a:r>
-              <a:rPr lang="es-ES" sz="1200" dirty="0">
-                <a:solidFill>
-                  <a:schemeClr val="accent1"/>
-                </a:solidFill>
-                <a:latin typeface="Barlow"/>
-                <a:cs typeface="Sama Devanagari" panose="020F0603040507060303" pitchFamily="34" charset="0"/>
-              </a:rPr>
-              <a:t>Utilizar AWS Terraform para definir toda la infraestructura necesaria</a:t>
-            </a:r>
-          </a:p>
-          <a:p>
-            <a:pPr marL="171450" indent="-171450">
-              <a:lnSpc>
-                <a:spcPct val="150000"/>
-              </a:lnSpc>
-              <a:buFont typeface="Wingdings" panose="05000000000000000000" pitchFamily="2" charset="2"/>
-              <a:buChar char="Ø"/>
-            </a:pPr>
-            <a:r>
-              <a:rPr lang="es-ES" sz="1200" dirty="0">
-                <a:solidFill>
-                  <a:schemeClr val="accent1"/>
-                </a:solidFill>
-                <a:latin typeface="Barlow"/>
-                <a:cs typeface="Sama Devanagari" panose="020F0603040507060303" pitchFamily="34" charset="0"/>
-              </a:rPr>
-              <a:t>Configurar las VPCs, subredes, y gateways de internet/NAT para asegurar el aislamiento de los entornos y el control de acceso adecuado</a:t>
-            </a:r>
-          </a:p>
-          <a:p>
-            <a:pPr marL="171450" indent="-171450">
-              <a:lnSpc>
-                <a:spcPct val="150000"/>
-              </a:lnSpc>
-              <a:buFont typeface="Wingdings" panose="05000000000000000000" pitchFamily="2" charset="2"/>
-              <a:buChar char="Ø"/>
-            </a:pPr>
-            <a:r>
-              <a:rPr lang="es-ES" sz="1200" dirty="0">
-                <a:solidFill>
-                  <a:schemeClr val="accent1"/>
-                </a:solidFill>
-                <a:latin typeface="Barlow"/>
-                <a:cs typeface="Sama Devanagari" panose="020F0603040507060303" pitchFamily="34" charset="0"/>
-              </a:rPr>
-              <a:t>Configurar pipelines usando servicios como Jenkins para automatizar el despliegue</a:t>
-            </a:r>
-          </a:p>
-        </p:txBody>
-      </p:sp>
-      <p:sp>
-        <p:nvSpPr>
-          <p:cNvPr id="11" name="CuadroTexto 10">
-            <a:extLst>
-              <a:ext uri="{FF2B5EF4-FFF2-40B4-BE49-F238E27FC236}">
-                <a16:creationId xmlns:a16="http://schemas.microsoft.com/office/drawing/2014/main" id="{2571821C-E318-4B24-596C-8EC74B749DDC}"/>
-              </a:ext>
-            </a:extLst>
-          </p:cNvPr>
-          <p:cNvSpPr txBox="1"/>
-          <p:nvPr/>
-        </p:nvSpPr>
-        <p:spPr>
-          <a:xfrm>
-            <a:off x="569139" y="4627698"/>
-            <a:ext cx="4649830" cy="1823576"/>
-          </a:xfrm>
-          <a:prstGeom prst="rect">
-            <a:avLst/>
-          </a:prstGeom>
-          <a:solidFill>
-            <a:schemeClr val="accent6"/>
-          </a:solidFill>
-          <a:ln w="19050">
-            <a:noFill/>
-          </a:ln>
-        </p:spPr>
-        <p:txBody>
-          <a:bodyPr wrap="square" rtlCol="0">
-            <a:spAutoFit/>
-          </a:bodyPr>
-          <a:lstStyle/>
-          <a:p>
-            <a:pPr algn="ctr"/>
-            <a:r>
-              <a:rPr lang="es-ES" sz="1400" b="1" dirty="0">
-                <a:solidFill>
-                  <a:schemeClr val="accent1"/>
-                </a:solidFill>
-                <a:latin typeface="Barlow" pitchFamily="2" charset="77"/>
-                <a:cs typeface="Sama Devanagari" panose="020F0603040507060303" pitchFamily="34" charset="0"/>
-              </a:rPr>
-              <a:t>Despliegue y configuración</a:t>
-            </a:r>
-          </a:p>
-          <a:p>
-            <a:endParaRPr lang="es-ES" sz="1100" dirty="0">
-              <a:solidFill>
-                <a:schemeClr val="accent1"/>
-              </a:solidFill>
-              <a:latin typeface="Barlow" pitchFamily="2" charset="77"/>
-              <a:cs typeface="Sama Devanagari" panose="020F0603040507060303" pitchFamily="34" charset="0"/>
-            </a:endParaRPr>
-          </a:p>
-          <a:p>
-            <a:pPr marL="171450" indent="-171450">
-              <a:lnSpc>
-                <a:spcPct val="150000"/>
-              </a:lnSpc>
-              <a:buFont typeface="Wingdings" panose="05000000000000000000" pitchFamily="2" charset="2"/>
-              <a:buChar char="Ø"/>
-            </a:pPr>
-            <a:r>
-              <a:rPr lang="es-ES" sz="1200" dirty="0">
-                <a:solidFill>
-                  <a:schemeClr val="accent1"/>
-                </a:solidFill>
-                <a:latin typeface="Barlow"/>
-                <a:cs typeface="Sama Devanagari" panose="020F0603040507060303" pitchFamily="34" charset="0"/>
-              </a:rPr>
-              <a:t>Confirmar la funcionalidad del archivo JAR y su compatibilidad en un entorno contenerizado</a:t>
-            </a:r>
-          </a:p>
-          <a:p>
-            <a:pPr marL="171450" indent="-171450">
-              <a:lnSpc>
-                <a:spcPct val="150000"/>
-              </a:lnSpc>
-              <a:buFont typeface="Wingdings" panose="05000000000000000000" pitchFamily="2" charset="2"/>
-              <a:buChar char="Ø"/>
-            </a:pPr>
-            <a:r>
-              <a:rPr lang="es-ES_tradnl" sz="1200" dirty="0">
-                <a:solidFill>
-                  <a:schemeClr val="accent1"/>
-                </a:solidFill>
-                <a:latin typeface="Barlow"/>
-              </a:rPr>
-              <a:t>Integración con Bitbucket y ACR</a:t>
-            </a:r>
-            <a:endParaRPr lang="es-ES" sz="1200" dirty="0">
-              <a:solidFill>
-                <a:schemeClr val="accent1"/>
-              </a:solidFill>
-              <a:latin typeface="Barlow"/>
-            </a:endParaRPr>
-          </a:p>
-          <a:p>
-            <a:pPr marL="171450" indent="-171450">
-              <a:lnSpc>
-                <a:spcPct val="150000"/>
-              </a:lnSpc>
-              <a:buFont typeface="Wingdings" panose="05000000000000000000" pitchFamily="2" charset="2"/>
-              <a:buChar char="Ø"/>
-            </a:pPr>
-            <a:r>
-              <a:rPr lang="es-ES" sz="1200" dirty="0">
-                <a:solidFill>
-                  <a:schemeClr val="accent1"/>
-                </a:solidFill>
-                <a:latin typeface="Barlow"/>
-                <a:cs typeface="Sama Devanagari" panose="020F0603040507060303" pitchFamily="34" charset="0"/>
-              </a:rPr>
-              <a:t>Configurar el pipeline para que despliegue automáticamente la imagen desde ACR a Amazon ECS con Fargate</a:t>
-            </a:r>
-          </a:p>
-        </p:txBody>
-      </p:sp>
-      <p:sp>
-        <p:nvSpPr>
-          <p:cNvPr id="12" name="CuadroTexto 11">
-            <a:extLst>
-              <a:ext uri="{FF2B5EF4-FFF2-40B4-BE49-F238E27FC236}">
-                <a16:creationId xmlns:a16="http://schemas.microsoft.com/office/drawing/2014/main" id="{6ED99397-C63F-FF7F-2FDD-25DAA18A2408}"/>
-              </a:ext>
-            </a:extLst>
-          </p:cNvPr>
-          <p:cNvSpPr txBox="1"/>
-          <p:nvPr/>
-        </p:nvSpPr>
-        <p:spPr>
-          <a:xfrm>
-            <a:off x="5756464" y="3951904"/>
-            <a:ext cx="3875765" cy="1351588"/>
-          </a:xfrm>
-          <a:prstGeom prst="rect">
-            <a:avLst/>
-          </a:prstGeom>
-          <a:noFill/>
-        </p:spPr>
-        <p:txBody>
-          <a:bodyPr wrap="square" lIns="91440" tIns="45720" rIns="91440" bIns="45720" rtlCol="0" anchor="t">
-            <a:spAutoFit/>
-          </a:bodyPr>
-          <a:lstStyle>
-            <a:defPPr>
-              <a:defRPr lang="es-ES"/>
-            </a:defPPr>
-            <a:lvl1pPr marL="171450" indent="-171450">
-              <a:lnSpc>
-                <a:spcPct val="150000"/>
-              </a:lnSpc>
-              <a:buBlip>
-                <a:blip r:embed="rId6">
-                  <a:extLst>
-                    <a:ext uri="{96DAC541-7B7A-43D3-8B79-37D633B846F1}">
-                      <asvg:svgBlip xmlns:asvg="http://schemas.microsoft.com/office/drawing/2016/SVG/main" r:embed="rId7"/>
-                    </a:ext>
-                  </a:extLst>
-                </a:blip>
-              </a:buBlip>
-              <a:defRPr sz="1400">
-                <a:solidFill>
-                  <a:srgbClr val="4D4D4D"/>
-                </a:solidFill>
-                <a:latin typeface="Lexend ExtraLight"/>
-              </a:defRPr>
-            </a:lvl1pPr>
-          </a:lstStyle>
-          <a:p>
-            <a:pPr marL="0" indent="0">
-              <a:buNone/>
-            </a:pPr>
-            <a:r>
-              <a:rPr lang="es-ES" b="1" dirty="0"/>
-              <a:t>Rendimiento y escalado</a:t>
-            </a:r>
-          </a:p>
-          <a:p>
-            <a:r>
-              <a:rPr lang="es-ES" dirty="0"/>
-              <a:t>Uso de las herramientas JMeter, Gatling, Taurus</a:t>
-            </a:r>
-          </a:p>
-          <a:p>
-            <a:r>
-              <a:rPr lang="es-ES" dirty="0"/>
-              <a:t>Generar las estrategias de pruebas</a:t>
-            </a:r>
-          </a:p>
-          <a:p>
-            <a:r>
-              <a:rPr lang="es-ES" dirty="0"/>
-              <a:t>Automatización y Análisis de resultados</a:t>
-            </a:r>
-          </a:p>
-        </p:txBody>
-      </p:sp>
-      <p:sp>
-        <p:nvSpPr>
-          <p:cNvPr id="21" name="CuadroTexto 20">
-            <a:extLst>
-              <a:ext uri="{FF2B5EF4-FFF2-40B4-BE49-F238E27FC236}">
-                <a16:creationId xmlns:a16="http://schemas.microsoft.com/office/drawing/2014/main" id="{68AEC67C-8833-3E5D-9532-E845B3FB651E}"/>
-              </a:ext>
-            </a:extLst>
-          </p:cNvPr>
-          <p:cNvSpPr txBox="1"/>
-          <p:nvPr/>
-        </p:nvSpPr>
-        <p:spPr>
-          <a:xfrm>
-            <a:off x="8550305" y="5276575"/>
-            <a:ext cx="3875765" cy="1351588"/>
-          </a:xfrm>
-          <a:prstGeom prst="rect">
-            <a:avLst/>
-          </a:prstGeom>
-          <a:noFill/>
-        </p:spPr>
-        <p:txBody>
-          <a:bodyPr wrap="square" lIns="91440" tIns="45720" rIns="91440" bIns="45720" rtlCol="0" anchor="t">
-            <a:spAutoFit/>
-          </a:bodyPr>
-          <a:lstStyle>
-            <a:defPPr>
-              <a:defRPr lang="es-ES"/>
-            </a:defPPr>
-            <a:lvl1pPr marL="171450" indent="-171450">
-              <a:lnSpc>
-                <a:spcPct val="150000"/>
-              </a:lnSpc>
-              <a:buBlip>
-                <a:blip r:embed="rId6">
-                  <a:extLst>
-                    <a:ext uri="{96DAC541-7B7A-43D3-8B79-37D633B846F1}">
-                      <asvg:svgBlip xmlns:asvg="http://schemas.microsoft.com/office/drawing/2016/SVG/main" r:embed="rId7"/>
-                    </a:ext>
-                  </a:extLst>
-                </a:blip>
-              </a:buBlip>
-              <a:defRPr sz="1400">
-                <a:solidFill>
-                  <a:srgbClr val="4D4D4D"/>
-                </a:solidFill>
-                <a:latin typeface="Lexend ExtraLight"/>
-              </a:defRPr>
-            </a:lvl1pPr>
-          </a:lstStyle>
-          <a:p>
-            <a:pPr marL="0" indent="0">
-              <a:buNone/>
-            </a:pPr>
-            <a:r>
-              <a:rPr lang="es-ES" b="1" dirty="0"/>
-              <a:t>Monitorización y alertas</a:t>
-            </a:r>
-          </a:p>
-          <a:p>
-            <a:r>
-              <a:rPr lang="es-ES" dirty="0"/>
-              <a:t>Integración de CloudWatch con Splunk</a:t>
-            </a:r>
-          </a:p>
-          <a:p>
-            <a:r>
-              <a:rPr lang="es-ES" dirty="0"/>
-              <a:t>Definición de alertas</a:t>
-            </a:r>
-          </a:p>
-          <a:p>
-            <a:r>
-              <a:rPr lang="es-ES" dirty="0"/>
-              <a:t>Automatización de alertas y Optimización</a:t>
-            </a:r>
-          </a:p>
-        </p:txBody>
-      </p:sp>
+      </p:pic>
       <p:pic>
         <p:nvPicPr>
-          <p:cNvPr id="22" name="Imagen 21">
-            <a:extLst>
-              <a:ext uri="{FF2B5EF4-FFF2-40B4-BE49-F238E27FC236}">
-                <a16:creationId xmlns:a16="http://schemas.microsoft.com/office/drawing/2014/main" id="{3ECFF54B-6576-B501-5E65-BB023ED9FEC8}"/>
+          <p:cNvPr id="10" name="Imagen 9">
+            <a:extLst>
+              <a:ext uri="{FF2B5EF4-FFF2-40B4-BE49-F238E27FC236}">
+                <a16:creationId xmlns:a16="http://schemas.microsoft.com/office/drawing/2014/main" id="{F9B256FE-F41C-3F0A-2519-7C235A8D0F9D}"/>
               </a:ext>
             </a:extLst>
           </p:cNvPr>
@@ -20029,48 +19420,702 @@
         </p:blipFill>
         <p:spPr>
           <a:xfrm>
-            <a:off x="9643570" y="4105436"/>
-            <a:ext cx="2058765" cy="958507"/>
+            <a:off x="3523039" y="4877085"/>
+            <a:ext cx="5428483" cy="1396158"/>
           </a:xfrm>
           <a:prstGeom prst="rect">
             <a:avLst/>
           </a:prstGeom>
         </p:spPr>
       </p:pic>
-      <p:pic>
-        <p:nvPicPr>
-          <p:cNvPr id="24" name="Imagen 23">
-            <a:extLst>
-              <a:ext uri="{FF2B5EF4-FFF2-40B4-BE49-F238E27FC236}">
-                <a16:creationId xmlns:a16="http://schemas.microsoft.com/office/drawing/2014/main" id="{2FD00064-3381-63C9-1F4A-ECF769D9E30F}"/>
-              </a:ext>
-            </a:extLst>
-          </p:cNvPr>
-          <p:cNvPicPr>
-            <a:picLocks noChangeAspect="1"/>
-          </p:cNvPicPr>
+      <p:cxnSp>
+        <p:nvCxnSpPr>
+          <p:cNvPr id="12" name="Conector recto de flecha 11">
+            <a:extLst>
+              <a:ext uri="{FF2B5EF4-FFF2-40B4-BE49-F238E27FC236}">
+                <a16:creationId xmlns:a16="http://schemas.microsoft.com/office/drawing/2014/main" id="{4D024C79-8188-0E42-E139-02680603838F}"/>
+              </a:ext>
+            </a:extLst>
+          </p:cNvPr>
+          <p:cNvCxnSpPr>
+            <a:cxnSpLocks/>
+          </p:cNvCxnSpPr>
           <p:nvPr/>
-        </p:nvPicPr>
-        <p:blipFill>
-          <a:blip r:embed="rId9"/>
-          <a:stretch>
-            <a:fillRect/>
-          </a:stretch>
-        </p:blipFill>
+        </p:nvCxnSpPr>
+        <p:spPr>
+          <a:xfrm flipH="1">
+            <a:off x="3373419" y="3009792"/>
+            <a:ext cx="301068" cy="117076"/>
+          </a:xfrm>
+          <a:prstGeom prst="straightConnector1">
+            <a:avLst/>
+          </a:prstGeom>
+          <a:ln>
+            <a:tailEnd type="triangle"/>
+          </a:ln>
+        </p:spPr>
+        <p:style>
+          <a:lnRef idx="1">
+            <a:schemeClr val="accent1"/>
+          </a:lnRef>
+          <a:fillRef idx="0">
+            <a:schemeClr val="accent1"/>
+          </a:fillRef>
+          <a:effectRef idx="0">
+            <a:schemeClr val="accent1"/>
+          </a:effectRef>
+          <a:fontRef idx="minor">
+            <a:schemeClr val="tx1"/>
+          </a:fontRef>
+        </p:style>
+      </p:cxnSp>
+      <p:cxnSp>
+        <p:nvCxnSpPr>
+          <p:cNvPr id="18" name="Conector recto de flecha 17">
+            <a:extLst>
+              <a:ext uri="{FF2B5EF4-FFF2-40B4-BE49-F238E27FC236}">
+                <a16:creationId xmlns:a16="http://schemas.microsoft.com/office/drawing/2014/main" id="{FDAF2699-ECB0-18CC-1327-0308CC899AB0}"/>
+              </a:ext>
+            </a:extLst>
+          </p:cNvPr>
+          <p:cNvCxnSpPr/>
+          <p:nvPr/>
+        </p:nvCxnSpPr>
         <p:spPr>
           <a:xfrm>
-            <a:off x="6144097" y="5605478"/>
-            <a:ext cx="1912131" cy="733506"/>
+            <a:off x="6080614" y="3622978"/>
+            <a:ext cx="0" cy="1254107"/>
+          </a:xfrm>
+          <a:prstGeom prst="straightConnector1">
+            <a:avLst/>
+          </a:prstGeom>
+          <a:ln>
+            <a:tailEnd type="triangle"/>
+          </a:ln>
+        </p:spPr>
+        <p:style>
+          <a:lnRef idx="1">
+            <a:schemeClr val="accent1"/>
+          </a:lnRef>
+          <a:fillRef idx="0">
+            <a:schemeClr val="accent1"/>
+          </a:fillRef>
+          <a:effectRef idx="0">
+            <a:schemeClr val="accent1"/>
+          </a:effectRef>
+          <a:fontRef idx="minor">
+            <a:schemeClr val="tx1"/>
+          </a:fontRef>
+        </p:style>
+      </p:cxnSp>
+      <p:cxnSp>
+        <p:nvCxnSpPr>
+          <p:cNvPr id="21" name="Conector recto de flecha 20">
+            <a:extLst>
+              <a:ext uri="{FF2B5EF4-FFF2-40B4-BE49-F238E27FC236}">
+                <a16:creationId xmlns:a16="http://schemas.microsoft.com/office/drawing/2014/main" id="{D45B4BA0-22D1-4828-4457-F50EC505C507}"/>
+              </a:ext>
+            </a:extLst>
+          </p:cNvPr>
+          <p:cNvCxnSpPr/>
+          <p:nvPr/>
+        </p:nvCxnSpPr>
+        <p:spPr>
+          <a:xfrm>
+            <a:off x="8536943" y="3009792"/>
+            <a:ext cx="564199" cy="117076"/>
+          </a:xfrm>
+          <a:prstGeom prst="straightConnector1">
+            <a:avLst/>
+          </a:prstGeom>
+          <a:ln>
+            <a:tailEnd type="triangle"/>
+          </a:ln>
+        </p:spPr>
+        <p:style>
+          <a:lnRef idx="1">
+            <a:schemeClr val="accent1"/>
+          </a:lnRef>
+          <a:fillRef idx="0">
+            <a:schemeClr val="accent1"/>
+          </a:fillRef>
+          <a:effectRef idx="0">
+            <a:schemeClr val="accent1"/>
+          </a:effectRef>
+          <a:fontRef idx="minor">
+            <a:schemeClr val="tx1"/>
+          </a:fontRef>
+        </p:style>
+      </p:cxnSp>
+    </p:spTree>
+    <p:extLst>
+      <p:ext uri="{BB962C8B-B14F-4D97-AF65-F5344CB8AC3E}">
+        <p14:creationId xmlns:p14="http://schemas.microsoft.com/office/powerpoint/2010/main" val="1453129276"/>
+      </p:ext>
+    </p:extLst>
+  </p:cSld>
+  <p:clrMapOvr>
+    <a:masterClrMapping/>
+  </p:clrMapOvr>
+</p:sld>
+</file>
+
+<file path=ppt/slides/slide9.xml><?xml version="1.0" encoding="utf-8"?>
+<p:sld xmlns:a="http://schemas.openxmlformats.org/drawingml/2006/main" xmlns:r="http://schemas.openxmlformats.org/officeDocument/2006/relationships" xmlns:p="http://schemas.openxmlformats.org/presentationml/2006/main">
+  <p:cSld>
+    <p:spTree>
+      <p:nvGrpSpPr>
+        <p:cNvPr id="1" name=""/>
+        <p:cNvGrpSpPr/>
+        <p:nvPr/>
+      </p:nvGrpSpPr>
+      <p:grpSpPr>
+        <a:xfrm>
+          <a:off x="0" y="0"/>
+          <a:ext cx="0" cy="0"/>
+          <a:chOff x="0" y="0"/>
+          <a:chExt cx="0" cy="0"/>
+        </a:xfrm>
+      </p:grpSpPr>
+      <p:sp>
+        <p:nvSpPr>
+          <p:cNvPr id="5" name="CuadroTexto 4">
+            <a:extLst>
+              <a:ext uri="{FF2B5EF4-FFF2-40B4-BE49-F238E27FC236}">
+                <a16:creationId xmlns:a16="http://schemas.microsoft.com/office/drawing/2014/main" id="{98029146-D78F-FA74-1EA1-F96D5FB0D66C}"/>
+              </a:ext>
+            </a:extLst>
+          </p:cNvPr>
+          <p:cNvSpPr txBox="1"/>
+          <p:nvPr/>
+        </p:nvSpPr>
+        <p:spPr>
+          <a:xfrm>
+            <a:off x="7979454" y="-1968417"/>
+            <a:ext cx="960519" cy="307777"/>
           </a:xfrm>
           <a:prstGeom prst="rect">
             <a:avLst/>
           </a:prstGeom>
+          <a:noFill/>
         </p:spPr>
-      </p:pic>
+        <p:txBody>
+          <a:bodyPr wrap="none" rtlCol="0">
+            <a:spAutoFit/>
+          </a:bodyPr>
+          <a:lstStyle/>
+          <a:p>
+            <a:r>
+              <a:rPr lang="es-ES" sz="1400">
+                <a:latin typeface="Lexend Medium" pitchFamily="2" charset="77"/>
+              </a:rPr>
+              <a:t>Flexibles</a:t>
+            </a:r>
+          </a:p>
+        </p:txBody>
+      </p:sp>
+      <p:sp>
+        <p:nvSpPr>
+          <p:cNvPr id="6" name="CuadroTexto 5">
+            <a:extLst>
+              <a:ext uri="{FF2B5EF4-FFF2-40B4-BE49-F238E27FC236}">
+                <a16:creationId xmlns:a16="http://schemas.microsoft.com/office/drawing/2014/main" id="{2FBF4510-8AC7-5716-228F-F9ADDD3348BE}"/>
+              </a:ext>
+            </a:extLst>
+          </p:cNvPr>
+          <p:cNvSpPr txBox="1"/>
+          <p:nvPr/>
+        </p:nvSpPr>
+        <p:spPr>
+          <a:xfrm>
+            <a:off x="7979454" y="-1306642"/>
+            <a:ext cx="1197764" cy="307777"/>
+          </a:xfrm>
+          <a:prstGeom prst="rect">
+            <a:avLst/>
+          </a:prstGeom>
+          <a:noFill/>
+        </p:spPr>
+        <p:txBody>
+          <a:bodyPr wrap="none" rtlCol="0">
+            <a:spAutoFit/>
+          </a:bodyPr>
+          <a:lstStyle/>
+          <a:p>
+            <a:r>
+              <a:rPr lang="es-ES" sz="1400">
+                <a:latin typeface="Lexend Medium" pitchFamily="2" charset="77"/>
+              </a:rPr>
+              <a:t>Adaptables</a:t>
+            </a:r>
+          </a:p>
+        </p:txBody>
+      </p:sp>
+      <p:sp>
+        <p:nvSpPr>
+          <p:cNvPr id="7" name="CuadroTexto 6">
+            <a:extLst>
+              <a:ext uri="{FF2B5EF4-FFF2-40B4-BE49-F238E27FC236}">
+                <a16:creationId xmlns:a16="http://schemas.microsoft.com/office/drawing/2014/main" id="{4D083F20-BA08-9BB3-E085-D18D83E6823A}"/>
+              </a:ext>
+            </a:extLst>
+          </p:cNvPr>
+          <p:cNvSpPr txBox="1"/>
+          <p:nvPr/>
+        </p:nvSpPr>
+        <p:spPr>
+          <a:xfrm>
+            <a:off x="10165557" y="-1882545"/>
+            <a:ext cx="1114408" cy="307777"/>
+          </a:xfrm>
+          <a:prstGeom prst="rect">
+            <a:avLst/>
+          </a:prstGeom>
+          <a:noFill/>
+        </p:spPr>
+        <p:txBody>
+          <a:bodyPr wrap="none" rtlCol="0">
+            <a:spAutoFit/>
+          </a:bodyPr>
+          <a:lstStyle/>
+          <a:p>
+            <a:r>
+              <a:rPr lang="es-ES" sz="1400">
+                <a:latin typeface="Lexend Medium" pitchFamily="2" charset="77"/>
+              </a:rPr>
+              <a:t>Escalables</a:t>
+            </a:r>
+          </a:p>
+        </p:txBody>
+      </p:sp>
+      <p:sp>
+        <p:nvSpPr>
+          <p:cNvPr id="8" name="CuadroTexto 7">
+            <a:extLst>
+              <a:ext uri="{FF2B5EF4-FFF2-40B4-BE49-F238E27FC236}">
+                <a16:creationId xmlns:a16="http://schemas.microsoft.com/office/drawing/2014/main" id="{BB090657-113D-D4E4-4CF4-D95CEFA2E1C5}"/>
+              </a:ext>
+            </a:extLst>
+          </p:cNvPr>
+          <p:cNvSpPr txBox="1"/>
+          <p:nvPr/>
+        </p:nvSpPr>
+        <p:spPr>
+          <a:xfrm>
+            <a:off x="10165557" y="-1254251"/>
+            <a:ext cx="1003801" cy="307777"/>
+          </a:xfrm>
+          <a:prstGeom prst="rect">
+            <a:avLst/>
+          </a:prstGeom>
+          <a:noFill/>
+        </p:spPr>
+        <p:txBody>
+          <a:bodyPr wrap="none" rtlCol="0">
+            <a:spAutoFit/>
+          </a:bodyPr>
+          <a:lstStyle/>
+          <a:p>
+            <a:r>
+              <a:rPr lang="es-ES" sz="1400">
+                <a:latin typeface="Lexend Medium" pitchFamily="2" charset="77"/>
+              </a:rPr>
+              <a:t>Robustos</a:t>
+            </a:r>
+          </a:p>
+        </p:txBody>
+      </p:sp>
+      <p:grpSp>
+        <p:nvGrpSpPr>
+          <p:cNvPr id="14" name="Grupo 13">
+            <a:extLst>
+              <a:ext uri="{FF2B5EF4-FFF2-40B4-BE49-F238E27FC236}">
+                <a16:creationId xmlns:a16="http://schemas.microsoft.com/office/drawing/2014/main" id="{8C67021A-696E-D0C6-A89E-9BD9267CACD2}"/>
+              </a:ext>
+            </a:extLst>
+          </p:cNvPr>
+          <p:cNvGrpSpPr/>
+          <p:nvPr/>
+        </p:nvGrpSpPr>
+        <p:grpSpPr>
+          <a:xfrm>
+            <a:off x="942680" y="-4681737"/>
+            <a:ext cx="5137934" cy="4170376"/>
+            <a:chOff x="3880339" y="2126063"/>
+            <a:chExt cx="5137934" cy="4170376"/>
+          </a:xfrm>
+        </p:grpSpPr>
+        <p:sp>
+          <p:nvSpPr>
+            <p:cNvPr id="15" name="CuadroTexto 14">
+              <a:extLst>
+                <a:ext uri="{FF2B5EF4-FFF2-40B4-BE49-F238E27FC236}">
+                  <a16:creationId xmlns:a16="http://schemas.microsoft.com/office/drawing/2014/main" id="{7C740263-92DC-BCEF-25C0-98BBEBAE6C37}"/>
+                </a:ext>
+              </a:extLst>
+            </p:cNvPr>
+            <p:cNvSpPr txBox="1"/>
+            <p:nvPr/>
+          </p:nvSpPr>
+          <p:spPr>
+            <a:xfrm>
+              <a:off x="4194207" y="2126063"/>
+              <a:ext cx="4297971" cy="461665"/>
+            </a:xfrm>
+            <a:prstGeom prst="rect">
+              <a:avLst/>
+            </a:prstGeom>
+            <a:noFill/>
+          </p:spPr>
+          <p:txBody>
+            <a:bodyPr wrap="none" rtlCol="0">
+              <a:spAutoFit/>
+            </a:bodyPr>
+            <a:lstStyle/>
+            <a:p>
+              <a:r>
+                <a:rPr lang="es-ES" sz="2400" b="1">
+                  <a:latin typeface="Lexend SemiBold" pitchFamily="2" charset="77"/>
+                </a:rPr>
+                <a:t>Nuestro decálogo de </a:t>
+              </a:r>
+              <a:r>
+                <a:rPr lang="es-ES" sz="2400" b="1">
+                  <a:solidFill>
+                    <a:schemeClr val="accent3"/>
+                  </a:solidFill>
+                  <a:latin typeface="Lexend SemiBold" pitchFamily="2" charset="77"/>
+                </a:rPr>
+                <a:t>valor</a:t>
+              </a:r>
+            </a:p>
+          </p:txBody>
+        </p:sp>
+        <p:sp>
+          <p:nvSpPr>
+            <p:cNvPr id="16" name="CuadroTexto 15">
+              <a:extLst>
+                <a:ext uri="{FF2B5EF4-FFF2-40B4-BE49-F238E27FC236}">
+                  <a16:creationId xmlns:a16="http://schemas.microsoft.com/office/drawing/2014/main" id="{74715BE1-BC7A-948A-9CC1-977D5E2EAF71}"/>
+                </a:ext>
+              </a:extLst>
+            </p:cNvPr>
+            <p:cNvSpPr txBox="1"/>
+            <p:nvPr/>
+          </p:nvSpPr>
+          <p:spPr>
+            <a:xfrm>
+              <a:off x="4276269" y="2686989"/>
+              <a:ext cx="4742004" cy="3609450"/>
+            </a:xfrm>
+            <a:prstGeom prst="rect">
+              <a:avLst/>
+            </a:prstGeom>
+            <a:noFill/>
+          </p:spPr>
+          <p:txBody>
+            <a:bodyPr wrap="none" rtlCol="0">
+              <a:spAutoFit/>
+            </a:bodyPr>
+            <a:lstStyle/>
+            <a:p>
+              <a:pPr marL="285750" indent="-285750">
+                <a:lnSpc>
+                  <a:spcPct val="150000"/>
+                </a:lnSpc>
+                <a:buFont typeface="Wingdings" pitchFamily="2" charset="2"/>
+                <a:buChar char="Ø"/>
+              </a:pPr>
+              <a:r>
+                <a:rPr lang="es-ES" sz="1400">
+                  <a:latin typeface="Lexend ExtraLight" pitchFamily="2" charset="77"/>
+                </a:rPr>
+                <a:t>Arquitecturas limpias</a:t>
+              </a:r>
+            </a:p>
+            <a:p>
+              <a:pPr marL="285750" indent="-285750">
+                <a:lnSpc>
+                  <a:spcPct val="150000"/>
+                </a:lnSpc>
+                <a:buFont typeface="Wingdings" pitchFamily="2" charset="2"/>
+                <a:buChar char="Ø"/>
+              </a:pPr>
+              <a:r>
+                <a:rPr lang="es-ES" sz="1400">
+                  <a:latin typeface="Lexend ExtraLight" pitchFamily="2" charset="77"/>
+                </a:rPr>
+                <a:t>Arquitecturas monolíticas</a:t>
+              </a:r>
+            </a:p>
+            <a:p>
+              <a:pPr marL="285750" indent="-285750">
+                <a:lnSpc>
+                  <a:spcPct val="150000"/>
+                </a:lnSpc>
+                <a:buFont typeface="Wingdings" pitchFamily="2" charset="2"/>
+                <a:buChar char="Ø"/>
+              </a:pPr>
+              <a:r>
+                <a:rPr lang="es-ES" sz="1400">
+                  <a:latin typeface="Lexend ExtraLight" pitchFamily="2" charset="77"/>
+                </a:rPr>
+                <a:t>Arquitecturas distribuidas</a:t>
+              </a:r>
+            </a:p>
+            <a:p>
+              <a:pPr marL="285750" indent="-285750">
+                <a:lnSpc>
+                  <a:spcPct val="150000"/>
+                </a:lnSpc>
+                <a:buFont typeface="Wingdings" pitchFamily="2" charset="2"/>
+                <a:buChar char="Ø"/>
+              </a:pPr>
+              <a:r>
+                <a:rPr lang="es-ES" sz="1400">
+                  <a:latin typeface="Lexend ExtraLight" pitchFamily="2" charset="77"/>
+                </a:rPr>
+                <a:t>Arquitecturas de Microservicios</a:t>
+              </a:r>
+            </a:p>
+            <a:p>
+              <a:pPr marL="285750" indent="-285750">
+                <a:lnSpc>
+                  <a:spcPct val="150000"/>
+                </a:lnSpc>
+                <a:buFont typeface="Wingdings" pitchFamily="2" charset="2"/>
+                <a:buChar char="Ø"/>
+              </a:pPr>
+              <a:r>
+                <a:rPr lang="es-ES" sz="1400">
+                  <a:latin typeface="Lexend ExtraLight" pitchFamily="2" charset="77"/>
+                </a:rPr>
+                <a:t>Service Mesh</a:t>
+              </a:r>
+            </a:p>
+            <a:p>
+              <a:pPr marL="285750" indent="-285750">
+                <a:lnSpc>
+                  <a:spcPct val="150000"/>
+                </a:lnSpc>
+                <a:buFont typeface="Wingdings" pitchFamily="2" charset="2"/>
+                <a:buChar char="Ø"/>
+              </a:pPr>
+              <a:r>
+                <a:rPr lang="es-ES" sz="1400">
+                  <a:latin typeface="Lexend ExtraLight" pitchFamily="2" charset="77"/>
+                </a:rPr>
+                <a:t>Arquitecturas orientadas a Eventos</a:t>
+              </a:r>
+            </a:p>
+            <a:p>
+              <a:pPr marL="285750" indent="-285750">
+                <a:lnSpc>
+                  <a:spcPct val="150000"/>
+                </a:lnSpc>
+                <a:buFont typeface="Wingdings" pitchFamily="2" charset="2"/>
+                <a:buChar char="Ø"/>
+              </a:pPr>
+              <a:r>
+                <a:rPr lang="es-ES" sz="1400">
+                  <a:latin typeface="Lexend ExtraLight" pitchFamily="2" charset="77"/>
+                </a:rPr>
+                <a:t>Brokers y plataformas de streaming</a:t>
+              </a:r>
+            </a:p>
+            <a:p>
+              <a:pPr marL="285750" indent="-285750">
+                <a:lnSpc>
+                  <a:spcPct val="150000"/>
+                </a:lnSpc>
+                <a:buFont typeface="Wingdings" pitchFamily="2" charset="2"/>
+                <a:buChar char="Ø"/>
+              </a:pPr>
+              <a:r>
+                <a:rPr lang="es-ES" sz="1400">
+                  <a:latin typeface="Lexend ExtraLight" pitchFamily="2" charset="77"/>
+                </a:rPr>
+                <a:t>Microfrontales y Servicios BFF</a:t>
+              </a:r>
+            </a:p>
+            <a:p>
+              <a:pPr marL="285750" indent="-285750">
+                <a:lnSpc>
+                  <a:spcPct val="150000"/>
+                </a:lnSpc>
+                <a:buFont typeface="Wingdings" pitchFamily="2" charset="2"/>
+                <a:buChar char="Ø"/>
+              </a:pPr>
+              <a:r>
+                <a:rPr lang="es-ES" sz="1400">
+                  <a:latin typeface="Lexend ExtraLight" pitchFamily="2" charset="77"/>
+                </a:rPr>
+                <a:t>Arquitecturas inteligentes y analítica avanzada</a:t>
+              </a:r>
+            </a:p>
+            <a:p>
+              <a:pPr marL="285750" indent="-285750">
+                <a:lnSpc>
+                  <a:spcPct val="150000"/>
+                </a:lnSpc>
+                <a:buFont typeface="Wingdings" pitchFamily="2" charset="2"/>
+                <a:buChar char="Ø"/>
+              </a:pPr>
+              <a:r>
+                <a:rPr lang="es-ES" sz="1400">
+                  <a:latin typeface="Lexend ExtraLight" pitchFamily="2" charset="77"/>
+                </a:rPr>
+                <a:t>Arquitecturas híbridas</a:t>
+              </a:r>
+            </a:p>
+            <a:p>
+              <a:pPr>
+                <a:lnSpc>
+                  <a:spcPct val="150000"/>
+                </a:lnSpc>
+              </a:pPr>
+              <a:r>
+                <a:rPr lang="es-ES" sz="1400">
+                  <a:latin typeface="Lexend ExtraLight" pitchFamily="2" charset="77"/>
+                </a:rPr>
+                <a:t>      (Cloud | OnPrem | MiltiCloud | Native)</a:t>
+              </a:r>
+            </a:p>
+          </p:txBody>
+        </p:sp>
+        <p:pic>
+          <p:nvPicPr>
+            <p:cNvPr id="17" name="Gráfico 16" descr="Reproducir con relleno sólido">
+              <a:extLst>
+                <a:ext uri="{FF2B5EF4-FFF2-40B4-BE49-F238E27FC236}">
+                  <a16:creationId xmlns:a16="http://schemas.microsoft.com/office/drawing/2014/main" id="{B2F0241D-7758-39E2-6257-F5AF62F3B29F}"/>
+                </a:ext>
+              </a:extLst>
+            </p:cNvPr>
+            <p:cNvPicPr>
+              <a:picLocks noChangeAspect="1"/>
+            </p:cNvPicPr>
+            <p:nvPr/>
+          </p:nvPicPr>
+          <p:blipFill>
+            <a:blip r:embed="rId3" cstate="screen">
+              <a:extLst>
+                <a:ext uri="{28A0092B-C50C-407E-A947-70E740481C1C}">
+                  <a14:useLocalDpi xmlns:a14="http://schemas.microsoft.com/office/drawing/2010/main"/>
+                </a:ext>
+                <a:ext uri="{96DAC541-7B7A-43D3-8B79-37D633B846F1}">
+                  <asvg:svgBlip xmlns:asvg="http://schemas.microsoft.com/office/drawing/2016/SVG/main" r:embed="rId4"/>
+                </a:ext>
+              </a:extLst>
+            </a:blip>
+            <a:stretch>
+              <a:fillRect/>
+            </a:stretch>
+          </p:blipFill>
+          <p:spPr>
+            <a:xfrm>
+              <a:off x="3880339" y="2212673"/>
+              <a:ext cx="313868" cy="313868"/>
+            </a:xfrm>
+            <a:prstGeom prst="rect">
+              <a:avLst/>
+            </a:prstGeom>
+          </p:spPr>
+        </p:pic>
+      </p:grpSp>
+      <p:sp>
+        <p:nvSpPr>
+          <p:cNvPr id="26" name="CuadroTexto 25">
+            <a:extLst>
+              <a:ext uri="{FF2B5EF4-FFF2-40B4-BE49-F238E27FC236}">
+                <a16:creationId xmlns:a16="http://schemas.microsoft.com/office/drawing/2014/main" id="{A352DC4F-475A-5412-93D6-E03A41E120E2}"/>
+              </a:ext>
+            </a:extLst>
+          </p:cNvPr>
+          <p:cNvSpPr txBox="1"/>
+          <p:nvPr/>
+        </p:nvSpPr>
+        <p:spPr>
+          <a:xfrm>
+            <a:off x="778702" y="931079"/>
+            <a:ext cx="4549643" cy="307777"/>
+          </a:xfrm>
+          <a:prstGeom prst="rect">
+            <a:avLst/>
+          </a:prstGeom>
+          <a:noFill/>
+        </p:spPr>
+        <p:txBody>
+          <a:bodyPr wrap="none" rtlCol="0">
+            <a:spAutoFit/>
+          </a:bodyPr>
+          <a:lstStyle/>
+          <a:p>
+            <a:r>
+              <a:rPr lang="es-ES" sz="1400" dirty="0">
+                <a:solidFill>
+                  <a:schemeClr val="accent1"/>
+                </a:solidFill>
+                <a:latin typeface="Barlow" pitchFamily="2" charset="77"/>
+              </a:rPr>
+              <a:t>Cómo gestionar la seguridad en arquitecturas sin estado</a:t>
+            </a:r>
+          </a:p>
+        </p:txBody>
+      </p:sp>
+      <p:sp>
+        <p:nvSpPr>
+          <p:cNvPr id="27" name="CuadroTexto 26">
+            <a:extLst>
+              <a:ext uri="{FF2B5EF4-FFF2-40B4-BE49-F238E27FC236}">
+                <a16:creationId xmlns:a16="http://schemas.microsoft.com/office/drawing/2014/main" id="{5014834D-A02F-7459-D6D1-234AE12EFF15}"/>
+              </a:ext>
+            </a:extLst>
+          </p:cNvPr>
+          <p:cNvSpPr txBox="1"/>
+          <p:nvPr/>
+        </p:nvSpPr>
+        <p:spPr>
+          <a:xfrm>
+            <a:off x="769177" y="460596"/>
+            <a:ext cx="2752677" cy="523220"/>
+          </a:xfrm>
+          <a:prstGeom prst="rect">
+            <a:avLst/>
+          </a:prstGeom>
+          <a:noFill/>
+        </p:spPr>
+        <p:txBody>
+          <a:bodyPr wrap="none" rtlCol="0">
+            <a:spAutoFit/>
+          </a:bodyPr>
+          <a:lstStyle/>
+          <a:p>
+            <a:r>
+              <a:rPr lang="es-ES" sz="2800" b="1" dirty="0">
+                <a:solidFill>
+                  <a:schemeClr val="accent1"/>
+                </a:solidFill>
+                <a:latin typeface="Barlow" pitchFamily="2" charset="77"/>
+              </a:rPr>
+              <a:t>Seguridad: </a:t>
+            </a:r>
+            <a:r>
+              <a:rPr lang="es-ES" sz="2800" b="1" dirty="0">
+                <a:solidFill>
+                  <a:schemeClr val="accent6"/>
+                </a:solidFill>
+                <a:latin typeface="Barlow" pitchFamily="2" charset="77"/>
+              </a:rPr>
+              <a:t>JWT</a:t>
+            </a:r>
+          </a:p>
+        </p:txBody>
+      </p:sp>
     </p:spTree>
     <p:extLst>
       <p:ext uri="{BB962C8B-B14F-4D97-AF65-F5344CB8AC3E}">
-        <p14:creationId xmlns:p14="http://schemas.microsoft.com/office/powerpoint/2010/main" val="4156459272"/>
+        <p14:creationId xmlns:p14="http://schemas.microsoft.com/office/powerpoint/2010/main" val="2116782364"/>
       </p:ext>
     </p:extLst>
   </p:cSld>

--- a/AXPE_FRONT_TallerUSAL_.pptx
+++ b/AXPE_FRONT_TallerUSAL_.pptx
@@ -5,7 +5,7 @@
     <p:sldMasterId id="2147483648" r:id="rId4"/>
   </p:sldMasterIdLst>
   <p:notesMasterIdLst>
-    <p:notesMasterId r:id="rId23"/>
+    <p:notesMasterId r:id="rId16"/>
   </p:notesMasterIdLst>
   <p:sldIdLst>
     <p:sldId id="256" r:id="rId5"/>
@@ -16,16 +16,9 @@
     <p:sldId id="369" r:id="rId10"/>
     <p:sldId id="386" r:id="rId11"/>
     <p:sldId id="439" r:id="rId12"/>
-    <p:sldId id="440" r:id="rId13"/>
-    <p:sldId id="430" r:id="rId14"/>
-    <p:sldId id="437" r:id="rId15"/>
-    <p:sldId id="431" r:id="rId16"/>
-    <p:sldId id="438" r:id="rId17"/>
-    <p:sldId id="432" r:id="rId18"/>
-    <p:sldId id="435" r:id="rId19"/>
-    <p:sldId id="433" r:id="rId20"/>
-    <p:sldId id="436" r:id="rId21"/>
-    <p:sldId id="311" r:id="rId22"/>
+    <p:sldId id="430" r:id="rId13"/>
+    <p:sldId id="437" r:id="rId14"/>
+    <p:sldId id="311" r:id="rId15"/>
   </p:sldIdLst>
   <p:sldSz cx="12192000" cy="6858000"/>
   <p:notesSz cx="6858000" cy="9144000"/>
@@ -226,7 +219,7 @@
           <a:p>
             <a:fld id="{B6DE7779-352D-4266-B34C-E3568CFA9023}" type="datetimeFigureOut">
               <a:rPr lang="es-ES" smtClean="0"/>
-              <a:t>6/3/24</a:t>
+              <a:t>7/3/24</a:t>
             </a:fld>
             <a:endParaRPr lang="es-ES"/>
           </a:p>
@@ -621,7 +614,50 @@
           <a:bodyPr/>
           <a:lstStyle/>
           <a:p>
-            <a:endParaRPr lang="es-ES"/>
+            <a:r>
+              <a:rPr lang="es-ES" dirty="0"/>
+              <a:t>Librería se comporta como </a:t>
+            </a:r>
+            <a:r>
+              <a:rPr lang="es-ES" dirty="0" err="1"/>
+              <a:t>framework</a:t>
+            </a:r>
+            <a:endParaRPr lang="es-ES" dirty="0"/>
+          </a:p>
+          <a:p>
+            <a:r>
+              <a:rPr lang="es-ES" dirty="0"/>
+              <a:t>De ella salen otros </a:t>
+            </a:r>
+            <a:r>
+              <a:rPr lang="es-ES" dirty="0" err="1"/>
+              <a:t>frameworks</a:t>
+            </a:r>
+            <a:endParaRPr lang="es-ES" dirty="0"/>
+          </a:p>
+          <a:p>
+            <a:r>
+              <a:rPr lang="es-ES" dirty="0"/>
+              <a:t>Útil por el gran control que deja al programador</a:t>
+            </a:r>
+          </a:p>
+          <a:p>
+            <a:r>
+              <a:rPr lang="es-ES" dirty="0"/>
+              <a:t>Y por la gran cantidad de proyectos y librerías que tiene</a:t>
+            </a:r>
+          </a:p>
+          <a:p>
+            <a:r>
+              <a:rPr lang="es-ES" dirty="0"/>
+              <a:t>Virtual DOM</a:t>
+            </a:r>
+          </a:p>
+          <a:p>
+            <a:r>
+              <a:rPr lang="es-ES" dirty="0"/>
+              <a:t>JS por lo que puede usarse junto a otras arquitecturas (NO es compilado -&gt; en 2024 si)</a:t>
+            </a:r>
           </a:p>
         </p:txBody>
       </p:sp>
@@ -651,7 +687,7 @@
     </p:spTree>
     <p:extLst>
       <p:ext uri="{BB962C8B-B14F-4D97-AF65-F5344CB8AC3E}">
-        <p14:creationId xmlns:p14="http://schemas.microsoft.com/office/powerpoint/2010/main" val="109919088"/>
+        <p14:creationId xmlns:p14="http://schemas.microsoft.com/office/powerpoint/2010/main" val="1300334912"/>
       </p:ext>
     </p:extLst>
   </p:cSld>
@@ -727,594 +763,6 @@
             <a:fld id="{CDD52475-3746-48F0-8777-1146C5DC1AAC}" type="slidenum">
               <a:rPr lang="es-ES" smtClean="0"/>
               <a:t>11</a:t>
-            </a:fld>
-            <a:endParaRPr lang="es-ES"/>
-          </a:p>
-        </p:txBody>
-      </p:sp>
-    </p:spTree>
-    <p:extLst>
-      <p:ext uri="{BB962C8B-B14F-4D97-AF65-F5344CB8AC3E}">
-        <p14:creationId xmlns:p14="http://schemas.microsoft.com/office/powerpoint/2010/main" val="1300334912"/>
-      </p:ext>
-    </p:extLst>
-  </p:cSld>
-  <p:clrMapOvr>
-    <a:masterClrMapping/>
-  </p:clrMapOvr>
-</p:notes>
-</file>
-
-<file path=ppt/notesSlides/notesSlide12.xml><?xml version="1.0" encoding="utf-8"?>
-<p:notes xmlns:a="http://schemas.openxmlformats.org/drawingml/2006/main" xmlns:r="http://schemas.openxmlformats.org/officeDocument/2006/relationships" xmlns:p="http://schemas.openxmlformats.org/presentationml/2006/main">
-  <p:cSld>
-    <p:spTree>
-      <p:nvGrpSpPr>
-        <p:cNvPr id="1" name=""/>
-        <p:cNvGrpSpPr/>
-        <p:nvPr/>
-      </p:nvGrpSpPr>
-      <p:grpSpPr>
-        <a:xfrm>
-          <a:off x="0" y="0"/>
-          <a:ext cx="0" cy="0"/>
-          <a:chOff x="0" y="0"/>
-          <a:chExt cx="0" cy="0"/>
-        </a:xfrm>
-      </p:grpSpPr>
-      <p:sp>
-        <p:nvSpPr>
-          <p:cNvPr id="2" name="Marcador de imagen de diapositiva 1"/>
-          <p:cNvSpPr>
-            <a:spLocks noGrp="1" noRot="1" noChangeAspect="1"/>
-          </p:cNvSpPr>
-          <p:nvPr>
-            <p:ph type="sldImg"/>
-          </p:nvPr>
-        </p:nvSpPr>
-        <p:spPr/>
-      </p:sp>
-      <p:sp>
-        <p:nvSpPr>
-          <p:cNvPr id="3" name="Marcador de notas 2"/>
-          <p:cNvSpPr>
-            <a:spLocks noGrp="1"/>
-          </p:cNvSpPr>
-          <p:nvPr>
-            <p:ph type="body" idx="1"/>
-          </p:nvPr>
-        </p:nvSpPr>
-        <p:spPr/>
-        <p:txBody>
-          <a:bodyPr/>
-          <a:lstStyle/>
-          <a:p>
-            <a:endParaRPr lang="es-ES"/>
-          </a:p>
-        </p:txBody>
-      </p:sp>
-      <p:sp>
-        <p:nvSpPr>
-          <p:cNvPr id="4" name="Marcador de número de diapositiva 3"/>
-          <p:cNvSpPr>
-            <a:spLocks noGrp="1"/>
-          </p:cNvSpPr>
-          <p:nvPr>
-            <p:ph type="sldNum" sz="quarter" idx="5"/>
-          </p:nvPr>
-        </p:nvSpPr>
-        <p:spPr/>
-        <p:txBody>
-          <a:bodyPr/>
-          <a:lstStyle/>
-          <a:p>
-            <a:fld id="{CDD52475-3746-48F0-8777-1146C5DC1AAC}" type="slidenum">
-              <a:rPr lang="es-ES" smtClean="0"/>
-              <a:t>12</a:t>
-            </a:fld>
-            <a:endParaRPr lang="es-ES"/>
-          </a:p>
-        </p:txBody>
-      </p:sp>
-    </p:spTree>
-    <p:extLst>
-      <p:ext uri="{BB962C8B-B14F-4D97-AF65-F5344CB8AC3E}">
-        <p14:creationId xmlns:p14="http://schemas.microsoft.com/office/powerpoint/2010/main" val="3146253095"/>
-      </p:ext>
-    </p:extLst>
-  </p:cSld>
-  <p:clrMapOvr>
-    <a:masterClrMapping/>
-  </p:clrMapOvr>
-</p:notes>
-</file>
-
-<file path=ppt/notesSlides/notesSlide13.xml><?xml version="1.0" encoding="utf-8"?>
-<p:notes xmlns:a="http://schemas.openxmlformats.org/drawingml/2006/main" xmlns:r="http://schemas.openxmlformats.org/officeDocument/2006/relationships" xmlns:p="http://schemas.openxmlformats.org/presentationml/2006/main">
-  <p:cSld>
-    <p:spTree>
-      <p:nvGrpSpPr>
-        <p:cNvPr id="1" name=""/>
-        <p:cNvGrpSpPr/>
-        <p:nvPr/>
-      </p:nvGrpSpPr>
-      <p:grpSpPr>
-        <a:xfrm>
-          <a:off x="0" y="0"/>
-          <a:ext cx="0" cy="0"/>
-          <a:chOff x="0" y="0"/>
-          <a:chExt cx="0" cy="0"/>
-        </a:xfrm>
-      </p:grpSpPr>
-      <p:sp>
-        <p:nvSpPr>
-          <p:cNvPr id="2" name="Marcador de imagen de diapositiva 1"/>
-          <p:cNvSpPr>
-            <a:spLocks noGrp="1" noRot="1" noChangeAspect="1"/>
-          </p:cNvSpPr>
-          <p:nvPr>
-            <p:ph type="sldImg"/>
-          </p:nvPr>
-        </p:nvSpPr>
-        <p:spPr/>
-      </p:sp>
-      <p:sp>
-        <p:nvSpPr>
-          <p:cNvPr id="3" name="Marcador de notas 2"/>
-          <p:cNvSpPr>
-            <a:spLocks noGrp="1"/>
-          </p:cNvSpPr>
-          <p:nvPr>
-            <p:ph type="body" idx="1"/>
-          </p:nvPr>
-        </p:nvSpPr>
-        <p:spPr/>
-        <p:txBody>
-          <a:bodyPr/>
-          <a:lstStyle/>
-          <a:p>
-            <a:endParaRPr lang="es-ES"/>
-          </a:p>
-        </p:txBody>
-      </p:sp>
-      <p:sp>
-        <p:nvSpPr>
-          <p:cNvPr id="4" name="Marcador de número de diapositiva 3"/>
-          <p:cNvSpPr>
-            <a:spLocks noGrp="1"/>
-          </p:cNvSpPr>
-          <p:nvPr>
-            <p:ph type="sldNum" sz="quarter" idx="5"/>
-          </p:nvPr>
-        </p:nvSpPr>
-        <p:spPr/>
-        <p:txBody>
-          <a:bodyPr/>
-          <a:lstStyle/>
-          <a:p>
-            <a:fld id="{CDD52475-3746-48F0-8777-1146C5DC1AAC}" type="slidenum">
-              <a:rPr lang="es-ES" smtClean="0"/>
-              <a:t>13</a:t>
-            </a:fld>
-            <a:endParaRPr lang="es-ES"/>
-          </a:p>
-        </p:txBody>
-      </p:sp>
-    </p:spTree>
-    <p:extLst>
-      <p:ext uri="{BB962C8B-B14F-4D97-AF65-F5344CB8AC3E}">
-        <p14:creationId xmlns:p14="http://schemas.microsoft.com/office/powerpoint/2010/main" val="1579590632"/>
-      </p:ext>
-    </p:extLst>
-  </p:cSld>
-  <p:clrMapOvr>
-    <a:masterClrMapping/>
-  </p:clrMapOvr>
-</p:notes>
-</file>
-
-<file path=ppt/notesSlides/notesSlide14.xml><?xml version="1.0" encoding="utf-8"?>
-<p:notes xmlns:a="http://schemas.openxmlformats.org/drawingml/2006/main" xmlns:r="http://schemas.openxmlformats.org/officeDocument/2006/relationships" xmlns:p="http://schemas.openxmlformats.org/presentationml/2006/main">
-  <p:cSld>
-    <p:spTree>
-      <p:nvGrpSpPr>
-        <p:cNvPr id="1" name=""/>
-        <p:cNvGrpSpPr/>
-        <p:nvPr/>
-      </p:nvGrpSpPr>
-      <p:grpSpPr>
-        <a:xfrm>
-          <a:off x="0" y="0"/>
-          <a:ext cx="0" cy="0"/>
-          <a:chOff x="0" y="0"/>
-          <a:chExt cx="0" cy="0"/>
-        </a:xfrm>
-      </p:grpSpPr>
-      <p:sp>
-        <p:nvSpPr>
-          <p:cNvPr id="2" name="Marcador de imagen de diapositiva 1"/>
-          <p:cNvSpPr>
-            <a:spLocks noGrp="1" noRot="1" noChangeAspect="1"/>
-          </p:cNvSpPr>
-          <p:nvPr>
-            <p:ph type="sldImg"/>
-          </p:nvPr>
-        </p:nvSpPr>
-        <p:spPr/>
-      </p:sp>
-      <p:sp>
-        <p:nvSpPr>
-          <p:cNvPr id="3" name="Marcador de notas 2"/>
-          <p:cNvSpPr>
-            <a:spLocks noGrp="1"/>
-          </p:cNvSpPr>
-          <p:nvPr>
-            <p:ph type="body" idx="1"/>
-          </p:nvPr>
-        </p:nvSpPr>
-        <p:spPr/>
-        <p:txBody>
-          <a:bodyPr/>
-          <a:lstStyle/>
-          <a:p>
-            <a:endParaRPr lang="es-ES"/>
-          </a:p>
-        </p:txBody>
-      </p:sp>
-      <p:sp>
-        <p:nvSpPr>
-          <p:cNvPr id="4" name="Marcador de número de diapositiva 3"/>
-          <p:cNvSpPr>
-            <a:spLocks noGrp="1"/>
-          </p:cNvSpPr>
-          <p:nvPr>
-            <p:ph type="sldNum" sz="quarter" idx="5"/>
-          </p:nvPr>
-        </p:nvSpPr>
-        <p:spPr/>
-        <p:txBody>
-          <a:bodyPr/>
-          <a:lstStyle/>
-          <a:p>
-            <a:fld id="{CDD52475-3746-48F0-8777-1146C5DC1AAC}" type="slidenum">
-              <a:rPr lang="es-ES" smtClean="0"/>
-              <a:t>14</a:t>
-            </a:fld>
-            <a:endParaRPr lang="es-ES"/>
-          </a:p>
-        </p:txBody>
-      </p:sp>
-    </p:spTree>
-    <p:extLst>
-      <p:ext uri="{BB962C8B-B14F-4D97-AF65-F5344CB8AC3E}">
-        <p14:creationId xmlns:p14="http://schemas.microsoft.com/office/powerpoint/2010/main" val="3535494824"/>
-      </p:ext>
-    </p:extLst>
-  </p:cSld>
-  <p:clrMapOvr>
-    <a:masterClrMapping/>
-  </p:clrMapOvr>
-</p:notes>
-</file>
-
-<file path=ppt/notesSlides/notesSlide15.xml><?xml version="1.0" encoding="utf-8"?>
-<p:notes xmlns:a="http://schemas.openxmlformats.org/drawingml/2006/main" xmlns:r="http://schemas.openxmlformats.org/officeDocument/2006/relationships" xmlns:p="http://schemas.openxmlformats.org/presentationml/2006/main">
-  <p:cSld>
-    <p:spTree>
-      <p:nvGrpSpPr>
-        <p:cNvPr id="1" name=""/>
-        <p:cNvGrpSpPr/>
-        <p:nvPr/>
-      </p:nvGrpSpPr>
-      <p:grpSpPr>
-        <a:xfrm>
-          <a:off x="0" y="0"/>
-          <a:ext cx="0" cy="0"/>
-          <a:chOff x="0" y="0"/>
-          <a:chExt cx="0" cy="0"/>
-        </a:xfrm>
-      </p:grpSpPr>
-      <p:sp>
-        <p:nvSpPr>
-          <p:cNvPr id="2" name="Marcador de imagen de diapositiva 1"/>
-          <p:cNvSpPr>
-            <a:spLocks noGrp="1" noRot="1" noChangeAspect="1"/>
-          </p:cNvSpPr>
-          <p:nvPr>
-            <p:ph type="sldImg"/>
-          </p:nvPr>
-        </p:nvSpPr>
-        <p:spPr/>
-      </p:sp>
-      <p:sp>
-        <p:nvSpPr>
-          <p:cNvPr id="3" name="Marcador de notas 2"/>
-          <p:cNvSpPr>
-            <a:spLocks noGrp="1"/>
-          </p:cNvSpPr>
-          <p:nvPr>
-            <p:ph type="body" idx="1"/>
-          </p:nvPr>
-        </p:nvSpPr>
-        <p:spPr/>
-        <p:txBody>
-          <a:bodyPr/>
-          <a:lstStyle/>
-          <a:p>
-            <a:endParaRPr lang="es-ES"/>
-          </a:p>
-        </p:txBody>
-      </p:sp>
-      <p:sp>
-        <p:nvSpPr>
-          <p:cNvPr id="4" name="Marcador de número de diapositiva 3"/>
-          <p:cNvSpPr>
-            <a:spLocks noGrp="1"/>
-          </p:cNvSpPr>
-          <p:nvPr>
-            <p:ph type="sldNum" sz="quarter" idx="5"/>
-          </p:nvPr>
-        </p:nvSpPr>
-        <p:spPr/>
-        <p:txBody>
-          <a:bodyPr/>
-          <a:lstStyle/>
-          <a:p>
-            <a:fld id="{CDD52475-3746-48F0-8777-1146C5DC1AAC}" type="slidenum">
-              <a:rPr lang="es-ES" smtClean="0"/>
-              <a:t>15</a:t>
-            </a:fld>
-            <a:endParaRPr lang="es-ES"/>
-          </a:p>
-        </p:txBody>
-      </p:sp>
-    </p:spTree>
-    <p:extLst>
-      <p:ext uri="{BB962C8B-B14F-4D97-AF65-F5344CB8AC3E}">
-        <p14:creationId xmlns:p14="http://schemas.microsoft.com/office/powerpoint/2010/main" val="1588792978"/>
-      </p:ext>
-    </p:extLst>
-  </p:cSld>
-  <p:clrMapOvr>
-    <a:masterClrMapping/>
-  </p:clrMapOvr>
-</p:notes>
-</file>
-
-<file path=ppt/notesSlides/notesSlide16.xml><?xml version="1.0" encoding="utf-8"?>
-<p:notes xmlns:a="http://schemas.openxmlformats.org/drawingml/2006/main" xmlns:r="http://schemas.openxmlformats.org/officeDocument/2006/relationships" xmlns:p="http://schemas.openxmlformats.org/presentationml/2006/main">
-  <p:cSld>
-    <p:spTree>
-      <p:nvGrpSpPr>
-        <p:cNvPr id="1" name=""/>
-        <p:cNvGrpSpPr/>
-        <p:nvPr/>
-      </p:nvGrpSpPr>
-      <p:grpSpPr>
-        <a:xfrm>
-          <a:off x="0" y="0"/>
-          <a:ext cx="0" cy="0"/>
-          <a:chOff x="0" y="0"/>
-          <a:chExt cx="0" cy="0"/>
-        </a:xfrm>
-      </p:grpSpPr>
-      <p:sp>
-        <p:nvSpPr>
-          <p:cNvPr id="2" name="Marcador de imagen de diapositiva 1"/>
-          <p:cNvSpPr>
-            <a:spLocks noGrp="1" noRot="1" noChangeAspect="1"/>
-          </p:cNvSpPr>
-          <p:nvPr>
-            <p:ph type="sldImg"/>
-          </p:nvPr>
-        </p:nvSpPr>
-        <p:spPr/>
-      </p:sp>
-      <p:sp>
-        <p:nvSpPr>
-          <p:cNvPr id="3" name="Marcador de notas 2"/>
-          <p:cNvSpPr>
-            <a:spLocks noGrp="1"/>
-          </p:cNvSpPr>
-          <p:nvPr>
-            <p:ph type="body" idx="1"/>
-          </p:nvPr>
-        </p:nvSpPr>
-        <p:spPr/>
-        <p:txBody>
-          <a:bodyPr/>
-          <a:lstStyle/>
-          <a:p>
-            <a:endParaRPr lang="es-ES"/>
-          </a:p>
-        </p:txBody>
-      </p:sp>
-      <p:sp>
-        <p:nvSpPr>
-          <p:cNvPr id="4" name="Marcador de número de diapositiva 3"/>
-          <p:cNvSpPr>
-            <a:spLocks noGrp="1"/>
-          </p:cNvSpPr>
-          <p:nvPr>
-            <p:ph type="sldNum" sz="quarter" idx="5"/>
-          </p:nvPr>
-        </p:nvSpPr>
-        <p:spPr/>
-        <p:txBody>
-          <a:bodyPr/>
-          <a:lstStyle/>
-          <a:p>
-            <a:fld id="{CDD52475-3746-48F0-8777-1146C5DC1AAC}" type="slidenum">
-              <a:rPr lang="es-ES" smtClean="0"/>
-              <a:t>16</a:t>
-            </a:fld>
-            <a:endParaRPr lang="es-ES"/>
-          </a:p>
-        </p:txBody>
-      </p:sp>
-    </p:spTree>
-    <p:extLst>
-      <p:ext uri="{BB962C8B-B14F-4D97-AF65-F5344CB8AC3E}">
-        <p14:creationId xmlns:p14="http://schemas.microsoft.com/office/powerpoint/2010/main" val="1727806511"/>
-      </p:ext>
-    </p:extLst>
-  </p:cSld>
-  <p:clrMapOvr>
-    <a:masterClrMapping/>
-  </p:clrMapOvr>
-</p:notes>
-</file>
-
-<file path=ppt/notesSlides/notesSlide17.xml><?xml version="1.0" encoding="utf-8"?>
-<p:notes xmlns:a="http://schemas.openxmlformats.org/drawingml/2006/main" xmlns:r="http://schemas.openxmlformats.org/officeDocument/2006/relationships" xmlns:p="http://schemas.openxmlformats.org/presentationml/2006/main">
-  <p:cSld>
-    <p:spTree>
-      <p:nvGrpSpPr>
-        <p:cNvPr id="1" name=""/>
-        <p:cNvGrpSpPr/>
-        <p:nvPr/>
-      </p:nvGrpSpPr>
-      <p:grpSpPr>
-        <a:xfrm>
-          <a:off x="0" y="0"/>
-          <a:ext cx="0" cy="0"/>
-          <a:chOff x="0" y="0"/>
-          <a:chExt cx="0" cy="0"/>
-        </a:xfrm>
-      </p:grpSpPr>
-      <p:sp>
-        <p:nvSpPr>
-          <p:cNvPr id="2" name="Marcador de imagen de diapositiva 1"/>
-          <p:cNvSpPr>
-            <a:spLocks noGrp="1" noRot="1" noChangeAspect="1"/>
-          </p:cNvSpPr>
-          <p:nvPr>
-            <p:ph type="sldImg"/>
-          </p:nvPr>
-        </p:nvSpPr>
-        <p:spPr/>
-      </p:sp>
-      <p:sp>
-        <p:nvSpPr>
-          <p:cNvPr id="3" name="Marcador de notas 2"/>
-          <p:cNvSpPr>
-            <a:spLocks noGrp="1"/>
-          </p:cNvSpPr>
-          <p:nvPr>
-            <p:ph type="body" idx="1"/>
-          </p:nvPr>
-        </p:nvSpPr>
-        <p:spPr/>
-        <p:txBody>
-          <a:bodyPr/>
-          <a:lstStyle/>
-          <a:p>
-            <a:endParaRPr lang="es-ES"/>
-          </a:p>
-        </p:txBody>
-      </p:sp>
-      <p:sp>
-        <p:nvSpPr>
-          <p:cNvPr id="4" name="Marcador de número de diapositiva 3"/>
-          <p:cNvSpPr>
-            <a:spLocks noGrp="1"/>
-          </p:cNvSpPr>
-          <p:nvPr>
-            <p:ph type="sldNum" sz="quarter" idx="5"/>
-          </p:nvPr>
-        </p:nvSpPr>
-        <p:spPr/>
-        <p:txBody>
-          <a:bodyPr/>
-          <a:lstStyle/>
-          <a:p>
-            <a:fld id="{CDD52475-3746-48F0-8777-1146C5DC1AAC}" type="slidenum">
-              <a:rPr lang="es-ES" smtClean="0"/>
-              <a:t>17</a:t>
-            </a:fld>
-            <a:endParaRPr lang="es-ES"/>
-          </a:p>
-        </p:txBody>
-      </p:sp>
-    </p:spTree>
-    <p:extLst>
-      <p:ext uri="{BB962C8B-B14F-4D97-AF65-F5344CB8AC3E}">
-        <p14:creationId xmlns:p14="http://schemas.microsoft.com/office/powerpoint/2010/main" val="2327188088"/>
-      </p:ext>
-    </p:extLst>
-  </p:cSld>
-  <p:clrMapOvr>
-    <a:masterClrMapping/>
-  </p:clrMapOvr>
-</p:notes>
-</file>
-
-<file path=ppt/notesSlides/notesSlide18.xml><?xml version="1.0" encoding="utf-8"?>
-<p:notes xmlns:a="http://schemas.openxmlformats.org/drawingml/2006/main" xmlns:r="http://schemas.openxmlformats.org/officeDocument/2006/relationships" xmlns:p="http://schemas.openxmlformats.org/presentationml/2006/main">
-  <p:cSld>
-    <p:spTree>
-      <p:nvGrpSpPr>
-        <p:cNvPr id="1" name=""/>
-        <p:cNvGrpSpPr/>
-        <p:nvPr/>
-      </p:nvGrpSpPr>
-      <p:grpSpPr>
-        <a:xfrm>
-          <a:off x="0" y="0"/>
-          <a:ext cx="0" cy="0"/>
-          <a:chOff x="0" y="0"/>
-          <a:chExt cx="0" cy="0"/>
-        </a:xfrm>
-      </p:grpSpPr>
-      <p:sp>
-        <p:nvSpPr>
-          <p:cNvPr id="2" name="Marcador de imagen de diapositiva 1"/>
-          <p:cNvSpPr>
-            <a:spLocks noGrp="1" noRot="1" noChangeAspect="1"/>
-          </p:cNvSpPr>
-          <p:nvPr>
-            <p:ph type="sldImg"/>
-          </p:nvPr>
-        </p:nvSpPr>
-        <p:spPr/>
-      </p:sp>
-      <p:sp>
-        <p:nvSpPr>
-          <p:cNvPr id="3" name="Marcador de notas 2"/>
-          <p:cNvSpPr>
-            <a:spLocks noGrp="1"/>
-          </p:cNvSpPr>
-          <p:nvPr>
-            <p:ph type="body" idx="1"/>
-          </p:nvPr>
-        </p:nvSpPr>
-        <p:spPr/>
-        <p:txBody>
-          <a:bodyPr/>
-          <a:lstStyle/>
-          <a:p>
-            <a:endParaRPr lang="es-ES"/>
-          </a:p>
-        </p:txBody>
-      </p:sp>
-      <p:sp>
-        <p:nvSpPr>
-          <p:cNvPr id="4" name="Marcador de número de diapositiva 3"/>
-          <p:cNvSpPr>
-            <a:spLocks noGrp="1"/>
-          </p:cNvSpPr>
-          <p:nvPr>
-            <p:ph type="sldNum" sz="quarter" idx="5"/>
-          </p:nvPr>
-        </p:nvSpPr>
-        <p:spPr/>
-        <p:txBody>
-          <a:bodyPr/>
-          <a:lstStyle/>
-          <a:p>
-            <a:fld id="{CDD52475-3746-48F0-8777-1146C5DC1AAC}" type="slidenum">
-              <a:rPr lang="es-ES" smtClean="0"/>
-              <a:t>18</a:t>
             </a:fld>
             <a:endParaRPr lang="es-ES"/>
           </a:p>
@@ -2023,27 +1471,7 @@
           <a:bodyPr/>
           <a:lstStyle/>
           <a:p>
-            <a:r>
-              <a:rPr lang="es-ES" dirty="0"/>
-              <a:t>Transición de una lógica en servidor a mucha responsabilidad en clientes</a:t>
-            </a:r>
-          </a:p>
-          <a:p>
-            <a:r>
-              <a:rPr lang="es-ES" dirty="0"/>
-              <a:t>UI </a:t>
-            </a:r>
-            <a:r>
-              <a:rPr lang="es-ES" dirty="0" err="1"/>
-              <a:t>Hydration</a:t>
-            </a:r>
-            <a:endParaRPr lang="es-ES" dirty="0"/>
-          </a:p>
-          <a:p>
-            <a:r>
-              <a:rPr lang="es-ES" dirty="0"/>
-              <a:t>Ahora de vuelta al servidor con Next</a:t>
-            </a:r>
+            <a:endParaRPr lang="es-ES"/>
           </a:p>
         </p:txBody>
       </p:sp>
@@ -2073,7 +1501,7 @@
     </p:spTree>
     <p:extLst>
       <p:ext uri="{BB962C8B-B14F-4D97-AF65-F5344CB8AC3E}">
-        <p14:creationId xmlns:p14="http://schemas.microsoft.com/office/powerpoint/2010/main" val="3665288725"/>
+        <p14:creationId xmlns:p14="http://schemas.microsoft.com/office/powerpoint/2010/main" val="109919088"/>
       </p:ext>
     </p:extLst>
   </p:cSld>
@@ -2230,7 +1658,7 @@
           <a:p>
             <a:fld id="{80A585E9-3F29-6D4E-ACD6-665777B2053A}" type="datetimeFigureOut">
               <a:rPr lang="es-ES" smtClean="0"/>
-              <a:t>6/3/24</a:t>
+              <a:t>7/3/24</a:t>
             </a:fld>
             <a:endParaRPr lang="es-ES"/>
           </a:p>
@@ -2428,7 +1856,7 @@
           <a:p>
             <a:fld id="{80A585E9-3F29-6D4E-ACD6-665777B2053A}" type="datetimeFigureOut">
               <a:rPr lang="es-ES" smtClean="0"/>
-              <a:t>6/3/24</a:t>
+              <a:t>7/3/24</a:t>
             </a:fld>
             <a:endParaRPr lang="es-ES"/>
           </a:p>
@@ -2636,7 +2064,7 @@
           <a:p>
             <a:fld id="{80A585E9-3F29-6D4E-ACD6-665777B2053A}" type="datetimeFigureOut">
               <a:rPr lang="es-ES" smtClean="0"/>
-              <a:t>6/3/24</a:t>
+              <a:t>7/3/24</a:t>
             </a:fld>
             <a:endParaRPr lang="es-ES"/>
           </a:p>
@@ -2834,7 +2262,7 @@
           <a:p>
             <a:fld id="{80A585E9-3F29-6D4E-ACD6-665777B2053A}" type="datetimeFigureOut">
               <a:rPr lang="es-ES" smtClean="0"/>
-              <a:t>6/3/24</a:t>
+              <a:t>7/3/24</a:t>
             </a:fld>
             <a:endParaRPr lang="es-ES"/>
           </a:p>
@@ -3109,7 +2537,7 @@
           <a:p>
             <a:fld id="{80A585E9-3F29-6D4E-ACD6-665777B2053A}" type="datetimeFigureOut">
               <a:rPr lang="es-ES" smtClean="0"/>
-              <a:t>6/3/24</a:t>
+              <a:t>7/3/24</a:t>
             </a:fld>
             <a:endParaRPr lang="es-ES"/>
           </a:p>
@@ -3374,7 +2802,7 @@
           <a:p>
             <a:fld id="{80A585E9-3F29-6D4E-ACD6-665777B2053A}" type="datetimeFigureOut">
               <a:rPr lang="es-ES" smtClean="0"/>
-              <a:t>6/3/24</a:t>
+              <a:t>7/3/24</a:t>
             </a:fld>
             <a:endParaRPr lang="es-ES"/>
           </a:p>
@@ -3786,7 +3214,7 @@
           <a:p>
             <a:fld id="{80A585E9-3F29-6D4E-ACD6-665777B2053A}" type="datetimeFigureOut">
               <a:rPr lang="es-ES" smtClean="0"/>
-              <a:t>6/3/24</a:t>
+              <a:t>7/3/24</a:t>
             </a:fld>
             <a:endParaRPr lang="es-ES"/>
           </a:p>
@@ -3927,7 +3355,7 @@
           <a:p>
             <a:fld id="{80A585E9-3F29-6D4E-ACD6-665777B2053A}" type="datetimeFigureOut">
               <a:rPr lang="es-ES" smtClean="0"/>
-              <a:t>6/3/24</a:t>
+              <a:t>7/3/24</a:t>
             </a:fld>
             <a:endParaRPr lang="es-ES"/>
           </a:p>
@@ -4040,7 +3468,7 @@
           <a:p>
             <a:fld id="{80A585E9-3F29-6D4E-ACD6-665777B2053A}" type="datetimeFigureOut">
               <a:rPr lang="es-ES" smtClean="0"/>
-              <a:t>6/3/24</a:t>
+              <a:t>7/3/24</a:t>
             </a:fld>
             <a:endParaRPr lang="es-ES"/>
           </a:p>
@@ -4351,7 +3779,7 @@
           <a:p>
             <a:fld id="{80A585E9-3F29-6D4E-ACD6-665777B2053A}" type="datetimeFigureOut">
               <a:rPr lang="es-ES" smtClean="0"/>
-              <a:t>6/3/24</a:t>
+              <a:t>7/3/24</a:t>
             </a:fld>
             <a:endParaRPr lang="es-ES"/>
           </a:p>
@@ -4639,7 +4067,7 @@
           <a:p>
             <a:fld id="{80A585E9-3F29-6D4E-ACD6-665777B2053A}" type="datetimeFigureOut">
               <a:rPr lang="es-ES" smtClean="0"/>
-              <a:t>6/3/24</a:t>
+              <a:t>7/3/24</a:t>
             </a:fld>
             <a:endParaRPr lang="es-ES"/>
           </a:p>
@@ -4880,7 +4308,7 @@
           <a:p>
             <a:fld id="{80A585E9-3F29-6D4E-ACD6-665777B2053A}" type="datetimeFigureOut">
               <a:rPr lang="es-ES" smtClean="0"/>
-              <a:t>6/3/24</a:t>
+              <a:t>7/3/24</a:t>
             </a:fld>
             <a:endParaRPr lang="es-ES"/>
           </a:p>
@@ -5981,604 +5409,6 @@
   <p:cSld>
     <p:spTree>
       <p:nvGrpSpPr>
-        <p:cNvPr id="1" name="">
-          <a:extLst>
-            <a:ext uri="{FF2B5EF4-FFF2-40B4-BE49-F238E27FC236}">
-              <a16:creationId xmlns:a16="http://schemas.microsoft.com/office/drawing/2014/main" id="{99F6C7D6-48E3-7CD2-5C9E-540A0A187AD2}"/>
-            </a:ext>
-          </a:extLst>
-        </p:cNvPr>
-        <p:cNvGrpSpPr/>
-        <p:nvPr/>
-      </p:nvGrpSpPr>
-      <p:grpSpPr>
-        <a:xfrm>
-          <a:off x="0" y="0"/>
-          <a:ext cx="0" cy="0"/>
-          <a:chOff x="0" y="0"/>
-          <a:chExt cx="0" cy="0"/>
-        </a:xfrm>
-      </p:grpSpPr>
-      <p:grpSp>
-        <p:nvGrpSpPr>
-          <p:cNvPr id="2" name="Grupo 1">
-            <a:extLst>
-              <a:ext uri="{FF2B5EF4-FFF2-40B4-BE49-F238E27FC236}">
-                <a16:creationId xmlns:a16="http://schemas.microsoft.com/office/drawing/2014/main" id="{3FB0D076-BDE7-CA9D-7159-CA17A94454C3}"/>
-              </a:ext>
-            </a:extLst>
-          </p:cNvPr>
-          <p:cNvGrpSpPr/>
-          <p:nvPr/>
-        </p:nvGrpSpPr>
-        <p:grpSpPr>
-          <a:xfrm>
-            <a:off x="4773411" y="2509730"/>
-            <a:ext cx="7250481" cy="4066382"/>
-            <a:chOff x="4885152" y="1912521"/>
-            <a:chExt cx="7250481" cy="4066382"/>
-          </a:xfrm>
-        </p:grpSpPr>
-        <p:sp>
-          <p:nvSpPr>
-            <p:cNvPr id="4" name="Hexágono 3">
-              <a:extLst>
-                <a:ext uri="{FF2B5EF4-FFF2-40B4-BE49-F238E27FC236}">
-                  <a16:creationId xmlns:a16="http://schemas.microsoft.com/office/drawing/2014/main" id="{1B0AEED3-2F26-F6F1-046D-7978F10A7406}"/>
-                </a:ext>
-              </a:extLst>
-            </p:cNvPr>
-            <p:cNvSpPr/>
-            <p:nvPr/>
-          </p:nvSpPr>
-          <p:spPr>
-            <a:xfrm>
-              <a:off x="7352778" y="2154476"/>
-              <a:ext cx="2630465" cy="2267642"/>
-            </a:xfrm>
-            <a:prstGeom prst="hexagon">
-              <a:avLst/>
-            </a:prstGeom>
-            <a:blipFill>
-              <a:blip r:embed="rId3" cstate="screen">
-                <a:extLst>
-                  <a:ext uri="{28A0092B-C50C-407E-A947-70E740481C1C}">
-                    <a14:useLocalDpi xmlns:a14="http://schemas.microsoft.com/office/drawing/2010/main"/>
-                  </a:ext>
-                </a:extLst>
-              </a:blip>
-              <a:stretch>
-                <a:fillRect/>
-              </a:stretch>
-            </a:blipFill>
-            <a:ln>
-              <a:noFill/>
-            </a:ln>
-          </p:spPr>
-          <p:style>
-            <a:lnRef idx="2">
-              <a:schemeClr val="accent1">
-                <a:shade val="15000"/>
-              </a:schemeClr>
-            </a:lnRef>
-            <a:fillRef idx="1">
-              <a:schemeClr val="accent1"/>
-            </a:fillRef>
-            <a:effectRef idx="0">
-              <a:schemeClr val="accent1"/>
-            </a:effectRef>
-            <a:fontRef idx="minor">
-              <a:schemeClr val="lt1"/>
-            </a:fontRef>
-          </p:style>
-          <p:txBody>
-            <a:bodyPr rtlCol="0" anchor="ctr"/>
-            <a:lstStyle/>
-            <a:p>
-              <a:pPr algn="ctr"/>
-              <a:endParaRPr lang="es-ES"/>
-            </a:p>
-          </p:txBody>
-        </p:sp>
-        <p:sp>
-          <p:nvSpPr>
-            <p:cNvPr id="5" name="Hexágono 4">
-              <a:extLst>
-                <a:ext uri="{FF2B5EF4-FFF2-40B4-BE49-F238E27FC236}">
-                  <a16:creationId xmlns:a16="http://schemas.microsoft.com/office/drawing/2014/main" id="{C2D40C21-8A49-1058-9158-3BACD3C974FD}"/>
-                </a:ext>
-              </a:extLst>
-            </p:cNvPr>
-            <p:cNvSpPr/>
-            <p:nvPr/>
-          </p:nvSpPr>
-          <p:spPr>
-            <a:xfrm>
-              <a:off x="5200388" y="3338401"/>
-              <a:ext cx="2630465" cy="2267642"/>
-            </a:xfrm>
-            <a:prstGeom prst="hexagon">
-              <a:avLst/>
-            </a:prstGeom>
-            <a:blipFill>
-              <a:blip r:embed="rId4" cstate="screen">
-                <a:extLst>
-                  <a:ext uri="{28A0092B-C50C-407E-A947-70E740481C1C}">
-                    <a14:useLocalDpi xmlns:a14="http://schemas.microsoft.com/office/drawing/2010/main"/>
-                  </a:ext>
-                </a:extLst>
-              </a:blip>
-              <a:stretch>
-                <a:fillRect/>
-              </a:stretch>
-            </a:blipFill>
-            <a:ln>
-              <a:noFill/>
-            </a:ln>
-          </p:spPr>
-          <p:style>
-            <a:lnRef idx="2">
-              <a:schemeClr val="accent1">
-                <a:shade val="15000"/>
-              </a:schemeClr>
-            </a:lnRef>
-            <a:fillRef idx="1">
-              <a:schemeClr val="accent1"/>
-            </a:fillRef>
-            <a:effectRef idx="0">
-              <a:schemeClr val="accent1"/>
-            </a:effectRef>
-            <a:fontRef idx="minor">
-              <a:schemeClr val="lt1"/>
-            </a:fontRef>
-          </p:style>
-          <p:txBody>
-            <a:bodyPr rtlCol="0" anchor="ctr"/>
-            <a:lstStyle/>
-            <a:p>
-              <a:pPr algn="ctr"/>
-              <a:endParaRPr lang="es-ES"/>
-            </a:p>
-          </p:txBody>
-        </p:sp>
-        <p:sp>
-          <p:nvSpPr>
-            <p:cNvPr id="6" name="Hexágono 5">
-              <a:extLst>
-                <a:ext uri="{FF2B5EF4-FFF2-40B4-BE49-F238E27FC236}">
-                  <a16:creationId xmlns:a16="http://schemas.microsoft.com/office/drawing/2014/main" id="{7886ACDC-BAE0-7322-4285-106FAA115F39}"/>
-                </a:ext>
-              </a:extLst>
-            </p:cNvPr>
-            <p:cNvSpPr/>
-            <p:nvPr/>
-          </p:nvSpPr>
-          <p:spPr>
-            <a:xfrm>
-              <a:off x="9505168" y="3338401"/>
-              <a:ext cx="2630465" cy="2267642"/>
-            </a:xfrm>
-            <a:prstGeom prst="hexagon">
-              <a:avLst/>
-            </a:prstGeom>
-            <a:blipFill>
-              <a:blip r:embed="rId5" cstate="screen">
-                <a:extLst>
-                  <a:ext uri="{28A0092B-C50C-407E-A947-70E740481C1C}">
-                    <a14:useLocalDpi xmlns:a14="http://schemas.microsoft.com/office/drawing/2010/main"/>
-                  </a:ext>
-                </a:extLst>
-              </a:blip>
-              <a:stretch>
-                <a:fillRect/>
-              </a:stretch>
-            </a:blipFill>
-            <a:ln>
-              <a:noFill/>
-            </a:ln>
-          </p:spPr>
-          <p:style>
-            <a:lnRef idx="2">
-              <a:schemeClr val="accent1">
-                <a:shade val="15000"/>
-              </a:schemeClr>
-            </a:lnRef>
-            <a:fillRef idx="1">
-              <a:schemeClr val="accent1"/>
-            </a:fillRef>
-            <a:effectRef idx="0">
-              <a:schemeClr val="accent1"/>
-            </a:effectRef>
-            <a:fontRef idx="minor">
-              <a:schemeClr val="lt1"/>
-            </a:fontRef>
-          </p:style>
-          <p:txBody>
-            <a:bodyPr rtlCol="0" anchor="ctr"/>
-            <a:lstStyle/>
-            <a:p>
-              <a:pPr algn="ctr"/>
-              <a:endParaRPr lang="es-ES"/>
-            </a:p>
-          </p:txBody>
-        </p:sp>
-        <p:sp>
-          <p:nvSpPr>
-            <p:cNvPr id="7" name="Hexágono 6">
-              <a:extLst>
-                <a:ext uri="{FF2B5EF4-FFF2-40B4-BE49-F238E27FC236}">
-                  <a16:creationId xmlns:a16="http://schemas.microsoft.com/office/drawing/2014/main" id="{A5640031-399E-7E42-3D45-A3A5CEC098A9}"/>
-                </a:ext>
-              </a:extLst>
-            </p:cNvPr>
-            <p:cNvSpPr/>
-            <p:nvPr/>
-          </p:nvSpPr>
-          <p:spPr>
-            <a:xfrm>
-              <a:off x="7830853" y="1912521"/>
-              <a:ext cx="2630465" cy="2267642"/>
-            </a:xfrm>
-            <a:prstGeom prst="hexagon">
-              <a:avLst/>
-            </a:prstGeom>
-            <a:noFill/>
-            <a:ln w="28575">
-              <a:solidFill>
-                <a:schemeClr val="accent5"/>
-              </a:solidFill>
-            </a:ln>
-          </p:spPr>
-          <p:style>
-            <a:lnRef idx="2">
-              <a:schemeClr val="accent2"/>
-            </a:lnRef>
-            <a:fillRef idx="1">
-              <a:schemeClr val="lt1"/>
-            </a:fillRef>
-            <a:effectRef idx="0">
-              <a:schemeClr val="accent2"/>
-            </a:effectRef>
-            <a:fontRef idx="minor">
-              <a:schemeClr val="dk1"/>
-            </a:fontRef>
-          </p:style>
-          <p:txBody>
-            <a:bodyPr rtlCol="0" anchor="ctr"/>
-            <a:lstStyle/>
-            <a:p>
-              <a:pPr algn="ctr"/>
-              <a:endParaRPr lang="es-ES">
-                <a:solidFill>
-                  <a:schemeClr val="accent4"/>
-                </a:solidFill>
-              </a:endParaRPr>
-            </a:p>
-          </p:txBody>
-        </p:sp>
-        <p:sp>
-          <p:nvSpPr>
-            <p:cNvPr id="8" name="Hexágono 7">
-              <a:extLst>
-                <a:ext uri="{FF2B5EF4-FFF2-40B4-BE49-F238E27FC236}">
-                  <a16:creationId xmlns:a16="http://schemas.microsoft.com/office/drawing/2014/main" id="{77EFF2E6-59C7-F5B8-5C7A-7408A0C566AA}"/>
-                </a:ext>
-              </a:extLst>
-            </p:cNvPr>
-            <p:cNvSpPr/>
-            <p:nvPr/>
-          </p:nvSpPr>
-          <p:spPr>
-            <a:xfrm>
-              <a:off x="4885152" y="3618149"/>
-              <a:ext cx="2630465" cy="2267642"/>
-            </a:xfrm>
-            <a:prstGeom prst="hexagon">
-              <a:avLst/>
-            </a:prstGeom>
-            <a:noFill/>
-            <a:ln w="28575">
-              <a:solidFill>
-                <a:schemeClr val="accent5"/>
-              </a:solidFill>
-            </a:ln>
-          </p:spPr>
-          <p:style>
-            <a:lnRef idx="2">
-              <a:schemeClr val="accent2"/>
-            </a:lnRef>
-            <a:fillRef idx="1">
-              <a:schemeClr val="lt1"/>
-            </a:fillRef>
-            <a:effectRef idx="0">
-              <a:schemeClr val="accent2"/>
-            </a:effectRef>
-            <a:fontRef idx="minor">
-              <a:schemeClr val="dk1"/>
-            </a:fontRef>
-          </p:style>
-          <p:txBody>
-            <a:bodyPr rtlCol="0" anchor="ctr"/>
-            <a:lstStyle/>
-            <a:p>
-              <a:pPr algn="ctr"/>
-              <a:endParaRPr lang="es-ES">
-                <a:solidFill>
-                  <a:schemeClr val="accent4"/>
-                </a:solidFill>
-              </a:endParaRPr>
-            </a:p>
-          </p:txBody>
-        </p:sp>
-        <p:sp>
-          <p:nvSpPr>
-            <p:cNvPr id="12" name="Hexágono 11">
-              <a:extLst>
-                <a:ext uri="{FF2B5EF4-FFF2-40B4-BE49-F238E27FC236}">
-                  <a16:creationId xmlns:a16="http://schemas.microsoft.com/office/drawing/2014/main" id="{7455C750-1128-AA37-0677-6ADF09F5B47B}"/>
-                </a:ext>
-              </a:extLst>
-            </p:cNvPr>
-            <p:cNvSpPr/>
-            <p:nvPr/>
-          </p:nvSpPr>
-          <p:spPr>
-            <a:xfrm>
-              <a:off x="6515620" y="2295732"/>
-              <a:ext cx="216021" cy="186225"/>
-            </a:xfrm>
-            <a:prstGeom prst="hexagon">
-              <a:avLst/>
-            </a:prstGeom>
-            <a:noFill/>
-            <a:ln w="19050">
-              <a:solidFill>
-                <a:schemeClr val="bg2">
-                  <a:lumMod val="90000"/>
-                </a:schemeClr>
-              </a:solidFill>
-            </a:ln>
-          </p:spPr>
-          <p:style>
-            <a:lnRef idx="2">
-              <a:schemeClr val="accent1">
-                <a:shade val="15000"/>
-              </a:schemeClr>
-            </a:lnRef>
-            <a:fillRef idx="1">
-              <a:schemeClr val="accent1"/>
-            </a:fillRef>
-            <a:effectRef idx="0">
-              <a:schemeClr val="accent1"/>
-            </a:effectRef>
-            <a:fontRef idx="minor">
-              <a:schemeClr val="lt1"/>
-            </a:fontRef>
-          </p:style>
-          <p:txBody>
-            <a:bodyPr rtlCol="0" anchor="ctr"/>
-            <a:lstStyle/>
-            <a:p>
-              <a:pPr algn="ctr"/>
-              <a:endParaRPr lang="es-ES" b="1" i="0">
-                <a:latin typeface="Lexend SemiBold" pitchFamily="2" charset="77"/>
-              </a:endParaRPr>
-            </a:p>
-          </p:txBody>
-        </p:sp>
-        <p:sp>
-          <p:nvSpPr>
-            <p:cNvPr id="13" name="Hexágono 12">
-              <a:extLst>
-                <a:ext uri="{FF2B5EF4-FFF2-40B4-BE49-F238E27FC236}">
-                  <a16:creationId xmlns:a16="http://schemas.microsoft.com/office/drawing/2014/main" id="{327F64D6-C536-DF35-7A5F-8BA771579AEE}"/>
-                </a:ext>
-              </a:extLst>
-            </p:cNvPr>
-            <p:cNvSpPr/>
-            <p:nvPr/>
-          </p:nvSpPr>
-          <p:spPr>
-            <a:xfrm>
-              <a:off x="9146085" y="5792678"/>
-              <a:ext cx="216021" cy="186225"/>
-            </a:xfrm>
-            <a:prstGeom prst="hexagon">
-              <a:avLst/>
-            </a:prstGeom>
-            <a:noFill/>
-            <a:ln w="19050">
-              <a:solidFill>
-                <a:schemeClr val="bg2">
-                  <a:lumMod val="90000"/>
-                </a:schemeClr>
-              </a:solidFill>
-            </a:ln>
-          </p:spPr>
-          <p:style>
-            <a:lnRef idx="2">
-              <a:schemeClr val="accent1">
-                <a:shade val="15000"/>
-              </a:schemeClr>
-            </a:lnRef>
-            <a:fillRef idx="1">
-              <a:schemeClr val="accent1"/>
-            </a:fillRef>
-            <a:effectRef idx="0">
-              <a:schemeClr val="accent1"/>
-            </a:effectRef>
-            <a:fontRef idx="minor">
-              <a:schemeClr val="lt1"/>
-            </a:fontRef>
-          </p:style>
-          <p:txBody>
-            <a:bodyPr rtlCol="0" anchor="ctr"/>
-            <a:lstStyle/>
-            <a:p>
-              <a:pPr algn="ctr"/>
-              <a:endParaRPr lang="es-ES" b="1" i="0">
-                <a:latin typeface="Lexend SemiBold" pitchFamily="2" charset="77"/>
-              </a:endParaRPr>
-            </a:p>
-          </p:txBody>
-        </p:sp>
-      </p:grpSp>
-      <p:sp>
-        <p:nvSpPr>
-          <p:cNvPr id="3" name="CuadroTexto 2">
-            <a:extLst>
-              <a:ext uri="{FF2B5EF4-FFF2-40B4-BE49-F238E27FC236}">
-                <a16:creationId xmlns:a16="http://schemas.microsoft.com/office/drawing/2014/main" id="{532C5669-E0F5-7DE6-AB44-F54914B273D0}"/>
-              </a:ext>
-            </a:extLst>
-          </p:cNvPr>
-          <p:cNvSpPr txBox="1"/>
-          <p:nvPr/>
-        </p:nvSpPr>
-        <p:spPr>
-          <a:xfrm>
-            <a:off x="3223890" y="3184612"/>
-            <a:ext cx="639919" cy="584775"/>
-          </a:xfrm>
-          <a:prstGeom prst="rect">
-            <a:avLst/>
-          </a:prstGeom>
-          <a:noFill/>
-        </p:spPr>
-        <p:txBody>
-          <a:bodyPr wrap="none" rtlCol="0">
-            <a:spAutoFit/>
-          </a:bodyPr>
-          <a:lstStyle/>
-          <a:p>
-            <a:r>
-              <a:rPr lang="es-ES" sz="3200" b="1" dirty="0">
-                <a:solidFill>
-                  <a:schemeClr val="accent6"/>
-                </a:solidFill>
-                <a:latin typeface="Barlow" pitchFamily="2" charset="77"/>
-              </a:rPr>
-              <a:t>03</a:t>
-            </a:r>
-          </a:p>
-        </p:txBody>
-      </p:sp>
-      <p:sp>
-        <p:nvSpPr>
-          <p:cNvPr id="11" name="CuadroTexto 10">
-            <a:extLst>
-              <a:ext uri="{FF2B5EF4-FFF2-40B4-BE49-F238E27FC236}">
-                <a16:creationId xmlns:a16="http://schemas.microsoft.com/office/drawing/2014/main" id="{46B71E81-B0DF-CD3D-71AC-57B1A40D3F23}"/>
-              </a:ext>
-            </a:extLst>
-          </p:cNvPr>
-          <p:cNvSpPr txBox="1"/>
-          <p:nvPr/>
-        </p:nvSpPr>
-        <p:spPr>
-          <a:xfrm>
-            <a:off x="1656846" y="1995243"/>
-            <a:ext cx="3772404" cy="1200329"/>
-          </a:xfrm>
-          <a:prstGeom prst="rect">
-            <a:avLst/>
-          </a:prstGeom>
-          <a:noFill/>
-        </p:spPr>
-        <p:txBody>
-          <a:bodyPr wrap="square" rtlCol="0">
-            <a:spAutoFit/>
-          </a:bodyPr>
-          <a:lstStyle/>
-          <a:p>
-            <a:r>
-              <a:rPr lang="es-ES" sz="2400" dirty="0">
-                <a:solidFill>
-                  <a:srgbClr val="4D4D4D"/>
-                </a:solidFill>
-                <a:latin typeface="Barlow Medium" pitchFamily="2" charset="77"/>
-              </a:rPr>
-              <a:t>Cómo actúan librerías y frameworks en este proceso</a:t>
-            </a:r>
-          </a:p>
-        </p:txBody>
-      </p:sp>
-      <p:sp>
-        <p:nvSpPr>
-          <p:cNvPr id="14" name="CuadroTexto 13">
-            <a:extLst>
-              <a:ext uri="{FF2B5EF4-FFF2-40B4-BE49-F238E27FC236}">
-                <a16:creationId xmlns:a16="http://schemas.microsoft.com/office/drawing/2014/main" id="{E5299A54-3C09-BB94-D112-7A6105564A8F}"/>
-              </a:ext>
-            </a:extLst>
-          </p:cNvPr>
-          <p:cNvSpPr txBox="1"/>
-          <p:nvPr/>
-        </p:nvSpPr>
-        <p:spPr>
-          <a:xfrm>
-            <a:off x="1565405" y="945249"/>
-            <a:ext cx="9356421" cy="1015663"/>
-          </a:xfrm>
-          <a:prstGeom prst="rect">
-            <a:avLst/>
-          </a:prstGeom>
-          <a:noFill/>
-        </p:spPr>
-        <p:txBody>
-          <a:bodyPr wrap="square" rtlCol="0">
-            <a:spAutoFit/>
-          </a:bodyPr>
-          <a:lstStyle/>
-          <a:p>
-            <a:r>
-              <a:rPr lang="es-ES" sz="6000" b="1" dirty="0">
-                <a:solidFill>
-                  <a:schemeClr val="accent1"/>
-                </a:solidFill>
-                <a:latin typeface="Sama Devanagari" panose="020F0603040507060303" pitchFamily="34" charset="0"/>
-                <a:cs typeface="Sama Devanagari" panose="020F0603040507060303" pitchFamily="34" charset="0"/>
-              </a:rPr>
-              <a:t>Papel de </a:t>
-            </a:r>
-            <a:r>
-              <a:rPr lang="es-ES" sz="6000" b="1" dirty="0" err="1">
-                <a:solidFill>
-                  <a:schemeClr val="accent6"/>
-                </a:solidFill>
-                <a:latin typeface="Sama Devanagari" panose="020F0603040507060303" pitchFamily="34" charset="0"/>
-                <a:cs typeface="Sama Devanagari" panose="020F0603040507060303" pitchFamily="34" charset="0"/>
-              </a:rPr>
-              <a:t>React</a:t>
-            </a:r>
-            <a:endParaRPr lang="es-ES" sz="6000" b="1" dirty="0">
-              <a:solidFill>
-                <a:schemeClr val="accent6"/>
-              </a:solidFill>
-              <a:latin typeface="Sama Devanagari" panose="020F0603040507060303" pitchFamily="34" charset="0"/>
-              <a:cs typeface="Sama Devanagari" panose="020F0603040507060303" pitchFamily="34" charset="0"/>
-            </a:endParaRPr>
-          </a:p>
-        </p:txBody>
-      </p:sp>
-    </p:spTree>
-    <p:extLst>
-      <p:ext uri="{BB962C8B-B14F-4D97-AF65-F5344CB8AC3E}">
-        <p14:creationId xmlns:p14="http://schemas.microsoft.com/office/powerpoint/2010/main" val="3171664539"/>
-      </p:ext>
-    </p:extLst>
-  </p:cSld>
-  <p:clrMapOvr>
-    <a:masterClrMapping/>
-  </p:clrMapOvr>
-</p:sld>
-</file>
-
-<file path=ppt/slides/slide11.xml><?xml version="1.0" encoding="utf-8"?>
-<p:sld xmlns:a="http://schemas.openxmlformats.org/drawingml/2006/main" xmlns:r="http://schemas.openxmlformats.org/officeDocument/2006/relationships" xmlns:p="http://schemas.openxmlformats.org/presentationml/2006/main">
-  <p:cSld>
-    <p:spTree>
-      <p:nvGrpSpPr>
         <p:cNvPr id="1" name=""/>
         <p:cNvGrpSpPr/>
         <p:nvPr/>
@@ -6591,60 +5421,6 @@
           <a:chExt cx="0" cy="0"/>
         </a:xfrm>
       </p:grpSpPr>
-      <p:sp>
-        <p:nvSpPr>
-          <p:cNvPr id="29" name="Rectángulo 28">
-            <a:extLst>
-              <a:ext uri="{FF2B5EF4-FFF2-40B4-BE49-F238E27FC236}">
-                <a16:creationId xmlns:a16="http://schemas.microsoft.com/office/drawing/2014/main" id="{4D818091-695C-2453-BDC8-5B233EDAD2F4}"/>
-              </a:ext>
-            </a:extLst>
-          </p:cNvPr>
-          <p:cNvSpPr/>
-          <p:nvPr/>
-        </p:nvSpPr>
-        <p:spPr>
-          <a:xfrm>
-            <a:off x="573898" y="1020266"/>
-            <a:ext cx="11308913" cy="571416"/>
-          </a:xfrm>
-          <a:prstGeom prst="rect">
-            <a:avLst/>
-          </a:prstGeom>
-          <a:solidFill>
-            <a:schemeClr val="bg1">
-              <a:lumMod val="95000"/>
-            </a:schemeClr>
-          </a:solidFill>
-          <a:ln>
-            <a:noFill/>
-          </a:ln>
-        </p:spPr>
-        <p:style>
-          <a:lnRef idx="2">
-            <a:schemeClr val="accent1">
-              <a:shade val="15000"/>
-            </a:schemeClr>
-          </a:lnRef>
-          <a:fillRef idx="1">
-            <a:schemeClr val="accent1"/>
-          </a:fillRef>
-          <a:effectRef idx="0">
-            <a:schemeClr val="accent1"/>
-          </a:effectRef>
-          <a:fontRef idx="minor">
-            <a:schemeClr val="lt1"/>
-          </a:fontRef>
-        </p:style>
-        <p:txBody>
-          <a:bodyPr rtlCol="0" anchor="ctr"/>
-          <a:lstStyle/>
-          <a:p>
-            <a:pPr algn="ctr"/>
-            <a:endParaRPr lang="es-ES"/>
-          </a:p>
-        </p:txBody>
-      </p:sp>
       <p:sp>
         <p:nvSpPr>
           <p:cNvPr id="5" name="CuadroTexto 4">
@@ -7163,7 +5939,7 @@
         <p:spPr>
           <a:xfrm>
             <a:off x="769177" y="460596"/>
-            <a:ext cx="2414444" cy="523220"/>
+            <a:ext cx="1119217" cy="523220"/>
           </a:xfrm>
           <a:prstGeom prst="rect">
             <a:avLst/>
@@ -7177,573 +5953,23 @@
           <a:lstStyle/>
           <a:p>
             <a:r>
-              <a:rPr lang="es-ES" sz="2800" b="1" dirty="0">
-                <a:solidFill>
-                  <a:schemeClr val="accent1"/>
-                </a:solidFill>
-                <a:latin typeface="Barlow" pitchFamily="2" charset="77"/>
-              </a:rPr>
-              <a:t>Conector </a:t>
-            </a:r>
-            <a:r>
-              <a:rPr lang="es-ES" sz="2800" b="1" dirty="0">
+              <a:rPr lang="es-ES" sz="2800" b="1" dirty="0" err="1">
                 <a:solidFill>
                   <a:schemeClr val="accent6"/>
                 </a:solidFill>
                 <a:latin typeface="Barlow" pitchFamily="2" charset="77"/>
               </a:rPr>
-              <a:t>JMS</a:t>
-            </a:r>
-          </a:p>
-        </p:txBody>
-      </p:sp>
-      <p:sp>
-        <p:nvSpPr>
-          <p:cNvPr id="2" name="CuadroTexto 1">
-            <a:extLst>
-              <a:ext uri="{FF2B5EF4-FFF2-40B4-BE49-F238E27FC236}">
-                <a16:creationId xmlns:a16="http://schemas.microsoft.com/office/drawing/2014/main" id="{89AF8FD2-4E67-EF2D-5D3E-8843455313AB}"/>
-              </a:ext>
-            </a:extLst>
-          </p:cNvPr>
-          <p:cNvSpPr txBox="1"/>
-          <p:nvPr/>
-        </p:nvSpPr>
-        <p:spPr>
-          <a:xfrm>
-            <a:off x="665480" y="1034295"/>
-            <a:ext cx="11080848" cy="523220"/>
-          </a:xfrm>
-          <a:prstGeom prst="rect">
-            <a:avLst/>
-          </a:prstGeom>
-          <a:noFill/>
-        </p:spPr>
-        <p:txBody>
-          <a:bodyPr wrap="square" rtlCol="0">
-            <a:spAutoFit/>
-          </a:bodyPr>
-          <a:lstStyle/>
-          <a:p>
-            <a:r>
-              <a:rPr lang="es-ES" sz="1400" dirty="0">
-                <a:solidFill>
-                  <a:schemeClr val="accent1"/>
-                </a:solidFill>
-                <a:latin typeface="Barlow" pitchFamily="2" charset="77"/>
-              </a:rPr>
-              <a:t>Implica varios pasos clave, centrados en la orquestación de contenedores y la automatización de despliegues sin la necesidad de administrar la infraestructura subyacente directamente</a:t>
-            </a:r>
-          </a:p>
-        </p:txBody>
-      </p:sp>
-      <p:pic>
-        <p:nvPicPr>
-          <p:cNvPr id="3" name="Imagen 2">
-            <a:extLst>
-              <a:ext uri="{FF2B5EF4-FFF2-40B4-BE49-F238E27FC236}">
-                <a16:creationId xmlns:a16="http://schemas.microsoft.com/office/drawing/2014/main" id="{953029D9-B06A-49CC-5943-8675B596AB0F}"/>
-              </a:ext>
-            </a:extLst>
-          </p:cNvPr>
-          <p:cNvPicPr>
-            <a:picLocks noChangeAspect="1"/>
-          </p:cNvPicPr>
-          <p:nvPr/>
-        </p:nvPicPr>
-        <p:blipFill>
-          <a:blip r:embed="rId5"/>
-          <a:stretch>
-            <a:fillRect/>
-          </a:stretch>
-        </p:blipFill>
-        <p:spPr>
-          <a:xfrm>
-            <a:off x="5671110" y="1581425"/>
-            <a:ext cx="6178915" cy="2187483"/>
-          </a:xfrm>
-          <a:prstGeom prst="rect">
-            <a:avLst/>
-          </a:prstGeom>
-        </p:spPr>
-      </p:pic>
-      <p:sp>
-        <p:nvSpPr>
-          <p:cNvPr id="10" name="CuadroTexto 9">
-            <a:extLst>
-              <a:ext uri="{FF2B5EF4-FFF2-40B4-BE49-F238E27FC236}">
-                <a16:creationId xmlns:a16="http://schemas.microsoft.com/office/drawing/2014/main" id="{0251D8B5-D242-BDF3-BE76-C8C4F8FFF209}"/>
-              </a:ext>
-            </a:extLst>
-          </p:cNvPr>
-          <p:cNvSpPr txBox="1"/>
-          <p:nvPr/>
-        </p:nvSpPr>
-        <p:spPr>
-          <a:xfrm>
-            <a:off x="558865" y="1778558"/>
-            <a:ext cx="4649829" cy="2654573"/>
-          </a:xfrm>
-          <a:prstGeom prst="rect">
-            <a:avLst/>
-          </a:prstGeom>
-          <a:solidFill>
-            <a:schemeClr val="accent2"/>
-          </a:solidFill>
-          <a:ln w="19050">
-            <a:noFill/>
-          </a:ln>
-        </p:spPr>
-        <p:txBody>
-          <a:bodyPr wrap="square" lIns="91440" tIns="45720" rIns="91440" bIns="45720" rtlCol="0" anchor="t">
-            <a:spAutoFit/>
-          </a:bodyPr>
-          <a:lstStyle/>
-          <a:p>
-            <a:pPr algn="ctr"/>
-            <a:r>
-              <a:rPr lang="es-ES" sz="1400" b="1" dirty="0">
-                <a:solidFill>
-                  <a:schemeClr val="accent1"/>
-                </a:solidFill>
-                <a:latin typeface="Barlow"/>
-                <a:cs typeface="Sama Devanagari" panose="020F0603040507060303" pitchFamily="34" charset="0"/>
-              </a:rPr>
-              <a:t>Entornos AWS</a:t>
-            </a:r>
-            <a:endParaRPr lang="es-ES" b="1" dirty="0">
+              <a:t>React</a:t>
+            </a:r>
+            <a:endParaRPr lang="es-ES" sz="2800" b="1" dirty="0">
               <a:solidFill>
-                <a:schemeClr val="accent1"/>
-              </a:solidFill>
-              <a:latin typeface="Barlow"/>
-              <a:cs typeface="Sama Devanagari" panose="020F0603040507060303" pitchFamily="34" charset="0"/>
-            </a:endParaRPr>
-          </a:p>
-          <a:p>
-            <a:endParaRPr lang="es-ES" sz="1100" dirty="0">
-              <a:solidFill>
-                <a:schemeClr val="accent1"/>
+                <a:schemeClr val="accent6"/>
               </a:solidFill>
               <a:latin typeface="Barlow" pitchFamily="2" charset="77"/>
-              <a:cs typeface="Sama Devanagari" panose="020F0603040507060303" pitchFamily="34" charset="0"/>
             </a:endParaRPr>
           </a:p>
-          <a:p>
-            <a:pPr marL="171450" indent="-171450">
-              <a:lnSpc>
-                <a:spcPct val="150000"/>
-              </a:lnSpc>
-              <a:buFont typeface="Wingdings" panose="05000000000000000000" pitchFamily="2" charset="2"/>
-              <a:buChar char="Ø"/>
-            </a:pPr>
-            <a:r>
-              <a:rPr lang="es-ES" sz="1200" dirty="0">
-                <a:solidFill>
-                  <a:schemeClr val="accent1"/>
-                </a:solidFill>
-                <a:latin typeface="Barlow"/>
-                <a:cs typeface="Sama Devanagari" panose="020F0603040507060303" pitchFamily="34" charset="0"/>
-              </a:rPr>
-              <a:t>Identificar las necesidades de cada entorno</a:t>
-            </a:r>
-          </a:p>
-          <a:p>
-            <a:pPr marL="171450" indent="-171450">
-              <a:lnSpc>
-                <a:spcPct val="150000"/>
-              </a:lnSpc>
-              <a:buFont typeface="Wingdings" panose="05000000000000000000" pitchFamily="2" charset="2"/>
-              <a:buChar char="Ø"/>
-            </a:pPr>
-            <a:r>
-              <a:rPr lang="es-ES" sz="1200" dirty="0">
-                <a:solidFill>
-                  <a:schemeClr val="accent1"/>
-                </a:solidFill>
-                <a:latin typeface="Barlow"/>
-                <a:cs typeface="Sama Devanagari" panose="020F0603040507060303" pitchFamily="34" charset="0"/>
-              </a:rPr>
-              <a:t>Utilizar AWS Terraform para definir toda la infraestructura necesaria</a:t>
-            </a:r>
-          </a:p>
-          <a:p>
-            <a:pPr marL="171450" indent="-171450">
-              <a:lnSpc>
-                <a:spcPct val="150000"/>
-              </a:lnSpc>
-              <a:buFont typeface="Wingdings" panose="05000000000000000000" pitchFamily="2" charset="2"/>
-              <a:buChar char="Ø"/>
-            </a:pPr>
-            <a:r>
-              <a:rPr lang="es-ES" sz="1200" dirty="0">
-                <a:solidFill>
-                  <a:schemeClr val="accent1"/>
-                </a:solidFill>
-                <a:latin typeface="Barlow"/>
-                <a:cs typeface="Sama Devanagari" panose="020F0603040507060303" pitchFamily="34" charset="0"/>
-              </a:rPr>
-              <a:t>Configurar las VPCs, subredes, y gateways de internet/NAT para asegurar el aislamiento de los entornos y el control de acceso adecuado</a:t>
-            </a:r>
-          </a:p>
-          <a:p>
-            <a:pPr marL="171450" indent="-171450">
-              <a:lnSpc>
-                <a:spcPct val="150000"/>
-              </a:lnSpc>
-              <a:buFont typeface="Wingdings" panose="05000000000000000000" pitchFamily="2" charset="2"/>
-              <a:buChar char="Ø"/>
-            </a:pPr>
-            <a:r>
-              <a:rPr lang="es-ES" sz="1200" dirty="0">
-                <a:solidFill>
-                  <a:schemeClr val="accent1"/>
-                </a:solidFill>
-                <a:latin typeface="Barlow"/>
-                <a:cs typeface="Sama Devanagari" panose="020F0603040507060303" pitchFamily="34" charset="0"/>
-              </a:rPr>
-              <a:t>Configurar pipelines usando servicios como Jenkins para automatizar el despliegue</a:t>
-            </a:r>
-          </a:p>
-        </p:txBody>
-      </p:sp>
-      <p:sp>
-        <p:nvSpPr>
-          <p:cNvPr id="11" name="CuadroTexto 10">
-            <a:extLst>
-              <a:ext uri="{FF2B5EF4-FFF2-40B4-BE49-F238E27FC236}">
-                <a16:creationId xmlns:a16="http://schemas.microsoft.com/office/drawing/2014/main" id="{2571821C-E318-4B24-596C-8EC74B749DDC}"/>
-              </a:ext>
-            </a:extLst>
-          </p:cNvPr>
-          <p:cNvSpPr txBox="1"/>
-          <p:nvPr/>
-        </p:nvSpPr>
-        <p:spPr>
-          <a:xfrm>
-            <a:off x="569139" y="4627698"/>
-            <a:ext cx="4649830" cy="1823576"/>
-          </a:xfrm>
-          <a:prstGeom prst="rect">
-            <a:avLst/>
-          </a:prstGeom>
-          <a:solidFill>
-            <a:schemeClr val="accent6"/>
-          </a:solidFill>
-          <a:ln w="19050">
-            <a:noFill/>
-          </a:ln>
-        </p:spPr>
-        <p:txBody>
-          <a:bodyPr wrap="square" rtlCol="0">
-            <a:spAutoFit/>
-          </a:bodyPr>
-          <a:lstStyle/>
-          <a:p>
-            <a:pPr algn="ctr"/>
-            <a:r>
-              <a:rPr lang="es-ES" sz="1400" b="1" dirty="0">
-                <a:solidFill>
-                  <a:schemeClr val="accent1"/>
-                </a:solidFill>
-                <a:latin typeface="Barlow" pitchFamily="2" charset="77"/>
-                <a:cs typeface="Sama Devanagari" panose="020F0603040507060303" pitchFamily="34" charset="0"/>
-              </a:rPr>
-              <a:t>Despliegue y configuración</a:t>
-            </a:r>
-          </a:p>
-          <a:p>
-            <a:endParaRPr lang="es-ES" sz="1100" dirty="0">
-              <a:solidFill>
-                <a:schemeClr val="accent1"/>
-              </a:solidFill>
-              <a:latin typeface="Barlow" pitchFamily="2" charset="77"/>
-              <a:cs typeface="Sama Devanagari" panose="020F0603040507060303" pitchFamily="34" charset="0"/>
-            </a:endParaRPr>
-          </a:p>
-          <a:p>
-            <a:pPr marL="171450" indent="-171450">
-              <a:lnSpc>
-                <a:spcPct val="150000"/>
-              </a:lnSpc>
-              <a:buFont typeface="Wingdings" panose="05000000000000000000" pitchFamily="2" charset="2"/>
-              <a:buChar char="Ø"/>
-            </a:pPr>
-            <a:r>
-              <a:rPr lang="es-ES" sz="1200" dirty="0">
-                <a:solidFill>
-                  <a:schemeClr val="accent1"/>
-                </a:solidFill>
-                <a:latin typeface="Barlow"/>
-                <a:cs typeface="Sama Devanagari" panose="020F0603040507060303" pitchFamily="34" charset="0"/>
-              </a:rPr>
-              <a:t>Confirmar la funcionalidad del archivo JAR y su compatibilidad en un entorno contenerizado</a:t>
-            </a:r>
-          </a:p>
-          <a:p>
-            <a:pPr marL="171450" indent="-171450">
-              <a:lnSpc>
-                <a:spcPct val="150000"/>
-              </a:lnSpc>
-              <a:buFont typeface="Wingdings" panose="05000000000000000000" pitchFamily="2" charset="2"/>
-              <a:buChar char="Ø"/>
-            </a:pPr>
-            <a:r>
-              <a:rPr lang="es-ES_tradnl" sz="1200" dirty="0">
-                <a:solidFill>
-                  <a:schemeClr val="accent1"/>
-                </a:solidFill>
-                <a:latin typeface="Barlow"/>
-              </a:rPr>
-              <a:t>Integración con Bitbucket y ACR</a:t>
-            </a:r>
-            <a:endParaRPr lang="es-ES" sz="1200" dirty="0">
-              <a:solidFill>
-                <a:schemeClr val="accent1"/>
-              </a:solidFill>
-              <a:latin typeface="Barlow"/>
-            </a:endParaRPr>
-          </a:p>
-          <a:p>
-            <a:pPr marL="171450" indent="-171450">
-              <a:lnSpc>
-                <a:spcPct val="150000"/>
-              </a:lnSpc>
-              <a:buFont typeface="Wingdings" panose="05000000000000000000" pitchFamily="2" charset="2"/>
-              <a:buChar char="Ø"/>
-            </a:pPr>
-            <a:r>
-              <a:rPr lang="es-ES" sz="1200" dirty="0">
-                <a:solidFill>
-                  <a:schemeClr val="accent1"/>
-                </a:solidFill>
-                <a:latin typeface="Barlow"/>
-                <a:cs typeface="Sama Devanagari" panose="020F0603040507060303" pitchFamily="34" charset="0"/>
-              </a:rPr>
-              <a:t>Configurar el pipeline para que despliegue automáticamente la imagen desde ACR a Amazon ECS con Fargate</a:t>
-            </a:r>
-          </a:p>
-        </p:txBody>
-      </p:sp>
-      <p:sp>
-        <p:nvSpPr>
-          <p:cNvPr id="12" name="CuadroTexto 11">
-            <a:extLst>
-              <a:ext uri="{FF2B5EF4-FFF2-40B4-BE49-F238E27FC236}">
-                <a16:creationId xmlns:a16="http://schemas.microsoft.com/office/drawing/2014/main" id="{6ED99397-C63F-FF7F-2FDD-25DAA18A2408}"/>
-              </a:ext>
-            </a:extLst>
-          </p:cNvPr>
-          <p:cNvSpPr txBox="1"/>
-          <p:nvPr/>
-        </p:nvSpPr>
-        <p:spPr>
-          <a:xfrm>
-            <a:off x="5756464" y="3951904"/>
-            <a:ext cx="3875765" cy="1351588"/>
-          </a:xfrm>
-          <a:prstGeom prst="rect">
-            <a:avLst/>
-          </a:prstGeom>
-          <a:noFill/>
-        </p:spPr>
-        <p:txBody>
-          <a:bodyPr wrap="square" lIns="91440" tIns="45720" rIns="91440" bIns="45720" rtlCol="0" anchor="t">
-            <a:spAutoFit/>
-          </a:bodyPr>
-          <a:lstStyle>
-            <a:defPPr>
-              <a:defRPr lang="es-ES"/>
-            </a:defPPr>
-            <a:lvl1pPr marL="171450" indent="-171450">
-              <a:lnSpc>
-                <a:spcPct val="150000"/>
-              </a:lnSpc>
-              <a:buBlip>
-                <a:blip r:embed="rId6">
-                  <a:extLst>
-                    <a:ext uri="{96DAC541-7B7A-43D3-8B79-37D633B846F1}">
-                      <asvg:svgBlip xmlns:asvg="http://schemas.microsoft.com/office/drawing/2016/SVG/main" r:embed="rId7"/>
-                    </a:ext>
-                  </a:extLst>
-                </a:blip>
-              </a:buBlip>
-              <a:defRPr sz="1400">
-                <a:solidFill>
-                  <a:srgbClr val="4D4D4D"/>
-                </a:solidFill>
-                <a:latin typeface="Lexend ExtraLight"/>
-              </a:defRPr>
-            </a:lvl1pPr>
-          </a:lstStyle>
-          <a:p>
-            <a:pPr marL="0" indent="0">
-              <a:buNone/>
-            </a:pPr>
-            <a:r>
-              <a:rPr lang="es-ES" b="1" dirty="0"/>
-              <a:t>Rendimiento y escalado</a:t>
-            </a:r>
-          </a:p>
-          <a:p>
-            <a:r>
-              <a:rPr lang="es-ES" dirty="0"/>
-              <a:t>Uso de las herramientas JMeter, Gatling, Taurus</a:t>
-            </a:r>
-          </a:p>
-          <a:p>
-            <a:r>
-              <a:rPr lang="es-ES" dirty="0"/>
-              <a:t>Generar las estrategias de pruebas</a:t>
-            </a:r>
-          </a:p>
-          <a:p>
-            <a:r>
-              <a:rPr lang="es-ES" dirty="0"/>
-              <a:t>Automatización y Análisis de resultados</a:t>
-            </a:r>
-          </a:p>
-        </p:txBody>
-      </p:sp>
-      <p:sp>
-        <p:nvSpPr>
-          <p:cNvPr id="21" name="CuadroTexto 20">
-            <a:extLst>
-              <a:ext uri="{FF2B5EF4-FFF2-40B4-BE49-F238E27FC236}">
-                <a16:creationId xmlns:a16="http://schemas.microsoft.com/office/drawing/2014/main" id="{68AEC67C-8833-3E5D-9532-E845B3FB651E}"/>
-              </a:ext>
-            </a:extLst>
-          </p:cNvPr>
-          <p:cNvSpPr txBox="1"/>
-          <p:nvPr/>
-        </p:nvSpPr>
-        <p:spPr>
-          <a:xfrm>
-            <a:off x="8550305" y="5276575"/>
-            <a:ext cx="3875765" cy="1351588"/>
-          </a:xfrm>
-          <a:prstGeom prst="rect">
-            <a:avLst/>
-          </a:prstGeom>
-          <a:noFill/>
-        </p:spPr>
-        <p:txBody>
-          <a:bodyPr wrap="square" lIns="91440" tIns="45720" rIns="91440" bIns="45720" rtlCol="0" anchor="t">
-            <a:spAutoFit/>
-          </a:bodyPr>
-          <a:lstStyle>
-            <a:defPPr>
-              <a:defRPr lang="es-ES"/>
-            </a:defPPr>
-            <a:lvl1pPr marL="171450" indent="-171450">
-              <a:lnSpc>
-                <a:spcPct val="150000"/>
-              </a:lnSpc>
-              <a:buBlip>
-                <a:blip r:embed="rId6">
-                  <a:extLst>
-                    <a:ext uri="{96DAC541-7B7A-43D3-8B79-37D633B846F1}">
-                      <asvg:svgBlip xmlns:asvg="http://schemas.microsoft.com/office/drawing/2016/SVG/main" r:embed="rId7"/>
-                    </a:ext>
-                  </a:extLst>
-                </a:blip>
-              </a:buBlip>
-              <a:defRPr sz="1400">
-                <a:solidFill>
-                  <a:srgbClr val="4D4D4D"/>
-                </a:solidFill>
-                <a:latin typeface="Lexend ExtraLight"/>
-              </a:defRPr>
-            </a:lvl1pPr>
-          </a:lstStyle>
-          <a:p>
-            <a:pPr marL="0" indent="0">
-              <a:buNone/>
-            </a:pPr>
-            <a:r>
-              <a:rPr lang="es-ES" b="1" dirty="0"/>
-              <a:t>Monitorización y alertas</a:t>
-            </a:r>
-          </a:p>
-          <a:p>
-            <a:r>
-              <a:rPr lang="es-ES" dirty="0"/>
-              <a:t>Integración de CloudWatch con Splunk</a:t>
-            </a:r>
-          </a:p>
-          <a:p>
-            <a:r>
-              <a:rPr lang="es-ES" dirty="0"/>
-              <a:t>Definición de alertas</a:t>
-            </a:r>
-          </a:p>
-          <a:p>
-            <a:r>
-              <a:rPr lang="es-ES" dirty="0"/>
-              <a:t>Automatización de alertas y Optimización</a:t>
-            </a:r>
-          </a:p>
-        </p:txBody>
-      </p:sp>
-      <p:pic>
-        <p:nvPicPr>
-          <p:cNvPr id="22" name="Imagen 21">
-            <a:extLst>
-              <a:ext uri="{FF2B5EF4-FFF2-40B4-BE49-F238E27FC236}">
-                <a16:creationId xmlns:a16="http://schemas.microsoft.com/office/drawing/2014/main" id="{3ECFF54B-6576-B501-5E65-BB023ED9FEC8}"/>
-              </a:ext>
-            </a:extLst>
-          </p:cNvPr>
-          <p:cNvPicPr>
-            <a:picLocks noChangeAspect="1"/>
-          </p:cNvPicPr>
-          <p:nvPr/>
-        </p:nvPicPr>
-        <p:blipFill>
-          <a:blip r:embed="rId8"/>
-          <a:stretch>
-            <a:fillRect/>
-          </a:stretch>
-        </p:blipFill>
-        <p:spPr>
-          <a:xfrm>
-            <a:off x="9643570" y="4105436"/>
-            <a:ext cx="2058765" cy="958507"/>
-          </a:xfrm>
-          <a:prstGeom prst="rect">
-            <a:avLst/>
-          </a:prstGeom>
-        </p:spPr>
-      </p:pic>
-      <p:pic>
-        <p:nvPicPr>
-          <p:cNvPr id="24" name="Imagen 23">
-            <a:extLst>
-              <a:ext uri="{FF2B5EF4-FFF2-40B4-BE49-F238E27FC236}">
-                <a16:creationId xmlns:a16="http://schemas.microsoft.com/office/drawing/2014/main" id="{2FD00064-3381-63C9-1F4A-ECF769D9E30F}"/>
-              </a:ext>
-            </a:extLst>
-          </p:cNvPr>
-          <p:cNvPicPr>
-            <a:picLocks noChangeAspect="1"/>
-          </p:cNvPicPr>
-          <p:nvPr/>
-        </p:nvPicPr>
-        <p:blipFill>
-          <a:blip r:embed="rId9"/>
-          <a:stretch>
-            <a:fillRect/>
-          </a:stretch>
-        </p:blipFill>
-        <p:spPr>
-          <a:xfrm>
-            <a:off x="6144097" y="5605478"/>
-            <a:ext cx="1912131" cy="733506"/>
-          </a:xfrm>
-          <a:prstGeom prst="rect">
-            <a:avLst/>
-          </a:prstGeom>
-        </p:spPr>
-      </p:pic>
+        </p:txBody>
+      </p:sp>
     </p:spTree>
     <p:extLst>
       <p:ext uri="{BB962C8B-B14F-4D97-AF65-F5344CB8AC3E}">
@@ -7757,5820 +5983,7 @@
 </p:sld>
 </file>
 
-<file path=ppt/slides/slide12.xml><?xml version="1.0" encoding="utf-8"?>
-<p:sld xmlns:a="http://schemas.openxmlformats.org/drawingml/2006/main" xmlns:r="http://schemas.openxmlformats.org/officeDocument/2006/relationships" xmlns:p="http://schemas.openxmlformats.org/presentationml/2006/main">
-  <p:cSld>
-    <p:spTree>
-      <p:nvGrpSpPr>
-        <p:cNvPr id="1" name="">
-          <a:extLst>
-            <a:ext uri="{FF2B5EF4-FFF2-40B4-BE49-F238E27FC236}">
-              <a16:creationId xmlns:a16="http://schemas.microsoft.com/office/drawing/2014/main" id="{AD632A55-75FE-3601-1327-3803A3230733}"/>
-            </a:ext>
-          </a:extLst>
-        </p:cNvPr>
-        <p:cNvGrpSpPr/>
-        <p:nvPr/>
-      </p:nvGrpSpPr>
-      <p:grpSpPr>
-        <a:xfrm>
-          <a:off x="0" y="0"/>
-          <a:ext cx="0" cy="0"/>
-          <a:chOff x="0" y="0"/>
-          <a:chExt cx="0" cy="0"/>
-        </a:xfrm>
-      </p:grpSpPr>
-      <p:grpSp>
-        <p:nvGrpSpPr>
-          <p:cNvPr id="2" name="Grupo 1">
-            <a:extLst>
-              <a:ext uri="{FF2B5EF4-FFF2-40B4-BE49-F238E27FC236}">
-                <a16:creationId xmlns:a16="http://schemas.microsoft.com/office/drawing/2014/main" id="{E5A56C77-5AEF-B1AF-8C42-DA3E5EF9FA88}"/>
-              </a:ext>
-            </a:extLst>
-          </p:cNvPr>
-          <p:cNvGrpSpPr/>
-          <p:nvPr/>
-        </p:nvGrpSpPr>
-        <p:grpSpPr>
-          <a:xfrm>
-            <a:off x="4773411" y="2509730"/>
-            <a:ext cx="7250481" cy="4066382"/>
-            <a:chOff x="4885152" y="1912521"/>
-            <a:chExt cx="7250481" cy="4066382"/>
-          </a:xfrm>
-        </p:grpSpPr>
-        <p:sp>
-          <p:nvSpPr>
-            <p:cNvPr id="4" name="Hexágono 3">
-              <a:extLst>
-                <a:ext uri="{FF2B5EF4-FFF2-40B4-BE49-F238E27FC236}">
-                  <a16:creationId xmlns:a16="http://schemas.microsoft.com/office/drawing/2014/main" id="{7A234E02-2BD2-10FD-9FC4-5528DE9EE4CC}"/>
-                </a:ext>
-              </a:extLst>
-            </p:cNvPr>
-            <p:cNvSpPr/>
-            <p:nvPr/>
-          </p:nvSpPr>
-          <p:spPr>
-            <a:xfrm>
-              <a:off x="7352778" y="2154476"/>
-              <a:ext cx="2630465" cy="2267642"/>
-            </a:xfrm>
-            <a:prstGeom prst="hexagon">
-              <a:avLst/>
-            </a:prstGeom>
-            <a:blipFill>
-              <a:blip r:embed="rId3" cstate="screen">
-                <a:extLst>
-                  <a:ext uri="{28A0092B-C50C-407E-A947-70E740481C1C}">
-                    <a14:useLocalDpi xmlns:a14="http://schemas.microsoft.com/office/drawing/2010/main"/>
-                  </a:ext>
-                </a:extLst>
-              </a:blip>
-              <a:stretch>
-                <a:fillRect/>
-              </a:stretch>
-            </a:blipFill>
-            <a:ln>
-              <a:noFill/>
-            </a:ln>
-          </p:spPr>
-          <p:style>
-            <a:lnRef idx="2">
-              <a:schemeClr val="accent1">
-                <a:shade val="15000"/>
-              </a:schemeClr>
-            </a:lnRef>
-            <a:fillRef idx="1">
-              <a:schemeClr val="accent1"/>
-            </a:fillRef>
-            <a:effectRef idx="0">
-              <a:schemeClr val="accent1"/>
-            </a:effectRef>
-            <a:fontRef idx="minor">
-              <a:schemeClr val="lt1"/>
-            </a:fontRef>
-          </p:style>
-          <p:txBody>
-            <a:bodyPr rtlCol="0" anchor="ctr"/>
-            <a:lstStyle/>
-            <a:p>
-              <a:pPr algn="ctr"/>
-              <a:endParaRPr lang="es-ES"/>
-            </a:p>
-          </p:txBody>
-        </p:sp>
-        <p:sp>
-          <p:nvSpPr>
-            <p:cNvPr id="5" name="Hexágono 4">
-              <a:extLst>
-                <a:ext uri="{FF2B5EF4-FFF2-40B4-BE49-F238E27FC236}">
-                  <a16:creationId xmlns:a16="http://schemas.microsoft.com/office/drawing/2014/main" id="{0D7AF261-8DC6-DD41-AFD2-D146C90FCF06}"/>
-                </a:ext>
-              </a:extLst>
-            </p:cNvPr>
-            <p:cNvSpPr/>
-            <p:nvPr/>
-          </p:nvSpPr>
-          <p:spPr>
-            <a:xfrm>
-              <a:off x="5200388" y="3338401"/>
-              <a:ext cx="2630465" cy="2267642"/>
-            </a:xfrm>
-            <a:prstGeom prst="hexagon">
-              <a:avLst/>
-            </a:prstGeom>
-            <a:blipFill>
-              <a:blip r:embed="rId4" cstate="screen">
-                <a:extLst>
-                  <a:ext uri="{28A0092B-C50C-407E-A947-70E740481C1C}">
-                    <a14:useLocalDpi xmlns:a14="http://schemas.microsoft.com/office/drawing/2010/main"/>
-                  </a:ext>
-                </a:extLst>
-              </a:blip>
-              <a:stretch>
-                <a:fillRect/>
-              </a:stretch>
-            </a:blipFill>
-            <a:ln>
-              <a:noFill/>
-            </a:ln>
-          </p:spPr>
-          <p:style>
-            <a:lnRef idx="2">
-              <a:schemeClr val="accent1">
-                <a:shade val="15000"/>
-              </a:schemeClr>
-            </a:lnRef>
-            <a:fillRef idx="1">
-              <a:schemeClr val="accent1"/>
-            </a:fillRef>
-            <a:effectRef idx="0">
-              <a:schemeClr val="accent1"/>
-            </a:effectRef>
-            <a:fontRef idx="minor">
-              <a:schemeClr val="lt1"/>
-            </a:fontRef>
-          </p:style>
-          <p:txBody>
-            <a:bodyPr rtlCol="0" anchor="ctr"/>
-            <a:lstStyle/>
-            <a:p>
-              <a:pPr algn="ctr"/>
-              <a:endParaRPr lang="es-ES"/>
-            </a:p>
-          </p:txBody>
-        </p:sp>
-        <p:sp>
-          <p:nvSpPr>
-            <p:cNvPr id="6" name="Hexágono 5">
-              <a:extLst>
-                <a:ext uri="{FF2B5EF4-FFF2-40B4-BE49-F238E27FC236}">
-                  <a16:creationId xmlns:a16="http://schemas.microsoft.com/office/drawing/2014/main" id="{06CCD2A6-7A29-C4AD-CD7D-E2C8F0F6C827}"/>
-                </a:ext>
-              </a:extLst>
-            </p:cNvPr>
-            <p:cNvSpPr/>
-            <p:nvPr/>
-          </p:nvSpPr>
-          <p:spPr>
-            <a:xfrm>
-              <a:off x="9505168" y="3338401"/>
-              <a:ext cx="2630465" cy="2267642"/>
-            </a:xfrm>
-            <a:prstGeom prst="hexagon">
-              <a:avLst/>
-            </a:prstGeom>
-            <a:blipFill>
-              <a:blip r:embed="rId5" cstate="screen">
-                <a:extLst>
-                  <a:ext uri="{28A0092B-C50C-407E-A947-70E740481C1C}">
-                    <a14:useLocalDpi xmlns:a14="http://schemas.microsoft.com/office/drawing/2010/main"/>
-                  </a:ext>
-                </a:extLst>
-              </a:blip>
-              <a:stretch>
-                <a:fillRect/>
-              </a:stretch>
-            </a:blipFill>
-            <a:ln>
-              <a:noFill/>
-            </a:ln>
-          </p:spPr>
-          <p:style>
-            <a:lnRef idx="2">
-              <a:schemeClr val="accent1">
-                <a:shade val="15000"/>
-              </a:schemeClr>
-            </a:lnRef>
-            <a:fillRef idx="1">
-              <a:schemeClr val="accent1"/>
-            </a:fillRef>
-            <a:effectRef idx="0">
-              <a:schemeClr val="accent1"/>
-            </a:effectRef>
-            <a:fontRef idx="minor">
-              <a:schemeClr val="lt1"/>
-            </a:fontRef>
-          </p:style>
-          <p:txBody>
-            <a:bodyPr rtlCol="0" anchor="ctr"/>
-            <a:lstStyle/>
-            <a:p>
-              <a:pPr algn="ctr"/>
-              <a:endParaRPr lang="es-ES"/>
-            </a:p>
-          </p:txBody>
-        </p:sp>
-        <p:sp>
-          <p:nvSpPr>
-            <p:cNvPr id="7" name="Hexágono 6">
-              <a:extLst>
-                <a:ext uri="{FF2B5EF4-FFF2-40B4-BE49-F238E27FC236}">
-                  <a16:creationId xmlns:a16="http://schemas.microsoft.com/office/drawing/2014/main" id="{7535EDEB-0767-0860-D973-EBD37825541A}"/>
-                </a:ext>
-              </a:extLst>
-            </p:cNvPr>
-            <p:cNvSpPr/>
-            <p:nvPr/>
-          </p:nvSpPr>
-          <p:spPr>
-            <a:xfrm>
-              <a:off x="7830853" y="1912521"/>
-              <a:ext cx="2630465" cy="2267642"/>
-            </a:xfrm>
-            <a:prstGeom prst="hexagon">
-              <a:avLst/>
-            </a:prstGeom>
-            <a:noFill/>
-            <a:ln w="28575">
-              <a:solidFill>
-                <a:schemeClr val="accent5"/>
-              </a:solidFill>
-            </a:ln>
-          </p:spPr>
-          <p:style>
-            <a:lnRef idx="2">
-              <a:schemeClr val="accent2"/>
-            </a:lnRef>
-            <a:fillRef idx="1">
-              <a:schemeClr val="lt1"/>
-            </a:fillRef>
-            <a:effectRef idx="0">
-              <a:schemeClr val="accent2"/>
-            </a:effectRef>
-            <a:fontRef idx="minor">
-              <a:schemeClr val="dk1"/>
-            </a:fontRef>
-          </p:style>
-          <p:txBody>
-            <a:bodyPr rtlCol="0" anchor="ctr"/>
-            <a:lstStyle/>
-            <a:p>
-              <a:pPr algn="ctr"/>
-              <a:endParaRPr lang="es-ES">
-                <a:solidFill>
-                  <a:schemeClr val="accent4"/>
-                </a:solidFill>
-              </a:endParaRPr>
-            </a:p>
-          </p:txBody>
-        </p:sp>
-        <p:sp>
-          <p:nvSpPr>
-            <p:cNvPr id="8" name="Hexágono 7">
-              <a:extLst>
-                <a:ext uri="{FF2B5EF4-FFF2-40B4-BE49-F238E27FC236}">
-                  <a16:creationId xmlns:a16="http://schemas.microsoft.com/office/drawing/2014/main" id="{46573059-D212-8A3C-2497-B201E4226742}"/>
-                </a:ext>
-              </a:extLst>
-            </p:cNvPr>
-            <p:cNvSpPr/>
-            <p:nvPr/>
-          </p:nvSpPr>
-          <p:spPr>
-            <a:xfrm>
-              <a:off x="4885152" y="3618149"/>
-              <a:ext cx="2630465" cy="2267642"/>
-            </a:xfrm>
-            <a:prstGeom prst="hexagon">
-              <a:avLst/>
-            </a:prstGeom>
-            <a:noFill/>
-            <a:ln w="28575">
-              <a:solidFill>
-                <a:schemeClr val="accent5"/>
-              </a:solidFill>
-            </a:ln>
-          </p:spPr>
-          <p:style>
-            <a:lnRef idx="2">
-              <a:schemeClr val="accent2"/>
-            </a:lnRef>
-            <a:fillRef idx="1">
-              <a:schemeClr val="lt1"/>
-            </a:fillRef>
-            <a:effectRef idx="0">
-              <a:schemeClr val="accent2"/>
-            </a:effectRef>
-            <a:fontRef idx="minor">
-              <a:schemeClr val="dk1"/>
-            </a:fontRef>
-          </p:style>
-          <p:txBody>
-            <a:bodyPr rtlCol="0" anchor="ctr"/>
-            <a:lstStyle/>
-            <a:p>
-              <a:pPr algn="ctr"/>
-              <a:endParaRPr lang="es-ES">
-                <a:solidFill>
-                  <a:schemeClr val="accent4"/>
-                </a:solidFill>
-              </a:endParaRPr>
-            </a:p>
-          </p:txBody>
-        </p:sp>
-        <p:sp>
-          <p:nvSpPr>
-            <p:cNvPr id="12" name="Hexágono 11">
-              <a:extLst>
-                <a:ext uri="{FF2B5EF4-FFF2-40B4-BE49-F238E27FC236}">
-                  <a16:creationId xmlns:a16="http://schemas.microsoft.com/office/drawing/2014/main" id="{F0DE69BA-CCE1-26F7-800F-97087C4BC13D}"/>
-                </a:ext>
-              </a:extLst>
-            </p:cNvPr>
-            <p:cNvSpPr/>
-            <p:nvPr/>
-          </p:nvSpPr>
-          <p:spPr>
-            <a:xfrm>
-              <a:off x="6515620" y="2295732"/>
-              <a:ext cx="216021" cy="186225"/>
-            </a:xfrm>
-            <a:prstGeom prst="hexagon">
-              <a:avLst/>
-            </a:prstGeom>
-            <a:noFill/>
-            <a:ln w="19050">
-              <a:solidFill>
-                <a:schemeClr val="bg2">
-                  <a:lumMod val="90000"/>
-                </a:schemeClr>
-              </a:solidFill>
-            </a:ln>
-          </p:spPr>
-          <p:style>
-            <a:lnRef idx="2">
-              <a:schemeClr val="accent1">
-                <a:shade val="15000"/>
-              </a:schemeClr>
-            </a:lnRef>
-            <a:fillRef idx="1">
-              <a:schemeClr val="accent1"/>
-            </a:fillRef>
-            <a:effectRef idx="0">
-              <a:schemeClr val="accent1"/>
-            </a:effectRef>
-            <a:fontRef idx="minor">
-              <a:schemeClr val="lt1"/>
-            </a:fontRef>
-          </p:style>
-          <p:txBody>
-            <a:bodyPr rtlCol="0" anchor="ctr"/>
-            <a:lstStyle/>
-            <a:p>
-              <a:pPr algn="ctr"/>
-              <a:endParaRPr lang="es-ES" b="1" i="0">
-                <a:latin typeface="Lexend SemiBold" pitchFamily="2" charset="77"/>
-              </a:endParaRPr>
-            </a:p>
-          </p:txBody>
-        </p:sp>
-        <p:sp>
-          <p:nvSpPr>
-            <p:cNvPr id="13" name="Hexágono 12">
-              <a:extLst>
-                <a:ext uri="{FF2B5EF4-FFF2-40B4-BE49-F238E27FC236}">
-                  <a16:creationId xmlns:a16="http://schemas.microsoft.com/office/drawing/2014/main" id="{F6F14133-611D-EB14-916F-37296727550D}"/>
-                </a:ext>
-              </a:extLst>
-            </p:cNvPr>
-            <p:cNvSpPr/>
-            <p:nvPr/>
-          </p:nvSpPr>
-          <p:spPr>
-            <a:xfrm>
-              <a:off x="9146085" y="5792678"/>
-              <a:ext cx="216021" cy="186225"/>
-            </a:xfrm>
-            <a:prstGeom prst="hexagon">
-              <a:avLst/>
-            </a:prstGeom>
-            <a:noFill/>
-            <a:ln w="19050">
-              <a:solidFill>
-                <a:schemeClr val="bg2">
-                  <a:lumMod val="90000"/>
-                </a:schemeClr>
-              </a:solidFill>
-            </a:ln>
-          </p:spPr>
-          <p:style>
-            <a:lnRef idx="2">
-              <a:schemeClr val="accent1">
-                <a:shade val="15000"/>
-              </a:schemeClr>
-            </a:lnRef>
-            <a:fillRef idx="1">
-              <a:schemeClr val="accent1"/>
-            </a:fillRef>
-            <a:effectRef idx="0">
-              <a:schemeClr val="accent1"/>
-            </a:effectRef>
-            <a:fontRef idx="minor">
-              <a:schemeClr val="lt1"/>
-            </a:fontRef>
-          </p:style>
-          <p:txBody>
-            <a:bodyPr rtlCol="0" anchor="ctr"/>
-            <a:lstStyle/>
-            <a:p>
-              <a:pPr algn="ctr"/>
-              <a:endParaRPr lang="es-ES" b="1" i="0">
-                <a:latin typeface="Lexend SemiBold" pitchFamily="2" charset="77"/>
-              </a:endParaRPr>
-            </a:p>
-          </p:txBody>
-        </p:sp>
-      </p:grpSp>
-      <p:sp>
-        <p:nvSpPr>
-          <p:cNvPr id="3" name="CuadroTexto 2">
-            <a:extLst>
-              <a:ext uri="{FF2B5EF4-FFF2-40B4-BE49-F238E27FC236}">
-                <a16:creationId xmlns:a16="http://schemas.microsoft.com/office/drawing/2014/main" id="{77A55053-273F-5AA8-DF8D-40193161F7A1}"/>
-              </a:ext>
-            </a:extLst>
-          </p:cNvPr>
-          <p:cNvSpPr txBox="1"/>
-          <p:nvPr/>
-        </p:nvSpPr>
-        <p:spPr>
-          <a:xfrm>
-            <a:off x="3223890" y="3184612"/>
-            <a:ext cx="667170" cy="584775"/>
-          </a:xfrm>
-          <a:prstGeom prst="rect">
-            <a:avLst/>
-          </a:prstGeom>
-          <a:noFill/>
-        </p:spPr>
-        <p:txBody>
-          <a:bodyPr wrap="none" rtlCol="0">
-            <a:spAutoFit/>
-          </a:bodyPr>
-          <a:lstStyle/>
-          <a:p>
-            <a:r>
-              <a:rPr lang="es-ES" sz="3200" b="1" dirty="0">
-                <a:solidFill>
-                  <a:schemeClr val="accent6"/>
-                </a:solidFill>
-                <a:latin typeface="Barlow" pitchFamily="2" charset="77"/>
-              </a:rPr>
-              <a:t>04</a:t>
-            </a:r>
-          </a:p>
-        </p:txBody>
-      </p:sp>
-      <p:sp>
-        <p:nvSpPr>
-          <p:cNvPr id="11" name="CuadroTexto 10">
-            <a:extLst>
-              <a:ext uri="{FF2B5EF4-FFF2-40B4-BE49-F238E27FC236}">
-                <a16:creationId xmlns:a16="http://schemas.microsoft.com/office/drawing/2014/main" id="{94F54B59-7FFF-14B3-E76D-BCAB9186544E}"/>
-              </a:ext>
-            </a:extLst>
-          </p:cNvPr>
-          <p:cNvSpPr txBox="1"/>
-          <p:nvPr/>
-        </p:nvSpPr>
-        <p:spPr>
-          <a:xfrm>
-            <a:off x="1656846" y="1995243"/>
-            <a:ext cx="4125896" cy="830997"/>
-          </a:xfrm>
-          <a:prstGeom prst="rect">
-            <a:avLst/>
-          </a:prstGeom>
-          <a:noFill/>
-        </p:spPr>
-        <p:txBody>
-          <a:bodyPr wrap="square" rtlCol="0">
-            <a:spAutoFit/>
-          </a:bodyPr>
-          <a:lstStyle/>
-          <a:p>
-            <a:r>
-              <a:rPr lang="es-ES" sz="2400" dirty="0">
-                <a:solidFill>
-                  <a:srgbClr val="4D4D4D"/>
-                </a:solidFill>
-                <a:latin typeface="Barlow Medium" pitchFamily="2" charset="77"/>
-              </a:rPr>
-              <a:t>Detalle de la propuesta para la plataforma de eventos</a:t>
-            </a:r>
-          </a:p>
-        </p:txBody>
-      </p:sp>
-      <p:sp>
-        <p:nvSpPr>
-          <p:cNvPr id="14" name="CuadroTexto 13">
-            <a:extLst>
-              <a:ext uri="{FF2B5EF4-FFF2-40B4-BE49-F238E27FC236}">
-                <a16:creationId xmlns:a16="http://schemas.microsoft.com/office/drawing/2014/main" id="{884F5236-8F42-8843-50D2-3DC4A8764219}"/>
-              </a:ext>
-            </a:extLst>
-          </p:cNvPr>
-          <p:cNvSpPr txBox="1"/>
-          <p:nvPr/>
-        </p:nvSpPr>
-        <p:spPr>
-          <a:xfrm>
-            <a:off x="1565405" y="945249"/>
-            <a:ext cx="9684486" cy="1015663"/>
-          </a:xfrm>
-          <a:prstGeom prst="rect">
-            <a:avLst/>
-          </a:prstGeom>
-          <a:noFill/>
-        </p:spPr>
-        <p:txBody>
-          <a:bodyPr wrap="square" rtlCol="0">
-            <a:spAutoFit/>
-          </a:bodyPr>
-          <a:lstStyle/>
-          <a:p>
-            <a:r>
-              <a:rPr lang="es-ES" sz="6000" b="1" dirty="0">
-                <a:solidFill>
-                  <a:schemeClr val="accent1"/>
-                </a:solidFill>
-                <a:latin typeface="Sama Devanagari" panose="020F0603040507060303" pitchFamily="34" charset="0"/>
-                <a:cs typeface="Sama Devanagari" panose="020F0603040507060303" pitchFamily="34" charset="0"/>
-              </a:rPr>
-              <a:t>Plataforma Eventos </a:t>
-            </a:r>
-            <a:r>
-              <a:rPr lang="es-ES" sz="6000" b="1" dirty="0">
-                <a:solidFill>
-                  <a:schemeClr val="accent6"/>
-                </a:solidFill>
-                <a:latin typeface="Sama Devanagari" panose="020F0603040507060303" pitchFamily="34" charset="0"/>
-                <a:cs typeface="Sama Devanagari" panose="020F0603040507060303" pitchFamily="34" charset="0"/>
-              </a:rPr>
-              <a:t>Confluent</a:t>
-            </a:r>
-          </a:p>
-        </p:txBody>
-      </p:sp>
-    </p:spTree>
-    <p:extLst>
-      <p:ext uri="{BB962C8B-B14F-4D97-AF65-F5344CB8AC3E}">
-        <p14:creationId xmlns:p14="http://schemas.microsoft.com/office/powerpoint/2010/main" val="854896083"/>
-      </p:ext>
-    </p:extLst>
-  </p:cSld>
-  <p:clrMapOvr>
-    <a:masterClrMapping/>
-  </p:clrMapOvr>
-</p:sld>
-</file>
-
-<file path=ppt/slides/slide13.xml><?xml version="1.0" encoding="utf-8"?>
-<p:sld xmlns:a="http://schemas.openxmlformats.org/drawingml/2006/main" xmlns:r="http://schemas.openxmlformats.org/officeDocument/2006/relationships" xmlns:p="http://schemas.openxmlformats.org/presentationml/2006/main">
-  <p:cSld>
-    <p:spTree>
-      <p:nvGrpSpPr>
-        <p:cNvPr id="1" name="">
-          <a:extLst>
-            <a:ext uri="{FF2B5EF4-FFF2-40B4-BE49-F238E27FC236}">
-              <a16:creationId xmlns:a16="http://schemas.microsoft.com/office/drawing/2014/main" id="{73B94905-65EF-0F8E-3EDC-9D1B35B12125}"/>
-            </a:ext>
-          </a:extLst>
-        </p:cNvPr>
-        <p:cNvGrpSpPr/>
-        <p:nvPr/>
-      </p:nvGrpSpPr>
-      <p:grpSpPr>
-        <a:xfrm>
-          <a:off x="0" y="0"/>
-          <a:ext cx="0" cy="0"/>
-          <a:chOff x="0" y="0"/>
-          <a:chExt cx="0" cy="0"/>
-        </a:xfrm>
-      </p:grpSpPr>
-      <p:sp>
-        <p:nvSpPr>
-          <p:cNvPr id="13" name="Flecha: doblada 12">
-            <a:extLst>
-              <a:ext uri="{FF2B5EF4-FFF2-40B4-BE49-F238E27FC236}">
-                <a16:creationId xmlns:a16="http://schemas.microsoft.com/office/drawing/2014/main" id="{A03618B6-AA97-EB4C-D9D5-79CC2BE7C353}"/>
-              </a:ext>
-            </a:extLst>
-          </p:cNvPr>
-          <p:cNvSpPr/>
-          <p:nvPr/>
-        </p:nvSpPr>
-        <p:spPr>
-          <a:xfrm rot="10800000" flipH="1">
-            <a:off x="2240228" y="2222994"/>
-            <a:ext cx="1804538" cy="3502673"/>
-          </a:xfrm>
-          <a:prstGeom prst="bentArrow">
-            <a:avLst>
-              <a:gd name="adj1" fmla="val 6635"/>
-              <a:gd name="adj2" fmla="val 10433"/>
-              <a:gd name="adj3" fmla="val 38935"/>
-              <a:gd name="adj4" fmla="val 61065"/>
-            </a:avLst>
-          </a:prstGeom>
-          <a:solidFill>
-            <a:schemeClr val="accent6">
-              <a:lumMod val="20000"/>
-              <a:lumOff val="80000"/>
-            </a:schemeClr>
-          </a:solidFill>
-          <a:ln>
-            <a:noFill/>
-          </a:ln>
-        </p:spPr>
-        <p:style>
-          <a:lnRef idx="2">
-            <a:schemeClr val="accent1">
-              <a:shade val="15000"/>
-            </a:schemeClr>
-          </a:lnRef>
-          <a:fillRef idx="1">
-            <a:schemeClr val="accent1"/>
-          </a:fillRef>
-          <a:effectRef idx="0">
-            <a:schemeClr val="accent1"/>
-          </a:effectRef>
-          <a:fontRef idx="minor">
-            <a:schemeClr val="lt1"/>
-          </a:fontRef>
-        </p:style>
-        <p:txBody>
-          <a:bodyPr rtlCol="0" anchor="ctr"/>
-          <a:lstStyle/>
-          <a:p>
-            <a:pPr algn="ctr"/>
-            <a:endParaRPr lang="es-ES" dirty="0">
-              <a:solidFill>
-                <a:schemeClr val="tx1"/>
-              </a:solidFill>
-            </a:endParaRPr>
-          </a:p>
-        </p:txBody>
-      </p:sp>
-      <p:pic>
-        <p:nvPicPr>
-          <p:cNvPr id="9" name="Imagen 8">
-            <a:extLst>
-              <a:ext uri="{FF2B5EF4-FFF2-40B4-BE49-F238E27FC236}">
-                <a16:creationId xmlns:a16="http://schemas.microsoft.com/office/drawing/2014/main" id="{1EB9C1CE-CCD0-3C61-B2B2-19CB65C95E82}"/>
-              </a:ext>
-            </a:extLst>
-          </p:cNvPr>
-          <p:cNvPicPr>
-            <a:picLocks noChangeAspect="1"/>
-          </p:cNvPicPr>
-          <p:nvPr/>
-        </p:nvPicPr>
-        <p:blipFill>
-          <a:blip r:embed="rId3" cstate="print">
-            <a:extLst>
-              <a:ext uri="{28A0092B-C50C-407E-A947-70E740481C1C}">
-                <a14:useLocalDpi xmlns:a14="http://schemas.microsoft.com/office/drawing/2010/main" val="0"/>
-              </a:ext>
-            </a:extLst>
-          </a:blip>
-          <a:srcRect/>
-          <a:stretch>
-            <a:fillRect/>
-          </a:stretch>
-        </p:blipFill>
-        <p:spPr bwMode="auto">
-          <a:xfrm>
-            <a:off x="5425681" y="1026553"/>
-            <a:ext cx="6067512" cy="2636590"/>
-          </a:xfrm>
-          <a:prstGeom prst="rect">
-            <a:avLst/>
-          </a:prstGeom>
-          <a:noFill/>
-          <a:ln>
-            <a:noFill/>
-          </a:ln>
-        </p:spPr>
-      </p:pic>
-      <p:sp>
-        <p:nvSpPr>
-          <p:cNvPr id="10" name="Rectángulo 9">
-            <a:extLst>
-              <a:ext uri="{FF2B5EF4-FFF2-40B4-BE49-F238E27FC236}">
-                <a16:creationId xmlns:a16="http://schemas.microsoft.com/office/drawing/2014/main" id="{53468B07-4896-453E-B137-D48EE40848EA}"/>
-              </a:ext>
-            </a:extLst>
-          </p:cNvPr>
-          <p:cNvSpPr/>
-          <p:nvPr/>
-        </p:nvSpPr>
-        <p:spPr>
-          <a:xfrm>
-            <a:off x="752829" y="1186647"/>
-            <a:ext cx="4983041" cy="1490209"/>
-          </a:xfrm>
-          <a:prstGeom prst="rect">
-            <a:avLst/>
-          </a:prstGeom>
-          <a:solidFill>
-            <a:schemeClr val="accent2"/>
-          </a:solidFill>
-        </p:spPr>
-        <p:style>
-          <a:lnRef idx="2">
-            <a:schemeClr val="accent1">
-              <a:shade val="15000"/>
-            </a:schemeClr>
-          </a:lnRef>
-          <a:fillRef idx="1">
-            <a:schemeClr val="accent1"/>
-          </a:fillRef>
-          <a:effectRef idx="0">
-            <a:schemeClr val="accent1"/>
-          </a:effectRef>
-          <a:fontRef idx="minor">
-            <a:schemeClr val="lt1"/>
-          </a:fontRef>
-        </p:style>
-        <p:txBody>
-          <a:bodyPr rtlCol="0" anchor="ctr"/>
-          <a:lstStyle/>
-          <a:p>
-            <a:pPr algn="ctr"/>
-            <a:endParaRPr lang="es-ES"/>
-          </a:p>
-        </p:txBody>
-      </p:sp>
-      <p:pic>
-        <p:nvPicPr>
-          <p:cNvPr id="18" name="Imagen 17">
-            <a:extLst>
-              <a:ext uri="{FF2B5EF4-FFF2-40B4-BE49-F238E27FC236}">
-                <a16:creationId xmlns:a16="http://schemas.microsoft.com/office/drawing/2014/main" id="{3413A178-BE04-DFF2-4199-181F8E9244A9}"/>
-              </a:ext>
-            </a:extLst>
-          </p:cNvPr>
-          <p:cNvPicPr>
-            <a:picLocks noChangeAspect="1"/>
-          </p:cNvPicPr>
-          <p:nvPr/>
-        </p:nvPicPr>
-        <p:blipFill>
-          <a:blip r:embed="rId4"/>
-          <a:stretch>
-            <a:fillRect/>
-          </a:stretch>
-        </p:blipFill>
-        <p:spPr>
-          <a:xfrm>
-            <a:off x="8330116" y="3882482"/>
-            <a:ext cx="2949849" cy="2636590"/>
-          </a:xfrm>
-          <a:prstGeom prst="rect">
-            <a:avLst/>
-          </a:prstGeom>
-        </p:spPr>
-      </p:pic>
-      <p:sp>
-        <p:nvSpPr>
-          <p:cNvPr id="5" name="CuadroTexto 4">
-            <a:extLst>
-              <a:ext uri="{FF2B5EF4-FFF2-40B4-BE49-F238E27FC236}">
-                <a16:creationId xmlns:a16="http://schemas.microsoft.com/office/drawing/2014/main" id="{3731E630-D5CE-034B-F222-469E2103B9CD}"/>
-              </a:ext>
-            </a:extLst>
-          </p:cNvPr>
-          <p:cNvSpPr txBox="1"/>
-          <p:nvPr/>
-        </p:nvSpPr>
-        <p:spPr>
-          <a:xfrm>
-            <a:off x="7979454" y="-1968417"/>
-            <a:ext cx="960519" cy="307777"/>
-          </a:xfrm>
-          <a:prstGeom prst="rect">
-            <a:avLst/>
-          </a:prstGeom>
-          <a:noFill/>
-        </p:spPr>
-        <p:txBody>
-          <a:bodyPr wrap="none" rtlCol="0">
-            <a:spAutoFit/>
-          </a:bodyPr>
-          <a:lstStyle/>
-          <a:p>
-            <a:r>
-              <a:rPr lang="es-ES" sz="1400">
-                <a:latin typeface="Lexend Medium" pitchFamily="2" charset="77"/>
-              </a:rPr>
-              <a:t>Flexibles</a:t>
-            </a:r>
-          </a:p>
-        </p:txBody>
-      </p:sp>
-      <p:sp>
-        <p:nvSpPr>
-          <p:cNvPr id="6" name="CuadroTexto 5">
-            <a:extLst>
-              <a:ext uri="{FF2B5EF4-FFF2-40B4-BE49-F238E27FC236}">
-                <a16:creationId xmlns:a16="http://schemas.microsoft.com/office/drawing/2014/main" id="{C524B6A1-AE7B-AD48-0D5A-E236B783BE6E}"/>
-              </a:ext>
-            </a:extLst>
-          </p:cNvPr>
-          <p:cNvSpPr txBox="1"/>
-          <p:nvPr/>
-        </p:nvSpPr>
-        <p:spPr>
-          <a:xfrm>
-            <a:off x="7979454" y="-1306642"/>
-            <a:ext cx="1197764" cy="307777"/>
-          </a:xfrm>
-          <a:prstGeom prst="rect">
-            <a:avLst/>
-          </a:prstGeom>
-          <a:noFill/>
-        </p:spPr>
-        <p:txBody>
-          <a:bodyPr wrap="none" rtlCol="0">
-            <a:spAutoFit/>
-          </a:bodyPr>
-          <a:lstStyle/>
-          <a:p>
-            <a:r>
-              <a:rPr lang="es-ES" sz="1400">
-                <a:latin typeface="Lexend Medium" pitchFamily="2" charset="77"/>
-              </a:rPr>
-              <a:t>Adaptables</a:t>
-            </a:r>
-          </a:p>
-        </p:txBody>
-      </p:sp>
-      <p:sp>
-        <p:nvSpPr>
-          <p:cNvPr id="7" name="CuadroTexto 6">
-            <a:extLst>
-              <a:ext uri="{FF2B5EF4-FFF2-40B4-BE49-F238E27FC236}">
-                <a16:creationId xmlns:a16="http://schemas.microsoft.com/office/drawing/2014/main" id="{0397449C-ECC1-29B7-22BF-5F26C70D1CAC}"/>
-              </a:ext>
-            </a:extLst>
-          </p:cNvPr>
-          <p:cNvSpPr txBox="1"/>
-          <p:nvPr/>
-        </p:nvSpPr>
-        <p:spPr>
-          <a:xfrm>
-            <a:off x="10165557" y="-1882545"/>
-            <a:ext cx="1114408" cy="307777"/>
-          </a:xfrm>
-          <a:prstGeom prst="rect">
-            <a:avLst/>
-          </a:prstGeom>
-          <a:noFill/>
-        </p:spPr>
-        <p:txBody>
-          <a:bodyPr wrap="none" rtlCol="0">
-            <a:spAutoFit/>
-          </a:bodyPr>
-          <a:lstStyle/>
-          <a:p>
-            <a:r>
-              <a:rPr lang="es-ES" sz="1400">
-                <a:latin typeface="Lexend Medium" pitchFamily="2" charset="77"/>
-              </a:rPr>
-              <a:t>Escalables</a:t>
-            </a:r>
-          </a:p>
-        </p:txBody>
-      </p:sp>
-      <p:sp>
-        <p:nvSpPr>
-          <p:cNvPr id="8" name="CuadroTexto 7">
-            <a:extLst>
-              <a:ext uri="{FF2B5EF4-FFF2-40B4-BE49-F238E27FC236}">
-                <a16:creationId xmlns:a16="http://schemas.microsoft.com/office/drawing/2014/main" id="{0339497C-5A06-FF16-785A-5BD78852F4A2}"/>
-              </a:ext>
-            </a:extLst>
-          </p:cNvPr>
-          <p:cNvSpPr txBox="1"/>
-          <p:nvPr/>
-        </p:nvSpPr>
-        <p:spPr>
-          <a:xfrm>
-            <a:off x="10165557" y="-1254251"/>
-            <a:ext cx="1003801" cy="307777"/>
-          </a:xfrm>
-          <a:prstGeom prst="rect">
-            <a:avLst/>
-          </a:prstGeom>
-          <a:noFill/>
-        </p:spPr>
-        <p:txBody>
-          <a:bodyPr wrap="none" rtlCol="0">
-            <a:spAutoFit/>
-          </a:bodyPr>
-          <a:lstStyle/>
-          <a:p>
-            <a:r>
-              <a:rPr lang="es-ES" sz="1400">
-                <a:latin typeface="Lexend Medium" pitchFamily="2" charset="77"/>
-              </a:rPr>
-              <a:t>Robustos</a:t>
-            </a:r>
-          </a:p>
-        </p:txBody>
-      </p:sp>
-      <p:grpSp>
-        <p:nvGrpSpPr>
-          <p:cNvPr id="14" name="Grupo 13">
-            <a:extLst>
-              <a:ext uri="{FF2B5EF4-FFF2-40B4-BE49-F238E27FC236}">
-                <a16:creationId xmlns:a16="http://schemas.microsoft.com/office/drawing/2014/main" id="{61E66BF9-FAD4-4BE7-09AB-8208AF338E43}"/>
-              </a:ext>
-            </a:extLst>
-          </p:cNvPr>
-          <p:cNvGrpSpPr/>
-          <p:nvPr/>
-        </p:nvGrpSpPr>
-        <p:grpSpPr>
-          <a:xfrm>
-            <a:off x="942680" y="-4681737"/>
-            <a:ext cx="5137934" cy="4170376"/>
-            <a:chOff x="3880339" y="2126063"/>
-            <a:chExt cx="5137934" cy="4170376"/>
-          </a:xfrm>
-        </p:grpSpPr>
-        <p:sp>
-          <p:nvSpPr>
-            <p:cNvPr id="15" name="CuadroTexto 14">
-              <a:extLst>
-                <a:ext uri="{FF2B5EF4-FFF2-40B4-BE49-F238E27FC236}">
-                  <a16:creationId xmlns:a16="http://schemas.microsoft.com/office/drawing/2014/main" id="{F83F373E-2A60-B5C5-4207-BDDEBE48B534}"/>
-                </a:ext>
-              </a:extLst>
-            </p:cNvPr>
-            <p:cNvSpPr txBox="1"/>
-            <p:nvPr/>
-          </p:nvSpPr>
-          <p:spPr>
-            <a:xfrm>
-              <a:off x="4194207" y="2126063"/>
-              <a:ext cx="4297971" cy="461665"/>
-            </a:xfrm>
-            <a:prstGeom prst="rect">
-              <a:avLst/>
-            </a:prstGeom>
-            <a:noFill/>
-          </p:spPr>
-          <p:txBody>
-            <a:bodyPr wrap="none" rtlCol="0">
-              <a:spAutoFit/>
-            </a:bodyPr>
-            <a:lstStyle/>
-            <a:p>
-              <a:r>
-                <a:rPr lang="es-ES" sz="2400" b="1">
-                  <a:latin typeface="Lexend SemiBold" pitchFamily="2" charset="77"/>
-                </a:rPr>
-                <a:t>Nuestro decálogo de </a:t>
-              </a:r>
-              <a:r>
-                <a:rPr lang="es-ES" sz="2400" b="1">
-                  <a:solidFill>
-                    <a:schemeClr val="accent3"/>
-                  </a:solidFill>
-                  <a:latin typeface="Lexend SemiBold" pitchFamily="2" charset="77"/>
-                </a:rPr>
-                <a:t>valor</a:t>
-              </a:r>
-            </a:p>
-          </p:txBody>
-        </p:sp>
-        <p:sp>
-          <p:nvSpPr>
-            <p:cNvPr id="16" name="CuadroTexto 15">
-              <a:extLst>
-                <a:ext uri="{FF2B5EF4-FFF2-40B4-BE49-F238E27FC236}">
-                  <a16:creationId xmlns:a16="http://schemas.microsoft.com/office/drawing/2014/main" id="{3E5AC716-5D20-6CFC-2752-DC62DEFA4BB3}"/>
-                </a:ext>
-              </a:extLst>
-            </p:cNvPr>
-            <p:cNvSpPr txBox="1"/>
-            <p:nvPr/>
-          </p:nvSpPr>
-          <p:spPr>
-            <a:xfrm>
-              <a:off x="4276269" y="2686989"/>
-              <a:ext cx="4742004" cy="3609450"/>
-            </a:xfrm>
-            <a:prstGeom prst="rect">
-              <a:avLst/>
-            </a:prstGeom>
-            <a:noFill/>
-          </p:spPr>
-          <p:txBody>
-            <a:bodyPr wrap="none" rtlCol="0">
-              <a:spAutoFit/>
-            </a:bodyPr>
-            <a:lstStyle/>
-            <a:p>
-              <a:pPr marL="285750" indent="-285750">
-                <a:lnSpc>
-                  <a:spcPct val="150000"/>
-                </a:lnSpc>
-                <a:buFont typeface="Wingdings" pitchFamily="2" charset="2"/>
-                <a:buChar char="Ø"/>
-              </a:pPr>
-              <a:r>
-                <a:rPr lang="es-ES" sz="1400">
-                  <a:latin typeface="Lexend ExtraLight" pitchFamily="2" charset="77"/>
-                </a:rPr>
-                <a:t>Arquitecturas limpias</a:t>
-              </a:r>
-            </a:p>
-            <a:p>
-              <a:pPr marL="285750" indent="-285750">
-                <a:lnSpc>
-                  <a:spcPct val="150000"/>
-                </a:lnSpc>
-                <a:buFont typeface="Wingdings" pitchFamily="2" charset="2"/>
-                <a:buChar char="Ø"/>
-              </a:pPr>
-              <a:r>
-                <a:rPr lang="es-ES" sz="1400">
-                  <a:latin typeface="Lexend ExtraLight" pitchFamily="2" charset="77"/>
-                </a:rPr>
-                <a:t>Arquitecturas monolíticas</a:t>
-              </a:r>
-            </a:p>
-            <a:p>
-              <a:pPr marL="285750" indent="-285750">
-                <a:lnSpc>
-                  <a:spcPct val="150000"/>
-                </a:lnSpc>
-                <a:buFont typeface="Wingdings" pitchFamily="2" charset="2"/>
-                <a:buChar char="Ø"/>
-              </a:pPr>
-              <a:r>
-                <a:rPr lang="es-ES" sz="1400">
-                  <a:latin typeface="Lexend ExtraLight" pitchFamily="2" charset="77"/>
-                </a:rPr>
-                <a:t>Arquitecturas distribuidas</a:t>
-              </a:r>
-            </a:p>
-            <a:p>
-              <a:pPr marL="285750" indent="-285750">
-                <a:lnSpc>
-                  <a:spcPct val="150000"/>
-                </a:lnSpc>
-                <a:buFont typeface="Wingdings" pitchFamily="2" charset="2"/>
-                <a:buChar char="Ø"/>
-              </a:pPr>
-              <a:r>
-                <a:rPr lang="es-ES" sz="1400">
-                  <a:latin typeface="Lexend ExtraLight" pitchFamily="2" charset="77"/>
-                </a:rPr>
-                <a:t>Arquitecturas de Microservicios</a:t>
-              </a:r>
-            </a:p>
-            <a:p>
-              <a:pPr marL="285750" indent="-285750">
-                <a:lnSpc>
-                  <a:spcPct val="150000"/>
-                </a:lnSpc>
-                <a:buFont typeface="Wingdings" pitchFamily="2" charset="2"/>
-                <a:buChar char="Ø"/>
-              </a:pPr>
-              <a:r>
-                <a:rPr lang="es-ES" sz="1400">
-                  <a:latin typeface="Lexend ExtraLight" pitchFamily="2" charset="77"/>
-                </a:rPr>
-                <a:t>Service Mesh</a:t>
-              </a:r>
-            </a:p>
-            <a:p>
-              <a:pPr marL="285750" indent="-285750">
-                <a:lnSpc>
-                  <a:spcPct val="150000"/>
-                </a:lnSpc>
-                <a:buFont typeface="Wingdings" pitchFamily="2" charset="2"/>
-                <a:buChar char="Ø"/>
-              </a:pPr>
-              <a:r>
-                <a:rPr lang="es-ES" sz="1400">
-                  <a:latin typeface="Lexend ExtraLight" pitchFamily="2" charset="77"/>
-                </a:rPr>
-                <a:t>Arquitecturas orientadas a Eventos</a:t>
-              </a:r>
-            </a:p>
-            <a:p>
-              <a:pPr marL="285750" indent="-285750">
-                <a:lnSpc>
-                  <a:spcPct val="150000"/>
-                </a:lnSpc>
-                <a:buFont typeface="Wingdings" pitchFamily="2" charset="2"/>
-                <a:buChar char="Ø"/>
-              </a:pPr>
-              <a:r>
-                <a:rPr lang="es-ES" sz="1400">
-                  <a:latin typeface="Lexend ExtraLight" pitchFamily="2" charset="77"/>
-                </a:rPr>
-                <a:t>Brokers y plataformas de streaming</a:t>
-              </a:r>
-            </a:p>
-            <a:p>
-              <a:pPr marL="285750" indent="-285750">
-                <a:lnSpc>
-                  <a:spcPct val="150000"/>
-                </a:lnSpc>
-                <a:buFont typeface="Wingdings" pitchFamily="2" charset="2"/>
-                <a:buChar char="Ø"/>
-              </a:pPr>
-              <a:r>
-                <a:rPr lang="es-ES" sz="1400">
-                  <a:latin typeface="Lexend ExtraLight" pitchFamily="2" charset="77"/>
-                </a:rPr>
-                <a:t>Microfrontales y Servicios BFF</a:t>
-              </a:r>
-            </a:p>
-            <a:p>
-              <a:pPr marL="285750" indent="-285750">
-                <a:lnSpc>
-                  <a:spcPct val="150000"/>
-                </a:lnSpc>
-                <a:buFont typeface="Wingdings" pitchFamily="2" charset="2"/>
-                <a:buChar char="Ø"/>
-              </a:pPr>
-              <a:r>
-                <a:rPr lang="es-ES" sz="1400">
-                  <a:latin typeface="Lexend ExtraLight" pitchFamily="2" charset="77"/>
-                </a:rPr>
-                <a:t>Arquitecturas inteligentes y analítica avanzada</a:t>
-              </a:r>
-            </a:p>
-            <a:p>
-              <a:pPr marL="285750" indent="-285750">
-                <a:lnSpc>
-                  <a:spcPct val="150000"/>
-                </a:lnSpc>
-                <a:buFont typeface="Wingdings" pitchFamily="2" charset="2"/>
-                <a:buChar char="Ø"/>
-              </a:pPr>
-              <a:r>
-                <a:rPr lang="es-ES" sz="1400">
-                  <a:latin typeface="Lexend ExtraLight" pitchFamily="2" charset="77"/>
-                </a:rPr>
-                <a:t>Arquitecturas híbridas</a:t>
-              </a:r>
-            </a:p>
-            <a:p>
-              <a:pPr>
-                <a:lnSpc>
-                  <a:spcPct val="150000"/>
-                </a:lnSpc>
-              </a:pPr>
-              <a:r>
-                <a:rPr lang="es-ES" sz="1400">
-                  <a:latin typeface="Lexend ExtraLight" pitchFamily="2" charset="77"/>
-                </a:rPr>
-                <a:t>      (Cloud | OnPrem | MiltiCloud | Native)</a:t>
-              </a:r>
-            </a:p>
-          </p:txBody>
-        </p:sp>
-        <p:pic>
-          <p:nvPicPr>
-            <p:cNvPr id="17" name="Gráfico 16" descr="Reproducir con relleno sólido">
-              <a:extLst>
-                <a:ext uri="{FF2B5EF4-FFF2-40B4-BE49-F238E27FC236}">
-                  <a16:creationId xmlns:a16="http://schemas.microsoft.com/office/drawing/2014/main" id="{75A3527B-AB05-3EA7-CA17-137C76337634}"/>
-                </a:ext>
-              </a:extLst>
-            </p:cNvPr>
-            <p:cNvPicPr>
-              <a:picLocks noChangeAspect="1"/>
-            </p:cNvPicPr>
-            <p:nvPr/>
-          </p:nvPicPr>
-          <p:blipFill>
-            <a:blip r:embed="rId5" cstate="screen">
-              <a:extLst>
-                <a:ext uri="{28A0092B-C50C-407E-A947-70E740481C1C}">
-                  <a14:useLocalDpi xmlns:a14="http://schemas.microsoft.com/office/drawing/2010/main"/>
-                </a:ext>
-                <a:ext uri="{96DAC541-7B7A-43D3-8B79-37D633B846F1}">
-                  <asvg:svgBlip xmlns:asvg="http://schemas.microsoft.com/office/drawing/2016/SVG/main" r:embed="rId6"/>
-                </a:ext>
-              </a:extLst>
-            </a:blip>
-            <a:stretch>
-              <a:fillRect/>
-            </a:stretch>
-          </p:blipFill>
-          <p:spPr>
-            <a:xfrm>
-              <a:off x="3880339" y="2212673"/>
-              <a:ext cx="313868" cy="313868"/>
-            </a:xfrm>
-            <a:prstGeom prst="rect">
-              <a:avLst/>
-            </a:prstGeom>
-          </p:spPr>
-        </p:pic>
-      </p:grpSp>
-      <p:sp>
-        <p:nvSpPr>
-          <p:cNvPr id="23" name="CuadroTexto 22">
-            <a:extLst>
-              <a:ext uri="{FF2B5EF4-FFF2-40B4-BE49-F238E27FC236}">
-                <a16:creationId xmlns:a16="http://schemas.microsoft.com/office/drawing/2014/main" id="{57AE97F2-5C08-0689-26CF-7EEB1C83540C}"/>
-              </a:ext>
-            </a:extLst>
-          </p:cNvPr>
-          <p:cNvSpPr txBox="1"/>
-          <p:nvPr/>
-        </p:nvSpPr>
-        <p:spPr>
-          <a:xfrm>
-            <a:off x="12605946" y="2202923"/>
-            <a:ext cx="1582421" cy="707886"/>
-          </a:xfrm>
-          <a:prstGeom prst="rect">
-            <a:avLst/>
-          </a:prstGeom>
-          <a:noFill/>
-        </p:spPr>
-        <p:txBody>
-          <a:bodyPr wrap="none" rtlCol="0">
-            <a:spAutoFit/>
-          </a:bodyPr>
-          <a:lstStyle/>
-          <a:p>
-            <a:r>
-              <a:rPr lang="es-ES" sz="2000">
-                <a:solidFill>
-                  <a:schemeClr val="bg1">
-                    <a:lumMod val="50000"/>
-                  </a:schemeClr>
-                </a:solidFill>
-                <a:latin typeface="Sama Devanagari" panose="020F0603040507060303" pitchFamily="34" charset="0"/>
-                <a:cs typeface="Sama Devanagari" panose="020F0603040507060303" pitchFamily="34" charset="0"/>
-              </a:rPr>
-              <a:t>Implantación</a:t>
-            </a:r>
-          </a:p>
-          <a:p>
-            <a:r>
-              <a:rPr lang="es-ES" sz="2000">
-                <a:solidFill>
-                  <a:schemeClr val="bg1">
-                    <a:lumMod val="50000"/>
-                  </a:schemeClr>
-                </a:solidFill>
-                <a:latin typeface="Sama Devanagari" panose="020F0603040507060303" pitchFamily="34" charset="0"/>
-                <a:cs typeface="Sama Devanagari" panose="020F0603040507060303" pitchFamily="34" charset="0"/>
-              </a:rPr>
-              <a:t>Validación</a:t>
-            </a:r>
-          </a:p>
-        </p:txBody>
-      </p:sp>
-      <p:sp>
-        <p:nvSpPr>
-          <p:cNvPr id="27" name="CuadroTexto 26">
-            <a:extLst>
-              <a:ext uri="{FF2B5EF4-FFF2-40B4-BE49-F238E27FC236}">
-                <a16:creationId xmlns:a16="http://schemas.microsoft.com/office/drawing/2014/main" id="{0EF8CCA7-6E95-0E84-84D0-6D9E51EDD9D3}"/>
-              </a:ext>
-            </a:extLst>
-          </p:cNvPr>
-          <p:cNvSpPr txBox="1"/>
-          <p:nvPr/>
-        </p:nvSpPr>
-        <p:spPr>
-          <a:xfrm>
-            <a:off x="769177" y="460596"/>
-            <a:ext cx="4985660" cy="523220"/>
-          </a:xfrm>
-          <a:prstGeom prst="rect">
-            <a:avLst/>
-          </a:prstGeom>
-          <a:noFill/>
-        </p:spPr>
-        <p:txBody>
-          <a:bodyPr wrap="none" rtlCol="0">
-            <a:spAutoFit/>
-          </a:bodyPr>
-          <a:lstStyle/>
-          <a:p>
-            <a:r>
-              <a:rPr lang="es-ES" sz="2800" b="1" dirty="0">
-                <a:solidFill>
-                  <a:schemeClr val="accent1"/>
-                </a:solidFill>
-                <a:latin typeface="Barlow" pitchFamily="2" charset="77"/>
-              </a:rPr>
-              <a:t>Plataforma Eventos </a:t>
-            </a:r>
-            <a:r>
-              <a:rPr lang="es-ES" sz="2800" b="1" dirty="0">
-                <a:solidFill>
-                  <a:schemeClr val="accent6"/>
-                </a:solidFill>
-                <a:latin typeface="Barlow" pitchFamily="2" charset="77"/>
-              </a:rPr>
-              <a:t>Confluent</a:t>
-            </a:r>
-          </a:p>
-        </p:txBody>
-      </p:sp>
-      <p:sp>
-        <p:nvSpPr>
-          <p:cNvPr id="28" name="CuadroTexto 27">
-            <a:extLst>
-              <a:ext uri="{FF2B5EF4-FFF2-40B4-BE49-F238E27FC236}">
-                <a16:creationId xmlns:a16="http://schemas.microsoft.com/office/drawing/2014/main" id="{776AF6E9-97A5-080B-5BD6-B8653268E68F}"/>
-              </a:ext>
-            </a:extLst>
-          </p:cNvPr>
-          <p:cNvSpPr txBox="1"/>
-          <p:nvPr/>
-        </p:nvSpPr>
-        <p:spPr>
-          <a:xfrm>
-            <a:off x="755877" y="2765344"/>
-            <a:ext cx="4798642" cy="830997"/>
-          </a:xfrm>
-          <a:prstGeom prst="rect">
-            <a:avLst/>
-          </a:prstGeom>
-          <a:noFill/>
-        </p:spPr>
-        <p:txBody>
-          <a:bodyPr wrap="square" rtlCol="0">
-            <a:spAutoFit/>
-          </a:bodyPr>
-          <a:lstStyle>
-            <a:defPPr>
-              <a:defRPr lang="es-ES"/>
-            </a:defPPr>
-            <a:lvl1pPr>
-              <a:defRPr sz="1200" b="1">
-                <a:solidFill>
-                  <a:schemeClr val="accent1"/>
-                </a:solidFill>
-                <a:latin typeface="Barlow" pitchFamily="2" charset="77"/>
-              </a:defRPr>
-            </a:lvl1pPr>
-          </a:lstStyle>
-          <a:p>
-            <a:r>
-              <a:rPr lang="es-ES" dirty="0"/>
-              <a:t>Configuración y gestión de errores:</a:t>
-            </a:r>
-          </a:p>
-          <a:p>
-            <a:pPr marL="171450" indent="-171450">
-              <a:buFont typeface="Arial" panose="020B0604020202020204" pitchFamily="34" charset="0"/>
-              <a:buChar char="•"/>
-            </a:pPr>
-            <a:r>
-              <a:rPr lang="es-ES" b="0" dirty="0"/>
-              <a:t>Clasificación de tipos de errores</a:t>
-            </a:r>
-          </a:p>
-          <a:p>
-            <a:pPr marL="171450" indent="-171450">
-              <a:buFont typeface="Arial" panose="020B0604020202020204" pitchFamily="34" charset="0"/>
-              <a:buChar char="•"/>
-            </a:pPr>
-            <a:r>
-              <a:rPr lang="es-ES" b="0" dirty="0" err="1"/>
-              <a:t>Logging</a:t>
-            </a:r>
-            <a:r>
-              <a:rPr lang="es-ES" b="0" dirty="0"/>
-              <a:t> y monitorización </a:t>
-            </a:r>
-          </a:p>
-          <a:p>
-            <a:pPr marL="171450" indent="-171450">
-              <a:buFont typeface="Arial" panose="020B0604020202020204" pitchFamily="34" charset="0"/>
-              <a:buChar char="•"/>
-            </a:pPr>
-            <a:r>
-              <a:rPr lang="es-ES" b="0" dirty="0"/>
-              <a:t>Definición de políticas de reintentos y </a:t>
-            </a:r>
-            <a:r>
-              <a:rPr lang="es-ES" b="0" dirty="0" err="1"/>
-              <a:t>Dead</a:t>
-            </a:r>
-            <a:r>
-              <a:rPr lang="es-ES" b="0" dirty="0"/>
-              <a:t> </a:t>
-            </a:r>
-            <a:r>
-              <a:rPr lang="es-ES" b="0" dirty="0" err="1"/>
-              <a:t>Letter</a:t>
-            </a:r>
-            <a:r>
-              <a:rPr lang="es-ES" b="0" dirty="0"/>
-              <a:t> </a:t>
-            </a:r>
-            <a:r>
-              <a:rPr lang="es-ES" b="0" dirty="0" err="1"/>
-              <a:t>Queues</a:t>
-            </a:r>
-            <a:endParaRPr lang="es-ES" b="0" dirty="0"/>
-          </a:p>
-        </p:txBody>
-      </p:sp>
-      <p:sp>
-        <p:nvSpPr>
-          <p:cNvPr id="2" name="CuadroTexto 1">
-            <a:extLst>
-              <a:ext uri="{FF2B5EF4-FFF2-40B4-BE49-F238E27FC236}">
-                <a16:creationId xmlns:a16="http://schemas.microsoft.com/office/drawing/2014/main" id="{47585670-77FD-F733-7004-71F0476BA0FD}"/>
-              </a:ext>
-            </a:extLst>
-          </p:cNvPr>
-          <p:cNvSpPr txBox="1"/>
-          <p:nvPr/>
-        </p:nvSpPr>
-        <p:spPr>
-          <a:xfrm>
-            <a:off x="771796" y="1231008"/>
-            <a:ext cx="4983041" cy="1569660"/>
-          </a:xfrm>
-          <a:prstGeom prst="rect">
-            <a:avLst/>
-          </a:prstGeom>
-          <a:noFill/>
-        </p:spPr>
-        <p:txBody>
-          <a:bodyPr wrap="square" rtlCol="0">
-            <a:spAutoFit/>
-          </a:bodyPr>
-          <a:lstStyle/>
-          <a:p>
-            <a:r>
-              <a:rPr lang="es-ES" sz="1200" b="1" dirty="0">
-                <a:solidFill>
-                  <a:schemeClr val="accent1"/>
-                </a:solidFill>
-                <a:latin typeface="Barlow" pitchFamily="2" charset="77"/>
-              </a:rPr>
-              <a:t>Creación de dos </a:t>
-            </a:r>
-            <a:r>
-              <a:rPr lang="es-ES" sz="1200" b="1" dirty="0" err="1">
-                <a:solidFill>
-                  <a:schemeClr val="accent1"/>
-                </a:solidFill>
-                <a:latin typeface="Barlow" pitchFamily="2" charset="77"/>
-              </a:rPr>
-              <a:t>Enviroment</a:t>
-            </a:r>
-            <a:r>
-              <a:rPr lang="es-ES" sz="1200" b="1" dirty="0">
-                <a:solidFill>
-                  <a:schemeClr val="accent1"/>
-                </a:solidFill>
-                <a:latin typeface="Barlow" pitchFamily="2" charset="77"/>
-              </a:rPr>
-              <a:t>, uno productivo y otro NO productivo</a:t>
-            </a:r>
-            <a:endParaRPr lang="es-ES" sz="1200" dirty="0">
-              <a:solidFill>
-                <a:schemeClr val="accent1"/>
-              </a:solidFill>
-              <a:latin typeface="Barlow" pitchFamily="2" charset="77"/>
-            </a:endParaRPr>
-          </a:p>
-          <a:p>
-            <a:r>
-              <a:rPr lang="es-ES" sz="1200" dirty="0">
-                <a:solidFill>
-                  <a:schemeClr val="accent1"/>
-                </a:solidFill>
-                <a:latin typeface="Barlow" pitchFamily="2" charset="77"/>
-              </a:rPr>
-              <a:t>Para ello, planteamos:</a:t>
-            </a:r>
-          </a:p>
-          <a:p>
-            <a:pPr indent="-171450">
-              <a:buFont typeface="Arial" panose="020B0604020202020204" pitchFamily="34" charset="0"/>
-              <a:buChar char="•"/>
-            </a:pPr>
-            <a:r>
-              <a:rPr lang="es-ES" sz="1200" dirty="0">
-                <a:solidFill>
-                  <a:schemeClr val="accent1"/>
-                </a:solidFill>
-                <a:latin typeface="Barlow" pitchFamily="2" charset="77"/>
-              </a:rPr>
-              <a:t>Definición de requisitos</a:t>
-            </a:r>
-          </a:p>
-          <a:p>
-            <a:pPr indent="-171450">
-              <a:buFont typeface="Arial" panose="020B0604020202020204" pitchFamily="34" charset="0"/>
-              <a:buChar char="•"/>
-            </a:pPr>
-            <a:r>
-              <a:rPr lang="es-ES" sz="1200" dirty="0">
-                <a:solidFill>
-                  <a:schemeClr val="accent1"/>
-                </a:solidFill>
-                <a:latin typeface="Barlow" pitchFamily="2" charset="77"/>
-              </a:rPr>
-              <a:t>Uso de scripts de Terraform, usando Confluent Terraform </a:t>
-            </a:r>
-            <a:r>
-              <a:rPr lang="es-ES" sz="1200" dirty="0" err="1">
-                <a:solidFill>
-                  <a:schemeClr val="accent1"/>
-                </a:solidFill>
-                <a:latin typeface="Barlow" pitchFamily="2" charset="77"/>
-              </a:rPr>
-              <a:t>Provider</a:t>
-            </a:r>
-            <a:r>
-              <a:rPr lang="es-ES" sz="1200" dirty="0">
-                <a:solidFill>
-                  <a:schemeClr val="accent1"/>
-                </a:solidFill>
-                <a:latin typeface="Barlow" pitchFamily="2" charset="77"/>
-              </a:rPr>
-              <a:t>.</a:t>
-            </a:r>
-          </a:p>
-          <a:p>
-            <a:pPr indent="-171450">
-              <a:buFont typeface="Arial" panose="020B0604020202020204" pitchFamily="34" charset="0"/>
-              <a:buChar char="•"/>
-            </a:pPr>
-            <a:r>
-              <a:rPr lang="es-ES" sz="1200" dirty="0">
-                <a:solidFill>
-                  <a:schemeClr val="accent1"/>
-                </a:solidFill>
-                <a:latin typeface="Barlow" pitchFamily="2" charset="77"/>
-              </a:rPr>
-              <a:t>Configuración de la seguridad</a:t>
-            </a:r>
-          </a:p>
-          <a:p>
-            <a:pPr indent="-171450">
-              <a:buFont typeface="Arial" panose="020B0604020202020204" pitchFamily="34" charset="0"/>
-              <a:buChar char="•"/>
-            </a:pPr>
-            <a:r>
-              <a:rPr lang="es-ES" sz="1200" dirty="0">
-                <a:solidFill>
-                  <a:schemeClr val="accent1"/>
-                </a:solidFill>
-                <a:latin typeface="Barlow" pitchFamily="2" charset="77"/>
-              </a:rPr>
-              <a:t>Automatización de despliegue</a:t>
-            </a:r>
-          </a:p>
-          <a:p>
-            <a:pPr indent="-171450">
-              <a:buFont typeface="Arial" panose="020B0604020202020204" pitchFamily="34" charset="0"/>
-              <a:buChar char="•"/>
-            </a:pPr>
-            <a:r>
-              <a:rPr lang="es-ES" sz="1200" dirty="0">
-                <a:solidFill>
-                  <a:schemeClr val="accent1"/>
-                </a:solidFill>
-                <a:latin typeface="Barlow" pitchFamily="2" charset="77"/>
-              </a:rPr>
-              <a:t>Realización de pruebas de integración y generación de documentación</a:t>
-            </a:r>
-          </a:p>
-          <a:p>
-            <a:endParaRPr lang="es-ES" sz="1200" dirty="0">
-              <a:solidFill>
-                <a:schemeClr val="accent1"/>
-              </a:solidFill>
-              <a:latin typeface="Barlow" pitchFamily="2" charset="77"/>
-            </a:endParaRPr>
-          </a:p>
-        </p:txBody>
-      </p:sp>
-      <p:sp>
-        <p:nvSpPr>
-          <p:cNvPr id="3" name="CuadroTexto 2">
-            <a:extLst>
-              <a:ext uri="{FF2B5EF4-FFF2-40B4-BE49-F238E27FC236}">
-                <a16:creationId xmlns:a16="http://schemas.microsoft.com/office/drawing/2014/main" id="{75BDD186-BEFC-9EE3-A5E1-65801F8C564E}"/>
-              </a:ext>
-            </a:extLst>
-          </p:cNvPr>
-          <p:cNvSpPr txBox="1"/>
-          <p:nvPr/>
-        </p:nvSpPr>
-        <p:spPr>
-          <a:xfrm>
-            <a:off x="752829" y="3725368"/>
-            <a:ext cx="5181627" cy="1046440"/>
-          </a:xfrm>
-          <a:prstGeom prst="rect">
-            <a:avLst/>
-          </a:prstGeom>
-          <a:noFill/>
-        </p:spPr>
-        <p:txBody>
-          <a:bodyPr wrap="square" rtlCol="0">
-            <a:spAutoFit/>
-          </a:bodyPr>
-          <a:lstStyle>
-            <a:defPPr>
-              <a:defRPr lang="es-ES"/>
-            </a:defPPr>
-            <a:lvl1pPr>
-              <a:defRPr sz="1200" b="1">
-                <a:solidFill>
-                  <a:schemeClr val="accent1"/>
-                </a:solidFill>
-                <a:latin typeface="Barlow" pitchFamily="2" charset="77"/>
-              </a:defRPr>
-            </a:lvl1pPr>
-          </a:lstStyle>
-          <a:p>
-            <a:r>
-              <a:rPr lang="es-ES" dirty="0"/>
-              <a:t>Pruebas de rendimiento y escalado:</a:t>
-            </a:r>
-          </a:p>
-          <a:p>
-            <a:pPr marL="171450" indent="-171450">
-              <a:buFont typeface="Arial" panose="020B0604020202020204" pitchFamily="34" charset="0"/>
-              <a:buChar char="•"/>
-            </a:pPr>
-            <a:r>
-              <a:rPr lang="es-ES" b="0" dirty="0"/>
-              <a:t>Definir los objetivos de rendimiento y escalabilidad</a:t>
-            </a:r>
-          </a:p>
-          <a:p>
-            <a:pPr marL="171450" indent="-171450">
-              <a:buFont typeface="Arial" panose="020B0604020202020204" pitchFamily="34" charset="0"/>
-              <a:buChar char="•"/>
-            </a:pPr>
-            <a:r>
-              <a:rPr lang="es-ES" b="0" dirty="0"/>
-              <a:t>Preparación del entorno de pruebas</a:t>
-            </a:r>
-          </a:p>
-          <a:p>
-            <a:pPr marL="171450" indent="-171450">
-              <a:buFont typeface="Arial" panose="020B0604020202020204" pitchFamily="34" charset="0"/>
-              <a:buChar char="•"/>
-            </a:pPr>
-            <a:r>
-              <a:rPr lang="es-ES" b="0" dirty="0"/>
-              <a:t>Monitoreo y recopilación de Datos</a:t>
-            </a:r>
-          </a:p>
-          <a:p>
-            <a:pPr marL="171450" indent="-171450">
-              <a:buFont typeface="Arial" panose="020B0604020202020204" pitchFamily="34" charset="0"/>
-              <a:buChar char="•"/>
-            </a:pPr>
-            <a:r>
-              <a:rPr lang="es-ES" b="0" dirty="0"/>
-              <a:t>Analizar los resultados y realizar ajustes en base a los resultados</a:t>
-            </a:r>
-          </a:p>
-        </p:txBody>
-      </p:sp>
-      <p:sp>
-        <p:nvSpPr>
-          <p:cNvPr id="11" name="CuadroTexto 10">
-            <a:extLst>
-              <a:ext uri="{FF2B5EF4-FFF2-40B4-BE49-F238E27FC236}">
-                <a16:creationId xmlns:a16="http://schemas.microsoft.com/office/drawing/2014/main" id="{7C384F6E-5932-A390-985D-3B03742F9592}"/>
-              </a:ext>
-            </a:extLst>
-          </p:cNvPr>
-          <p:cNvSpPr txBox="1"/>
-          <p:nvPr/>
-        </p:nvSpPr>
-        <p:spPr>
-          <a:xfrm>
-            <a:off x="4146851" y="4871384"/>
-            <a:ext cx="4007336" cy="1569660"/>
-          </a:xfrm>
-          <a:prstGeom prst="rect">
-            <a:avLst/>
-          </a:prstGeom>
-          <a:noFill/>
-        </p:spPr>
-        <p:txBody>
-          <a:bodyPr wrap="square" rtlCol="0">
-            <a:spAutoFit/>
-          </a:bodyPr>
-          <a:lstStyle>
-            <a:defPPr>
-              <a:defRPr lang="es-ES"/>
-            </a:defPPr>
-            <a:lvl1pPr>
-              <a:defRPr sz="1200" b="1">
-                <a:solidFill>
-                  <a:schemeClr val="accent1"/>
-                </a:solidFill>
-                <a:latin typeface="Barlow" pitchFamily="2" charset="77"/>
-              </a:defRPr>
-            </a:lvl1pPr>
-          </a:lstStyle>
-          <a:p>
-            <a:r>
-              <a:rPr lang="es-ES" dirty="0"/>
-              <a:t>Plan Disaster Recovery:</a:t>
-            </a:r>
-          </a:p>
-          <a:p>
-            <a:pPr marL="171450" indent="-171450">
-              <a:buFont typeface="Arial" panose="020B0604020202020204" pitchFamily="34" charset="0"/>
-              <a:buChar char="•"/>
-            </a:pPr>
-            <a:r>
-              <a:rPr lang="es-ES" b="0" dirty="0"/>
-              <a:t>Análisis de requisitos y riesgos</a:t>
-            </a:r>
-          </a:p>
-          <a:p>
-            <a:pPr marL="171450" indent="-171450">
-              <a:buFont typeface="Arial" panose="020B0604020202020204" pitchFamily="34" charset="0"/>
-              <a:buChar char="•"/>
-            </a:pPr>
-            <a:r>
-              <a:rPr lang="es-ES" b="0" dirty="0"/>
-              <a:t>Definir la estrategia a usar y diseñar el plan</a:t>
-            </a:r>
-          </a:p>
-          <a:p>
-            <a:pPr marL="171450" indent="-171450">
-              <a:buFont typeface="Arial" panose="020B0604020202020204" pitchFamily="34" charset="0"/>
-              <a:buChar char="•"/>
-            </a:pPr>
-            <a:r>
-              <a:rPr lang="es-ES" b="0" dirty="0"/>
-              <a:t>Definición del plan de pruebas, documentación y simulacros</a:t>
-            </a:r>
-          </a:p>
-          <a:p>
-            <a:pPr marL="171450" indent="-171450">
-              <a:buFont typeface="Arial" panose="020B0604020202020204" pitchFamily="34" charset="0"/>
-              <a:buChar char="•"/>
-            </a:pPr>
-            <a:r>
-              <a:rPr lang="es-ES" b="0" dirty="0"/>
-              <a:t>Nos basamos en:</a:t>
-            </a:r>
-          </a:p>
-          <a:p>
-            <a:pPr marL="628650" lvl="2" indent="-171450">
-              <a:buFont typeface="Wingdings" panose="05000000000000000000" pitchFamily="2" charset="2"/>
-              <a:buChar char="Ø"/>
-            </a:pPr>
-            <a:r>
-              <a:rPr lang="es-ES" sz="1200" dirty="0">
-                <a:solidFill>
-                  <a:schemeClr val="accent1"/>
-                </a:solidFill>
-                <a:latin typeface="Barlow" pitchFamily="2" charset="77"/>
-              </a:rPr>
-              <a:t>AWS </a:t>
-            </a:r>
-            <a:r>
-              <a:rPr lang="es-ES" sz="1200" dirty="0" err="1">
-                <a:solidFill>
-                  <a:schemeClr val="accent1"/>
-                </a:solidFill>
-                <a:latin typeface="Barlow" pitchFamily="2" charset="77"/>
-              </a:rPr>
-              <a:t>Elastic</a:t>
-            </a:r>
-            <a:r>
-              <a:rPr lang="es-ES" sz="1200" dirty="0">
-                <a:solidFill>
-                  <a:schemeClr val="accent1"/>
-                </a:solidFill>
-                <a:latin typeface="Barlow" pitchFamily="2" charset="77"/>
-              </a:rPr>
-              <a:t> Disaster Recovery </a:t>
-            </a:r>
-            <a:r>
-              <a:rPr lang="es-ES" sz="1200" dirty="0" err="1">
-                <a:solidFill>
-                  <a:schemeClr val="accent1"/>
-                </a:solidFill>
-                <a:latin typeface="Barlow" pitchFamily="2" charset="77"/>
-              </a:rPr>
-              <a:t>Service</a:t>
-            </a:r>
-            <a:endParaRPr lang="es-ES" sz="1200" dirty="0">
-              <a:solidFill>
-                <a:schemeClr val="accent1"/>
-              </a:solidFill>
-              <a:latin typeface="Barlow" pitchFamily="2" charset="77"/>
-            </a:endParaRPr>
-          </a:p>
-          <a:p>
-            <a:pPr marL="628650" lvl="2" indent="-171450">
-              <a:buFont typeface="Wingdings" panose="05000000000000000000" pitchFamily="2" charset="2"/>
-              <a:buChar char="Ø"/>
-            </a:pPr>
-            <a:r>
-              <a:rPr lang="es-ES" sz="1200" dirty="0">
-                <a:solidFill>
-                  <a:schemeClr val="accent1"/>
-                </a:solidFill>
-                <a:latin typeface="Barlow" pitchFamily="2" charset="77"/>
-              </a:rPr>
-              <a:t>Confluent </a:t>
-            </a:r>
-            <a:r>
-              <a:rPr lang="es-ES" sz="1200" dirty="0" err="1">
-                <a:solidFill>
-                  <a:schemeClr val="accent1"/>
-                </a:solidFill>
-                <a:latin typeface="Barlow" pitchFamily="2" charset="77"/>
-              </a:rPr>
-              <a:t>Cluster</a:t>
-            </a:r>
-            <a:r>
-              <a:rPr lang="es-ES" sz="1200" dirty="0">
-                <a:solidFill>
-                  <a:schemeClr val="accent1"/>
-                </a:solidFill>
-                <a:latin typeface="Barlow" pitchFamily="2" charset="77"/>
-              </a:rPr>
-              <a:t> </a:t>
-            </a:r>
-            <a:r>
-              <a:rPr lang="es-ES" sz="1200" dirty="0" err="1">
-                <a:solidFill>
-                  <a:schemeClr val="accent1"/>
-                </a:solidFill>
-                <a:latin typeface="Barlow" pitchFamily="2" charset="77"/>
-              </a:rPr>
-              <a:t>Linking</a:t>
-            </a:r>
-            <a:endParaRPr lang="es-ES" sz="1200" dirty="0">
-              <a:solidFill>
-                <a:schemeClr val="accent1"/>
-              </a:solidFill>
-              <a:latin typeface="Barlow" pitchFamily="2" charset="77"/>
-            </a:endParaRPr>
-          </a:p>
-        </p:txBody>
-      </p:sp>
-      <p:sp>
-        <p:nvSpPr>
-          <p:cNvPr id="12" name="CuadroTexto 11">
-            <a:extLst>
-              <a:ext uri="{FF2B5EF4-FFF2-40B4-BE49-F238E27FC236}">
-                <a16:creationId xmlns:a16="http://schemas.microsoft.com/office/drawing/2014/main" id="{13F6805C-DB9A-23F4-6B89-31F4C62C0D01}"/>
-              </a:ext>
-            </a:extLst>
-          </p:cNvPr>
-          <p:cNvSpPr txBox="1"/>
-          <p:nvPr/>
-        </p:nvSpPr>
-        <p:spPr>
-          <a:xfrm>
-            <a:off x="769177" y="4871384"/>
-            <a:ext cx="3377674" cy="1015663"/>
-          </a:xfrm>
-          <a:prstGeom prst="rect">
-            <a:avLst/>
-          </a:prstGeom>
-          <a:noFill/>
-        </p:spPr>
-        <p:txBody>
-          <a:bodyPr wrap="square" rtlCol="0">
-            <a:spAutoFit/>
-          </a:bodyPr>
-          <a:lstStyle>
-            <a:defPPr>
-              <a:defRPr lang="es-ES"/>
-            </a:defPPr>
-            <a:lvl1pPr>
-              <a:defRPr sz="1200" b="1">
-                <a:solidFill>
-                  <a:schemeClr val="accent1"/>
-                </a:solidFill>
-                <a:latin typeface="Barlow" pitchFamily="2" charset="77"/>
-              </a:defRPr>
-            </a:lvl1pPr>
-          </a:lstStyle>
-          <a:p>
-            <a:r>
-              <a:rPr lang="es-ES" dirty="0"/>
-              <a:t>Monitorización y alertas:</a:t>
-            </a:r>
-          </a:p>
-          <a:p>
-            <a:pPr marL="171450" indent="-171450">
-              <a:buFont typeface="Arial" panose="020B0604020202020204" pitchFamily="34" charset="0"/>
-              <a:buChar char="•"/>
-            </a:pPr>
-            <a:r>
-              <a:rPr lang="es-ES" b="0" dirty="0"/>
-              <a:t>Definimos la solución basándonos en dos posibles alternativas:</a:t>
-            </a:r>
-          </a:p>
-          <a:p>
-            <a:pPr marL="628650" lvl="2" indent="-171450">
-              <a:buFont typeface="Wingdings" panose="05000000000000000000" pitchFamily="2" charset="2"/>
-              <a:buChar char="Ø"/>
-            </a:pPr>
-            <a:r>
-              <a:rPr lang="es-ES" sz="1200" dirty="0">
-                <a:solidFill>
-                  <a:schemeClr val="accent1"/>
-                </a:solidFill>
-                <a:latin typeface="Barlow" pitchFamily="2" charset="77"/>
-              </a:rPr>
-              <a:t>Splunk</a:t>
-            </a:r>
-          </a:p>
-          <a:p>
-            <a:pPr marL="628650" lvl="2" indent="-171450">
-              <a:buFont typeface="Wingdings" panose="05000000000000000000" pitchFamily="2" charset="2"/>
-              <a:buChar char="Ø"/>
-            </a:pPr>
-            <a:r>
-              <a:rPr lang="es-ES" sz="1200" dirty="0" err="1">
-                <a:solidFill>
-                  <a:schemeClr val="accent1"/>
-                </a:solidFill>
-                <a:latin typeface="Barlow" pitchFamily="2" charset="77"/>
-              </a:rPr>
-              <a:t>Grafana</a:t>
-            </a:r>
-            <a:endParaRPr lang="es-ES" sz="1200" dirty="0">
-              <a:solidFill>
-                <a:schemeClr val="accent1"/>
-              </a:solidFill>
-              <a:latin typeface="Barlow" pitchFamily="2" charset="77"/>
-            </a:endParaRPr>
-          </a:p>
-        </p:txBody>
-      </p:sp>
-      <p:sp>
-        <p:nvSpPr>
-          <p:cNvPr id="4" name="Flecha: a la derecha 3">
-            <a:extLst>
-              <a:ext uri="{FF2B5EF4-FFF2-40B4-BE49-F238E27FC236}">
-                <a16:creationId xmlns:a16="http://schemas.microsoft.com/office/drawing/2014/main" id="{3FF5BD77-0CD6-7777-A177-A81DF9E17CC3}"/>
-              </a:ext>
-            </a:extLst>
-          </p:cNvPr>
-          <p:cNvSpPr/>
-          <p:nvPr/>
-        </p:nvSpPr>
-        <p:spPr>
-          <a:xfrm>
-            <a:off x="7628635" y="5279011"/>
-            <a:ext cx="409011" cy="131975"/>
-          </a:xfrm>
-          <a:prstGeom prst="rightArrow">
-            <a:avLst/>
-          </a:prstGeom>
-        </p:spPr>
-        <p:style>
-          <a:lnRef idx="2">
-            <a:schemeClr val="accent1">
-              <a:shade val="15000"/>
-            </a:schemeClr>
-          </a:lnRef>
-          <a:fillRef idx="1">
-            <a:schemeClr val="accent1"/>
-          </a:fillRef>
-          <a:effectRef idx="0">
-            <a:schemeClr val="accent1"/>
-          </a:effectRef>
-          <a:fontRef idx="minor">
-            <a:schemeClr val="lt1"/>
-          </a:fontRef>
-        </p:style>
-        <p:txBody>
-          <a:bodyPr rtlCol="0" anchor="ctr"/>
-          <a:lstStyle/>
-          <a:p>
-            <a:pPr algn="ctr"/>
-            <a:endParaRPr lang="es-ES"/>
-          </a:p>
-        </p:txBody>
-      </p:sp>
-    </p:spTree>
-    <p:extLst>
-      <p:ext uri="{BB962C8B-B14F-4D97-AF65-F5344CB8AC3E}">
-        <p14:creationId xmlns:p14="http://schemas.microsoft.com/office/powerpoint/2010/main" val="1801101009"/>
-      </p:ext>
-    </p:extLst>
-  </p:cSld>
-  <p:clrMapOvr>
-    <a:masterClrMapping/>
-  </p:clrMapOvr>
-</p:sld>
-</file>
-
-<file path=ppt/slides/slide14.xml><?xml version="1.0" encoding="utf-8"?>
-<p:sld xmlns:a="http://schemas.openxmlformats.org/drawingml/2006/main" xmlns:r="http://schemas.openxmlformats.org/officeDocument/2006/relationships" xmlns:p="http://schemas.openxmlformats.org/presentationml/2006/main">
-  <p:cSld>
-    <p:spTree>
-      <p:nvGrpSpPr>
-        <p:cNvPr id="1" name="">
-          <a:extLst>
-            <a:ext uri="{FF2B5EF4-FFF2-40B4-BE49-F238E27FC236}">
-              <a16:creationId xmlns:a16="http://schemas.microsoft.com/office/drawing/2014/main" id="{5533CF03-1D81-C62B-A3F9-402156E6690E}"/>
-            </a:ext>
-          </a:extLst>
-        </p:cNvPr>
-        <p:cNvGrpSpPr/>
-        <p:nvPr/>
-      </p:nvGrpSpPr>
-      <p:grpSpPr>
-        <a:xfrm>
-          <a:off x="0" y="0"/>
-          <a:ext cx="0" cy="0"/>
-          <a:chOff x="0" y="0"/>
-          <a:chExt cx="0" cy="0"/>
-        </a:xfrm>
-      </p:grpSpPr>
-      <p:grpSp>
-        <p:nvGrpSpPr>
-          <p:cNvPr id="2" name="Grupo 1">
-            <a:extLst>
-              <a:ext uri="{FF2B5EF4-FFF2-40B4-BE49-F238E27FC236}">
-                <a16:creationId xmlns:a16="http://schemas.microsoft.com/office/drawing/2014/main" id="{E26B6EDD-B796-8F1B-ECC3-CB603D780C7F}"/>
-              </a:ext>
-            </a:extLst>
-          </p:cNvPr>
-          <p:cNvGrpSpPr/>
-          <p:nvPr/>
-        </p:nvGrpSpPr>
-        <p:grpSpPr>
-          <a:xfrm>
-            <a:off x="4773411" y="2509730"/>
-            <a:ext cx="7250481" cy="4066382"/>
-            <a:chOff x="4885152" y="1912521"/>
-            <a:chExt cx="7250481" cy="4066382"/>
-          </a:xfrm>
-        </p:grpSpPr>
-        <p:sp>
-          <p:nvSpPr>
-            <p:cNvPr id="4" name="Hexágono 3">
-              <a:extLst>
-                <a:ext uri="{FF2B5EF4-FFF2-40B4-BE49-F238E27FC236}">
-                  <a16:creationId xmlns:a16="http://schemas.microsoft.com/office/drawing/2014/main" id="{C0ABFA05-CF13-BFF1-D2CE-34598FA5061F}"/>
-                </a:ext>
-              </a:extLst>
-            </p:cNvPr>
-            <p:cNvSpPr/>
-            <p:nvPr/>
-          </p:nvSpPr>
-          <p:spPr>
-            <a:xfrm>
-              <a:off x="7352778" y="2154476"/>
-              <a:ext cx="2630465" cy="2267642"/>
-            </a:xfrm>
-            <a:prstGeom prst="hexagon">
-              <a:avLst/>
-            </a:prstGeom>
-            <a:blipFill>
-              <a:blip r:embed="rId3" cstate="screen">
-                <a:extLst>
-                  <a:ext uri="{28A0092B-C50C-407E-A947-70E740481C1C}">
-                    <a14:useLocalDpi xmlns:a14="http://schemas.microsoft.com/office/drawing/2010/main"/>
-                  </a:ext>
-                </a:extLst>
-              </a:blip>
-              <a:stretch>
-                <a:fillRect/>
-              </a:stretch>
-            </a:blipFill>
-            <a:ln>
-              <a:noFill/>
-            </a:ln>
-          </p:spPr>
-          <p:style>
-            <a:lnRef idx="2">
-              <a:schemeClr val="accent1">
-                <a:shade val="15000"/>
-              </a:schemeClr>
-            </a:lnRef>
-            <a:fillRef idx="1">
-              <a:schemeClr val="accent1"/>
-            </a:fillRef>
-            <a:effectRef idx="0">
-              <a:schemeClr val="accent1"/>
-            </a:effectRef>
-            <a:fontRef idx="minor">
-              <a:schemeClr val="lt1"/>
-            </a:fontRef>
-          </p:style>
-          <p:txBody>
-            <a:bodyPr rtlCol="0" anchor="ctr"/>
-            <a:lstStyle/>
-            <a:p>
-              <a:pPr algn="ctr"/>
-              <a:endParaRPr lang="es-ES"/>
-            </a:p>
-          </p:txBody>
-        </p:sp>
-        <p:sp>
-          <p:nvSpPr>
-            <p:cNvPr id="5" name="Hexágono 4">
-              <a:extLst>
-                <a:ext uri="{FF2B5EF4-FFF2-40B4-BE49-F238E27FC236}">
-                  <a16:creationId xmlns:a16="http://schemas.microsoft.com/office/drawing/2014/main" id="{7DDB535E-6D28-BDE4-B32B-973A8130852B}"/>
-                </a:ext>
-              </a:extLst>
-            </p:cNvPr>
-            <p:cNvSpPr/>
-            <p:nvPr/>
-          </p:nvSpPr>
-          <p:spPr>
-            <a:xfrm>
-              <a:off x="5200388" y="3338401"/>
-              <a:ext cx="2630465" cy="2267642"/>
-            </a:xfrm>
-            <a:prstGeom prst="hexagon">
-              <a:avLst/>
-            </a:prstGeom>
-            <a:blipFill>
-              <a:blip r:embed="rId4" cstate="screen">
-                <a:extLst>
-                  <a:ext uri="{28A0092B-C50C-407E-A947-70E740481C1C}">
-                    <a14:useLocalDpi xmlns:a14="http://schemas.microsoft.com/office/drawing/2010/main"/>
-                  </a:ext>
-                </a:extLst>
-              </a:blip>
-              <a:stretch>
-                <a:fillRect/>
-              </a:stretch>
-            </a:blipFill>
-            <a:ln>
-              <a:noFill/>
-            </a:ln>
-          </p:spPr>
-          <p:style>
-            <a:lnRef idx="2">
-              <a:schemeClr val="accent1">
-                <a:shade val="15000"/>
-              </a:schemeClr>
-            </a:lnRef>
-            <a:fillRef idx="1">
-              <a:schemeClr val="accent1"/>
-            </a:fillRef>
-            <a:effectRef idx="0">
-              <a:schemeClr val="accent1"/>
-            </a:effectRef>
-            <a:fontRef idx="minor">
-              <a:schemeClr val="lt1"/>
-            </a:fontRef>
-          </p:style>
-          <p:txBody>
-            <a:bodyPr rtlCol="0" anchor="ctr"/>
-            <a:lstStyle/>
-            <a:p>
-              <a:pPr algn="ctr"/>
-              <a:endParaRPr lang="es-ES"/>
-            </a:p>
-          </p:txBody>
-        </p:sp>
-        <p:sp>
-          <p:nvSpPr>
-            <p:cNvPr id="6" name="Hexágono 5">
-              <a:extLst>
-                <a:ext uri="{FF2B5EF4-FFF2-40B4-BE49-F238E27FC236}">
-                  <a16:creationId xmlns:a16="http://schemas.microsoft.com/office/drawing/2014/main" id="{6837F6BB-EE9D-CC85-77D9-27413B0E144F}"/>
-                </a:ext>
-              </a:extLst>
-            </p:cNvPr>
-            <p:cNvSpPr/>
-            <p:nvPr/>
-          </p:nvSpPr>
-          <p:spPr>
-            <a:xfrm>
-              <a:off x="9505168" y="3338401"/>
-              <a:ext cx="2630465" cy="2267642"/>
-            </a:xfrm>
-            <a:prstGeom prst="hexagon">
-              <a:avLst/>
-            </a:prstGeom>
-            <a:blipFill>
-              <a:blip r:embed="rId5" cstate="screen">
-                <a:extLst>
-                  <a:ext uri="{28A0092B-C50C-407E-A947-70E740481C1C}">
-                    <a14:useLocalDpi xmlns:a14="http://schemas.microsoft.com/office/drawing/2010/main"/>
-                  </a:ext>
-                </a:extLst>
-              </a:blip>
-              <a:stretch>
-                <a:fillRect/>
-              </a:stretch>
-            </a:blipFill>
-            <a:ln>
-              <a:noFill/>
-            </a:ln>
-          </p:spPr>
-          <p:style>
-            <a:lnRef idx="2">
-              <a:schemeClr val="accent1">
-                <a:shade val="15000"/>
-              </a:schemeClr>
-            </a:lnRef>
-            <a:fillRef idx="1">
-              <a:schemeClr val="accent1"/>
-            </a:fillRef>
-            <a:effectRef idx="0">
-              <a:schemeClr val="accent1"/>
-            </a:effectRef>
-            <a:fontRef idx="minor">
-              <a:schemeClr val="lt1"/>
-            </a:fontRef>
-          </p:style>
-          <p:txBody>
-            <a:bodyPr rtlCol="0" anchor="ctr"/>
-            <a:lstStyle/>
-            <a:p>
-              <a:pPr algn="ctr"/>
-              <a:endParaRPr lang="es-ES"/>
-            </a:p>
-          </p:txBody>
-        </p:sp>
-        <p:sp>
-          <p:nvSpPr>
-            <p:cNvPr id="7" name="Hexágono 6">
-              <a:extLst>
-                <a:ext uri="{FF2B5EF4-FFF2-40B4-BE49-F238E27FC236}">
-                  <a16:creationId xmlns:a16="http://schemas.microsoft.com/office/drawing/2014/main" id="{4014043A-471E-D095-C1E6-63785D0A2A41}"/>
-                </a:ext>
-              </a:extLst>
-            </p:cNvPr>
-            <p:cNvSpPr/>
-            <p:nvPr/>
-          </p:nvSpPr>
-          <p:spPr>
-            <a:xfrm>
-              <a:off x="7830853" y="1912521"/>
-              <a:ext cx="2630465" cy="2267642"/>
-            </a:xfrm>
-            <a:prstGeom prst="hexagon">
-              <a:avLst/>
-            </a:prstGeom>
-            <a:noFill/>
-            <a:ln w="28575">
-              <a:solidFill>
-                <a:schemeClr val="accent5"/>
-              </a:solidFill>
-            </a:ln>
-          </p:spPr>
-          <p:style>
-            <a:lnRef idx="2">
-              <a:schemeClr val="accent2"/>
-            </a:lnRef>
-            <a:fillRef idx="1">
-              <a:schemeClr val="lt1"/>
-            </a:fillRef>
-            <a:effectRef idx="0">
-              <a:schemeClr val="accent2"/>
-            </a:effectRef>
-            <a:fontRef idx="minor">
-              <a:schemeClr val="dk1"/>
-            </a:fontRef>
-          </p:style>
-          <p:txBody>
-            <a:bodyPr rtlCol="0" anchor="ctr"/>
-            <a:lstStyle/>
-            <a:p>
-              <a:pPr algn="ctr"/>
-              <a:endParaRPr lang="es-ES">
-                <a:solidFill>
-                  <a:schemeClr val="accent4"/>
-                </a:solidFill>
-              </a:endParaRPr>
-            </a:p>
-          </p:txBody>
-        </p:sp>
-        <p:sp>
-          <p:nvSpPr>
-            <p:cNvPr id="8" name="Hexágono 7">
-              <a:extLst>
-                <a:ext uri="{FF2B5EF4-FFF2-40B4-BE49-F238E27FC236}">
-                  <a16:creationId xmlns:a16="http://schemas.microsoft.com/office/drawing/2014/main" id="{B62FF6F4-8BF2-9F90-5EE2-68BF47EDAD0F}"/>
-                </a:ext>
-              </a:extLst>
-            </p:cNvPr>
-            <p:cNvSpPr/>
-            <p:nvPr/>
-          </p:nvSpPr>
-          <p:spPr>
-            <a:xfrm>
-              <a:off x="4885152" y="3618149"/>
-              <a:ext cx="2630465" cy="2267642"/>
-            </a:xfrm>
-            <a:prstGeom prst="hexagon">
-              <a:avLst/>
-            </a:prstGeom>
-            <a:noFill/>
-            <a:ln w="28575">
-              <a:solidFill>
-                <a:schemeClr val="accent5"/>
-              </a:solidFill>
-            </a:ln>
-          </p:spPr>
-          <p:style>
-            <a:lnRef idx="2">
-              <a:schemeClr val="accent2"/>
-            </a:lnRef>
-            <a:fillRef idx="1">
-              <a:schemeClr val="lt1"/>
-            </a:fillRef>
-            <a:effectRef idx="0">
-              <a:schemeClr val="accent2"/>
-            </a:effectRef>
-            <a:fontRef idx="minor">
-              <a:schemeClr val="dk1"/>
-            </a:fontRef>
-          </p:style>
-          <p:txBody>
-            <a:bodyPr rtlCol="0" anchor="ctr"/>
-            <a:lstStyle/>
-            <a:p>
-              <a:pPr algn="ctr"/>
-              <a:endParaRPr lang="es-ES">
-                <a:solidFill>
-                  <a:schemeClr val="accent4"/>
-                </a:solidFill>
-              </a:endParaRPr>
-            </a:p>
-          </p:txBody>
-        </p:sp>
-        <p:sp>
-          <p:nvSpPr>
-            <p:cNvPr id="12" name="Hexágono 11">
-              <a:extLst>
-                <a:ext uri="{FF2B5EF4-FFF2-40B4-BE49-F238E27FC236}">
-                  <a16:creationId xmlns:a16="http://schemas.microsoft.com/office/drawing/2014/main" id="{A06FB43A-B879-ABF2-904C-6F7E31B3CB41}"/>
-                </a:ext>
-              </a:extLst>
-            </p:cNvPr>
-            <p:cNvSpPr/>
-            <p:nvPr/>
-          </p:nvSpPr>
-          <p:spPr>
-            <a:xfrm>
-              <a:off x="6515620" y="2295732"/>
-              <a:ext cx="216021" cy="186225"/>
-            </a:xfrm>
-            <a:prstGeom prst="hexagon">
-              <a:avLst/>
-            </a:prstGeom>
-            <a:noFill/>
-            <a:ln w="19050">
-              <a:solidFill>
-                <a:schemeClr val="bg2">
-                  <a:lumMod val="90000"/>
-                </a:schemeClr>
-              </a:solidFill>
-            </a:ln>
-          </p:spPr>
-          <p:style>
-            <a:lnRef idx="2">
-              <a:schemeClr val="accent1">
-                <a:shade val="15000"/>
-              </a:schemeClr>
-            </a:lnRef>
-            <a:fillRef idx="1">
-              <a:schemeClr val="accent1"/>
-            </a:fillRef>
-            <a:effectRef idx="0">
-              <a:schemeClr val="accent1"/>
-            </a:effectRef>
-            <a:fontRef idx="minor">
-              <a:schemeClr val="lt1"/>
-            </a:fontRef>
-          </p:style>
-          <p:txBody>
-            <a:bodyPr rtlCol="0" anchor="ctr"/>
-            <a:lstStyle/>
-            <a:p>
-              <a:pPr algn="ctr"/>
-              <a:endParaRPr lang="es-ES" b="1" i="0">
-                <a:latin typeface="Lexend SemiBold" pitchFamily="2" charset="77"/>
-              </a:endParaRPr>
-            </a:p>
-          </p:txBody>
-        </p:sp>
-        <p:sp>
-          <p:nvSpPr>
-            <p:cNvPr id="13" name="Hexágono 12">
-              <a:extLst>
-                <a:ext uri="{FF2B5EF4-FFF2-40B4-BE49-F238E27FC236}">
-                  <a16:creationId xmlns:a16="http://schemas.microsoft.com/office/drawing/2014/main" id="{FA346A7E-8ADD-C4B8-8B32-2EE0EC29D7B2}"/>
-                </a:ext>
-              </a:extLst>
-            </p:cNvPr>
-            <p:cNvSpPr/>
-            <p:nvPr/>
-          </p:nvSpPr>
-          <p:spPr>
-            <a:xfrm>
-              <a:off x="9146085" y="5792678"/>
-              <a:ext cx="216021" cy="186225"/>
-            </a:xfrm>
-            <a:prstGeom prst="hexagon">
-              <a:avLst/>
-            </a:prstGeom>
-            <a:noFill/>
-            <a:ln w="19050">
-              <a:solidFill>
-                <a:schemeClr val="bg2">
-                  <a:lumMod val="90000"/>
-                </a:schemeClr>
-              </a:solidFill>
-            </a:ln>
-          </p:spPr>
-          <p:style>
-            <a:lnRef idx="2">
-              <a:schemeClr val="accent1">
-                <a:shade val="15000"/>
-              </a:schemeClr>
-            </a:lnRef>
-            <a:fillRef idx="1">
-              <a:schemeClr val="accent1"/>
-            </a:fillRef>
-            <a:effectRef idx="0">
-              <a:schemeClr val="accent1"/>
-            </a:effectRef>
-            <a:fontRef idx="minor">
-              <a:schemeClr val="lt1"/>
-            </a:fontRef>
-          </p:style>
-          <p:txBody>
-            <a:bodyPr rtlCol="0" anchor="ctr"/>
-            <a:lstStyle/>
-            <a:p>
-              <a:pPr algn="ctr"/>
-              <a:endParaRPr lang="es-ES" b="1" i="0">
-                <a:latin typeface="Lexend SemiBold" pitchFamily="2" charset="77"/>
-              </a:endParaRPr>
-            </a:p>
-          </p:txBody>
-        </p:sp>
-      </p:grpSp>
-      <p:sp>
-        <p:nvSpPr>
-          <p:cNvPr id="3" name="CuadroTexto 2">
-            <a:extLst>
-              <a:ext uri="{FF2B5EF4-FFF2-40B4-BE49-F238E27FC236}">
-                <a16:creationId xmlns:a16="http://schemas.microsoft.com/office/drawing/2014/main" id="{A154B0C6-098B-D6D1-234B-4CBD486CCC5B}"/>
-              </a:ext>
-            </a:extLst>
-          </p:cNvPr>
-          <p:cNvSpPr txBox="1"/>
-          <p:nvPr/>
-        </p:nvSpPr>
-        <p:spPr>
-          <a:xfrm>
-            <a:off x="3223890" y="3184612"/>
-            <a:ext cx="639919" cy="584775"/>
-          </a:xfrm>
-          <a:prstGeom prst="rect">
-            <a:avLst/>
-          </a:prstGeom>
-          <a:noFill/>
-        </p:spPr>
-        <p:txBody>
-          <a:bodyPr wrap="none" rtlCol="0">
-            <a:spAutoFit/>
-          </a:bodyPr>
-          <a:lstStyle/>
-          <a:p>
-            <a:r>
-              <a:rPr lang="es-ES" sz="3200" b="1" dirty="0">
-                <a:solidFill>
-                  <a:schemeClr val="accent6"/>
-                </a:solidFill>
-                <a:latin typeface="Barlow" pitchFamily="2" charset="77"/>
-              </a:rPr>
-              <a:t>05</a:t>
-            </a:r>
-          </a:p>
-        </p:txBody>
-      </p:sp>
-      <p:sp>
-        <p:nvSpPr>
-          <p:cNvPr id="11" name="CuadroTexto 10">
-            <a:extLst>
-              <a:ext uri="{FF2B5EF4-FFF2-40B4-BE49-F238E27FC236}">
-                <a16:creationId xmlns:a16="http://schemas.microsoft.com/office/drawing/2014/main" id="{F75D762B-6287-9D47-DEC4-57323A4BB131}"/>
-              </a:ext>
-            </a:extLst>
-          </p:cNvPr>
-          <p:cNvSpPr txBox="1"/>
-          <p:nvPr/>
-        </p:nvSpPr>
-        <p:spPr>
-          <a:xfrm>
-            <a:off x="1656846" y="1995243"/>
-            <a:ext cx="3772404" cy="1200329"/>
-          </a:xfrm>
-          <a:prstGeom prst="rect">
-            <a:avLst/>
-          </a:prstGeom>
-          <a:noFill/>
-        </p:spPr>
-        <p:txBody>
-          <a:bodyPr wrap="square" rtlCol="0">
-            <a:spAutoFit/>
-          </a:bodyPr>
-          <a:lstStyle/>
-          <a:p>
-            <a:r>
-              <a:rPr lang="es-ES" sz="2400" dirty="0">
-                <a:solidFill>
-                  <a:srgbClr val="4D4D4D"/>
-                </a:solidFill>
-                <a:latin typeface="Barlow Medium" pitchFamily="2" charset="77"/>
-              </a:rPr>
-              <a:t>Propuesta para la definición del modelo de gobierno</a:t>
-            </a:r>
-          </a:p>
-        </p:txBody>
-      </p:sp>
-      <p:sp>
-        <p:nvSpPr>
-          <p:cNvPr id="14" name="CuadroTexto 13">
-            <a:extLst>
-              <a:ext uri="{FF2B5EF4-FFF2-40B4-BE49-F238E27FC236}">
-                <a16:creationId xmlns:a16="http://schemas.microsoft.com/office/drawing/2014/main" id="{CB928588-FEFF-71BC-5C3C-E558D6BB2B46}"/>
-              </a:ext>
-            </a:extLst>
-          </p:cNvPr>
-          <p:cNvSpPr txBox="1"/>
-          <p:nvPr/>
-        </p:nvSpPr>
-        <p:spPr>
-          <a:xfrm>
-            <a:off x="1565405" y="945249"/>
-            <a:ext cx="9356421" cy="1015663"/>
-          </a:xfrm>
-          <a:prstGeom prst="rect">
-            <a:avLst/>
-          </a:prstGeom>
-          <a:noFill/>
-        </p:spPr>
-        <p:txBody>
-          <a:bodyPr wrap="square" rtlCol="0">
-            <a:spAutoFit/>
-          </a:bodyPr>
-          <a:lstStyle/>
-          <a:p>
-            <a:r>
-              <a:rPr lang="es-ES" sz="6000" b="1" dirty="0">
-                <a:solidFill>
-                  <a:schemeClr val="accent1"/>
-                </a:solidFill>
-                <a:latin typeface="Sama Devanagari" panose="020F0603040507060303" pitchFamily="34" charset="0"/>
-                <a:cs typeface="Sama Devanagari" panose="020F0603040507060303" pitchFamily="34" charset="0"/>
-              </a:rPr>
-              <a:t>Modelo de </a:t>
-            </a:r>
-            <a:r>
-              <a:rPr lang="es-ES" sz="6000" b="1" dirty="0">
-                <a:solidFill>
-                  <a:schemeClr val="accent6"/>
-                </a:solidFill>
-                <a:latin typeface="Sama Devanagari" panose="020F0603040507060303" pitchFamily="34" charset="0"/>
-                <a:cs typeface="Sama Devanagari" panose="020F0603040507060303" pitchFamily="34" charset="0"/>
-              </a:rPr>
-              <a:t>Gobierno</a:t>
-            </a:r>
-          </a:p>
-        </p:txBody>
-      </p:sp>
-    </p:spTree>
-    <p:extLst>
-      <p:ext uri="{BB962C8B-B14F-4D97-AF65-F5344CB8AC3E}">
-        <p14:creationId xmlns:p14="http://schemas.microsoft.com/office/powerpoint/2010/main" val="1030163883"/>
-      </p:ext>
-    </p:extLst>
-  </p:cSld>
-  <p:clrMapOvr>
-    <a:masterClrMapping/>
-  </p:clrMapOvr>
-</p:sld>
-</file>
-
-<file path=ppt/slides/slide15.xml><?xml version="1.0" encoding="utf-8"?>
-<p:sld xmlns:a="http://schemas.openxmlformats.org/drawingml/2006/main" xmlns:r="http://schemas.openxmlformats.org/officeDocument/2006/relationships" xmlns:p="http://schemas.openxmlformats.org/presentationml/2006/main">
-  <p:cSld>
-    <p:spTree>
-      <p:nvGrpSpPr>
-        <p:cNvPr id="1" name="">
-          <a:extLst>
-            <a:ext uri="{FF2B5EF4-FFF2-40B4-BE49-F238E27FC236}">
-              <a16:creationId xmlns:a16="http://schemas.microsoft.com/office/drawing/2014/main" id="{48455BF0-FF6D-F813-6DF3-E3DBB3CC17B0}"/>
-            </a:ext>
-          </a:extLst>
-        </p:cNvPr>
-        <p:cNvGrpSpPr/>
-        <p:nvPr/>
-      </p:nvGrpSpPr>
-      <p:grpSpPr>
-        <a:xfrm>
-          <a:off x="0" y="0"/>
-          <a:ext cx="0" cy="0"/>
-          <a:chOff x="0" y="0"/>
-          <a:chExt cx="0" cy="0"/>
-        </a:xfrm>
-      </p:grpSpPr>
-      <p:sp>
-        <p:nvSpPr>
-          <p:cNvPr id="5" name="CuadroTexto 4">
-            <a:extLst>
-              <a:ext uri="{FF2B5EF4-FFF2-40B4-BE49-F238E27FC236}">
-                <a16:creationId xmlns:a16="http://schemas.microsoft.com/office/drawing/2014/main" id="{B9265485-A531-76C1-13A1-AC0B420403A6}"/>
-              </a:ext>
-            </a:extLst>
-          </p:cNvPr>
-          <p:cNvSpPr txBox="1"/>
-          <p:nvPr/>
-        </p:nvSpPr>
-        <p:spPr>
-          <a:xfrm>
-            <a:off x="7979454" y="-1968417"/>
-            <a:ext cx="960519" cy="307777"/>
-          </a:xfrm>
-          <a:prstGeom prst="rect">
-            <a:avLst/>
-          </a:prstGeom>
-          <a:noFill/>
-        </p:spPr>
-        <p:txBody>
-          <a:bodyPr wrap="none" rtlCol="0">
-            <a:spAutoFit/>
-          </a:bodyPr>
-          <a:lstStyle/>
-          <a:p>
-            <a:r>
-              <a:rPr lang="es-ES" sz="1400">
-                <a:latin typeface="Lexend Medium" pitchFamily="2" charset="77"/>
-              </a:rPr>
-              <a:t>Flexibles</a:t>
-            </a:r>
-          </a:p>
-        </p:txBody>
-      </p:sp>
-      <p:sp>
-        <p:nvSpPr>
-          <p:cNvPr id="6" name="CuadroTexto 5">
-            <a:extLst>
-              <a:ext uri="{FF2B5EF4-FFF2-40B4-BE49-F238E27FC236}">
-                <a16:creationId xmlns:a16="http://schemas.microsoft.com/office/drawing/2014/main" id="{FE6E943A-009D-1835-B00A-72ECCD445DE5}"/>
-              </a:ext>
-            </a:extLst>
-          </p:cNvPr>
-          <p:cNvSpPr txBox="1"/>
-          <p:nvPr/>
-        </p:nvSpPr>
-        <p:spPr>
-          <a:xfrm>
-            <a:off x="7979454" y="-1306642"/>
-            <a:ext cx="1197764" cy="307777"/>
-          </a:xfrm>
-          <a:prstGeom prst="rect">
-            <a:avLst/>
-          </a:prstGeom>
-          <a:noFill/>
-        </p:spPr>
-        <p:txBody>
-          <a:bodyPr wrap="none" rtlCol="0">
-            <a:spAutoFit/>
-          </a:bodyPr>
-          <a:lstStyle/>
-          <a:p>
-            <a:r>
-              <a:rPr lang="es-ES" sz="1400">
-                <a:latin typeface="Lexend Medium" pitchFamily="2" charset="77"/>
-              </a:rPr>
-              <a:t>Adaptables</a:t>
-            </a:r>
-          </a:p>
-        </p:txBody>
-      </p:sp>
-      <p:sp>
-        <p:nvSpPr>
-          <p:cNvPr id="7" name="CuadroTexto 6">
-            <a:extLst>
-              <a:ext uri="{FF2B5EF4-FFF2-40B4-BE49-F238E27FC236}">
-                <a16:creationId xmlns:a16="http://schemas.microsoft.com/office/drawing/2014/main" id="{684139B0-3DF9-2339-B59E-D825DB7B623A}"/>
-              </a:ext>
-            </a:extLst>
-          </p:cNvPr>
-          <p:cNvSpPr txBox="1"/>
-          <p:nvPr/>
-        </p:nvSpPr>
-        <p:spPr>
-          <a:xfrm>
-            <a:off x="10165557" y="-1882545"/>
-            <a:ext cx="1114408" cy="307777"/>
-          </a:xfrm>
-          <a:prstGeom prst="rect">
-            <a:avLst/>
-          </a:prstGeom>
-          <a:noFill/>
-        </p:spPr>
-        <p:txBody>
-          <a:bodyPr wrap="none" rtlCol="0">
-            <a:spAutoFit/>
-          </a:bodyPr>
-          <a:lstStyle/>
-          <a:p>
-            <a:r>
-              <a:rPr lang="es-ES" sz="1400">
-                <a:latin typeface="Lexend Medium" pitchFamily="2" charset="77"/>
-              </a:rPr>
-              <a:t>Escalables</a:t>
-            </a:r>
-          </a:p>
-        </p:txBody>
-      </p:sp>
-      <p:sp>
-        <p:nvSpPr>
-          <p:cNvPr id="8" name="CuadroTexto 7">
-            <a:extLst>
-              <a:ext uri="{FF2B5EF4-FFF2-40B4-BE49-F238E27FC236}">
-                <a16:creationId xmlns:a16="http://schemas.microsoft.com/office/drawing/2014/main" id="{222C3039-12D0-13D4-6236-939EAA05794A}"/>
-              </a:ext>
-            </a:extLst>
-          </p:cNvPr>
-          <p:cNvSpPr txBox="1"/>
-          <p:nvPr/>
-        </p:nvSpPr>
-        <p:spPr>
-          <a:xfrm>
-            <a:off x="10165557" y="-1254251"/>
-            <a:ext cx="1003801" cy="307777"/>
-          </a:xfrm>
-          <a:prstGeom prst="rect">
-            <a:avLst/>
-          </a:prstGeom>
-          <a:noFill/>
-        </p:spPr>
-        <p:txBody>
-          <a:bodyPr wrap="none" rtlCol="0">
-            <a:spAutoFit/>
-          </a:bodyPr>
-          <a:lstStyle/>
-          <a:p>
-            <a:r>
-              <a:rPr lang="es-ES" sz="1400">
-                <a:latin typeface="Lexend Medium" pitchFamily="2" charset="77"/>
-              </a:rPr>
-              <a:t>Robustos</a:t>
-            </a:r>
-          </a:p>
-        </p:txBody>
-      </p:sp>
-      <p:grpSp>
-        <p:nvGrpSpPr>
-          <p:cNvPr id="14" name="Grupo 13">
-            <a:extLst>
-              <a:ext uri="{FF2B5EF4-FFF2-40B4-BE49-F238E27FC236}">
-                <a16:creationId xmlns:a16="http://schemas.microsoft.com/office/drawing/2014/main" id="{CB89CA29-D77D-A442-04C4-3202E0759B34}"/>
-              </a:ext>
-            </a:extLst>
-          </p:cNvPr>
-          <p:cNvGrpSpPr/>
-          <p:nvPr/>
-        </p:nvGrpSpPr>
-        <p:grpSpPr>
-          <a:xfrm>
-            <a:off x="942680" y="-4681737"/>
-            <a:ext cx="5137934" cy="4170376"/>
-            <a:chOff x="3880339" y="2126063"/>
-            <a:chExt cx="5137934" cy="4170376"/>
-          </a:xfrm>
-        </p:grpSpPr>
-        <p:sp>
-          <p:nvSpPr>
-            <p:cNvPr id="15" name="CuadroTexto 14">
-              <a:extLst>
-                <a:ext uri="{FF2B5EF4-FFF2-40B4-BE49-F238E27FC236}">
-                  <a16:creationId xmlns:a16="http://schemas.microsoft.com/office/drawing/2014/main" id="{0F532E0F-386C-6AC6-82C6-DA676517E722}"/>
-                </a:ext>
-              </a:extLst>
-            </p:cNvPr>
-            <p:cNvSpPr txBox="1"/>
-            <p:nvPr/>
-          </p:nvSpPr>
-          <p:spPr>
-            <a:xfrm>
-              <a:off x="4194207" y="2126063"/>
-              <a:ext cx="4297971" cy="461665"/>
-            </a:xfrm>
-            <a:prstGeom prst="rect">
-              <a:avLst/>
-            </a:prstGeom>
-            <a:noFill/>
-          </p:spPr>
-          <p:txBody>
-            <a:bodyPr wrap="none" rtlCol="0">
-              <a:spAutoFit/>
-            </a:bodyPr>
-            <a:lstStyle/>
-            <a:p>
-              <a:r>
-                <a:rPr lang="es-ES" sz="2400" b="1">
-                  <a:latin typeface="Lexend SemiBold" pitchFamily="2" charset="77"/>
-                </a:rPr>
-                <a:t>Nuestro decálogo de </a:t>
-              </a:r>
-              <a:r>
-                <a:rPr lang="es-ES" sz="2400" b="1">
-                  <a:solidFill>
-                    <a:schemeClr val="accent3"/>
-                  </a:solidFill>
-                  <a:latin typeface="Lexend SemiBold" pitchFamily="2" charset="77"/>
-                </a:rPr>
-                <a:t>valor</a:t>
-              </a:r>
-            </a:p>
-          </p:txBody>
-        </p:sp>
-        <p:sp>
-          <p:nvSpPr>
-            <p:cNvPr id="16" name="CuadroTexto 15">
-              <a:extLst>
-                <a:ext uri="{FF2B5EF4-FFF2-40B4-BE49-F238E27FC236}">
-                  <a16:creationId xmlns:a16="http://schemas.microsoft.com/office/drawing/2014/main" id="{17500E36-A812-C0C1-9EF8-7EBFB593B971}"/>
-                </a:ext>
-              </a:extLst>
-            </p:cNvPr>
-            <p:cNvSpPr txBox="1"/>
-            <p:nvPr/>
-          </p:nvSpPr>
-          <p:spPr>
-            <a:xfrm>
-              <a:off x="4276269" y="2686989"/>
-              <a:ext cx="4742004" cy="3609450"/>
-            </a:xfrm>
-            <a:prstGeom prst="rect">
-              <a:avLst/>
-            </a:prstGeom>
-            <a:noFill/>
-          </p:spPr>
-          <p:txBody>
-            <a:bodyPr wrap="none" rtlCol="0">
-              <a:spAutoFit/>
-            </a:bodyPr>
-            <a:lstStyle/>
-            <a:p>
-              <a:pPr marL="285750" indent="-285750">
-                <a:lnSpc>
-                  <a:spcPct val="150000"/>
-                </a:lnSpc>
-                <a:buFont typeface="Wingdings" pitchFamily="2" charset="2"/>
-                <a:buChar char="Ø"/>
-              </a:pPr>
-              <a:r>
-                <a:rPr lang="es-ES" sz="1400">
-                  <a:latin typeface="Lexend ExtraLight" pitchFamily="2" charset="77"/>
-                </a:rPr>
-                <a:t>Arquitecturas limpias</a:t>
-              </a:r>
-            </a:p>
-            <a:p>
-              <a:pPr marL="285750" indent="-285750">
-                <a:lnSpc>
-                  <a:spcPct val="150000"/>
-                </a:lnSpc>
-                <a:buFont typeface="Wingdings" pitchFamily="2" charset="2"/>
-                <a:buChar char="Ø"/>
-              </a:pPr>
-              <a:r>
-                <a:rPr lang="es-ES" sz="1400">
-                  <a:latin typeface="Lexend ExtraLight" pitchFamily="2" charset="77"/>
-                </a:rPr>
-                <a:t>Arquitecturas monolíticas</a:t>
-              </a:r>
-            </a:p>
-            <a:p>
-              <a:pPr marL="285750" indent="-285750">
-                <a:lnSpc>
-                  <a:spcPct val="150000"/>
-                </a:lnSpc>
-                <a:buFont typeface="Wingdings" pitchFamily="2" charset="2"/>
-                <a:buChar char="Ø"/>
-              </a:pPr>
-              <a:r>
-                <a:rPr lang="es-ES" sz="1400">
-                  <a:latin typeface="Lexend ExtraLight" pitchFamily="2" charset="77"/>
-                </a:rPr>
-                <a:t>Arquitecturas distribuidas</a:t>
-              </a:r>
-            </a:p>
-            <a:p>
-              <a:pPr marL="285750" indent="-285750">
-                <a:lnSpc>
-                  <a:spcPct val="150000"/>
-                </a:lnSpc>
-                <a:buFont typeface="Wingdings" pitchFamily="2" charset="2"/>
-                <a:buChar char="Ø"/>
-              </a:pPr>
-              <a:r>
-                <a:rPr lang="es-ES" sz="1400">
-                  <a:latin typeface="Lexend ExtraLight" pitchFamily="2" charset="77"/>
-                </a:rPr>
-                <a:t>Arquitecturas de Microservicios</a:t>
-              </a:r>
-            </a:p>
-            <a:p>
-              <a:pPr marL="285750" indent="-285750">
-                <a:lnSpc>
-                  <a:spcPct val="150000"/>
-                </a:lnSpc>
-                <a:buFont typeface="Wingdings" pitchFamily="2" charset="2"/>
-                <a:buChar char="Ø"/>
-              </a:pPr>
-              <a:r>
-                <a:rPr lang="es-ES" sz="1400">
-                  <a:latin typeface="Lexend ExtraLight" pitchFamily="2" charset="77"/>
-                </a:rPr>
-                <a:t>Service Mesh</a:t>
-              </a:r>
-            </a:p>
-            <a:p>
-              <a:pPr marL="285750" indent="-285750">
-                <a:lnSpc>
-                  <a:spcPct val="150000"/>
-                </a:lnSpc>
-                <a:buFont typeface="Wingdings" pitchFamily="2" charset="2"/>
-                <a:buChar char="Ø"/>
-              </a:pPr>
-              <a:r>
-                <a:rPr lang="es-ES" sz="1400">
-                  <a:latin typeface="Lexend ExtraLight" pitchFamily="2" charset="77"/>
-                </a:rPr>
-                <a:t>Arquitecturas orientadas a Eventos</a:t>
-              </a:r>
-            </a:p>
-            <a:p>
-              <a:pPr marL="285750" indent="-285750">
-                <a:lnSpc>
-                  <a:spcPct val="150000"/>
-                </a:lnSpc>
-                <a:buFont typeface="Wingdings" pitchFamily="2" charset="2"/>
-                <a:buChar char="Ø"/>
-              </a:pPr>
-              <a:r>
-                <a:rPr lang="es-ES" sz="1400">
-                  <a:latin typeface="Lexend ExtraLight" pitchFamily="2" charset="77"/>
-                </a:rPr>
-                <a:t>Brokers y plataformas de streaming</a:t>
-              </a:r>
-            </a:p>
-            <a:p>
-              <a:pPr marL="285750" indent="-285750">
-                <a:lnSpc>
-                  <a:spcPct val="150000"/>
-                </a:lnSpc>
-                <a:buFont typeface="Wingdings" pitchFamily="2" charset="2"/>
-                <a:buChar char="Ø"/>
-              </a:pPr>
-              <a:r>
-                <a:rPr lang="es-ES" sz="1400">
-                  <a:latin typeface="Lexend ExtraLight" pitchFamily="2" charset="77"/>
-                </a:rPr>
-                <a:t>Microfrontales y Servicios BFF</a:t>
-              </a:r>
-            </a:p>
-            <a:p>
-              <a:pPr marL="285750" indent="-285750">
-                <a:lnSpc>
-                  <a:spcPct val="150000"/>
-                </a:lnSpc>
-                <a:buFont typeface="Wingdings" pitchFamily="2" charset="2"/>
-                <a:buChar char="Ø"/>
-              </a:pPr>
-              <a:r>
-                <a:rPr lang="es-ES" sz="1400">
-                  <a:latin typeface="Lexend ExtraLight" pitchFamily="2" charset="77"/>
-                </a:rPr>
-                <a:t>Arquitecturas inteligentes y analítica avanzada</a:t>
-              </a:r>
-            </a:p>
-            <a:p>
-              <a:pPr marL="285750" indent="-285750">
-                <a:lnSpc>
-                  <a:spcPct val="150000"/>
-                </a:lnSpc>
-                <a:buFont typeface="Wingdings" pitchFamily="2" charset="2"/>
-                <a:buChar char="Ø"/>
-              </a:pPr>
-              <a:r>
-                <a:rPr lang="es-ES" sz="1400">
-                  <a:latin typeface="Lexend ExtraLight" pitchFamily="2" charset="77"/>
-                </a:rPr>
-                <a:t>Arquitecturas híbridas</a:t>
-              </a:r>
-            </a:p>
-            <a:p>
-              <a:pPr>
-                <a:lnSpc>
-                  <a:spcPct val="150000"/>
-                </a:lnSpc>
-              </a:pPr>
-              <a:r>
-                <a:rPr lang="es-ES" sz="1400">
-                  <a:latin typeface="Lexend ExtraLight" pitchFamily="2" charset="77"/>
-                </a:rPr>
-                <a:t>      (Cloud | OnPrem | MiltiCloud | Native)</a:t>
-              </a:r>
-            </a:p>
-          </p:txBody>
-        </p:sp>
-        <p:pic>
-          <p:nvPicPr>
-            <p:cNvPr id="17" name="Gráfico 16" descr="Reproducir con relleno sólido">
-              <a:extLst>
-                <a:ext uri="{FF2B5EF4-FFF2-40B4-BE49-F238E27FC236}">
-                  <a16:creationId xmlns:a16="http://schemas.microsoft.com/office/drawing/2014/main" id="{94917347-63CF-F2BC-0A93-83C1F65D27E0}"/>
-                </a:ext>
-              </a:extLst>
-            </p:cNvPr>
-            <p:cNvPicPr>
-              <a:picLocks noChangeAspect="1"/>
-            </p:cNvPicPr>
-            <p:nvPr/>
-          </p:nvPicPr>
-          <p:blipFill>
-            <a:blip r:embed="rId3" cstate="screen">
-              <a:extLst>
-                <a:ext uri="{28A0092B-C50C-407E-A947-70E740481C1C}">
-                  <a14:useLocalDpi xmlns:a14="http://schemas.microsoft.com/office/drawing/2010/main"/>
-                </a:ext>
-                <a:ext uri="{96DAC541-7B7A-43D3-8B79-37D633B846F1}">
-                  <asvg:svgBlip xmlns:asvg="http://schemas.microsoft.com/office/drawing/2016/SVG/main" r:embed="rId4"/>
-                </a:ext>
-              </a:extLst>
-            </a:blip>
-            <a:stretch>
-              <a:fillRect/>
-            </a:stretch>
-          </p:blipFill>
-          <p:spPr>
-            <a:xfrm>
-              <a:off x="3880339" y="2212673"/>
-              <a:ext cx="313868" cy="313868"/>
-            </a:xfrm>
-            <a:prstGeom prst="rect">
-              <a:avLst/>
-            </a:prstGeom>
-          </p:spPr>
-        </p:pic>
-      </p:grpSp>
-      <p:sp>
-        <p:nvSpPr>
-          <p:cNvPr id="23" name="CuadroTexto 22">
-            <a:extLst>
-              <a:ext uri="{FF2B5EF4-FFF2-40B4-BE49-F238E27FC236}">
-                <a16:creationId xmlns:a16="http://schemas.microsoft.com/office/drawing/2014/main" id="{0AD4B1A4-C57B-F636-DC69-A904F970861A}"/>
-              </a:ext>
-            </a:extLst>
-          </p:cNvPr>
-          <p:cNvSpPr txBox="1"/>
-          <p:nvPr/>
-        </p:nvSpPr>
-        <p:spPr>
-          <a:xfrm>
-            <a:off x="12605946" y="2202923"/>
-            <a:ext cx="1582421" cy="707886"/>
-          </a:xfrm>
-          <a:prstGeom prst="rect">
-            <a:avLst/>
-          </a:prstGeom>
-          <a:noFill/>
-        </p:spPr>
-        <p:txBody>
-          <a:bodyPr wrap="none" rtlCol="0">
-            <a:spAutoFit/>
-          </a:bodyPr>
-          <a:lstStyle/>
-          <a:p>
-            <a:r>
-              <a:rPr lang="es-ES" sz="2000">
-                <a:solidFill>
-                  <a:schemeClr val="bg1">
-                    <a:lumMod val="50000"/>
-                  </a:schemeClr>
-                </a:solidFill>
-                <a:latin typeface="Sama Devanagari" panose="020F0603040507060303" pitchFamily="34" charset="0"/>
-                <a:cs typeface="Sama Devanagari" panose="020F0603040507060303" pitchFamily="34" charset="0"/>
-              </a:rPr>
-              <a:t>Implantación</a:t>
-            </a:r>
-          </a:p>
-          <a:p>
-            <a:r>
-              <a:rPr lang="es-ES" sz="2000">
-                <a:solidFill>
-                  <a:schemeClr val="bg1">
-                    <a:lumMod val="50000"/>
-                  </a:schemeClr>
-                </a:solidFill>
-                <a:latin typeface="Sama Devanagari" panose="020F0603040507060303" pitchFamily="34" charset="0"/>
-                <a:cs typeface="Sama Devanagari" panose="020F0603040507060303" pitchFamily="34" charset="0"/>
-              </a:rPr>
-              <a:t>Validación</a:t>
-            </a:r>
-          </a:p>
-        </p:txBody>
-      </p:sp>
-      <p:sp>
-        <p:nvSpPr>
-          <p:cNvPr id="27" name="CuadroTexto 26">
-            <a:extLst>
-              <a:ext uri="{FF2B5EF4-FFF2-40B4-BE49-F238E27FC236}">
-                <a16:creationId xmlns:a16="http://schemas.microsoft.com/office/drawing/2014/main" id="{7D1F8296-7011-60C8-9356-D37743EDA9E6}"/>
-              </a:ext>
-            </a:extLst>
-          </p:cNvPr>
-          <p:cNvSpPr txBox="1"/>
-          <p:nvPr/>
-        </p:nvSpPr>
-        <p:spPr>
-          <a:xfrm>
-            <a:off x="769177" y="460596"/>
-            <a:ext cx="3318537" cy="523220"/>
-          </a:xfrm>
-          <a:prstGeom prst="rect">
-            <a:avLst/>
-          </a:prstGeom>
-          <a:noFill/>
-        </p:spPr>
-        <p:txBody>
-          <a:bodyPr wrap="none" rtlCol="0">
-            <a:spAutoFit/>
-          </a:bodyPr>
-          <a:lstStyle/>
-          <a:p>
-            <a:r>
-              <a:rPr lang="es-ES" sz="2800" b="1" dirty="0">
-                <a:solidFill>
-                  <a:schemeClr val="accent1"/>
-                </a:solidFill>
-                <a:latin typeface="Barlow" pitchFamily="2" charset="77"/>
-              </a:rPr>
-              <a:t>Modelo de </a:t>
-            </a:r>
-            <a:r>
-              <a:rPr lang="es-ES" sz="2800" b="1" dirty="0">
-                <a:solidFill>
-                  <a:schemeClr val="accent6"/>
-                </a:solidFill>
-                <a:latin typeface="Barlow" pitchFamily="2" charset="77"/>
-              </a:rPr>
-              <a:t>Gobierno</a:t>
-            </a:r>
-          </a:p>
-        </p:txBody>
-      </p:sp>
-      <p:sp>
-        <p:nvSpPr>
-          <p:cNvPr id="2" name="CuadroTexto 1">
-            <a:extLst>
-              <a:ext uri="{FF2B5EF4-FFF2-40B4-BE49-F238E27FC236}">
-                <a16:creationId xmlns:a16="http://schemas.microsoft.com/office/drawing/2014/main" id="{97EA1C9D-D0B5-271D-7316-3E6DF43C0EEC}"/>
-              </a:ext>
-            </a:extLst>
-          </p:cNvPr>
-          <p:cNvSpPr txBox="1"/>
-          <p:nvPr/>
-        </p:nvSpPr>
-        <p:spPr>
-          <a:xfrm>
-            <a:off x="771796" y="1265958"/>
-            <a:ext cx="5722544" cy="1384995"/>
-          </a:xfrm>
-          <a:prstGeom prst="rect">
-            <a:avLst/>
-          </a:prstGeom>
-          <a:noFill/>
-        </p:spPr>
-        <p:txBody>
-          <a:bodyPr wrap="square" rtlCol="0">
-            <a:spAutoFit/>
-          </a:bodyPr>
-          <a:lstStyle/>
-          <a:p>
-            <a:r>
-              <a:rPr lang="es-ES" sz="1200" dirty="0">
-                <a:solidFill>
-                  <a:schemeClr val="accent1"/>
-                </a:solidFill>
-                <a:latin typeface="Barlow" pitchFamily="2" charset="77"/>
-              </a:rPr>
-              <a:t>En el ámbito de Modelo de Gobierno se definirá la </a:t>
-            </a:r>
-            <a:r>
-              <a:rPr lang="es-ES" sz="1200" b="1" dirty="0">
-                <a:solidFill>
-                  <a:schemeClr val="accent1"/>
-                </a:solidFill>
-                <a:latin typeface="Barlow" pitchFamily="2" charset="77"/>
-              </a:rPr>
-              <a:t>normativa</a:t>
-            </a:r>
-            <a:r>
-              <a:rPr lang="es-ES" sz="1200" dirty="0">
-                <a:solidFill>
-                  <a:schemeClr val="accent1"/>
-                </a:solidFill>
-                <a:latin typeface="Barlow" pitchFamily="2" charset="77"/>
-              </a:rPr>
-              <a:t> que debe aplicar a las </a:t>
-            </a:r>
-            <a:r>
-              <a:rPr lang="es-ES" sz="1200" dirty="0" err="1">
-                <a:solidFill>
-                  <a:schemeClr val="accent1"/>
-                </a:solidFill>
-                <a:latin typeface="Barlow" pitchFamily="2" charset="77"/>
-              </a:rPr>
-              <a:t>APIs</a:t>
-            </a:r>
-            <a:r>
-              <a:rPr lang="es-ES" sz="1200" dirty="0">
-                <a:solidFill>
-                  <a:schemeClr val="accent1"/>
-                </a:solidFill>
-                <a:latin typeface="Barlow" pitchFamily="2" charset="77"/>
-              </a:rPr>
-              <a:t> asíncronas y eventos y la </a:t>
-            </a:r>
-            <a:r>
-              <a:rPr lang="es-ES" sz="1200" b="1" dirty="0">
-                <a:solidFill>
-                  <a:schemeClr val="accent1"/>
-                </a:solidFill>
-                <a:latin typeface="Barlow" pitchFamily="2" charset="77"/>
-              </a:rPr>
-              <a:t>oficina de gobierno</a:t>
-            </a:r>
-            <a:r>
-              <a:rPr lang="es-ES" sz="1200" dirty="0">
-                <a:solidFill>
-                  <a:schemeClr val="accent1"/>
-                </a:solidFill>
-                <a:latin typeface="Barlow" pitchFamily="2" charset="77"/>
-              </a:rPr>
-              <a:t> será la encargada de evolucionar esta normativa y velar por su cumplimiento.</a:t>
-            </a:r>
-          </a:p>
-          <a:p>
-            <a:endParaRPr lang="es-ES" sz="1200" dirty="0">
-              <a:solidFill>
-                <a:schemeClr val="accent1"/>
-              </a:solidFill>
-              <a:latin typeface="Barlow" pitchFamily="2" charset="77"/>
-            </a:endParaRPr>
-          </a:p>
-          <a:p>
-            <a:r>
-              <a:rPr lang="es-ES" sz="1200" dirty="0">
-                <a:solidFill>
-                  <a:schemeClr val="accent1"/>
-                </a:solidFill>
-                <a:latin typeface="Barlow" pitchFamily="2" charset="77"/>
-              </a:rPr>
-              <a:t>En caso de existir una oficina de Gobierno API se ampliaría la definición de dicha oficina para que abarque también el área de eventos y se añadiría la normativa a la ya existente siguiendo las mismas líneas de definición.</a:t>
-            </a:r>
-          </a:p>
-        </p:txBody>
-      </p:sp>
-      <p:pic>
-        <p:nvPicPr>
-          <p:cNvPr id="3" name="Imagen 2">
-            <a:extLst>
-              <a:ext uri="{FF2B5EF4-FFF2-40B4-BE49-F238E27FC236}">
-                <a16:creationId xmlns:a16="http://schemas.microsoft.com/office/drawing/2014/main" id="{30244C07-AC2D-C573-27C8-6E163CB05EAE}"/>
-              </a:ext>
-            </a:extLst>
-          </p:cNvPr>
-          <p:cNvPicPr>
-            <a:picLocks noChangeAspect="1"/>
-          </p:cNvPicPr>
-          <p:nvPr/>
-        </p:nvPicPr>
-        <p:blipFill>
-          <a:blip r:embed="rId5">
-            <a:extLst>
-              <a:ext uri="{28A0092B-C50C-407E-A947-70E740481C1C}">
-                <a14:useLocalDpi xmlns:a14="http://schemas.microsoft.com/office/drawing/2010/main" val="0"/>
-              </a:ext>
-            </a:extLst>
-          </a:blip>
-          <a:srcRect/>
-          <a:stretch>
-            <a:fillRect/>
-          </a:stretch>
-        </p:blipFill>
-        <p:spPr bwMode="auto">
-          <a:xfrm>
-            <a:off x="1127804" y="2845978"/>
-            <a:ext cx="4883150" cy="584200"/>
-          </a:xfrm>
-          <a:prstGeom prst="rect">
-            <a:avLst/>
-          </a:prstGeom>
-          <a:noFill/>
-          <a:ln>
-            <a:noFill/>
-          </a:ln>
-        </p:spPr>
-      </p:pic>
-      <p:pic>
-        <p:nvPicPr>
-          <p:cNvPr id="11" name="Imagen 10" descr="Diagrama&#10;&#10;Descripción generada automáticamente">
-            <a:extLst>
-              <a:ext uri="{FF2B5EF4-FFF2-40B4-BE49-F238E27FC236}">
-                <a16:creationId xmlns:a16="http://schemas.microsoft.com/office/drawing/2014/main" id="{869EF4DA-3327-AA10-0E82-157292B3E9CF}"/>
-              </a:ext>
-            </a:extLst>
-          </p:cNvPr>
-          <p:cNvPicPr>
-            <a:picLocks noChangeAspect="1"/>
-          </p:cNvPicPr>
-          <p:nvPr/>
-        </p:nvPicPr>
-        <p:blipFill rotWithShape="1">
-          <a:blip r:embed="rId6">
-            <a:extLst>
-              <a:ext uri="{28A0092B-C50C-407E-A947-70E740481C1C}">
-                <a14:useLocalDpi xmlns:a14="http://schemas.microsoft.com/office/drawing/2010/main" val="0"/>
-              </a:ext>
-            </a:extLst>
-          </a:blip>
-          <a:srcRect l="17714" r="15710" b="1823"/>
-          <a:stretch/>
-        </p:blipFill>
-        <p:spPr bwMode="auto">
-          <a:xfrm>
-            <a:off x="6868028" y="1027209"/>
-            <a:ext cx="3656837" cy="3684443"/>
-          </a:xfrm>
-          <a:prstGeom prst="rect">
-            <a:avLst/>
-          </a:prstGeom>
-          <a:noFill/>
-          <a:ln>
-            <a:noFill/>
-          </a:ln>
-        </p:spPr>
-      </p:pic>
-      <p:sp>
-        <p:nvSpPr>
-          <p:cNvPr id="12" name="CuadroTexto 11">
-            <a:extLst>
-              <a:ext uri="{FF2B5EF4-FFF2-40B4-BE49-F238E27FC236}">
-                <a16:creationId xmlns:a16="http://schemas.microsoft.com/office/drawing/2014/main" id="{A3A08033-9FEE-C331-8C07-B6A7C905576D}"/>
-              </a:ext>
-            </a:extLst>
-          </p:cNvPr>
-          <p:cNvSpPr txBox="1"/>
-          <p:nvPr/>
-        </p:nvSpPr>
-        <p:spPr>
-          <a:xfrm>
-            <a:off x="769177" y="3624938"/>
-            <a:ext cx="5722544" cy="2816156"/>
-          </a:xfrm>
-          <a:prstGeom prst="rect">
-            <a:avLst/>
-          </a:prstGeom>
-          <a:noFill/>
-        </p:spPr>
-        <p:txBody>
-          <a:bodyPr wrap="square" rtlCol="0">
-            <a:spAutoFit/>
-          </a:bodyPr>
-          <a:lstStyle/>
-          <a:p>
-            <a:pPr>
-              <a:spcAft>
-                <a:spcPts val="600"/>
-              </a:spcAft>
-            </a:pPr>
-            <a:r>
-              <a:rPr lang="es-ES" sz="1200" dirty="0">
-                <a:solidFill>
-                  <a:schemeClr val="accent1"/>
-                </a:solidFill>
-                <a:latin typeface="Barlow" pitchFamily="2" charset="77"/>
-              </a:rPr>
-              <a:t>Documentos:</a:t>
-            </a:r>
-          </a:p>
-          <a:p>
-            <a:pPr marL="171450" indent="-171450">
-              <a:spcAft>
-                <a:spcPts val="600"/>
-              </a:spcAft>
-              <a:buFont typeface="Wingdings" panose="05000000000000000000" pitchFamily="2" charset="2"/>
-              <a:buChar char="Ø"/>
-            </a:pPr>
-            <a:r>
-              <a:rPr lang="es-ES" sz="1200" dirty="0">
-                <a:solidFill>
-                  <a:schemeClr val="accent1"/>
-                </a:solidFill>
-                <a:latin typeface="Barlow" pitchFamily="2" charset="77"/>
-              </a:rPr>
-              <a:t>Guía metodológica (hilo conductor que aglutine información relativa a la metodología y normativa de </a:t>
-            </a:r>
-            <a:r>
-              <a:rPr lang="es-ES" sz="1200" dirty="0" err="1">
-                <a:solidFill>
-                  <a:schemeClr val="accent1"/>
-                </a:solidFill>
-                <a:latin typeface="Barlow" pitchFamily="2" charset="77"/>
-              </a:rPr>
-              <a:t>APIs</a:t>
-            </a:r>
-            <a:r>
-              <a:rPr lang="es-ES" sz="1200" dirty="0">
-                <a:solidFill>
-                  <a:schemeClr val="accent1"/>
-                </a:solidFill>
-                <a:latin typeface="Barlow" pitchFamily="2" charset="77"/>
-              </a:rPr>
-              <a:t> y Eventos) </a:t>
-            </a:r>
-          </a:p>
-          <a:p>
-            <a:pPr marL="171450" indent="-171450">
-              <a:spcAft>
-                <a:spcPts val="600"/>
-              </a:spcAft>
-              <a:buFont typeface="Wingdings" panose="05000000000000000000" pitchFamily="2" charset="2"/>
-              <a:buChar char="Ø"/>
-            </a:pPr>
-            <a:r>
-              <a:rPr lang="es-ES" sz="1200" dirty="0">
-                <a:solidFill>
-                  <a:schemeClr val="accent1"/>
-                </a:solidFill>
-                <a:latin typeface="Barlow" pitchFamily="2" charset="77"/>
-              </a:rPr>
-              <a:t>Definición de oficina de gobierno  </a:t>
-            </a:r>
-          </a:p>
-          <a:p>
-            <a:pPr marL="171450" indent="-171450">
-              <a:spcAft>
-                <a:spcPts val="600"/>
-              </a:spcAft>
-              <a:buFont typeface="Wingdings" panose="05000000000000000000" pitchFamily="2" charset="2"/>
-              <a:buChar char="Ø"/>
-            </a:pPr>
-            <a:r>
-              <a:rPr lang="es-ES" sz="1200" dirty="0">
-                <a:solidFill>
-                  <a:schemeClr val="accent1"/>
-                </a:solidFill>
-                <a:latin typeface="Barlow" pitchFamily="2" charset="77"/>
-              </a:rPr>
-              <a:t>Equipos y roles en el ciclo de vida API/Evento </a:t>
-            </a:r>
-          </a:p>
-          <a:p>
-            <a:pPr marL="171450" indent="-171450">
-              <a:spcAft>
-                <a:spcPts val="600"/>
-              </a:spcAft>
-              <a:buFont typeface="Wingdings" panose="05000000000000000000" pitchFamily="2" charset="2"/>
-              <a:buChar char="Ø"/>
-            </a:pPr>
-            <a:r>
-              <a:rPr lang="es-ES" sz="1200" dirty="0">
-                <a:solidFill>
-                  <a:schemeClr val="accent1"/>
-                </a:solidFill>
-                <a:latin typeface="Barlow" pitchFamily="2" charset="77"/>
-              </a:rPr>
-              <a:t>Estándares y patrones (guía de buenas prácticas) </a:t>
-            </a:r>
-          </a:p>
-          <a:p>
-            <a:pPr marL="171450" indent="-171450">
-              <a:spcAft>
-                <a:spcPts val="600"/>
-              </a:spcAft>
-              <a:buFont typeface="Wingdings" panose="05000000000000000000" pitchFamily="2" charset="2"/>
-              <a:buChar char="Ø"/>
-            </a:pPr>
-            <a:r>
-              <a:rPr lang="es-ES" sz="1200" dirty="0">
-                <a:solidFill>
-                  <a:schemeClr val="accent1"/>
-                </a:solidFill>
-                <a:latin typeface="Barlow" pitchFamily="2" charset="77"/>
-              </a:rPr>
-              <a:t>Modelo de participación de la oficina de Gobierno </a:t>
-            </a:r>
-          </a:p>
-          <a:p>
-            <a:pPr marL="171450" indent="-171450">
-              <a:spcAft>
-                <a:spcPts val="600"/>
-              </a:spcAft>
-              <a:buFont typeface="Wingdings" panose="05000000000000000000" pitchFamily="2" charset="2"/>
-              <a:buChar char="Ø"/>
-            </a:pPr>
-            <a:r>
-              <a:rPr lang="es-ES" sz="1200" dirty="0">
-                <a:solidFill>
-                  <a:schemeClr val="accent1"/>
-                </a:solidFill>
-                <a:latin typeface="Barlow" pitchFamily="2" charset="77"/>
-              </a:rPr>
-              <a:t>Metodología de </a:t>
-            </a:r>
-            <a:r>
-              <a:rPr lang="es-ES" sz="1200" dirty="0" err="1">
-                <a:solidFill>
-                  <a:schemeClr val="accent1"/>
-                </a:solidFill>
-                <a:latin typeface="Barlow" pitchFamily="2" charset="77"/>
-              </a:rPr>
-              <a:t>testing</a:t>
-            </a:r>
-            <a:r>
-              <a:rPr lang="es-ES" sz="1200" dirty="0">
-                <a:solidFill>
-                  <a:schemeClr val="accent1"/>
-                </a:solidFill>
-                <a:latin typeface="Barlow" pitchFamily="2" charset="77"/>
-              </a:rPr>
-              <a:t> </a:t>
-            </a:r>
-          </a:p>
-          <a:p>
-            <a:pPr marL="171450" indent="-171450">
-              <a:spcAft>
-                <a:spcPts val="600"/>
-              </a:spcAft>
-              <a:buFont typeface="Wingdings" panose="05000000000000000000" pitchFamily="2" charset="2"/>
-              <a:buChar char="Ø"/>
-            </a:pPr>
-            <a:r>
-              <a:rPr lang="es-ES" sz="1200" dirty="0">
-                <a:solidFill>
-                  <a:schemeClr val="accent1"/>
-                </a:solidFill>
-                <a:latin typeface="Barlow" pitchFamily="2" charset="77"/>
-              </a:rPr>
-              <a:t>Normativa </a:t>
-            </a:r>
-            <a:r>
-              <a:rPr lang="es-ES" sz="1200" dirty="0" err="1">
-                <a:solidFill>
-                  <a:schemeClr val="accent1"/>
-                </a:solidFill>
-                <a:latin typeface="Barlow" pitchFamily="2" charset="77"/>
-              </a:rPr>
-              <a:t>APIs</a:t>
-            </a:r>
-            <a:r>
-              <a:rPr lang="es-ES" sz="1200" dirty="0">
-                <a:solidFill>
-                  <a:schemeClr val="accent1"/>
-                </a:solidFill>
-                <a:latin typeface="Barlow" pitchFamily="2" charset="77"/>
-              </a:rPr>
-              <a:t> asíncronas (</a:t>
-            </a:r>
-            <a:r>
-              <a:rPr lang="es-ES" sz="1200" dirty="0" err="1">
-                <a:solidFill>
-                  <a:schemeClr val="accent1"/>
-                </a:solidFill>
-                <a:latin typeface="Barlow" pitchFamily="2" charset="77"/>
-              </a:rPr>
-              <a:t>AsyncAPI</a:t>
-            </a:r>
-            <a:r>
-              <a:rPr lang="es-ES" sz="1200" dirty="0">
-                <a:solidFill>
-                  <a:schemeClr val="accent1"/>
-                </a:solidFill>
-                <a:latin typeface="Barlow" pitchFamily="2" charset="77"/>
-              </a:rPr>
-              <a:t>) </a:t>
-            </a:r>
-          </a:p>
-          <a:p>
-            <a:pPr marL="171450" indent="-171450">
-              <a:spcAft>
-                <a:spcPts val="600"/>
-              </a:spcAft>
-              <a:buFont typeface="Wingdings" panose="05000000000000000000" pitchFamily="2" charset="2"/>
-              <a:buChar char="Ø"/>
-            </a:pPr>
-            <a:r>
-              <a:rPr lang="es-ES" sz="1200" dirty="0">
-                <a:solidFill>
-                  <a:schemeClr val="accent1"/>
-                </a:solidFill>
-                <a:latin typeface="Barlow" pitchFamily="2" charset="77"/>
-              </a:rPr>
-              <a:t>Políticas de Monitorización </a:t>
-            </a:r>
-          </a:p>
-          <a:p>
-            <a:pPr marL="171450" indent="-171450">
-              <a:spcAft>
-                <a:spcPts val="600"/>
-              </a:spcAft>
-              <a:buFont typeface="Wingdings" panose="05000000000000000000" pitchFamily="2" charset="2"/>
-              <a:buChar char="Ø"/>
-            </a:pPr>
-            <a:r>
-              <a:rPr lang="es-ES" sz="1200" dirty="0">
-                <a:solidFill>
-                  <a:schemeClr val="accent1"/>
-                </a:solidFill>
-                <a:latin typeface="Barlow" pitchFamily="2" charset="77"/>
-              </a:rPr>
-              <a:t>Gestión de errores </a:t>
-            </a:r>
-          </a:p>
-        </p:txBody>
-      </p:sp>
-      <p:sp>
-        <p:nvSpPr>
-          <p:cNvPr id="13" name="CuadroTexto 12">
-            <a:extLst>
-              <a:ext uri="{FF2B5EF4-FFF2-40B4-BE49-F238E27FC236}">
-                <a16:creationId xmlns:a16="http://schemas.microsoft.com/office/drawing/2014/main" id="{79483D74-86AA-D498-DBA0-873E504F2714}"/>
-              </a:ext>
-            </a:extLst>
-          </p:cNvPr>
-          <p:cNvSpPr txBox="1"/>
-          <p:nvPr/>
-        </p:nvSpPr>
-        <p:spPr>
-          <a:xfrm>
-            <a:off x="5894121" y="5406964"/>
-            <a:ext cx="5722544" cy="646331"/>
-          </a:xfrm>
-          <a:prstGeom prst="rect">
-            <a:avLst/>
-          </a:prstGeom>
-          <a:solidFill>
-            <a:schemeClr val="bg1">
-              <a:lumMod val="85000"/>
-            </a:schemeClr>
-          </a:solidFill>
-        </p:spPr>
-        <p:txBody>
-          <a:bodyPr wrap="square" rtlCol="0">
-            <a:spAutoFit/>
-          </a:bodyPr>
-          <a:lstStyle/>
-          <a:p>
-            <a:r>
-              <a:rPr lang="es-ES" sz="1200" dirty="0">
-                <a:solidFill>
-                  <a:schemeClr val="accent1"/>
-                </a:solidFill>
-                <a:latin typeface="Barlow" pitchFamily="2" charset="77"/>
-              </a:rPr>
-              <a:t>Con esto conseguiremos que la oficina de Gobierno cubra los aspectos necesarios para lograr un método de trabajo coordinado, fomentando la comunicación entre los participantes y garantizando el apoyo a los demás equipos.</a:t>
-            </a:r>
-          </a:p>
-        </p:txBody>
-      </p:sp>
-    </p:spTree>
-    <p:extLst>
-      <p:ext uri="{BB962C8B-B14F-4D97-AF65-F5344CB8AC3E}">
-        <p14:creationId xmlns:p14="http://schemas.microsoft.com/office/powerpoint/2010/main" val="403602152"/>
-      </p:ext>
-    </p:extLst>
-  </p:cSld>
-  <p:clrMapOvr>
-    <a:masterClrMapping/>
-  </p:clrMapOvr>
-</p:sld>
-</file>
-
-<file path=ppt/slides/slide16.xml><?xml version="1.0" encoding="utf-8"?>
-<p:sld xmlns:a="http://schemas.openxmlformats.org/drawingml/2006/main" xmlns:r="http://schemas.openxmlformats.org/officeDocument/2006/relationships" xmlns:p="http://schemas.openxmlformats.org/presentationml/2006/main">
-  <p:cSld>
-    <p:spTree>
-      <p:nvGrpSpPr>
-        <p:cNvPr id="1" name="">
-          <a:extLst>
-            <a:ext uri="{FF2B5EF4-FFF2-40B4-BE49-F238E27FC236}">
-              <a16:creationId xmlns:a16="http://schemas.microsoft.com/office/drawing/2014/main" id="{FED2A86E-EFB4-023F-86BA-B02F1FC55596}"/>
-            </a:ext>
-          </a:extLst>
-        </p:cNvPr>
-        <p:cNvGrpSpPr/>
-        <p:nvPr/>
-      </p:nvGrpSpPr>
-      <p:grpSpPr>
-        <a:xfrm>
-          <a:off x="0" y="0"/>
-          <a:ext cx="0" cy="0"/>
-          <a:chOff x="0" y="0"/>
-          <a:chExt cx="0" cy="0"/>
-        </a:xfrm>
-      </p:grpSpPr>
-      <p:grpSp>
-        <p:nvGrpSpPr>
-          <p:cNvPr id="2" name="Grupo 1">
-            <a:extLst>
-              <a:ext uri="{FF2B5EF4-FFF2-40B4-BE49-F238E27FC236}">
-                <a16:creationId xmlns:a16="http://schemas.microsoft.com/office/drawing/2014/main" id="{784714B8-3D98-9FBE-22DF-E3AECDA2B89E}"/>
-              </a:ext>
-            </a:extLst>
-          </p:cNvPr>
-          <p:cNvGrpSpPr/>
-          <p:nvPr/>
-        </p:nvGrpSpPr>
-        <p:grpSpPr>
-          <a:xfrm>
-            <a:off x="4773411" y="2509730"/>
-            <a:ext cx="7250481" cy="4066382"/>
-            <a:chOff x="4885152" y="1912521"/>
-            <a:chExt cx="7250481" cy="4066382"/>
-          </a:xfrm>
-        </p:grpSpPr>
-        <p:sp>
-          <p:nvSpPr>
-            <p:cNvPr id="4" name="Hexágono 3">
-              <a:extLst>
-                <a:ext uri="{FF2B5EF4-FFF2-40B4-BE49-F238E27FC236}">
-                  <a16:creationId xmlns:a16="http://schemas.microsoft.com/office/drawing/2014/main" id="{BED914EB-78C7-690F-9B53-57DED1B4744F}"/>
-                </a:ext>
-              </a:extLst>
-            </p:cNvPr>
-            <p:cNvSpPr/>
-            <p:nvPr/>
-          </p:nvSpPr>
-          <p:spPr>
-            <a:xfrm>
-              <a:off x="7352778" y="2154476"/>
-              <a:ext cx="2630465" cy="2267642"/>
-            </a:xfrm>
-            <a:prstGeom prst="hexagon">
-              <a:avLst/>
-            </a:prstGeom>
-            <a:blipFill>
-              <a:blip r:embed="rId3" cstate="screen">
-                <a:extLst>
-                  <a:ext uri="{28A0092B-C50C-407E-A947-70E740481C1C}">
-                    <a14:useLocalDpi xmlns:a14="http://schemas.microsoft.com/office/drawing/2010/main"/>
-                  </a:ext>
-                </a:extLst>
-              </a:blip>
-              <a:stretch>
-                <a:fillRect/>
-              </a:stretch>
-            </a:blipFill>
-            <a:ln>
-              <a:noFill/>
-            </a:ln>
-          </p:spPr>
-          <p:style>
-            <a:lnRef idx="2">
-              <a:schemeClr val="accent1">
-                <a:shade val="15000"/>
-              </a:schemeClr>
-            </a:lnRef>
-            <a:fillRef idx="1">
-              <a:schemeClr val="accent1"/>
-            </a:fillRef>
-            <a:effectRef idx="0">
-              <a:schemeClr val="accent1"/>
-            </a:effectRef>
-            <a:fontRef idx="minor">
-              <a:schemeClr val="lt1"/>
-            </a:fontRef>
-          </p:style>
-          <p:txBody>
-            <a:bodyPr rtlCol="0" anchor="ctr"/>
-            <a:lstStyle/>
-            <a:p>
-              <a:pPr algn="ctr"/>
-              <a:endParaRPr lang="es-ES"/>
-            </a:p>
-          </p:txBody>
-        </p:sp>
-        <p:sp>
-          <p:nvSpPr>
-            <p:cNvPr id="5" name="Hexágono 4">
-              <a:extLst>
-                <a:ext uri="{FF2B5EF4-FFF2-40B4-BE49-F238E27FC236}">
-                  <a16:creationId xmlns:a16="http://schemas.microsoft.com/office/drawing/2014/main" id="{B27EB5A8-B92F-E1D8-3D4E-32A268FB7AB8}"/>
-                </a:ext>
-              </a:extLst>
-            </p:cNvPr>
-            <p:cNvSpPr/>
-            <p:nvPr/>
-          </p:nvSpPr>
-          <p:spPr>
-            <a:xfrm>
-              <a:off x="5200388" y="3338401"/>
-              <a:ext cx="2630465" cy="2267642"/>
-            </a:xfrm>
-            <a:prstGeom prst="hexagon">
-              <a:avLst/>
-            </a:prstGeom>
-            <a:blipFill>
-              <a:blip r:embed="rId4" cstate="screen">
-                <a:extLst>
-                  <a:ext uri="{28A0092B-C50C-407E-A947-70E740481C1C}">
-                    <a14:useLocalDpi xmlns:a14="http://schemas.microsoft.com/office/drawing/2010/main"/>
-                  </a:ext>
-                </a:extLst>
-              </a:blip>
-              <a:stretch>
-                <a:fillRect/>
-              </a:stretch>
-            </a:blipFill>
-            <a:ln>
-              <a:noFill/>
-            </a:ln>
-          </p:spPr>
-          <p:style>
-            <a:lnRef idx="2">
-              <a:schemeClr val="accent1">
-                <a:shade val="15000"/>
-              </a:schemeClr>
-            </a:lnRef>
-            <a:fillRef idx="1">
-              <a:schemeClr val="accent1"/>
-            </a:fillRef>
-            <a:effectRef idx="0">
-              <a:schemeClr val="accent1"/>
-            </a:effectRef>
-            <a:fontRef idx="minor">
-              <a:schemeClr val="lt1"/>
-            </a:fontRef>
-          </p:style>
-          <p:txBody>
-            <a:bodyPr rtlCol="0" anchor="ctr"/>
-            <a:lstStyle/>
-            <a:p>
-              <a:pPr algn="ctr"/>
-              <a:endParaRPr lang="es-ES"/>
-            </a:p>
-          </p:txBody>
-        </p:sp>
-        <p:sp>
-          <p:nvSpPr>
-            <p:cNvPr id="6" name="Hexágono 5">
-              <a:extLst>
-                <a:ext uri="{FF2B5EF4-FFF2-40B4-BE49-F238E27FC236}">
-                  <a16:creationId xmlns:a16="http://schemas.microsoft.com/office/drawing/2014/main" id="{09A552B9-5282-6623-63F9-99BB1239BC8F}"/>
-                </a:ext>
-              </a:extLst>
-            </p:cNvPr>
-            <p:cNvSpPr/>
-            <p:nvPr/>
-          </p:nvSpPr>
-          <p:spPr>
-            <a:xfrm>
-              <a:off x="9505168" y="3338401"/>
-              <a:ext cx="2630465" cy="2267642"/>
-            </a:xfrm>
-            <a:prstGeom prst="hexagon">
-              <a:avLst/>
-            </a:prstGeom>
-            <a:blipFill>
-              <a:blip r:embed="rId5" cstate="screen">
-                <a:extLst>
-                  <a:ext uri="{28A0092B-C50C-407E-A947-70E740481C1C}">
-                    <a14:useLocalDpi xmlns:a14="http://schemas.microsoft.com/office/drawing/2010/main"/>
-                  </a:ext>
-                </a:extLst>
-              </a:blip>
-              <a:stretch>
-                <a:fillRect/>
-              </a:stretch>
-            </a:blipFill>
-            <a:ln>
-              <a:noFill/>
-            </a:ln>
-          </p:spPr>
-          <p:style>
-            <a:lnRef idx="2">
-              <a:schemeClr val="accent1">
-                <a:shade val="15000"/>
-              </a:schemeClr>
-            </a:lnRef>
-            <a:fillRef idx="1">
-              <a:schemeClr val="accent1"/>
-            </a:fillRef>
-            <a:effectRef idx="0">
-              <a:schemeClr val="accent1"/>
-            </a:effectRef>
-            <a:fontRef idx="minor">
-              <a:schemeClr val="lt1"/>
-            </a:fontRef>
-          </p:style>
-          <p:txBody>
-            <a:bodyPr rtlCol="0" anchor="ctr"/>
-            <a:lstStyle/>
-            <a:p>
-              <a:pPr algn="ctr"/>
-              <a:endParaRPr lang="es-ES"/>
-            </a:p>
-          </p:txBody>
-        </p:sp>
-        <p:sp>
-          <p:nvSpPr>
-            <p:cNvPr id="7" name="Hexágono 6">
-              <a:extLst>
-                <a:ext uri="{FF2B5EF4-FFF2-40B4-BE49-F238E27FC236}">
-                  <a16:creationId xmlns:a16="http://schemas.microsoft.com/office/drawing/2014/main" id="{CF4BDC18-7D8A-78D6-5B43-80617B1AAB35}"/>
-                </a:ext>
-              </a:extLst>
-            </p:cNvPr>
-            <p:cNvSpPr/>
-            <p:nvPr/>
-          </p:nvSpPr>
-          <p:spPr>
-            <a:xfrm>
-              <a:off x="7830853" y="1912521"/>
-              <a:ext cx="2630465" cy="2267642"/>
-            </a:xfrm>
-            <a:prstGeom prst="hexagon">
-              <a:avLst/>
-            </a:prstGeom>
-            <a:noFill/>
-            <a:ln w="28575">
-              <a:solidFill>
-                <a:schemeClr val="accent5"/>
-              </a:solidFill>
-            </a:ln>
-          </p:spPr>
-          <p:style>
-            <a:lnRef idx="2">
-              <a:schemeClr val="accent2"/>
-            </a:lnRef>
-            <a:fillRef idx="1">
-              <a:schemeClr val="lt1"/>
-            </a:fillRef>
-            <a:effectRef idx="0">
-              <a:schemeClr val="accent2"/>
-            </a:effectRef>
-            <a:fontRef idx="minor">
-              <a:schemeClr val="dk1"/>
-            </a:fontRef>
-          </p:style>
-          <p:txBody>
-            <a:bodyPr rtlCol="0" anchor="ctr"/>
-            <a:lstStyle/>
-            <a:p>
-              <a:pPr algn="ctr"/>
-              <a:endParaRPr lang="es-ES">
-                <a:solidFill>
-                  <a:schemeClr val="accent4"/>
-                </a:solidFill>
-              </a:endParaRPr>
-            </a:p>
-          </p:txBody>
-        </p:sp>
-        <p:sp>
-          <p:nvSpPr>
-            <p:cNvPr id="8" name="Hexágono 7">
-              <a:extLst>
-                <a:ext uri="{FF2B5EF4-FFF2-40B4-BE49-F238E27FC236}">
-                  <a16:creationId xmlns:a16="http://schemas.microsoft.com/office/drawing/2014/main" id="{6EC0736D-36D0-30CC-FB6D-4B1882664B33}"/>
-                </a:ext>
-              </a:extLst>
-            </p:cNvPr>
-            <p:cNvSpPr/>
-            <p:nvPr/>
-          </p:nvSpPr>
-          <p:spPr>
-            <a:xfrm>
-              <a:off x="4885152" y="3618149"/>
-              <a:ext cx="2630465" cy="2267642"/>
-            </a:xfrm>
-            <a:prstGeom prst="hexagon">
-              <a:avLst/>
-            </a:prstGeom>
-            <a:noFill/>
-            <a:ln w="28575">
-              <a:solidFill>
-                <a:schemeClr val="accent5"/>
-              </a:solidFill>
-            </a:ln>
-          </p:spPr>
-          <p:style>
-            <a:lnRef idx="2">
-              <a:schemeClr val="accent2"/>
-            </a:lnRef>
-            <a:fillRef idx="1">
-              <a:schemeClr val="lt1"/>
-            </a:fillRef>
-            <a:effectRef idx="0">
-              <a:schemeClr val="accent2"/>
-            </a:effectRef>
-            <a:fontRef idx="minor">
-              <a:schemeClr val="dk1"/>
-            </a:fontRef>
-          </p:style>
-          <p:txBody>
-            <a:bodyPr rtlCol="0" anchor="ctr"/>
-            <a:lstStyle/>
-            <a:p>
-              <a:pPr algn="ctr"/>
-              <a:endParaRPr lang="es-ES">
-                <a:solidFill>
-                  <a:schemeClr val="accent4"/>
-                </a:solidFill>
-              </a:endParaRPr>
-            </a:p>
-          </p:txBody>
-        </p:sp>
-        <p:sp>
-          <p:nvSpPr>
-            <p:cNvPr id="12" name="Hexágono 11">
-              <a:extLst>
-                <a:ext uri="{FF2B5EF4-FFF2-40B4-BE49-F238E27FC236}">
-                  <a16:creationId xmlns:a16="http://schemas.microsoft.com/office/drawing/2014/main" id="{802B1F18-D15F-A4CB-DEE8-971C74869BF5}"/>
-                </a:ext>
-              </a:extLst>
-            </p:cNvPr>
-            <p:cNvSpPr/>
-            <p:nvPr/>
-          </p:nvSpPr>
-          <p:spPr>
-            <a:xfrm>
-              <a:off x="6515620" y="2295732"/>
-              <a:ext cx="216021" cy="186225"/>
-            </a:xfrm>
-            <a:prstGeom prst="hexagon">
-              <a:avLst/>
-            </a:prstGeom>
-            <a:noFill/>
-            <a:ln w="19050">
-              <a:solidFill>
-                <a:schemeClr val="bg2">
-                  <a:lumMod val="90000"/>
-                </a:schemeClr>
-              </a:solidFill>
-            </a:ln>
-          </p:spPr>
-          <p:style>
-            <a:lnRef idx="2">
-              <a:schemeClr val="accent1">
-                <a:shade val="15000"/>
-              </a:schemeClr>
-            </a:lnRef>
-            <a:fillRef idx="1">
-              <a:schemeClr val="accent1"/>
-            </a:fillRef>
-            <a:effectRef idx="0">
-              <a:schemeClr val="accent1"/>
-            </a:effectRef>
-            <a:fontRef idx="minor">
-              <a:schemeClr val="lt1"/>
-            </a:fontRef>
-          </p:style>
-          <p:txBody>
-            <a:bodyPr rtlCol="0" anchor="ctr"/>
-            <a:lstStyle/>
-            <a:p>
-              <a:pPr algn="ctr"/>
-              <a:endParaRPr lang="es-ES" b="1" i="0">
-                <a:latin typeface="Lexend SemiBold" pitchFamily="2" charset="77"/>
-              </a:endParaRPr>
-            </a:p>
-          </p:txBody>
-        </p:sp>
-        <p:sp>
-          <p:nvSpPr>
-            <p:cNvPr id="13" name="Hexágono 12">
-              <a:extLst>
-                <a:ext uri="{FF2B5EF4-FFF2-40B4-BE49-F238E27FC236}">
-                  <a16:creationId xmlns:a16="http://schemas.microsoft.com/office/drawing/2014/main" id="{3835ED70-A9C1-6EAE-8150-73A69A8F1A47}"/>
-                </a:ext>
-              </a:extLst>
-            </p:cNvPr>
-            <p:cNvSpPr/>
-            <p:nvPr/>
-          </p:nvSpPr>
-          <p:spPr>
-            <a:xfrm>
-              <a:off x="9146085" y="5792678"/>
-              <a:ext cx="216021" cy="186225"/>
-            </a:xfrm>
-            <a:prstGeom prst="hexagon">
-              <a:avLst/>
-            </a:prstGeom>
-            <a:noFill/>
-            <a:ln w="19050">
-              <a:solidFill>
-                <a:schemeClr val="bg2">
-                  <a:lumMod val="90000"/>
-                </a:schemeClr>
-              </a:solidFill>
-            </a:ln>
-          </p:spPr>
-          <p:style>
-            <a:lnRef idx="2">
-              <a:schemeClr val="accent1">
-                <a:shade val="15000"/>
-              </a:schemeClr>
-            </a:lnRef>
-            <a:fillRef idx="1">
-              <a:schemeClr val="accent1"/>
-            </a:fillRef>
-            <a:effectRef idx="0">
-              <a:schemeClr val="accent1"/>
-            </a:effectRef>
-            <a:fontRef idx="minor">
-              <a:schemeClr val="lt1"/>
-            </a:fontRef>
-          </p:style>
-          <p:txBody>
-            <a:bodyPr rtlCol="0" anchor="ctr"/>
-            <a:lstStyle/>
-            <a:p>
-              <a:pPr algn="ctr"/>
-              <a:endParaRPr lang="es-ES" b="1" i="0">
-                <a:latin typeface="Lexend SemiBold" pitchFamily="2" charset="77"/>
-              </a:endParaRPr>
-            </a:p>
-          </p:txBody>
-        </p:sp>
-      </p:grpSp>
-      <p:sp>
-        <p:nvSpPr>
-          <p:cNvPr id="3" name="CuadroTexto 2">
-            <a:extLst>
-              <a:ext uri="{FF2B5EF4-FFF2-40B4-BE49-F238E27FC236}">
-                <a16:creationId xmlns:a16="http://schemas.microsoft.com/office/drawing/2014/main" id="{87FE19EE-0482-D866-A678-6CCC1160E203}"/>
-              </a:ext>
-            </a:extLst>
-          </p:cNvPr>
-          <p:cNvSpPr txBox="1"/>
-          <p:nvPr/>
-        </p:nvSpPr>
-        <p:spPr>
-          <a:xfrm>
-            <a:off x="3223890" y="3184612"/>
-            <a:ext cx="638316" cy="584775"/>
-          </a:xfrm>
-          <a:prstGeom prst="rect">
-            <a:avLst/>
-          </a:prstGeom>
-          <a:noFill/>
-        </p:spPr>
-        <p:txBody>
-          <a:bodyPr wrap="none" rtlCol="0">
-            <a:spAutoFit/>
-          </a:bodyPr>
-          <a:lstStyle/>
-          <a:p>
-            <a:r>
-              <a:rPr lang="es-ES" sz="3200" b="1" dirty="0">
-                <a:solidFill>
-                  <a:schemeClr val="accent6"/>
-                </a:solidFill>
-                <a:latin typeface="Barlow" pitchFamily="2" charset="77"/>
-              </a:rPr>
-              <a:t>06</a:t>
-            </a:r>
-          </a:p>
-        </p:txBody>
-      </p:sp>
-      <p:sp>
-        <p:nvSpPr>
-          <p:cNvPr id="11" name="CuadroTexto 10">
-            <a:extLst>
-              <a:ext uri="{FF2B5EF4-FFF2-40B4-BE49-F238E27FC236}">
-                <a16:creationId xmlns:a16="http://schemas.microsoft.com/office/drawing/2014/main" id="{E6A20D81-1964-6524-DBF0-CF8A86FDF43C}"/>
-              </a:ext>
-            </a:extLst>
-          </p:cNvPr>
-          <p:cNvSpPr txBox="1"/>
-          <p:nvPr/>
-        </p:nvSpPr>
-        <p:spPr>
-          <a:xfrm>
-            <a:off x="1656846" y="1995243"/>
-            <a:ext cx="3772404" cy="1200329"/>
-          </a:xfrm>
-          <a:prstGeom prst="rect">
-            <a:avLst/>
-          </a:prstGeom>
-          <a:noFill/>
-        </p:spPr>
-        <p:txBody>
-          <a:bodyPr wrap="square" rtlCol="0">
-            <a:spAutoFit/>
-          </a:bodyPr>
-          <a:lstStyle/>
-          <a:p>
-            <a:r>
-              <a:rPr lang="es-ES" sz="2400" dirty="0">
-                <a:solidFill>
-                  <a:srgbClr val="4D4D4D"/>
-                </a:solidFill>
-                <a:latin typeface="Barlow Medium" pitchFamily="2" charset="77"/>
-              </a:rPr>
-              <a:t>Planificación y equipo de trabajo para abordar la solución</a:t>
-            </a:r>
-          </a:p>
-        </p:txBody>
-      </p:sp>
-      <p:sp>
-        <p:nvSpPr>
-          <p:cNvPr id="14" name="CuadroTexto 13">
-            <a:extLst>
-              <a:ext uri="{FF2B5EF4-FFF2-40B4-BE49-F238E27FC236}">
-                <a16:creationId xmlns:a16="http://schemas.microsoft.com/office/drawing/2014/main" id="{30E72E32-B4B1-E334-7F81-34714BAF0267}"/>
-              </a:ext>
-            </a:extLst>
-          </p:cNvPr>
-          <p:cNvSpPr txBox="1"/>
-          <p:nvPr/>
-        </p:nvSpPr>
-        <p:spPr>
-          <a:xfrm>
-            <a:off x="1565405" y="945249"/>
-            <a:ext cx="9356421" cy="1015663"/>
-          </a:xfrm>
-          <a:prstGeom prst="rect">
-            <a:avLst/>
-          </a:prstGeom>
-          <a:noFill/>
-        </p:spPr>
-        <p:txBody>
-          <a:bodyPr wrap="square" rtlCol="0">
-            <a:spAutoFit/>
-          </a:bodyPr>
-          <a:lstStyle/>
-          <a:p>
-            <a:r>
-              <a:rPr lang="es-ES" sz="6000" b="1" dirty="0">
-                <a:solidFill>
-                  <a:schemeClr val="accent1"/>
-                </a:solidFill>
-                <a:latin typeface="Sama Devanagari" panose="020F0603040507060303" pitchFamily="34" charset="0"/>
-                <a:cs typeface="Sama Devanagari" panose="020F0603040507060303" pitchFamily="34" charset="0"/>
-              </a:rPr>
-              <a:t>Planificación y </a:t>
-            </a:r>
-            <a:r>
-              <a:rPr lang="es-ES" sz="6000" b="1" dirty="0">
-                <a:solidFill>
-                  <a:schemeClr val="accent6"/>
-                </a:solidFill>
-                <a:latin typeface="Sama Devanagari" panose="020F0603040507060303" pitchFamily="34" charset="0"/>
-                <a:cs typeface="Sama Devanagari" panose="020F0603040507060303" pitchFamily="34" charset="0"/>
-              </a:rPr>
-              <a:t>Equipo</a:t>
-            </a:r>
-          </a:p>
-        </p:txBody>
-      </p:sp>
-    </p:spTree>
-    <p:extLst>
-      <p:ext uri="{BB962C8B-B14F-4D97-AF65-F5344CB8AC3E}">
-        <p14:creationId xmlns:p14="http://schemas.microsoft.com/office/powerpoint/2010/main" val="4263066115"/>
-      </p:ext>
-    </p:extLst>
-  </p:cSld>
-  <p:clrMapOvr>
-    <a:masterClrMapping/>
-  </p:clrMapOvr>
-</p:sld>
-</file>
-
-<file path=ppt/slides/slide17.xml><?xml version="1.0" encoding="utf-8"?>
-<p:sld xmlns:a="http://schemas.openxmlformats.org/drawingml/2006/main" xmlns:r="http://schemas.openxmlformats.org/officeDocument/2006/relationships" xmlns:p="http://schemas.openxmlformats.org/presentationml/2006/main">
-  <p:cSld>
-    <p:spTree>
-      <p:nvGrpSpPr>
-        <p:cNvPr id="1" name="">
-          <a:extLst>
-            <a:ext uri="{FF2B5EF4-FFF2-40B4-BE49-F238E27FC236}">
-              <a16:creationId xmlns:a16="http://schemas.microsoft.com/office/drawing/2014/main" id="{E2A86E2D-6946-7C4F-3689-2C305670CE9B}"/>
-            </a:ext>
-          </a:extLst>
-        </p:cNvPr>
-        <p:cNvGrpSpPr/>
-        <p:nvPr/>
-      </p:nvGrpSpPr>
-      <p:grpSpPr>
-        <a:xfrm>
-          <a:off x="0" y="0"/>
-          <a:ext cx="0" cy="0"/>
-          <a:chOff x="0" y="0"/>
-          <a:chExt cx="0" cy="0"/>
-        </a:xfrm>
-      </p:grpSpPr>
-      <p:pic>
-        <p:nvPicPr>
-          <p:cNvPr id="3" name="Imagen 2" descr="Gráfico, Escala de tiempo&#10;&#10;Descripción generada automáticamente">
-            <a:extLst>
-              <a:ext uri="{FF2B5EF4-FFF2-40B4-BE49-F238E27FC236}">
-                <a16:creationId xmlns:a16="http://schemas.microsoft.com/office/drawing/2014/main" id="{93697898-C8AF-37F5-9191-3B259A2ADD9F}"/>
-              </a:ext>
-            </a:extLst>
-          </p:cNvPr>
-          <p:cNvPicPr>
-            <a:picLocks noChangeAspect="1"/>
-          </p:cNvPicPr>
-          <p:nvPr/>
-        </p:nvPicPr>
-        <p:blipFill>
-          <a:blip r:embed="rId3"/>
-          <a:stretch>
-            <a:fillRect/>
-          </a:stretch>
-        </p:blipFill>
-        <p:spPr>
-          <a:xfrm>
-            <a:off x="192748" y="1185904"/>
-            <a:ext cx="8119979" cy="4381256"/>
-          </a:xfrm>
-          <a:prstGeom prst="rect">
-            <a:avLst/>
-          </a:prstGeom>
-        </p:spPr>
-      </p:pic>
-      <p:sp>
-        <p:nvSpPr>
-          <p:cNvPr id="29" name="Rectángulo 28">
-            <a:extLst>
-              <a:ext uri="{FF2B5EF4-FFF2-40B4-BE49-F238E27FC236}">
-                <a16:creationId xmlns:a16="http://schemas.microsoft.com/office/drawing/2014/main" id="{E980ABA7-04F6-D958-B22D-ACDEC07641F9}"/>
-              </a:ext>
-            </a:extLst>
-          </p:cNvPr>
-          <p:cNvSpPr/>
-          <p:nvPr/>
-        </p:nvSpPr>
-        <p:spPr>
-          <a:xfrm>
-            <a:off x="5625680" y="5883856"/>
-            <a:ext cx="5543677" cy="600164"/>
-          </a:xfrm>
-          <a:prstGeom prst="rect">
-            <a:avLst/>
-          </a:prstGeom>
-          <a:solidFill>
-            <a:schemeClr val="bg1">
-              <a:lumMod val="95000"/>
-            </a:schemeClr>
-          </a:solidFill>
-          <a:ln>
-            <a:noFill/>
-          </a:ln>
-        </p:spPr>
-        <p:style>
-          <a:lnRef idx="2">
-            <a:schemeClr val="accent1">
-              <a:shade val="15000"/>
-            </a:schemeClr>
-          </a:lnRef>
-          <a:fillRef idx="1">
-            <a:schemeClr val="accent1"/>
-          </a:fillRef>
-          <a:effectRef idx="0">
-            <a:schemeClr val="accent1"/>
-          </a:effectRef>
-          <a:fontRef idx="minor">
-            <a:schemeClr val="lt1"/>
-          </a:fontRef>
-        </p:style>
-        <p:txBody>
-          <a:bodyPr rtlCol="0" anchor="ctr"/>
-          <a:lstStyle/>
-          <a:p>
-            <a:pPr algn="ctr"/>
-            <a:endParaRPr lang="es-ES"/>
-          </a:p>
-        </p:txBody>
-      </p:sp>
-      <p:sp>
-        <p:nvSpPr>
-          <p:cNvPr id="4" name="CuadroTexto 3">
-            <a:extLst>
-              <a:ext uri="{FF2B5EF4-FFF2-40B4-BE49-F238E27FC236}">
-                <a16:creationId xmlns:a16="http://schemas.microsoft.com/office/drawing/2014/main" id="{8530F83A-63D6-3216-3694-02170715AE76}"/>
-              </a:ext>
-            </a:extLst>
-          </p:cNvPr>
-          <p:cNvSpPr txBox="1"/>
-          <p:nvPr/>
-        </p:nvSpPr>
-        <p:spPr>
-          <a:xfrm>
-            <a:off x="5625681" y="5884757"/>
-            <a:ext cx="5543677" cy="600164"/>
-          </a:xfrm>
-          <a:prstGeom prst="rect">
-            <a:avLst/>
-          </a:prstGeom>
-          <a:noFill/>
-        </p:spPr>
-        <p:txBody>
-          <a:bodyPr wrap="square" lIns="91440" tIns="45720" rIns="91440" bIns="45720" rtlCol="0" anchor="t">
-            <a:spAutoFit/>
-          </a:bodyPr>
-          <a:lstStyle/>
-          <a:p>
-            <a:pPr algn="just"/>
-            <a:r>
-              <a:rPr lang="es-ES" sz="1100" dirty="0">
-                <a:latin typeface="Lexend Medium"/>
-              </a:rPr>
-              <a:t>Se contará con la colaboración de expertos de </a:t>
-            </a:r>
-            <a:r>
-              <a:rPr lang="es-ES" sz="1100" b="1" dirty="0">
-                <a:latin typeface="Lexend Medium"/>
-              </a:rPr>
-              <a:t>Confluent</a:t>
-            </a:r>
-            <a:r>
-              <a:rPr lang="es-ES" sz="1100" dirty="0">
-                <a:latin typeface="Lexend Medium"/>
-              </a:rPr>
-              <a:t> en el diseño de arquitectura, así como en la implementación de la solución y </a:t>
-            </a:r>
-            <a:r>
-              <a:rPr lang="es-ES" sz="1100" dirty="0" err="1">
-                <a:latin typeface="Lexend Medium"/>
-              </a:rPr>
-              <a:t>healthcheck</a:t>
-            </a:r>
-            <a:r>
-              <a:rPr lang="es-ES" sz="1100" dirty="0">
-                <a:latin typeface="Lexend Medium"/>
-              </a:rPr>
-              <a:t> antes de la puesta en producción. Además, proporcionarán soporte y apoyo técnico al equipo de Axpe </a:t>
-            </a:r>
-            <a:r>
-              <a:rPr lang="es-ES" sz="1100" dirty="0" err="1">
-                <a:latin typeface="Lexend Medium"/>
-              </a:rPr>
-              <a:t>Consulting</a:t>
-            </a:r>
-            <a:r>
-              <a:rPr lang="es-ES" sz="1100" dirty="0">
-                <a:latin typeface="Lexend Medium"/>
-              </a:rPr>
-              <a:t>.</a:t>
-            </a:r>
-          </a:p>
-        </p:txBody>
-      </p:sp>
-      <p:sp>
-        <p:nvSpPr>
-          <p:cNvPr id="5" name="CuadroTexto 4">
-            <a:extLst>
-              <a:ext uri="{FF2B5EF4-FFF2-40B4-BE49-F238E27FC236}">
-                <a16:creationId xmlns:a16="http://schemas.microsoft.com/office/drawing/2014/main" id="{EB9665A1-9D88-A123-C53B-5206929DEC4A}"/>
-              </a:ext>
-            </a:extLst>
-          </p:cNvPr>
-          <p:cNvSpPr txBox="1"/>
-          <p:nvPr/>
-        </p:nvSpPr>
-        <p:spPr>
-          <a:xfrm>
-            <a:off x="7979454" y="-1968417"/>
-            <a:ext cx="960519" cy="307777"/>
-          </a:xfrm>
-          <a:prstGeom prst="rect">
-            <a:avLst/>
-          </a:prstGeom>
-          <a:noFill/>
-        </p:spPr>
-        <p:txBody>
-          <a:bodyPr wrap="none" rtlCol="0">
-            <a:spAutoFit/>
-          </a:bodyPr>
-          <a:lstStyle/>
-          <a:p>
-            <a:r>
-              <a:rPr lang="es-ES" sz="1400">
-                <a:latin typeface="Lexend Medium" pitchFamily="2" charset="77"/>
-              </a:rPr>
-              <a:t>Flexibles</a:t>
-            </a:r>
-          </a:p>
-        </p:txBody>
-      </p:sp>
-      <p:sp>
-        <p:nvSpPr>
-          <p:cNvPr id="6" name="CuadroTexto 5">
-            <a:extLst>
-              <a:ext uri="{FF2B5EF4-FFF2-40B4-BE49-F238E27FC236}">
-                <a16:creationId xmlns:a16="http://schemas.microsoft.com/office/drawing/2014/main" id="{5A7E78CC-E01C-7F60-C85A-0C069A88E423}"/>
-              </a:ext>
-            </a:extLst>
-          </p:cNvPr>
-          <p:cNvSpPr txBox="1"/>
-          <p:nvPr/>
-        </p:nvSpPr>
-        <p:spPr>
-          <a:xfrm>
-            <a:off x="7979454" y="-1306642"/>
-            <a:ext cx="1197764" cy="307777"/>
-          </a:xfrm>
-          <a:prstGeom prst="rect">
-            <a:avLst/>
-          </a:prstGeom>
-          <a:noFill/>
-        </p:spPr>
-        <p:txBody>
-          <a:bodyPr wrap="none" rtlCol="0">
-            <a:spAutoFit/>
-          </a:bodyPr>
-          <a:lstStyle/>
-          <a:p>
-            <a:r>
-              <a:rPr lang="es-ES" sz="1400">
-                <a:latin typeface="Lexend Medium" pitchFamily="2" charset="77"/>
-              </a:rPr>
-              <a:t>Adaptables</a:t>
-            </a:r>
-          </a:p>
-        </p:txBody>
-      </p:sp>
-      <p:sp>
-        <p:nvSpPr>
-          <p:cNvPr id="7" name="CuadroTexto 6">
-            <a:extLst>
-              <a:ext uri="{FF2B5EF4-FFF2-40B4-BE49-F238E27FC236}">
-                <a16:creationId xmlns:a16="http://schemas.microsoft.com/office/drawing/2014/main" id="{2BD8901C-D68D-6BC3-9D46-4DFB28565F60}"/>
-              </a:ext>
-            </a:extLst>
-          </p:cNvPr>
-          <p:cNvSpPr txBox="1"/>
-          <p:nvPr/>
-        </p:nvSpPr>
-        <p:spPr>
-          <a:xfrm>
-            <a:off x="10165557" y="-1882545"/>
-            <a:ext cx="1114408" cy="307777"/>
-          </a:xfrm>
-          <a:prstGeom prst="rect">
-            <a:avLst/>
-          </a:prstGeom>
-          <a:noFill/>
-        </p:spPr>
-        <p:txBody>
-          <a:bodyPr wrap="none" rtlCol="0">
-            <a:spAutoFit/>
-          </a:bodyPr>
-          <a:lstStyle/>
-          <a:p>
-            <a:r>
-              <a:rPr lang="es-ES" sz="1400">
-                <a:latin typeface="Lexend Medium" pitchFamily="2" charset="77"/>
-              </a:rPr>
-              <a:t>Escalables</a:t>
-            </a:r>
-          </a:p>
-        </p:txBody>
-      </p:sp>
-      <p:sp>
-        <p:nvSpPr>
-          <p:cNvPr id="8" name="CuadroTexto 7">
-            <a:extLst>
-              <a:ext uri="{FF2B5EF4-FFF2-40B4-BE49-F238E27FC236}">
-                <a16:creationId xmlns:a16="http://schemas.microsoft.com/office/drawing/2014/main" id="{C515698A-7A81-F357-7EE8-48EB6183425E}"/>
-              </a:ext>
-            </a:extLst>
-          </p:cNvPr>
-          <p:cNvSpPr txBox="1"/>
-          <p:nvPr/>
-        </p:nvSpPr>
-        <p:spPr>
-          <a:xfrm>
-            <a:off x="10165557" y="-1254251"/>
-            <a:ext cx="1003801" cy="307777"/>
-          </a:xfrm>
-          <a:prstGeom prst="rect">
-            <a:avLst/>
-          </a:prstGeom>
-          <a:noFill/>
-        </p:spPr>
-        <p:txBody>
-          <a:bodyPr wrap="none" rtlCol="0">
-            <a:spAutoFit/>
-          </a:bodyPr>
-          <a:lstStyle/>
-          <a:p>
-            <a:r>
-              <a:rPr lang="es-ES" sz="1400">
-                <a:latin typeface="Lexend Medium" pitchFamily="2" charset="77"/>
-              </a:rPr>
-              <a:t>Robustos</a:t>
-            </a:r>
-          </a:p>
-        </p:txBody>
-      </p:sp>
-      <p:grpSp>
-        <p:nvGrpSpPr>
-          <p:cNvPr id="14" name="Grupo 13">
-            <a:extLst>
-              <a:ext uri="{FF2B5EF4-FFF2-40B4-BE49-F238E27FC236}">
-                <a16:creationId xmlns:a16="http://schemas.microsoft.com/office/drawing/2014/main" id="{E73948D9-F408-F3B7-0846-3598315D2028}"/>
-              </a:ext>
-            </a:extLst>
-          </p:cNvPr>
-          <p:cNvGrpSpPr/>
-          <p:nvPr/>
-        </p:nvGrpSpPr>
-        <p:grpSpPr>
-          <a:xfrm>
-            <a:off x="942680" y="-4681737"/>
-            <a:ext cx="5137934" cy="4170376"/>
-            <a:chOff x="3880339" y="2126063"/>
-            <a:chExt cx="5137934" cy="4170376"/>
-          </a:xfrm>
-        </p:grpSpPr>
-        <p:sp>
-          <p:nvSpPr>
-            <p:cNvPr id="15" name="CuadroTexto 14">
-              <a:extLst>
-                <a:ext uri="{FF2B5EF4-FFF2-40B4-BE49-F238E27FC236}">
-                  <a16:creationId xmlns:a16="http://schemas.microsoft.com/office/drawing/2014/main" id="{D1167B09-E8B3-A4DF-4D72-473AA156BAE4}"/>
-                </a:ext>
-              </a:extLst>
-            </p:cNvPr>
-            <p:cNvSpPr txBox="1"/>
-            <p:nvPr/>
-          </p:nvSpPr>
-          <p:spPr>
-            <a:xfrm>
-              <a:off x="4194207" y="2126063"/>
-              <a:ext cx="4297971" cy="461665"/>
-            </a:xfrm>
-            <a:prstGeom prst="rect">
-              <a:avLst/>
-            </a:prstGeom>
-            <a:noFill/>
-          </p:spPr>
-          <p:txBody>
-            <a:bodyPr wrap="none" rtlCol="0">
-              <a:spAutoFit/>
-            </a:bodyPr>
-            <a:lstStyle/>
-            <a:p>
-              <a:r>
-                <a:rPr lang="es-ES" sz="2400" b="1">
-                  <a:latin typeface="Lexend SemiBold" pitchFamily="2" charset="77"/>
-                </a:rPr>
-                <a:t>Nuestro decálogo de </a:t>
-              </a:r>
-              <a:r>
-                <a:rPr lang="es-ES" sz="2400" b="1">
-                  <a:solidFill>
-                    <a:schemeClr val="accent3"/>
-                  </a:solidFill>
-                  <a:latin typeface="Lexend SemiBold" pitchFamily="2" charset="77"/>
-                </a:rPr>
-                <a:t>valor</a:t>
-              </a:r>
-            </a:p>
-          </p:txBody>
-        </p:sp>
-        <p:sp>
-          <p:nvSpPr>
-            <p:cNvPr id="16" name="CuadroTexto 15">
-              <a:extLst>
-                <a:ext uri="{FF2B5EF4-FFF2-40B4-BE49-F238E27FC236}">
-                  <a16:creationId xmlns:a16="http://schemas.microsoft.com/office/drawing/2014/main" id="{6590EB40-1176-A4FB-C6FB-2920946C753D}"/>
-                </a:ext>
-              </a:extLst>
-            </p:cNvPr>
-            <p:cNvSpPr txBox="1"/>
-            <p:nvPr/>
-          </p:nvSpPr>
-          <p:spPr>
-            <a:xfrm>
-              <a:off x="4276269" y="2686989"/>
-              <a:ext cx="4742004" cy="3609450"/>
-            </a:xfrm>
-            <a:prstGeom prst="rect">
-              <a:avLst/>
-            </a:prstGeom>
-            <a:noFill/>
-          </p:spPr>
-          <p:txBody>
-            <a:bodyPr wrap="none" rtlCol="0">
-              <a:spAutoFit/>
-            </a:bodyPr>
-            <a:lstStyle/>
-            <a:p>
-              <a:pPr marL="285750" indent="-285750">
-                <a:lnSpc>
-                  <a:spcPct val="150000"/>
-                </a:lnSpc>
-                <a:buFont typeface="Wingdings" pitchFamily="2" charset="2"/>
-                <a:buChar char="Ø"/>
-              </a:pPr>
-              <a:r>
-                <a:rPr lang="es-ES" sz="1400">
-                  <a:latin typeface="Lexend ExtraLight" pitchFamily="2" charset="77"/>
-                </a:rPr>
-                <a:t>Arquitecturas limpias</a:t>
-              </a:r>
-            </a:p>
-            <a:p>
-              <a:pPr marL="285750" indent="-285750">
-                <a:lnSpc>
-                  <a:spcPct val="150000"/>
-                </a:lnSpc>
-                <a:buFont typeface="Wingdings" pitchFamily="2" charset="2"/>
-                <a:buChar char="Ø"/>
-              </a:pPr>
-              <a:r>
-                <a:rPr lang="es-ES" sz="1400">
-                  <a:latin typeface="Lexend ExtraLight" pitchFamily="2" charset="77"/>
-                </a:rPr>
-                <a:t>Arquitecturas monolíticas</a:t>
-              </a:r>
-            </a:p>
-            <a:p>
-              <a:pPr marL="285750" indent="-285750">
-                <a:lnSpc>
-                  <a:spcPct val="150000"/>
-                </a:lnSpc>
-                <a:buFont typeface="Wingdings" pitchFamily="2" charset="2"/>
-                <a:buChar char="Ø"/>
-              </a:pPr>
-              <a:r>
-                <a:rPr lang="es-ES" sz="1400">
-                  <a:latin typeface="Lexend ExtraLight" pitchFamily="2" charset="77"/>
-                </a:rPr>
-                <a:t>Arquitecturas distribuidas</a:t>
-              </a:r>
-            </a:p>
-            <a:p>
-              <a:pPr marL="285750" indent="-285750">
-                <a:lnSpc>
-                  <a:spcPct val="150000"/>
-                </a:lnSpc>
-                <a:buFont typeface="Wingdings" pitchFamily="2" charset="2"/>
-                <a:buChar char="Ø"/>
-              </a:pPr>
-              <a:r>
-                <a:rPr lang="es-ES" sz="1400">
-                  <a:latin typeface="Lexend ExtraLight" pitchFamily="2" charset="77"/>
-                </a:rPr>
-                <a:t>Arquitecturas de Microservicios</a:t>
-              </a:r>
-            </a:p>
-            <a:p>
-              <a:pPr marL="285750" indent="-285750">
-                <a:lnSpc>
-                  <a:spcPct val="150000"/>
-                </a:lnSpc>
-                <a:buFont typeface="Wingdings" pitchFamily="2" charset="2"/>
-                <a:buChar char="Ø"/>
-              </a:pPr>
-              <a:r>
-                <a:rPr lang="es-ES" sz="1400">
-                  <a:latin typeface="Lexend ExtraLight" pitchFamily="2" charset="77"/>
-                </a:rPr>
-                <a:t>Service Mesh</a:t>
-              </a:r>
-            </a:p>
-            <a:p>
-              <a:pPr marL="285750" indent="-285750">
-                <a:lnSpc>
-                  <a:spcPct val="150000"/>
-                </a:lnSpc>
-                <a:buFont typeface="Wingdings" pitchFamily="2" charset="2"/>
-                <a:buChar char="Ø"/>
-              </a:pPr>
-              <a:r>
-                <a:rPr lang="es-ES" sz="1400">
-                  <a:latin typeface="Lexend ExtraLight" pitchFamily="2" charset="77"/>
-                </a:rPr>
-                <a:t>Arquitecturas orientadas a Eventos</a:t>
-              </a:r>
-            </a:p>
-            <a:p>
-              <a:pPr marL="285750" indent="-285750">
-                <a:lnSpc>
-                  <a:spcPct val="150000"/>
-                </a:lnSpc>
-                <a:buFont typeface="Wingdings" pitchFamily="2" charset="2"/>
-                <a:buChar char="Ø"/>
-              </a:pPr>
-              <a:r>
-                <a:rPr lang="es-ES" sz="1400">
-                  <a:latin typeface="Lexend ExtraLight" pitchFamily="2" charset="77"/>
-                </a:rPr>
-                <a:t>Brokers y plataformas de streaming</a:t>
-              </a:r>
-            </a:p>
-            <a:p>
-              <a:pPr marL="285750" indent="-285750">
-                <a:lnSpc>
-                  <a:spcPct val="150000"/>
-                </a:lnSpc>
-                <a:buFont typeface="Wingdings" pitchFamily="2" charset="2"/>
-                <a:buChar char="Ø"/>
-              </a:pPr>
-              <a:r>
-                <a:rPr lang="es-ES" sz="1400">
-                  <a:latin typeface="Lexend ExtraLight" pitchFamily="2" charset="77"/>
-                </a:rPr>
-                <a:t>Microfrontales y Servicios BFF</a:t>
-              </a:r>
-            </a:p>
-            <a:p>
-              <a:pPr marL="285750" indent="-285750">
-                <a:lnSpc>
-                  <a:spcPct val="150000"/>
-                </a:lnSpc>
-                <a:buFont typeface="Wingdings" pitchFamily="2" charset="2"/>
-                <a:buChar char="Ø"/>
-              </a:pPr>
-              <a:r>
-                <a:rPr lang="es-ES" sz="1400">
-                  <a:latin typeface="Lexend ExtraLight" pitchFamily="2" charset="77"/>
-                </a:rPr>
-                <a:t>Arquitecturas inteligentes y analítica avanzada</a:t>
-              </a:r>
-            </a:p>
-            <a:p>
-              <a:pPr marL="285750" indent="-285750">
-                <a:lnSpc>
-                  <a:spcPct val="150000"/>
-                </a:lnSpc>
-                <a:buFont typeface="Wingdings" pitchFamily="2" charset="2"/>
-                <a:buChar char="Ø"/>
-              </a:pPr>
-              <a:r>
-                <a:rPr lang="es-ES" sz="1400">
-                  <a:latin typeface="Lexend ExtraLight" pitchFamily="2" charset="77"/>
-                </a:rPr>
-                <a:t>Arquitecturas híbridas</a:t>
-              </a:r>
-            </a:p>
-            <a:p>
-              <a:pPr>
-                <a:lnSpc>
-                  <a:spcPct val="150000"/>
-                </a:lnSpc>
-              </a:pPr>
-              <a:r>
-                <a:rPr lang="es-ES" sz="1400">
-                  <a:latin typeface="Lexend ExtraLight" pitchFamily="2" charset="77"/>
-                </a:rPr>
-                <a:t>      (Cloud | OnPrem | MiltiCloud | Native)</a:t>
-              </a:r>
-            </a:p>
-          </p:txBody>
-        </p:sp>
-        <p:pic>
-          <p:nvPicPr>
-            <p:cNvPr id="17" name="Gráfico 16" descr="Reproducir con relleno sólido">
-              <a:extLst>
-                <a:ext uri="{FF2B5EF4-FFF2-40B4-BE49-F238E27FC236}">
-                  <a16:creationId xmlns:a16="http://schemas.microsoft.com/office/drawing/2014/main" id="{04AAB725-82B1-97D2-7DC6-4CD24083CAEF}"/>
-                </a:ext>
-              </a:extLst>
-            </p:cNvPr>
-            <p:cNvPicPr>
-              <a:picLocks noChangeAspect="1"/>
-            </p:cNvPicPr>
-            <p:nvPr/>
-          </p:nvPicPr>
-          <p:blipFill>
-            <a:blip r:embed="rId4" cstate="screen">
-              <a:extLst>
-                <a:ext uri="{28A0092B-C50C-407E-A947-70E740481C1C}">
-                  <a14:useLocalDpi xmlns:a14="http://schemas.microsoft.com/office/drawing/2010/main"/>
-                </a:ext>
-                <a:ext uri="{96DAC541-7B7A-43D3-8B79-37D633B846F1}">
-                  <asvg:svgBlip xmlns:asvg="http://schemas.microsoft.com/office/drawing/2016/SVG/main" r:embed="rId5"/>
-                </a:ext>
-              </a:extLst>
-            </a:blip>
-            <a:stretch>
-              <a:fillRect/>
-            </a:stretch>
-          </p:blipFill>
-          <p:spPr>
-            <a:xfrm>
-              <a:off x="3880339" y="2212673"/>
-              <a:ext cx="313868" cy="313868"/>
-            </a:xfrm>
-            <a:prstGeom prst="rect">
-              <a:avLst/>
-            </a:prstGeom>
-          </p:spPr>
-        </p:pic>
-      </p:grpSp>
-      <p:sp>
-        <p:nvSpPr>
-          <p:cNvPr id="23" name="CuadroTexto 22">
-            <a:extLst>
-              <a:ext uri="{FF2B5EF4-FFF2-40B4-BE49-F238E27FC236}">
-                <a16:creationId xmlns:a16="http://schemas.microsoft.com/office/drawing/2014/main" id="{AEFA4261-5D3E-FC21-D2A9-1D4FC8ED233C}"/>
-              </a:ext>
-            </a:extLst>
-          </p:cNvPr>
-          <p:cNvSpPr txBox="1"/>
-          <p:nvPr/>
-        </p:nvSpPr>
-        <p:spPr>
-          <a:xfrm>
-            <a:off x="12605946" y="2202923"/>
-            <a:ext cx="1582421" cy="707886"/>
-          </a:xfrm>
-          <a:prstGeom prst="rect">
-            <a:avLst/>
-          </a:prstGeom>
-          <a:noFill/>
-        </p:spPr>
-        <p:txBody>
-          <a:bodyPr wrap="none" rtlCol="0">
-            <a:spAutoFit/>
-          </a:bodyPr>
-          <a:lstStyle/>
-          <a:p>
-            <a:r>
-              <a:rPr lang="es-ES" sz="2000">
-                <a:solidFill>
-                  <a:schemeClr val="bg1">
-                    <a:lumMod val="50000"/>
-                  </a:schemeClr>
-                </a:solidFill>
-                <a:latin typeface="Sama Devanagari" panose="020F0603040507060303" pitchFamily="34" charset="0"/>
-                <a:cs typeface="Sama Devanagari" panose="020F0603040507060303" pitchFamily="34" charset="0"/>
-              </a:rPr>
-              <a:t>Implantación</a:t>
-            </a:r>
-          </a:p>
-          <a:p>
-            <a:r>
-              <a:rPr lang="es-ES" sz="2000">
-                <a:solidFill>
-                  <a:schemeClr val="bg1">
-                    <a:lumMod val="50000"/>
-                  </a:schemeClr>
-                </a:solidFill>
-                <a:latin typeface="Sama Devanagari" panose="020F0603040507060303" pitchFamily="34" charset="0"/>
-                <a:cs typeface="Sama Devanagari" panose="020F0603040507060303" pitchFamily="34" charset="0"/>
-              </a:rPr>
-              <a:t>Validación</a:t>
-            </a:r>
-          </a:p>
-        </p:txBody>
-      </p:sp>
-      <p:sp>
-        <p:nvSpPr>
-          <p:cNvPr id="27" name="CuadroTexto 26">
-            <a:extLst>
-              <a:ext uri="{FF2B5EF4-FFF2-40B4-BE49-F238E27FC236}">
-                <a16:creationId xmlns:a16="http://schemas.microsoft.com/office/drawing/2014/main" id="{A1032AD2-4922-D37E-0638-A0A49A604D66}"/>
-              </a:ext>
-            </a:extLst>
-          </p:cNvPr>
-          <p:cNvSpPr txBox="1"/>
-          <p:nvPr/>
-        </p:nvSpPr>
-        <p:spPr>
-          <a:xfrm>
-            <a:off x="769177" y="460596"/>
-            <a:ext cx="3685624" cy="523220"/>
-          </a:xfrm>
-          <a:prstGeom prst="rect">
-            <a:avLst/>
-          </a:prstGeom>
-          <a:noFill/>
-        </p:spPr>
-        <p:txBody>
-          <a:bodyPr wrap="none" rtlCol="0">
-            <a:spAutoFit/>
-          </a:bodyPr>
-          <a:lstStyle/>
-          <a:p>
-            <a:r>
-              <a:rPr lang="es-ES" sz="2800" b="1" dirty="0">
-                <a:solidFill>
-                  <a:schemeClr val="accent1"/>
-                </a:solidFill>
-                <a:latin typeface="Barlow" pitchFamily="2" charset="77"/>
-              </a:rPr>
-              <a:t>Planificación y </a:t>
-            </a:r>
-            <a:r>
-              <a:rPr lang="es-ES" sz="2800" b="1" dirty="0">
-                <a:solidFill>
-                  <a:schemeClr val="accent6"/>
-                </a:solidFill>
-                <a:latin typeface="Barlow" pitchFamily="2" charset="77"/>
-              </a:rPr>
-              <a:t>Equipo</a:t>
-            </a:r>
-          </a:p>
-        </p:txBody>
-      </p:sp>
-      <p:sp>
-        <p:nvSpPr>
-          <p:cNvPr id="2" name="CuadroTexto 1">
-            <a:extLst>
-              <a:ext uri="{FF2B5EF4-FFF2-40B4-BE49-F238E27FC236}">
-                <a16:creationId xmlns:a16="http://schemas.microsoft.com/office/drawing/2014/main" id="{992FCC84-E433-6E83-C51E-4BD74372EAF8}"/>
-              </a:ext>
-            </a:extLst>
-          </p:cNvPr>
-          <p:cNvSpPr txBox="1"/>
-          <p:nvPr/>
-        </p:nvSpPr>
-        <p:spPr>
-          <a:xfrm>
-            <a:off x="273035" y="998108"/>
-            <a:ext cx="7457801" cy="276999"/>
-          </a:xfrm>
-          <a:prstGeom prst="rect">
-            <a:avLst/>
-          </a:prstGeom>
-          <a:noFill/>
-        </p:spPr>
-        <p:txBody>
-          <a:bodyPr wrap="square" rtlCol="0">
-            <a:spAutoFit/>
-          </a:bodyPr>
-          <a:lstStyle/>
-          <a:p>
-            <a:r>
-              <a:rPr lang="es-ES" sz="1200" dirty="0">
-                <a:solidFill>
-                  <a:schemeClr val="accent1"/>
-                </a:solidFill>
-                <a:latin typeface="Barlow" pitchFamily="2" charset="77"/>
-              </a:rPr>
-              <a:t>A continuación, se muestra el cronograma tentativo de las tareas a abordar, entregables y equipo de proyecto</a:t>
-            </a:r>
-          </a:p>
-        </p:txBody>
-      </p:sp>
-      <p:graphicFrame>
-        <p:nvGraphicFramePr>
-          <p:cNvPr id="9" name="Tabla 8">
-            <a:extLst>
-              <a:ext uri="{FF2B5EF4-FFF2-40B4-BE49-F238E27FC236}">
-                <a16:creationId xmlns:a16="http://schemas.microsoft.com/office/drawing/2014/main" id="{DDC7954E-A6DA-23AD-3BFF-3DD53188CDBA}"/>
-              </a:ext>
-            </a:extLst>
-          </p:cNvPr>
-          <p:cNvGraphicFramePr>
-            <a:graphicFrameLocks noGrp="1"/>
-          </p:cNvGraphicFramePr>
-          <p:nvPr>
-            <p:extLst>
-              <p:ext uri="{D42A27DB-BD31-4B8C-83A1-F6EECF244321}">
-                <p14:modId xmlns:p14="http://schemas.microsoft.com/office/powerpoint/2010/main" val="2648106745"/>
-              </p:ext>
-            </p:extLst>
-          </p:nvPr>
-        </p:nvGraphicFramePr>
-        <p:xfrm>
-          <a:off x="517014" y="5440920"/>
-          <a:ext cx="4041648" cy="1043100"/>
-        </p:xfrm>
-        <a:graphic>
-          <a:graphicData uri="http://schemas.openxmlformats.org/drawingml/2006/table">
-            <a:tbl>
-              <a:tblPr firstRow="1" lastRow="1" bandRow="1">
-                <a:tableStyleId>{5C22544A-7EE6-4342-B048-85BDC9FD1C3A}</a:tableStyleId>
-              </a:tblPr>
-              <a:tblGrid>
-                <a:gridCol w="2020824">
-                  <a:extLst>
-                    <a:ext uri="{9D8B030D-6E8A-4147-A177-3AD203B41FA5}">
-                      <a16:colId xmlns:a16="http://schemas.microsoft.com/office/drawing/2014/main" val="1013087707"/>
-                    </a:ext>
-                  </a:extLst>
-                </a:gridCol>
-                <a:gridCol w="2020824">
-                  <a:extLst>
-                    <a:ext uri="{9D8B030D-6E8A-4147-A177-3AD203B41FA5}">
-                      <a16:colId xmlns:a16="http://schemas.microsoft.com/office/drawing/2014/main" val="73193037"/>
-                    </a:ext>
-                  </a:extLst>
-                </a:gridCol>
-              </a:tblGrid>
-              <a:tr h="260775">
-                <a:tc gridSpan="2">
-                  <a:txBody>
-                    <a:bodyPr/>
-                    <a:lstStyle/>
-                    <a:p>
-                      <a:r>
-                        <a:rPr lang="es-ES" sz="1000" dirty="0">
-                          <a:latin typeface="Sama Devanagari" panose="020F0603040507060303"/>
-                        </a:rPr>
-                        <a:t>Equipo de proyecto</a:t>
-                      </a:r>
-                    </a:p>
-                  </a:txBody>
-                  <a:tcPr anchor="ctr"/>
-                </a:tc>
-                <a:tc hMerge="1">
-                  <a:txBody>
-                    <a:bodyPr/>
-                    <a:lstStyle/>
-                    <a:p>
-                      <a:pPr algn="ctr"/>
-                      <a:endParaRPr lang="es-ES" sz="1000" dirty="0">
-                        <a:latin typeface="Sama Devanagari" panose="020F0603040507060303"/>
-                      </a:endParaRPr>
-                    </a:p>
-                  </a:txBody>
-                  <a:tcPr anchor="ctr"/>
-                </a:tc>
-                <a:extLst>
-                  <a:ext uri="{0D108BD9-81ED-4DB2-BD59-A6C34878D82A}">
-                    <a16:rowId xmlns:a16="http://schemas.microsoft.com/office/drawing/2014/main" val="3486500144"/>
-                  </a:ext>
-                </a:extLst>
-              </a:tr>
-              <a:tr h="260775">
-                <a:tc>
-                  <a:txBody>
-                    <a:bodyPr/>
-                    <a:lstStyle/>
-                    <a:p>
-                      <a:pPr algn="l" fontAlgn="ctr"/>
-                      <a:r>
-                        <a:rPr lang="es-ES" sz="1000" b="0" i="0" u="none" strike="noStrike" dirty="0">
-                          <a:solidFill>
-                            <a:srgbClr val="333333"/>
-                          </a:solidFill>
-                          <a:effectLst/>
-                          <a:latin typeface="Sama Devanagari" panose="020F0603040507060303"/>
-                        </a:rPr>
-                        <a:t>Confluent Support</a:t>
-                      </a:r>
-                    </a:p>
-                  </a:txBody>
-                  <a:tcPr marL="9525" marR="9525" marT="9525" marB="0" anchor="ctr"/>
-                </a:tc>
-                <a:tc>
-                  <a:txBody>
-                    <a:bodyPr/>
-                    <a:lstStyle/>
-                    <a:p>
-                      <a:pPr algn="l" fontAlgn="ctr"/>
-                      <a:r>
-                        <a:rPr lang="es-ES" sz="1000" b="0" i="0" u="none" strike="noStrike" dirty="0">
-                          <a:solidFill>
-                            <a:srgbClr val="333333"/>
-                          </a:solidFill>
-                          <a:effectLst/>
-                          <a:latin typeface="Sama Devanagari" panose="020F0603040507060303"/>
-                        </a:rPr>
-                        <a:t>Arquitecto API/Eventos</a:t>
-                      </a:r>
-                    </a:p>
-                  </a:txBody>
-                  <a:tcPr anchor="ctr"/>
-                </a:tc>
-                <a:extLst>
-                  <a:ext uri="{0D108BD9-81ED-4DB2-BD59-A6C34878D82A}">
-                    <a16:rowId xmlns:a16="http://schemas.microsoft.com/office/drawing/2014/main" val="2963002785"/>
-                  </a:ext>
-                </a:extLst>
-              </a:tr>
-              <a:tr h="260775">
-                <a:tc>
-                  <a:txBody>
-                    <a:bodyPr/>
-                    <a:lstStyle/>
-                    <a:p>
-                      <a:pPr algn="l" fontAlgn="ctr"/>
-                      <a:r>
-                        <a:rPr lang="es-ES" sz="1000" b="0" i="0" u="none" strike="noStrike" dirty="0">
-                          <a:solidFill>
-                            <a:srgbClr val="333333"/>
-                          </a:solidFill>
-                          <a:effectLst/>
-                          <a:latin typeface="Sama Devanagari" panose="020F0603040507060303"/>
-                        </a:rPr>
-                        <a:t>Devops Cloud</a:t>
-                      </a:r>
-                    </a:p>
-                  </a:txBody>
-                  <a:tcPr marL="9525" marR="9525" marT="9525" marB="0" anchor="ctr"/>
-                </a:tc>
-                <a:tc>
-                  <a:txBody>
-                    <a:bodyPr/>
-                    <a:lstStyle/>
-                    <a:p>
-                      <a:pPr marL="0" marR="0" lvl="0" indent="0" algn="l" defTabSz="914400" rtl="0" eaLnBrk="1" fontAlgn="auto" latinLnBrk="0" hangingPunct="1">
-                        <a:lnSpc>
-                          <a:spcPct val="100000"/>
-                        </a:lnSpc>
-                        <a:spcBef>
-                          <a:spcPts val="0"/>
-                        </a:spcBef>
-                        <a:spcAft>
-                          <a:spcPts val="0"/>
-                        </a:spcAft>
-                        <a:buClrTx/>
-                        <a:buSzTx/>
-                        <a:buFontTx/>
-                        <a:buNone/>
-                        <a:tabLst/>
-                        <a:defRPr/>
-                      </a:pPr>
-                      <a:r>
-                        <a:rPr lang="es-ES" sz="1000" b="0" i="0" u="none" strike="noStrike" dirty="0">
-                          <a:solidFill>
-                            <a:srgbClr val="333333"/>
-                          </a:solidFill>
-                          <a:effectLst/>
-                          <a:latin typeface="Sama Devanagari" panose="020F0603040507060303"/>
-                        </a:rPr>
-                        <a:t>Arquitecto Integración</a:t>
-                      </a:r>
-                    </a:p>
-                  </a:txBody>
-                  <a:tcPr anchor="ctr"/>
-                </a:tc>
-                <a:extLst>
-                  <a:ext uri="{0D108BD9-81ED-4DB2-BD59-A6C34878D82A}">
-                    <a16:rowId xmlns:a16="http://schemas.microsoft.com/office/drawing/2014/main" val="907380569"/>
-                  </a:ext>
-                </a:extLst>
-              </a:tr>
-              <a:tr h="260775">
-                <a:tc gridSpan="2">
-                  <a:txBody>
-                    <a:bodyPr/>
-                    <a:lstStyle/>
-                    <a:p>
-                      <a:pPr algn="l" fontAlgn="ctr"/>
-                      <a:r>
-                        <a:rPr lang="es-ES" sz="1000" b="0" i="0" u="none" strike="noStrike" dirty="0">
-                          <a:solidFill>
-                            <a:schemeClr val="bg1"/>
-                          </a:solidFill>
-                          <a:effectLst/>
-                          <a:latin typeface="Sama Devanagari" panose="020F0603040507060303"/>
-                        </a:rPr>
-                        <a:t>** Responsable de proyecto</a:t>
-                      </a:r>
-                    </a:p>
-                  </a:txBody>
-                  <a:tcPr marL="9525" marR="9525" marT="9525" marB="0" anchor="ctr"/>
-                </a:tc>
-                <a:tc hMerge="1">
-                  <a:txBody>
-                    <a:bodyPr/>
-                    <a:lstStyle/>
-                    <a:p>
-                      <a:pPr algn="ctr"/>
-                      <a:endParaRPr lang="es-ES" sz="1000" dirty="0">
-                        <a:latin typeface="Sama Devanagari" panose="020F0603040507060303"/>
-                      </a:endParaRPr>
-                    </a:p>
-                  </a:txBody>
-                  <a:tcPr anchor="ctr"/>
-                </a:tc>
-                <a:extLst>
-                  <a:ext uri="{0D108BD9-81ED-4DB2-BD59-A6C34878D82A}">
-                    <a16:rowId xmlns:a16="http://schemas.microsoft.com/office/drawing/2014/main" val="3107516907"/>
-                  </a:ext>
-                </a:extLst>
-              </a:tr>
-            </a:tbl>
-          </a:graphicData>
-        </a:graphic>
-      </p:graphicFrame>
-      <p:sp>
-        <p:nvSpPr>
-          <p:cNvPr id="10" name="CuadroTexto 9">
-            <a:extLst>
-              <a:ext uri="{FF2B5EF4-FFF2-40B4-BE49-F238E27FC236}">
-                <a16:creationId xmlns:a16="http://schemas.microsoft.com/office/drawing/2014/main" id="{FA406A6B-BF8C-70B6-8211-DCE5A0365E2F}"/>
-              </a:ext>
-            </a:extLst>
-          </p:cNvPr>
-          <p:cNvSpPr txBox="1"/>
-          <p:nvPr/>
-        </p:nvSpPr>
-        <p:spPr>
-          <a:xfrm>
-            <a:off x="8291291" y="801056"/>
-            <a:ext cx="3414012" cy="5001369"/>
-          </a:xfrm>
-          <a:prstGeom prst="rect">
-            <a:avLst/>
-          </a:prstGeom>
-          <a:solidFill>
-            <a:schemeClr val="accent2"/>
-          </a:solidFill>
-        </p:spPr>
-        <p:txBody>
-          <a:bodyPr wrap="square" rtlCol="0">
-            <a:spAutoFit/>
-          </a:bodyPr>
-          <a:lstStyle/>
-          <a:p>
-            <a:r>
-              <a:rPr lang="es-ES" sz="1100" b="1" dirty="0">
-                <a:solidFill>
-                  <a:schemeClr val="accent1"/>
-                </a:solidFill>
-                <a:latin typeface="Barlow" pitchFamily="2" charset="77"/>
-              </a:rPr>
-              <a:t>Entregables</a:t>
-            </a:r>
-            <a:r>
-              <a:rPr lang="es-ES" sz="1100" dirty="0">
-                <a:solidFill>
-                  <a:schemeClr val="accent1"/>
-                </a:solidFill>
-                <a:latin typeface="Barlow" pitchFamily="2" charset="77"/>
-              </a:rPr>
-              <a:t>:</a:t>
-            </a:r>
-          </a:p>
-          <a:p>
-            <a:endParaRPr lang="es-ES" sz="1100" dirty="0">
-              <a:solidFill>
-                <a:schemeClr val="accent1"/>
-              </a:solidFill>
-              <a:latin typeface="Barlow" pitchFamily="2" charset="77"/>
-            </a:endParaRPr>
-          </a:p>
-          <a:p>
-            <a:r>
-              <a:rPr lang="es-ES" sz="1100" dirty="0">
-                <a:solidFill>
-                  <a:schemeClr val="accent1"/>
-                </a:solidFill>
-                <a:latin typeface="Barlow" pitchFamily="2" charset="77"/>
-              </a:rPr>
-              <a:t>CONECTOR JMS</a:t>
-            </a:r>
-          </a:p>
-          <a:p>
-            <a:pPr marL="171450" indent="-171450">
-              <a:buFont typeface="Arial" panose="020B0604020202020204" pitchFamily="34" charset="0"/>
-              <a:buChar char="•"/>
-            </a:pPr>
-            <a:r>
-              <a:rPr lang="es-ES" sz="1100" dirty="0">
-                <a:solidFill>
-                  <a:schemeClr val="accent1"/>
-                </a:solidFill>
-                <a:latin typeface="Barlow" pitchFamily="2" charset="77"/>
-              </a:rPr>
-              <a:t>Documento de diseño técnico</a:t>
-            </a:r>
-          </a:p>
-          <a:p>
-            <a:pPr marL="171450" indent="-171450">
-              <a:buFont typeface="Arial" panose="020B0604020202020204" pitchFamily="34" charset="0"/>
-              <a:buChar char="•"/>
-            </a:pPr>
-            <a:r>
-              <a:rPr lang="es-ES" sz="1100" dirty="0">
-                <a:solidFill>
-                  <a:schemeClr val="accent1"/>
-                </a:solidFill>
-                <a:latin typeface="Barlow" pitchFamily="2" charset="77"/>
-              </a:rPr>
-              <a:t>Informe de pruebas</a:t>
-            </a:r>
-          </a:p>
-          <a:p>
-            <a:endParaRPr lang="es-ES" sz="1100" dirty="0">
-              <a:solidFill>
-                <a:schemeClr val="accent1"/>
-              </a:solidFill>
-              <a:latin typeface="Barlow" pitchFamily="2" charset="77"/>
-            </a:endParaRPr>
-          </a:p>
-          <a:p>
-            <a:r>
-              <a:rPr lang="es-ES" sz="1100" dirty="0">
-                <a:solidFill>
-                  <a:schemeClr val="accent1"/>
-                </a:solidFill>
-                <a:latin typeface="Barlow" pitchFamily="2" charset="77"/>
-              </a:rPr>
-              <a:t>PLATAFORMA CONFLUENT</a:t>
-            </a:r>
-          </a:p>
-          <a:p>
-            <a:pPr marL="171450" indent="-171450">
-              <a:buFont typeface="Arial" panose="020B0604020202020204" pitchFamily="34" charset="0"/>
-              <a:buChar char="•"/>
-            </a:pPr>
-            <a:r>
-              <a:rPr lang="es-ES" sz="1100" dirty="0">
-                <a:solidFill>
-                  <a:schemeClr val="accent1"/>
-                </a:solidFill>
-                <a:latin typeface="Barlow" pitchFamily="2" charset="77"/>
-              </a:rPr>
-              <a:t>Documento de diseño técnico</a:t>
-            </a:r>
-          </a:p>
-          <a:p>
-            <a:pPr marL="171450" indent="-171450">
-              <a:buFont typeface="Arial" panose="020B0604020202020204" pitchFamily="34" charset="0"/>
-              <a:buChar char="•"/>
-            </a:pPr>
-            <a:r>
-              <a:rPr lang="es-ES" sz="1100" dirty="0">
-                <a:solidFill>
-                  <a:schemeClr val="accent1"/>
-                </a:solidFill>
-                <a:latin typeface="Barlow" pitchFamily="2" charset="77"/>
-              </a:rPr>
-              <a:t>Informe de pruebas</a:t>
-            </a:r>
-          </a:p>
-          <a:p>
-            <a:pPr marL="171450" indent="-171450">
-              <a:buFont typeface="Arial" panose="020B0604020202020204" pitchFamily="34" charset="0"/>
-              <a:buChar char="•"/>
-            </a:pPr>
-            <a:r>
-              <a:rPr lang="es-ES" sz="1100" dirty="0">
-                <a:solidFill>
-                  <a:schemeClr val="accent1"/>
-                </a:solidFill>
-                <a:latin typeface="Barlow" pitchFamily="2" charset="77"/>
-              </a:rPr>
-              <a:t>Diseño caso de uso de Pólizas</a:t>
-            </a:r>
-          </a:p>
-          <a:p>
-            <a:pPr marL="171450" indent="-171450">
-              <a:buFont typeface="Arial" panose="020B0604020202020204" pitchFamily="34" charset="0"/>
-              <a:buChar char="•"/>
-            </a:pPr>
-            <a:endParaRPr lang="es-ES" sz="1100" dirty="0">
-              <a:solidFill>
-                <a:schemeClr val="accent1"/>
-              </a:solidFill>
-              <a:latin typeface="Barlow" pitchFamily="2" charset="77"/>
-            </a:endParaRPr>
-          </a:p>
-          <a:p>
-            <a:r>
-              <a:rPr lang="es-ES" sz="1100" dirty="0">
-                <a:solidFill>
-                  <a:schemeClr val="accent1"/>
-                </a:solidFill>
-                <a:latin typeface="Barlow" pitchFamily="2" charset="77"/>
-              </a:rPr>
-              <a:t>SUSCRIPTOR</a:t>
-            </a:r>
-          </a:p>
-          <a:p>
-            <a:pPr marL="171450" indent="-171450">
-              <a:buFont typeface="Arial" panose="020B0604020202020204" pitchFamily="34" charset="0"/>
-              <a:buChar char="•"/>
-            </a:pPr>
-            <a:r>
-              <a:rPr lang="es-ES" sz="1100" dirty="0">
-                <a:solidFill>
-                  <a:schemeClr val="accent1"/>
-                </a:solidFill>
-                <a:latin typeface="Barlow" pitchFamily="2" charset="77"/>
-              </a:rPr>
-              <a:t>Escenario MAR 2.O</a:t>
-            </a:r>
-          </a:p>
-          <a:p>
-            <a:pPr marL="171450" indent="-171450">
-              <a:buFont typeface="Arial" panose="020B0604020202020204" pitchFamily="34" charset="0"/>
-              <a:buChar char="•"/>
-            </a:pPr>
-            <a:r>
-              <a:rPr lang="es-ES" sz="1100" dirty="0">
-                <a:solidFill>
-                  <a:schemeClr val="accent1"/>
-                </a:solidFill>
-                <a:latin typeface="Barlow" pitchFamily="2" charset="77"/>
-              </a:rPr>
-              <a:t>Aplicación consumidora de eventos</a:t>
-            </a:r>
-          </a:p>
-          <a:p>
-            <a:endParaRPr lang="es-ES" sz="1100" dirty="0">
-              <a:solidFill>
-                <a:schemeClr val="accent1"/>
-              </a:solidFill>
-              <a:latin typeface="Barlow" pitchFamily="2" charset="77"/>
-            </a:endParaRPr>
-          </a:p>
-          <a:p>
-            <a:r>
-              <a:rPr lang="es-ES" sz="1100" dirty="0">
-                <a:solidFill>
-                  <a:schemeClr val="accent1"/>
-                </a:solidFill>
-                <a:latin typeface="Barlow" pitchFamily="2" charset="77"/>
-              </a:rPr>
-              <a:t>MODELO GOBIERNO</a:t>
-            </a:r>
-          </a:p>
-          <a:p>
-            <a:pPr marL="171450" indent="-171450">
-              <a:buFont typeface="Arial" panose="020B0604020202020204" pitchFamily="34" charset="0"/>
-              <a:buChar char="•"/>
-            </a:pPr>
-            <a:r>
-              <a:rPr lang="es-ES" sz="1100" dirty="0">
-                <a:solidFill>
-                  <a:schemeClr val="accent1"/>
-                </a:solidFill>
-                <a:latin typeface="Barlow" pitchFamily="2" charset="77"/>
-              </a:rPr>
-              <a:t>Guía metodológica</a:t>
-            </a:r>
-          </a:p>
-          <a:p>
-            <a:pPr marL="171450" indent="-171450">
-              <a:buFont typeface="Arial" panose="020B0604020202020204" pitchFamily="34" charset="0"/>
-              <a:buChar char="•"/>
-            </a:pPr>
-            <a:r>
-              <a:rPr lang="es-ES" sz="1100" dirty="0">
-                <a:solidFill>
-                  <a:schemeClr val="accent1"/>
-                </a:solidFill>
-                <a:latin typeface="Barlow" pitchFamily="2" charset="77"/>
-              </a:rPr>
-              <a:t>Definición de oficina de gobierno  </a:t>
-            </a:r>
-          </a:p>
-          <a:p>
-            <a:pPr marL="171450" indent="-171450">
-              <a:buFont typeface="Arial" panose="020B0604020202020204" pitchFamily="34" charset="0"/>
-              <a:buChar char="•"/>
-            </a:pPr>
-            <a:r>
-              <a:rPr lang="es-ES" sz="1100" dirty="0">
-                <a:solidFill>
-                  <a:schemeClr val="accent1"/>
-                </a:solidFill>
-                <a:latin typeface="Barlow" pitchFamily="2" charset="77"/>
-              </a:rPr>
-              <a:t>Equipos y roles en el ciclo de vida API/Evento </a:t>
-            </a:r>
-          </a:p>
-          <a:p>
-            <a:pPr marL="171450" indent="-171450">
-              <a:buFont typeface="Arial" panose="020B0604020202020204" pitchFamily="34" charset="0"/>
-              <a:buChar char="•"/>
-            </a:pPr>
-            <a:r>
-              <a:rPr lang="es-ES" sz="1100" dirty="0">
-                <a:solidFill>
-                  <a:schemeClr val="accent1"/>
-                </a:solidFill>
-                <a:latin typeface="Barlow" pitchFamily="2" charset="77"/>
-              </a:rPr>
-              <a:t>Estándares y patrones</a:t>
-            </a:r>
-          </a:p>
-          <a:p>
-            <a:pPr marL="171450" indent="-171450">
-              <a:buFont typeface="Arial" panose="020B0604020202020204" pitchFamily="34" charset="0"/>
-              <a:buChar char="•"/>
-            </a:pPr>
-            <a:r>
-              <a:rPr lang="es-ES" sz="1100" dirty="0">
-                <a:solidFill>
-                  <a:schemeClr val="accent1"/>
-                </a:solidFill>
-                <a:latin typeface="Barlow" pitchFamily="2" charset="77"/>
-              </a:rPr>
-              <a:t>Modelo de participación de la oficina de Gobierno </a:t>
-            </a:r>
-          </a:p>
-          <a:p>
-            <a:pPr marL="171450" indent="-171450">
-              <a:buFont typeface="Arial" panose="020B0604020202020204" pitchFamily="34" charset="0"/>
-              <a:buChar char="•"/>
-            </a:pPr>
-            <a:r>
-              <a:rPr lang="es-ES" sz="1100" dirty="0">
-                <a:solidFill>
-                  <a:schemeClr val="accent1"/>
-                </a:solidFill>
-                <a:latin typeface="Barlow" pitchFamily="2" charset="77"/>
-              </a:rPr>
-              <a:t>Metodología de </a:t>
-            </a:r>
-            <a:r>
-              <a:rPr lang="es-ES" sz="1100" dirty="0" err="1">
-                <a:solidFill>
-                  <a:schemeClr val="accent1"/>
-                </a:solidFill>
-                <a:latin typeface="Barlow" pitchFamily="2" charset="77"/>
-              </a:rPr>
-              <a:t>testing</a:t>
-            </a:r>
-            <a:r>
-              <a:rPr lang="es-ES" sz="1100" dirty="0">
-                <a:solidFill>
-                  <a:schemeClr val="accent1"/>
-                </a:solidFill>
-                <a:latin typeface="Barlow" pitchFamily="2" charset="77"/>
-              </a:rPr>
-              <a:t> </a:t>
-            </a:r>
-          </a:p>
-          <a:p>
-            <a:pPr marL="171450" indent="-171450">
-              <a:buFont typeface="Arial" panose="020B0604020202020204" pitchFamily="34" charset="0"/>
-              <a:buChar char="•"/>
-            </a:pPr>
-            <a:r>
-              <a:rPr lang="es-ES" sz="1100" dirty="0">
-                <a:solidFill>
-                  <a:schemeClr val="accent1"/>
-                </a:solidFill>
-                <a:latin typeface="Barlow" pitchFamily="2" charset="77"/>
-              </a:rPr>
-              <a:t>Normativa </a:t>
-            </a:r>
-            <a:r>
-              <a:rPr lang="es-ES" sz="1100" dirty="0" err="1">
-                <a:solidFill>
-                  <a:schemeClr val="accent1"/>
-                </a:solidFill>
-                <a:latin typeface="Barlow" pitchFamily="2" charset="77"/>
-              </a:rPr>
-              <a:t>APIs</a:t>
-            </a:r>
-            <a:r>
-              <a:rPr lang="es-ES" sz="1100" dirty="0">
-                <a:solidFill>
-                  <a:schemeClr val="accent1"/>
-                </a:solidFill>
-                <a:latin typeface="Barlow" pitchFamily="2" charset="77"/>
-              </a:rPr>
-              <a:t> asíncronas</a:t>
-            </a:r>
-          </a:p>
-          <a:p>
-            <a:pPr marL="171450" indent="-171450">
-              <a:buFont typeface="Arial" panose="020B0604020202020204" pitchFamily="34" charset="0"/>
-              <a:buChar char="•"/>
-            </a:pPr>
-            <a:r>
-              <a:rPr lang="es-ES" sz="1100" dirty="0">
-                <a:solidFill>
-                  <a:schemeClr val="accent1"/>
-                </a:solidFill>
-                <a:latin typeface="Barlow" pitchFamily="2" charset="77"/>
-              </a:rPr>
-              <a:t>Políticas de Monitorización </a:t>
-            </a:r>
-          </a:p>
-          <a:p>
-            <a:pPr marL="171450" indent="-171450">
-              <a:buFont typeface="Arial" panose="020B0604020202020204" pitchFamily="34" charset="0"/>
-              <a:buChar char="•"/>
-            </a:pPr>
-            <a:r>
-              <a:rPr lang="es-ES" sz="1100" dirty="0">
-                <a:solidFill>
-                  <a:schemeClr val="accent1"/>
-                </a:solidFill>
-                <a:latin typeface="Barlow" pitchFamily="2" charset="77"/>
-              </a:rPr>
-              <a:t>Gestión de errores </a:t>
-            </a:r>
-          </a:p>
-          <a:p>
-            <a:pPr marL="171450" indent="-171450">
-              <a:buFont typeface="Arial" panose="020B0604020202020204" pitchFamily="34" charset="0"/>
-              <a:buChar char="•"/>
-            </a:pPr>
-            <a:r>
-              <a:rPr lang="es-ES" sz="1100" dirty="0">
-                <a:solidFill>
-                  <a:schemeClr val="accent1"/>
-                </a:solidFill>
-                <a:latin typeface="Barlow" pitchFamily="2" charset="77"/>
-              </a:rPr>
-              <a:t>Modelo de seguridad</a:t>
-            </a:r>
-          </a:p>
-          <a:p>
-            <a:endParaRPr lang="es-ES" sz="1100" dirty="0">
-              <a:solidFill>
-                <a:schemeClr val="accent1"/>
-              </a:solidFill>
-              <a:latin typeface="Barlow" pitchFamily="2" charset="77"/>
-            </a:endParaRPr>
-          </a:p>
-          <a:p>
-            <a:r>
-              <a:rPr lang="es-ES" sz="1100" dirty="0">
-                <a:solidFill>
-                  <a:schemeClr val="accent1"/>
-                </a:solidFill>
-                <a:latin typeface="Barlow" pitchFamily="2" charset="77"/>
-              </a:rPr>
-              <a:t>DIVULGACIÓN</a:t>
-            </a:r>
-          </a:p>
-          <a:p>
-            <a:pPr marL="171450" indent="-171450">
-              <a:buFont typeface="Arial" panose="020B0604020202020204" pitchFamily="34" charset="0"/>
-              <a:buChar char="•"/>
-            </a:pPr>
-            <a:r>
-              <a:rPr lang="es-ES" sz="1100" dirty="0">
-                <a:solidFill>
-                  <a:schemeClr val="accent1"/>
-                </a:solidFill>
-                <a:latin typeface="Barlow" pitchFamily="2" charset="77"/>
-              </a:rPr>
-              <a:t>Plan de comunicación y transferencia</a:t>
-            </a:r>
-          </a:p>
-        </p:txBody>
-      </p:sp>
-    </p:spTree>
-    <p:extLst>
-      <p:ext uri="{BB962C8B-B14F-4D97-AF65-F5344CB8AC3E}">
-        <p14:creationId xmlns:p14="http://schemas.microsoft.com/office/powerpoint/2010/main" val="2845336991"/>
-      </p:ext>
-    </p:extLst>
-  </p:cSld>
-  <p:clrMapOvr>
-    <a:masterClrMapping/>
-  </p:clrMapOvr>
-</p:sld>
-</file>
-
-<file path=ppt/slides/slide18.xml><?xml version="1.0" encoding="utf-8"?>
+<file path=ppt/slides/slide11.xml><?xml version="1.0" encoding="utf-8"?>
 <p:sld xmlns:a="http://schemas.openxmlformats.org/drawingml/2006/main" xmlns:r="http://schemas.openxmlformats.org/officeDocument/2006/relationships" xmlns:p="http://schemas.openxmlformats.org/presentationml/2006/main">
   <p:cSld>
     <p:bg>
@@ -14580,7 +6993,7 @@
 </file>
 
 <file path=ppt/slides/slide2.xml><?xml version="1.0" encoding="utf-8"?>
-<p:sld xmlns:a="http://schemas.openxmlformats.org/drawingml/2006/main" xmlns:r="http://schemas.openxmlformats.org/officeDocument/2006/relationships" xmlns:p="http://schemas.openxmlformats.org/presentationml/2006/main">
+<p:sld xmlns:a="http://schemas.openxmlformats.org/drawingml/2006/main" xmlns:r="http://schemas.openxmlformats.org/officeDocument/2006/relationships" xmlns:p="http://schemas.openxmlformats.org/presentationml/2006/main" show="0">
   <p:cSld>
     <p:spTree>
       <p:nvGrpSpPr>
@@ -18702,8 +11115,8 @@
         </p:blipFill>
         <p:spPr bwMode="auto">
           <a:xfrm>
-            <a:off x="3289315" y="1709339"/>
-            <a:ext cx="5289021" cy="4446112"/>
+            <a:off x="3770205" y="1250923"/>
+            <a:ext cx="3568627" cy="2999897"/>
           </a:xfrm>
           <a:prstGeom prst="rect">
             <a:avLst/>
@@ -18720,6 +11133,85 @@
           </a:extLst>
         </p:spPr>
       </p:pic>
+      <p:pic>
+        <p:nvPicPr>
+          <p:cNvPr id="2" name="Imagen 1" descr="Diagrama&#10;&#10;Descripción generada automáticamente">
+            <a:extLst>
+              <a:ext uri="{FF2B5EF4-FFF2-40B4-BE49-F238E27FC236}">
+                <a16:creationId xmlns:a16="http://schemas.microsoft.com/office/drawing/2014/main" id="{C5CDBB5F-9EFD-4E91-0141-50143998BE8A}"/>
+              </a:ext>
+            </a:extLst>
+          </p:cNvPr>
+          <p:cNvPicPr>
+            <a:picLocks noChangeAspect="1"/>
+          </p:cNvPicPr>
+          <p:nvPr/>
+        </p:nvPicPr>
+        <p:blipFill>
+          <a:blip r:embed="rId6"/>
+          <a:stretch>
+            <a:fillRect/>
+          </a:stretch>
+        </p:blipFill>
+        <p:spPr>
+          <a:xfrm>
+            <a:off x="3084668" y="5228860"/>
+            <a:ext cx="4939699" cy="1139931"/>
+          </a:xfrm>
+          <a:prstGeom prst="rect">
+            <a:avLst/>
+          </a:prstGeom>
+        </p:spPr>
+      </p:pic>
+      <p:sp>
+        <p:nvSpPr>
+          <p:cNvPr id="3" name="CuadroTexto 2">
+            <a:extLst>
+              <a:ext uri="{FF2B5EF4-FFF2-40B4-BE49-F238E27FC236}">
+                <a16:creationId xmlns:a16="http://schemas.microsoft.com/office/drawing/2014/main" id="{DB089E92-D148-7E19-1316-C964C1BE1F7F}"/>
+              </a:ext>
+            </a:extLst>
+          </p:cNvPr>
+          <p:cNvSpPr txBox="1"/>
+          <p:nvPr/>
+        </p:nvSpPr>
+        <p:spPr>
+          <a:xfrm>
+            <a:off x="778702" y="4577391"/>
+            <a:ext cx="3243196" cy="523220"/>
+          </a:xfrm>
+          <a:prstGeom prst="rect">
+            <a:avLst/>
+          </a:prstGeom>
+          <a:noFill/>
+        </p:spPr>
+        <p:txBody>
+          <a:bodyPr wrap="none" rtlCol="0">
+            <a:spAutoFit/>
+          </a:bodyPr>
+          <a:lstStyle/>
+          <a:p>
+            <a:r>
+              <a:rPr lang="es-ES" sz="2800" b="1" dirty="0">
+                <a:solidFill>
+                  <a:schemeClr val="accent1"/>
+                </a:solidFill>
+                <a:latin typeface="Barlow" pitchFamily="2" charset="77"/>
+              </a:rPr>
+              <a:t>Autenticación </a:t>
+            </a:r>
+            <a:r>
+              <a:rPr lang="es-ES" sz="2800" b="1" dirty="0">
+                <a:solidFill>
+                  <a:schemeClr val="accent6"/>
+                </a:solidFill>
+                <a:latin typeface="Barlow" pitchFamily="2" charset="77"/>
+              </a:rPr>
+              <a:t>JWT</a:t>
+            </a:r>
+          </a:p>
+        </p:txBody>
+      </p:sp>
     </p:spTree>
     <p:extLst>
       <p:ext uri="{BB962C8B-B14F-4D97-AF65-F5344CB8AC3E}">
@@ -19565,7 +12057,13 @@
   <p:cSld>
     <p:spTree>
       <p:nvGrpSpPr>
-        <p:cNvPr id="1" name=""/>
+        <p:cNvPr id="1" name="">
+          <a:extLst>
+            <a:ext uri="{FF2B5EF4-FFF2-40B4-BE49-F238E27FC236}">
+              <a16:creationId xmlns:a16="http://schemas.microsoft.com/office/drawing/2014/main" id="{99F6C7D6-48E3-7CD2-5C9E-540A0A187AD2}"/>
+            </a:ext>
+          </a:extLst>
+        </p:cNvPr>
         <p:cNvGrpSpPr/>
         <p:nvPr/>
       </p:nvGrpSpPr>
@@ -19577,12 +12075,436 @@
           <a:chExt cx="0" cy="0"/>
         </a:xfrm>
       </p:grpSpPr>
-      <p:sp>
-        <p:nvSpPr>
-          <p:cNvPr id="5" name="CuadroTexto 4">
-            <a:extLst>
-              <a:ext uri="{FF2B5EF4-FFF2-40B4-BE49-F238E27FC236}">
-                <a16:creationId xmlns:a16="http://schemas.microsoft.com/office/drawing/2014/main" id="{98029146-D78F-FA74-1EA1-F96D5FB0D66C}"/>
+      <p:grpSp>
+        <p:nvGrpSpPr>
+          <p:cNvPr id="2" name="Grupo 1">
+            <a:extLst>
+              <a:ext uri="{FF2B5EF4-FFF2-40B4-BE49-F238E27FC236}">
+                <a16:creationId xmlns:a16="http://schemas.microsoft.com/office/drawing/2014/main" id="{3FB0D076-BDE7-CA9D-7159-CA17A94454C3}"/>
+              </a:ext>
+            </a:extLst>
+          </p:cNvPr>
+          <p:cNvGrpSpPr/>
+          <p:nvPr/>
+        </p:nvGrpSpPr>
+        <p:grpSpPr>
+          <a:xfrm>
+            <a:off x="4773411" y="2509730"/>
+            <a:ext cx="7250481" cy="4066382"/>
+            <a:chOff x="4885152" y="1912521"/>
+            <a:chExt cx="7250481" cy="4066382"/>
+          </a:xfrm>
+        </p:grpSpPr>
+        <p:sp>
+          <p:nvSpPr>
+            <p:cNvPr id="4" name="Hexágono 3">
+              <a:extLst>
+                <a:ext uri="{FF2B5EF4-FFF2-40B4-BE49-F238E27FC236}">
+                  <a16:creationId xmlns:a16="http://schemas.microsoft.com/office/drawing/2014/main" id="{1B0AEED3-2F26-F6F1-046D-7978F10A7406}"/>
+                </a:ext>
+              </a:extLst>
+            </p:cNvPr>
+            <p:cNvSpPr/>
+            <p:nvPr/>
+          </p:nvSpPr>
+          <p:spPr>
+            <a:xfrm>
+              <a:off x="7352778" y="2154476"/>
+              <a:ext cx="2630465" cy="2267642"/>
+            </a:xfrm>
+            <a:prstGeom prst="hexagon">
+              <a:avLst/>
+            </a:prstGeom>
+            <a:blipFill>
+              <a:blip r:embed="rId3" cstate="screen">
+                <a:extLst>
+                  <a:ext uri="{28A0092B-C50C-407E-A947-70E740481C1C}">
+                    <a14:useLocalDpi xmlns:a14="http://schemas.microsoft.com/office/drawing/2010/main"/>
+                  </a:ext>
+                </a:extLst>
+              </a:blip>
+              <a:stretch>
+                <a:fillRect/>
+              </a:stretch>
+            </a:blipFill>
+            <a:ln>
+              <a:noFill/>
+            </a:ln>
+          </p:spPr>
+          <p:style>
+            <a:lnRef idx="2">
+              <a:schemeClr val="accent1">
+                <a:shade val="15000"/>
+              </a:schemeClr>
+            </a:lnRef>
+            <a:fillRef idx="1">
+              <a:schemeClr val="accent1"/>
+            </a:fillRef>
+            <a:effectRef idx="0">
+              <a:schemeClr val="accent1"/>
+            </a:effectRef>
+            <a:fontRef idx="minor">
+              <a:schemeClr val="lt1"/>
+            </a:fontRef>
+          </p:style>
+          <p:txBody>
+            <a:bodyPr rtlCol="0" anchor="ctr"/>
+            <a:lstStyle/>
+            <a:p>
+              <a:pPr algn="ctr"/>
+              <a:endParaRPr lang="es-ES"/>
+            </a:p>
+          </p:txBody>
+        </p:sp>
+        <p:sp>
+          <p:nvSpPr>
+            <p:cNvPr id="5" name="Hexágono 4">
+              <a:extLst>
+                <a:ext uri="{FF2B5EF4-FFF2-40B4-BE49-F238E27FC236}">
+                  <a16:creationId xmlns:a16="http://schemas.microsoft.com/office/drawing/2014/main" id="{C2D40C21-8A49-1058-9158-3BACD3C974FD}"/>
+                </a:ext>
+              </a:extLst>
+            </p:cNvPr>
+            <p:cNvSpPr/>
+            <p:nvPr/>
+          </p:nvSpPr>
+          <p:spPr>
+            <a:xfrm>
+              <a:off x="5200388" y="3338401"/>
+              <a:ext cx="2630465" cy="2267642"/>
+            </a:xfrm>
+            <a:prstGeom prst="hexagon">
+              <a:avLst/>
+            </a:prstGeom>
+            <a:blipFill>
+              <a:blip r:embed="rId4" cstate="screen">
+                <a:extLst>
+                  <a:ext uri="{28A0092B-C50C-407E-A947-70E740481C1C}">
+                    <a14:useLocalDpi xmlns:a14="http://schemas.microsoft.com/office/drawing/2010/main"/>
+                  </a:ext>
+                </a:extLst>
+              </a:blip>
+              <a:stretch>
+                <a:fillRect/>
+              </a:stretch>
+            </a:blipFill>
+            <a:ln>
+              <a:noFill/>
+            </a:ln>
+          </p:spPr>
+          <p:style>
+            <a:lnRef idx="2">
+              <a:schemeClr val="accent1">
+                <a:shade val="15000"/>
+              </a:schemeClr>
+            </a:lnRef>
+            <a:fillRef idx="1">
+              <a:schemeClr val="accent1"/>
+            </a:fillRef>
+            <a:effectRef idx="0">
+              <a:schemeClr val="accent1"/>
+            </a:effectRef>
+            <a:fontRef idx="minor">
+              <a:schemeClr val="lt1"/>
+            </a:fontRef>
+          </p:style>
+          <p:txBody>
+            <a:bodyPr rtlCol="0" anchor="ctr"/>
+            <a:lstStyle/>
+            <a:p>
+              <a:pPr algn="ctr"/>
+              <a:endParaRPr lang="es-ES"/>
+            </a:p>
+          </p:txBody>
+        </p:sp>
+        <p:sp>
+          <p:nvSpPr>
+            <p:cNvPr id="6" name="Hexágono 5">
+              <a:extLst>
+                <a:ext uri="{FF2B5EF4-FFF2-40B4-BE49-F238E27FC236}">
+                  <a16:creationId xmlns:a16="http://schemas.microsoft.com/office/drawing/2014/main" id="{7886ACDC-BAE0-7322-4285-106FAA115F39}"/>
+                </a:ext>
+              </a:extLst>
+            </p:cNvPr>
+            <p:cNvSpPr/>
+            <p:nvPr/>
+          </p:nvSpPr>
+          <p:spPr>
+            <a:xfrm>
+              <a:off x="9505168" y="3338401"/>
+              <a:ext cx="2630465" cy="2267642"/>
+            </a:xfrm>
+            <a:prstGeom prst="hexagon">
+              <a:avLst/>
+            </a:prstGeom>
+            <a:blipFill>
+              <a:blip r:embed="rId5" cstate="screen">
+                <a:extLst>
+                  <a:ext uri="{28A0092B-C50C-407E-A947-70E740481C1C}">
+                    <a14:useLocalDpi xmlns:a14="http://schemas.microsoft.com/office/drawing/2010/main"/>
+                  </a:ext>
+                </a:extLst>
+              </a:blip>
+              <a:stretch>
+                <a:fillRect/>
+              </a:stretch>
+            </a:blipFill>
+            <a:ln>
+              <a:noFill/>
+            </a:ln>
+          </p:spPr>
+          <p:style>
+            <a:lnRef idx="2">
+              <a:schemeClr val="accent1">
+                <a:shade val="15000"/>
+              </a:schemeClr>
+            </a:lnRef>
+            <a:fillRef idx="1">
+              <a:schemeClr val="accent1"/>
+            </a:fillRef>
+            <a:effectRef idx="0">
+              <a:schemeClr val="accent1"/>
+            </a:effectRef>
+            <a:fontRef idx="minor">
+              <a:schemeClr val="lt1"/>
+            </a:fontRef>
+          </p:style>
+          <p:txBody>
+            <a:bodyPr rtlCol="0" anchor="ctr"/>
+            <a:lstStyle/>
+            <a:p>
+              <a:pPr algn="ctr"/>
+              <a:endParaRPr lang="es-ES"/>
+            </a:p>
+          </p:txBody>
+        </p:sp>
+        <p:sp>
+          <p:nvSpPr>
+            <p:cNvPr id="7" name="Hexágono 6">
+              <a:extLst>
+                <a:ext uri="{FF2B5EF4-FFF2-40B4-BE49-F238E27FC236}">
+                  <a16:creationId xmlns:a16="http://schemas.microsoft.com/office/drawing/2014/main" id="{A5640031-399E-7E42-3D45-A3A5CEC098A9}"/>
+                </a:ext>
+              </a:extLst>
+            </p:cNvPr>
+            <p:cNvSpPr/>
+            <p:nvPr/>
+          </p:nvSpPr>
+          <p:spPr>
+            <a:xfrm>
+              <a:off x="7830853" y="1912521"/>
+              <a:ext cx="2630465" cy="2267642"/>
+            </a:xfrm>
+            <a:prstGeom prst="hexagon">
+              <a:avLst/>
+            </a:prstGeom>
+            <a:noFill/>
+            <a:ln w="28575">
+              <a:solidFill>
+                <a:schemeClr val="accent5"/>
+              </a:solidFill>
+            </a:ln>
+          </p:spPr>
+          <p:style>
+            <a:lnRef idx="2">
+              <a:schemeClr val="accent2"/>
+            </a:lnRef>
+            <a:fillRef idx="1">
+              <a:schemeClr val="lt1"/>
+            </a:fillRef>
+            <a:effectRef idx="0">
+              <a:schemeClr val="accent2"/>
+            </a:effectRef>
+            <a:fontRef idx="minor">
+              <a:schemeClr val="dk1"/>
+            </a:fontRef>
+          </p:style>
+          <p:txBody>
+            <a:bodyPr rtlCol="0" anchor="ctr"/>
+            <a:lstStyle/>
+            <a:p>
+              <a:pPr algn="ctr"/>
+              <a:endParaRPr lang="es-ES">
+                <a:solidFill>
+                  <a:schemeClr val="accent4"/>
+                </a:solidFill>
+              </a:endParaRPr>
+            </a:p>
+          </p:txBody>
+        </p:sp>
+        <p:sp>
+          <p:nvSpPr>
+            <p:cNvPr id="8" name="Hexágono 7">
+              <a:extLst>
+                <a:ext uri="{FF2B5EF4-FFF2-40B4-BE49-F238E27FC236}">
+                  <a16:creationId xmlns:a16="http://schemas.microsoft.com/office/drawing/2014/main" id="{77EFF2E6-59C7-F5B8-5C7A-7408A0C566AA}"/>
+                </a:ext>
+              </a:extLst>
+            </p:cNvPr>
+            <p:cNvSpPr/>
+            <p:nvPr/>
+          </p:nvSpPr>
+          <p:spPr>
+            <a:xfrm>
+              <a:off x="4885152" y="3618149"/>
+              <a:ext cx="2630465" cy="2267642"/>
+            </a:xfrm>
+            <a:prstGeom prst="hexagon">
+              <a:avLst/>
+            </a:prstGeom>
+            <a:noFill/>
+            <a:ln w="28575">
+              <a:solidFill>
+                <a:schemeClr val="accent5"/>
+              </a:solidFill>
+            </a:ln>
+          </p:spPr>
+          <p:style>
+            <a:lnRef idx="2">
+              <a:schemeClr val="accent2"/>
+            </a:lnRef>
+            <a:fillRef idx="1">
+              <a:schemeClr val="lt1"/>
+            </a:fillRef>
+            <a:effectRef idx="0">
+              <a:schemeClr val="accent2"/>
+            </a:effectRef>
+            <a:fontRef idx="minor">
+              <a:schemeClr val="dk1"/>
+            </a:fontRef>
+          </p:style>
+          <p:txBody>
+            <a:bodyPr rtlCol="0" anchor="ctr"/>
+            <a:lstStyle/>
+            <a:p>
+              <a:pPr algn="ctr"/>
+              <a:endParaRPr lang="es-ES">
+                <a:solidFill>
+                  <a:schemeClr val="accent4"/>
+                </a:solidFill>
+              </a:endParaRPr>
+            </a:p>
+          </p:txBody>
+        </p:sp>
+        <p:sp>
+          <p:nvSpPr>
+            <p:cNvPr id="12" name="Hexágono 11">
+              <a:extLst>
+                <a:ext uri="{FF2B5EF4-FFF2-40B4-BE49-F238E27FC236}">
+                  <a16:creationId xmlns:a16="http://schemas.microsoft.com/office/drawing/2014/main" id="{7455C750-1128-AA37-0677-6ADF09F5B47B}"/>
+                </a:ext>
+              </a:extLst>
+            </p:cNvPr>
+            <p:cNvSpPr/>
+            <p:nvPr/>
+          </p:nvSpPr>
+          <p:spPr>
+            <a:xfrm>
+              <a:off x="6515620" y="2295732"/>
+              <a:ext cx="216021" cy="186225"/>
+            </a:xfrm>
+            <a:prstGeom prst="hexagon">
+              <a:avLst/>
+            </a:prstGeom>
+            <a:noFill/>
+            <a:ln w="19050">
+              <a:solidFill>
+                <a:schemeClr val="bg2">
+                  <a:lumMod val="90000"/>
+                </a:schemeClr>
+              </a:solidFill>
+            </a:ln>
+          </p:spPr>
+          <p:style>
+            <a:lnRef idx="2">
+              <a:schemeClr val="accent1">
+                <a:shade val="15000"/>
+              </a:schemeClr>
+            </a:lnRef>
+            <a:fillRef idx="1">
+              <a:schemeClr val="accent1"/>
+            </a:fillRef>
+            <a:effectRef idx="0">
+              <a:schemeClr val="accent1"/>
+            </a:effectRef>
+            <a:fontRef idx="minor">
+              <a:schemeClr val="lt1"/>
+            </a:fontRef>
+          </p:style>
+          <p:txBody>
+            <a:bodyPr rtlCol="0" anchor="ctr"/>
+            <a:lstStyle/>
+            <a:p>
+              <a:pPr algn="ctr"/>
+              <a:endParaRPr lang="es-ES" b="1" i="0">
+                <a:latin typeface="Lexend SemiBold" pitchFamily="2" charset="77"/>
+              </a:endParaRPr>
+            </a:p>
+          </p:txBody>
+        </p:sp>
+        <p:sp>
+          <p:nvSpPr>
+            <p:cNvPr id="13" name="Hexágono 12">
+              <a:extLst>
+                <a:ext uri="{FF2B5EF4-FFF2-40B4-BE49-F238E27FC236}">
+                  <a16:creationId xmlns:a16="http://schemas.microsoft.com/office/drawing/2014/main" id="{327F64D6-C536-DF35-7A5F-8BA771579AEE}"/>
+                </a:ext>
+              </a:extLst>
+            </p:cNvPr>
+            <p:cNvSpPr/>
+            <p:nvPr/>
+          </p:nvSpPr>
+          <p:spPr>
+            <a:xfrm>
+              <a:off x="9146085" y="5792678"/>
+              <a:ext cx="216021" cy="186225"/>
+            </a:xfrm>
+            <a:prstGeom prst="hexagon">
+              <a:avLst/>
+            </a:prstGeom>
+            <a:noFill/>
+            <a:ln w="19050">
+              <a:solidFill>
+                <a:schemeClr val="bg2">
+                  <a:lumMod val="90000"/>
+                </a:schemeClr>
+              </a:solidFill>
+            </a:ln>
+          </p:spPr>
+          <p:style>
+            <a:lnRef idx="2">
+              <a:schemeClr val="accent1">
+                <a:shade val="15000"/>
+              </a:schemeClr>
+            </a:lnRef>
+            <a:fillRef idx="1">
+              <a:schemeClr val="accent1"/>
+            </a:fillRef>
+            <a:effectRef idx="0">
+              <a:schemeClr val="accent1"/>
+            </a:effectRef>
+            <a:fontRef idx="minor">
+              <a:schemeClr val="lt1"/>
+            </a:fontRef>
+          </p:style>
+          <p:txBody>
+            <a:bodyPr rtlCol="0" anchor="ctr"/>
+            <a:lstStyle/>
+            <a:p>
+              <a:pPr algn="ctr"/>
+              <a:endParaRPr lang="es-ES" b="1" i="0">
+                <a:latin typeface="Lexend SemiBold" pitchFamily="2" charset="77"/>
+              </a:endParaRPr>
+            </a:p>
+          </p:txBody>
+        </p:sp>
+      </p:grpSp>
+      <p:sp>
+        <p:nvSpPr>
+          <p:cNvPr id="3" name="CuadroTexto 2">
+            <a:extLst>
+              <a:ext uri="{FF2B5EF4-FFF2-40B4-BE49-F238E27FC236}">
+                <a16:creationId xmlns:a16="http://schemas.microsoft.com/office/drawing/2014/main" id="{532C5669-E0F5-7DE6-AB44-F54914B273D0}"/>
               </a:ext>
             </a:extLst>
           </p:cNvPr>
@@ -19591,8 +12513,8 @@
         </p:nvSpPr>
         <p:spPr>
           <a:xfrm>
-            <a:off x="7979454" y="-1968417"/>
-            <a:ext cx="960519" cy="307777"/>
+            <a:off x="3223890" y="3184612"/>
+            <a:ext cx="639919" cy="584775"/>
           </a:xfrm>
           <a:prstGeom prst="rect">
             <a:avLst/>
@@ -19606,20 +12528,23 @@
           <a:lstStyle/>
           <a:p>
             <a:r>
-              <a:rPr lang="es-ES" sz="1400">
-                <a:latin typeface="Lexend Medium" pitchFamily="2" charset="77"/>
+              <a:rPr lang="es-ES" sz="3200" b="1" dirty="0">
+                <a:solidFill>
+                  <a:schemeClr val="accent6"/>
+                </a:solidFill>
+                <a:latin typeface="Barlow" pitchFamily="2" charset="77"/>
               </a:rPr>
-              <a:t>Flexibles</a:t>
-            </a:r>
-          </a:p>
-        </p:txBody>
-      </p:sp>
-      <p:sp>
-        <p:nvSpPr>
-          <p:cNvPr id="6" name="CuadroTexto 5">
-            <a:extLst>
-              <a:ext uri="{FF2B5EF4-FFF2-40B4-BE49-F238E27FC236}">
-                <a16:creationId xmlns:a16="http://schemas.microsoft.com/office/drawing/2014/main" id="{2FBF4510-8AC7-5716-228F-F9ADDD3348BE}"/>
+              <a:t>03</a:t>
+            </a:r>
+          </a:p>
+        </p:txBody>
+      </p:sp>
+      <p:sp>
+        <p:nvSpPr>
+          <p:cNvPr id="11" name="CuadroTexto 10">
+            <a:extLst>
+              <a:ext uri="{FF2B5EF4-FFF2-40B4-BE49-F238E27FC236}">
+                <a16:creationId xmlns:a16="http://schemas.microsoft.com/office/drawing/2014/main" id="{46B71E81-B0DF-CD3D-71AC-57B1A40D3F23}"/>
               </a:ext>
             </a:extLst>
           </p:cNvPr>
@@ -19628,8 +12553,8 @@
         </p:nvSpPr>
         <p:spPr>
           <a:xfrm>
-            <a:off x="7979454" y="-1306642"/>
-            <a:ext cx="1197764" cy="307777"/>
+            <a:off x="1656846" y="1995243"/>
+            <a:ext cx="3772404" cy="1200329"/>
           </a:xfrm>
           <a:prstGeom prst="rect">
             <a:avLst/>
@@ -19637,26 +12562,29 @@
           <a:noFill/>
         </p:spPr>
         <p:txBody>
-          <a:bodyPr wrap="none" rtlCol="0">
+          <a:bodyPr wrap="square" rtlCol="0">
             <a:spAutoFit/>
           </a:bodyPr>
           <a:lstStyle/>
           <a:p>
             <a:r>
-              <a:rPr lang="es-ES" sz="1400">
-                <a:latin typeface="Lexend Medium" pitchFamily="2" charset="77"/>
+              <a:rPr lang="es-ES" sz="2400" dirty="0">
+                <a:solidFill>
+                  <a:srgbClr val="4D4D4D"/>
+                </a:solidFill>
+                <a:latin typeface="Barlow Medium" pitchFamily="2" charset="77"/>
               </a:rPr>
-              <a:t>Adaptables</a:t>
-            </a:r>
-          </a:p>
-        </p:txBody>
-      </p:sp>
-      <p:sp>
-        <p:nvSpPr>
-          <p:cNvPr id="7" name="CuadroTexto 6">
-            <a:extLst>
-              <a:ext uri="{FF2B5EF4-FFF2-40B4-BE49-F238E27FC236}">
-                <a16:creationId xmlns:a16="http://schemas.microsoft.com/office/drawing/2014/main" id="{4D083F20-BA08-9BB3-E085-D18D83E6823A}"/>
+              <a:t>Cómo actúan librerías y frameworks en este proceso</a:t>
+            </a:r>
+          </a:p>
+        </p:txBody>
+      </p:sp>
+      <p:sp>
+        <p:nvSpPr>
+          <p:cNvPr id="14" name="CuadroTexto 13">
+            <a:extLst>
+              <a:ext uri="{FF2B5EF4-FFF2-40B4-BE49-F238E27FC236}">
+                <a16:creationId xmlns:a16="http://schemas.microsoft.com/office/drawing/2014/main" id="{E5299A54-3C09-BB94-D112-7A6105564A8F}"/>
               </a:ext>
             </a:extLst>
           </p:cNvPr>
@@ -19665,8 +12593,8 @@
         </p:nvSpPr>
         <p:spPr>
           <a:xfrm>
-            <a:off x="10165557" y="-1882545"/>
-            <a:ext cx="1114408" cy="307777"/>
+            <a:off x="1565405" y="945249"/>
+            <a:ext cx="9356421" cy="1015663"/>
           </a:xfrm>
           <a:prstGeom prst="rect">
             <a:avLst/>
@@ -19674,448 +12602,45 @@
           <a:noFill/>
         </p:spPr>
         <p:txBody>
-          <a:bodyPr wrap="none" rtlCol="0">
+          <a:bodyPr wrap="square" rtlCol="0">
             <a:spAutoFit/>
           </a:bodyPr>
           <a:lstStyle/>
           <a:p>
             <a:r>
-              <a:rPr lang="es-ES" sz="1400">
-                <a:latin typeface="Lexend Medium" pitchFamily="2" charset="77"/>
-              </a:rPr>
-              <a:t>Escalables</a:t>
-            </a:r>
-          </a:p>
-        </p:txBody>
-      </p:sp>
-      <p:sp>
-        <p:nvSpPr>
-          <p:cNvPr id="8" name="CuadroTexto 7">
-            <a:extLst>
-              <a:ext uri="{FF2B5EF4-FFF2-40B4-BE49-F238E27FC236}">
-                <a16:creationId xmlns:a16="http://schemas.microsoft.com/office/drawing/2014/main" id="{BB090657-113D-D4E4-4CF4-D95CEFA2E1C5}"/>
-              </a:ext>
-            </a:extLst>
-          </p:cNvPr>
-          <p:cNvSpPr txBox="1"/>
-          <p:nvPr/>
-        </p:nvSpPr>
-        <p:spPr>
-          <a:xfrm>
-            <a:off x="10165557" y="-1254251"/>
-            <a:ext cx="1003801" cy="307777"/>
-          </a:xfrm>
-          <a:prstGeom prst="rect">
-            <a:avLst/>
-          </a:prstGeom>
-          <a:noFill/>
-        </p:spPr>
-        <p:txBody>
-          <a:bodyPr wrap="none" rtlCol="0">
-            <a:spAutoFit/>
-          </a:bodyPr>
-          <a:lstStyle/>
-          <a:p>
-            <a:r>
-              <a:rPr lang="es-ES" sz="1400">
-                <a:latin typeface="Lexend Medium" pitchFamily="2" charset="77"/>
-              </a:rPr>
-              <a:t>Robustos</a:t>
-            </a:r>
-          </a:p>
-        </p:txBody>
-      </p:sp>
-      <p:grpSp>
-        <p:nvGrpSpPr>
-          <p:cNvPr id="14" name="Grupo 13">
-            <a:extLst>
-              <a:ext uri="{FF2B5EF4-FFF2-40B4-BE49-F238E27FC236}">
-                <a16:creationId xmlns:a16="http://schemas.microsoft.com/office/drawing/2014/main" id="{8C67021A-696E-D0C6-A89E-9BD9267CACD2}"/>
-              </a:ext>
-            </a:extLst>
-          </p:cNvPr>
-          <p:cNvGrpSpPr/>
-          <p:nvPr/>
-        </p:nvGrpSpPr>
-        <p:grpSpPr>
-          <a:xfrm>
-            <a:off x="942680" y="-4681737"/>
-            <a:ext cx="5137934" cy="4170376"/>
-            <a:chOff x="3880339" y="2126063"/>
-            <a:chExt cx="5137934" cy="4170376"/>
-          </a:xfrm>
-        </p:grpSpPr>
-        <p:sp>
-          <p:nvSpPr>
-            <p:cNvPr id="15" name="CuadroTexto 14">
-              <a:extLst>
-                <a:ext uri="{FF2B5EF4-FFF2-40B4-BE49-F238E27FC236}">
-                  <a16:creationId xmlns:a16="http://schemas.microsoft.com/office/drawing/2014/main" id="{7C740263-92DC-BCEF-25C0-98BBEBAE6C37}"/>
-                </a:ext>
-              </a:extLst>
-            </p:cNvPr>
-            <p:cNvSpPr txBox="1"/>
-            <p:nvPr/>
-          </p:nvSpPr>
-          <p:spPr>
-            <a:xfrm>
-              <a:off x="4194207" y="2126063"/>
-              <a:ext cx="4297971" cy="461665"/>
-            </a:xfrm>
-            <a:prstGeom prst="rect">
-              <a:avLst/>
-            </a:prstGeom>
-            <a:noFill/>
-          </p:spPr>
-          <p:txBody>
-            <a:bodyPr wrap="none" rtlCol="0">
-              <a:spAutoFit/>
-            </a:bodyPr>
-            <a:lstStyle/>
-            <a:p>
-              <a:r>
-                <a:rPr lang="es-ES" sz="2400" b="1">
-                  <a:latin typeface="Lexend SemiBold" pitchFamily="2" charset="77"/>
-                </a:rPr>
-                <a:t>Nuestro decálogo de </a:t>
-              </a:r>
-              <a:r>
-                <a:rPr lang="es-ES" sz="2400" b="1">
-                  <a:solidFill>
-                    <a:schemeClr val="accent3"/>
-                  </a:solidFill>
-                  <a:latin typeface="Lexend SemiBold" pitchFamily="2" charset="77"/>
-                </a:rPr>
-                <a:t>valor</a:t>
-              </a:r>
-            </a:p>
-          </p:txBody>
-        </p:sp>
-        <p:sp>
-          <p:nvSpPr>
-            <p:cNvPr id="16" name="CuadroTexto 15">
-              <a:extLst>
-                <a:ext uri="{FF2B5EF4-FFF2-40B4-BE49-F238E27FC236}">
-                  <a16:creationId xmlns:a16="http://schemas.microsoft.com/office/drawing/2014/main" id="{74715BE1-BC7A-948A-9CC1-977D5E2EAF71}"/>
-                </a:ext>
-              </a:extLst>
-            </p:cNvPr>
-            <p:cNvSpPr txBox="1"/>
-            <p:nvPr/>
-          </p:nvSpPr>
-          <p:spPr>
-            <a:xfrm>
-              <a:off x="4276269" y="2686989"/>
-              <a:ext cx="4742004" cy="3609450"/>
-            </a:xfrm>
-            <a:prstGeom prst="rect">
-              <a:avLst/>
-            </a:prstGeom>
-            <a:noFill/>
-          </p:spPr>
-          <p:txBody>
-            <a:bodyPr wrap="none" rtlCol="0">
-              <a:spAutoFit/>
-            </a:bodyPr>
-            <a:lstStyle/>
-            <a:p>
-              <a:pPr marL="285750" indent="-285750">
-                <a:lnSpc>
-                  <a:spcPct val="150000"/>
-                </a:lnSpc>
-                <a:buFont typeface="Wingdings" pitchFamily="2" charset="2"/>
-                <a:buChar char="Ø"/>
-              </a:pPr>
-              <a:r>
-                <a:rPr lang="es-ES" sz="1400">
-                  <a:latin typeface="Lexend ExtraLight" pitchFamily="2" charset="77"/>
-                </a:rPr>
-                <a:t>Arquitecturas limpias</a:t>
-              </a:r>
-            </a:p>
-            <a:p>
-              <a:pPr marL="285750" indent="-285750">
-                <a:lnSpc>
-                  <a:spcPct val="150000"/>
-                </a:lnSpc>
-                <a:buFont typeface="Wingdings" pitchFamily="2" charset="2"/>
-                <a:buChar char="Ø"/>
-              </a:pPr>
-              <a:r>
-                <a:rPr lang="es-ES" sz="1400">
-                  <a:latin typeface="Lexend ExtraLight" pitchFamily="2" charset="77"/>
-                </a:rPr>
-                <a:t>Arquitecturas monolíticas</a:t>
-              </a:r>
-            </a:p>
-            <a:p>
-              <a:pPr marL="285750" indent="-285750">
-                <a:lnSpc>
-                  <a:spcPct val="150000"/>
-                </a:lnSpc>
-                <a:buFont typeface="Wingdings" pitchFamily="2" charset="2"/>
-                <a:buChar char="Ø"/>
-              </a:pPr>
-              <a:r>
-                <a:rPr lang="es-ES" sz="1400">
-                  <a:latin typeface="Lexend ExtraLight" pitchFamily="2" charset="77"/>
-                </a:rPr>
-                <a:t>Arquitecturas distribuidas</a:t>
-              </a:r>
-            </a:p>
-            <a:p>
-              <a:pPr marL="285750" indent="-285750">
-                <a:lnSpc>
-                  <a:spcPct val="150000"/>
-                </a:lnSpc>
-                <a:buFont typeface="Wingdings" pitchFamily="2" charset="2"/>
-                <a:buChar char="Ø"/>
-              </a:pPr>
-              <a:r>
-                <a:rPr lang="es-ES" sz="1400">
-                  <a:latin typeface="Lexend ExtraLight" pitchFamily="2" charset="77"/>
-                </a:rPr>
-                <a:t>Arquitecturas de Microservicios</a:t>
-              </a:r>
-            </a:p>
-            <a:p>
-              <a:pPr marL="285750" indent="-285750">
-                <a:lnSpc>
-                  <a:spcPct val="150000"/>
-                </a:lnSpc>
-                <a:buFont typeface="Wingdings" pitchFamily="2" charset="2"/>
-                <a:buChar char="Ø"/>
-              </a:pPr>
-              <a:r>
-                <a:rPr lang="es-ES" sz="1400">
-                  <a:latin typeface="Lexend ExtraLight" pitchFamily="2" charset="77"/>
-                </a:rPr>
-                <a:t>Service Mesh</a:t>
-              </a:r>
-            </a:p>
-            <a:p>
-              <a:pPr marL="285750" indent="-285750">
-                <a:lnSpc>
-                  <a:spcPct val="150000"/>
-                </a:lnSpc>
-                <a:buFont typeface="Wingdings" pitchFamily="2" charset="2"/>
-                <a:buChar char="Ø"/>
-              </a:pPr>
-              <a:r>
-                <a:rPr lang="es-ES" sz="1400">
-                  <a:latin typeface="Lexend ExtraLight" pitchFamily="2" charset="77"/>
-                </a:rPr>
-                <a:t>Arquitecturas orientadas a Eventos</a:t>
-              </a:r>
-            </a:p>
-            <a:p>
-              <a:pPr marL="285750" indent="-285750">
-                <a:lnSpc>
-                  <a:spcPct val="150000"/>
-                </a:lnSpc>
-                <a:buFont typeface="Wingdings" pitchFamily="2" charset="2"/>
-                <a:buChar char="Ø"/>
-              </a:pPr>
-              <a:r>
-                <a:rPr lang="es-ES" sz="1400">
-                  <a:latin typeface="Lexend ExtraLight" pitchFamily="2" charset="77"/>
-                </a:rPr>
-                <a:t>Brokers y plataformas de streaming</a:t>
-              </a:r>
-            </a:p>
-            <a:p>
-              <a:pPr marL="285750" indent="-285750">
-                <a:lnSpc>
-                  <a:spcPct val="150000"/>
-                </a:lnSpc>
-                <a:buFont typeface="Wingdings" pitchFamily="2" charset="2"/>
-                <a:buChar char="Ø"/>
-              </a:pPr>
-              <a:r>
-                <a:rPr lang="es-ES" sz="1400">
-                  <a:latin typeface="Lexend ExtraLight" pitchFamily="2" charset="77"/>
-                </a:rPr>
-                <a:t>Microfrontales y Servicios BFF</a:t>
-              </a:r>
-            </a:p>
-            <a:p>
-              <a:pPr marL="285750" indent="-285750">
-                <a:lnSpc>
-                  <a:spcPct val="150000"/>
-                </a:lnSpc>
-                <a:buFont typeface="Wingdings" pitchFamily="2" charset="2"/>
-                <a:buChar char="Ø"/>
-              </a:pPr>
-              <a:r>
-                <a:rPr lang="es-ES" sz="1400">
-                  <a:latin typeface="Lexend ExtraLight" pitchFamily="2" charset="77"/>
-                </a:rPr>
-                <a:t>Arquitecturas inteligentes y analítica avanzada</a:t>
-              </a:r>
-            </a:p>
-            <a:p>
-              <a:pPr marL="285750" indent="-285750">
-                <a:lnSpc>
-                  <a:spcPct val="150000"/>
-                </a:lnSpc>
-                <a:buFont typeface="Wingdings" pitchFamily="2" charset="2"/>
-                <a:buChar char="Ø"/>
-              </a:pPr>
-              <a:r>
-                <a:rPr lang="es-ES" sz="1400">
-                  <a:latin typeface="Lexend ExtraLight" pitchFamily="2" charset="77"/>
-                </a:rPr>
-                <a:t>Arquitecturas híbridas</a:t>
-              </a:r>
-            </a:p>
-            <a:p>
-              <a:pPr>
-                <a:lnSpc>
-                  <a:spcPct val="150000"/>
-                </a:lnSpc>
-              </a:pPr>
-              <a:r>
-                <a:rPr lang="es-ES" sz="1400">
-                  <a:latin typeface="Lexend ExtraLight" pitchFamily="2" charset="77"/>
-                </a:rPr>
-                <a:t>      (Cloud | OnPrem | MiltiCloud | Native)</a:t>
-              </a:r>
-            </a:p>
-          </p:txBody>
-        </p:sp>
-        <p:pic>
-          <p:nvPicPr>
-            <p:cNvPr id="17" name="Gráfico 16" descr="Reproducir con relleno sólido">
-              <a:extLst>
-                <a:ext uri="{FF2B5EF4-FFF2-40B4-BE49-F238E27FC236}">
-                  <a16:creationId xmlns:a16="http://schemas.microsoft.com/office/drawing/2014/main" id="{B2F0241D-7758-39E2-6257-F5AF62F3B29F}"/>
-                </a:ext>
-              </a:extLst>
-            </p:cNvPr>
-            <p:cNvPicPr>
-              <a:picLocks noChangeAspect="1"/>
-            </p:cNvPicPr>
-            <p:nvPr/>
-          </p:nvPicPr>
-          <p:blipFill>
-            <a:blip r:embed="rId3" cstate="screen">
-              <a:extLst>
-                <a:ext uri="{28A0092B-C50C-407E-A947-70E740481C1C}">
-                  <a14:useLocalDpi xmlns:a14="http://schemas.microsoft.com/office/drawing/2010/main"/>
-                </a:ext>
-                <a:ext uri="{96DAC541-7B7A-43D3-8B79-37D633B846F1}">
-                  <asvg:svgBlip xmlns:asvg="http://schemas.microsoft.com/office/drawing/2016/SVG/main" r:embed="rId4"/>
-                </a:ext>
-              </a:extLst>
-            </a:blip>
-            <a:stretch>
-              <a:fillRect/>
-            </a:stretch>
-          </p:blipFill>
-          <p:spPr>
-            <a:xfrm>
-              <a:off x="3880339" y="2212673"/>
-              <a:ext cx="313868" cy="313868"/>
-            </a:xfrm>
-            <a:prstGeom prst="rect">
-              <a:avLst/>
-            </a:prstGeom>
-          </p:spPr>
-        </p:pic>
-      </p:grpSp>
-      <p:sp>
-        <p:nvSpPr>
-          <p:cNvPr id="26" name="CuadroTexto 25">
-            <a:extLst>
-              <a:ext uri="{FF2B5EF4-FFF2-40B4-BE49-F238E27FC236}">
-                <a16:creationId xmlns:a16="http://schemas.microsoft.com/office/drawing/2014/main" id="{A352DC4F-475A-5412-93D6-E03A41E120E2}"/>
-              </a:ext>
-            </a:extLst>
-          </p:cNvPr>
-          <p:cNvSpPr txBox="1"/>
-          <p:nvPr/>
-        </p:nvSpPr>
-        <p:spPr>
-          <a:xfrm>
-            <a:off x="778702" y="931079"/>
-            <a:ext cx="4549643" cy="307777"/>
-          </a:xfrm>
-          <a:prstGeom prst="rect">
-            <a:avLst/>
-          </a:prstGeom>
-          <a:noFill/>
-        </p:spPr>
-        <p:txBody>
-          <a:bodyPr wrap="none" rtlCol="0">
-            <a:spAutoFit/>
-          </a:bodyPr>
-          <a:lstStyle/>
-          <a:p>
-            <a:r>
-              <a:rPr lang="es-ES" sz="1400" dirty="0">
+              <a:rPr lang="es-ES" sz="6000" b="1" dirty="0">
                 <a:solidFill>
                   <a:schemeClr val="accent1"/>
                 </a:solidFill>
-                <a:latin typeface="Barlow" pitchFamily="2" charset="77"/>
+                <a:latin typeface="Sama Devanagari" panose="020F0603040507060303" pitchFamily="34" charset="0"/>
+                <a:cs typeface="Sama Devanagari" panose="020F0603040507060303" pitchFamily="34" charset="0"/>
               </a:rPr>
-              <a:t>Cómo gestionar la seguridad en arquitecturas sin estado</a:t>
-            </a:r>
-          </a:p>
-        </p:txBody>
-      </p:sp>
-      <p:sp>
-        <p:nvSpPr>
-          <p:cNvPr id="27" name="CuadroTexto 26">
-            <a:extLst>
-              <a:ext uri="{FF2B5EF4-FFF2-40B4-BE49-F238E27FC236}">
-                <a16:creationId xmlns:a16="http://schemas.microsoft.com/office/drawing/2014/main" id="{5014834D-A02F-7459-D6D1-234AE12EFF15}"/>
-              </a:ext>
-            </a:extLst>
-          </p:cNvPr>
-          <p:cNvSpPr txBox="1"/>
-          <p:nvPr/>
-        </p:nvSpPr>
-        <p:spPr>
-          <a:xfrm>
-            <a:off x="769177" y="460596"/>
-            <a:ext cx="2752677" cy="523220"/>
-          </a:xfrm>
-          <a:prstGeom prst="rect">
-            <a:avLst/>
-          </a:prstGeom>
-          <a:noFill/>
-        </p:spPr>
-        <p:txBody>
-          <a:bodyPr wrap="none" rtlCol="0">
-            <a:spAutoFit/>
-          </a:bodyPr>
-          <a:lstStyle/>
-          <a:p>
-            <a:r>
-              <a:rPr lang="es-ES" sz="2800" b="1" dirty="0">
-                <a:solidFill>
-                  <a:schemeClr val="accent1"/>
-                </a:solidFill>
-                <a:latin typeface="Barlow" pitchFamily="2" charset="77"/>
-              </a:rPr>
-              <a:t>Seguridad: </a:t>
-            </a:r>
-            <a:r>
-              <a:rPr lang="es-ES" sz="2800" b="1" dirty="0">
+              <a:t>Papel de </a:t>
+            </a:r>
+            <a:r>
+              <a:rPr lang="es-ES" sz="6000" b="1" dirty="0" err="1">
                 <a:solidFill>
                   <a:schemeClr val="accent6"/>
                 </a:solidFill>
-                <a:latin typeface="Barlow" pitchFamily="2" charset="77"/>
+                <a:latin typeface="Sama Devanagari" panose="020F0603040507060303" pitchFamily="34" charset="0"/>
+                <a:cs typeface="Sama Devanagari" panose="020F0603040507060303" pitchFamily="34" charset="0"/>
               </a:rPr>
-              <a:t>JWT</a:t>
-            </a:r>
+              <a:t>React</a:t>
+            </a:r>
+            <a:endParaRPr lang="es-ES" sz="6000" b="1" dirty="0">
+              <a:solidFill>
+                <a:schemeClr val="accent6"/>
+              </a:solidFill>
+              <a:latin typeface="Sama Devanagari" panose="020F0603040507060303" pitchFamily="34" charset="0"/>
+              <a:cs typeface="Sama Devanagari" panose="020F0603040507060303" pitchFamily="34" charset="0"/>
+            </a:endParaRPr>
           </a:p>
         </p:txBody>
       </p:sp>
     </p:spTree>
     <p:extLst>
       <p:ext uri="{BB962C8B-B14F-4D97-AF65-F5344CB8AC3E}">
-        <p14:creationId xmlns:p14="http://schemas.microsoft.com/office/powerpoint/2010/main" val="2116782364"/>
+        <p14:creationId xmlns:p14="http://schemas.microsoft.com/office/powerpoint/2010/main" val="3171664539"/>
       </p:ext>
     </p:extLst>
   </p:cSld>

--- a/AXPE_FRONT_TallerUSAL_.pptx
+++ b/AXPE_FRONT_TallerUSAL_.pptx
@@ -219,7 +219,7 @@
           <a:p>
             <a:fld id="{B6DE7779-352D-4266-B34C-E3568CFA9023}" type="datetimeFigureOut">
               <a:rPr lang="es-ES" smtClean="0"/>
-              <a:t>7/3/24</a:t>
+              <a:t>11/3/24</a:t>
             </a:fld>
             <a:endParaRPr lang="es-ES"/>
           </a:p>
@@ -1658,7 +1658,7 @@
           <a:p>
             <a:fld id="{80A585E9-3F29-6D4E-ACD6-665777B2053A}" type="datetimeFigureOut">
               <a:rPr lang="es-ES" smtClean="0"/>
-              <a:t>7/3/24</a:t>
+              <a:t>11/3/24</a:t>
             </a:fld>
             <a:endParaRPr lang="es-ES"/>
           </a:p>
@@ -1856,7 +1856,7 @@
           <a:p>
             <a:fld id="{80A585E9-3F29-6D4E-ACD6-665777B2053A}" type="datetimeFigureOut">
               <a:rPr lang="es-ES" smtClean="0"/>
-              <a:t>7/3/24</a:t>
+              <a:t>11/3/24</a:t>
             </a:fld>
             <a:endParaRPr lang="es-ES"/>
           </a:p>
@@ -2064,7 +2064,7 @@
           <a:p>
             <a:fld id="{80A585E9-3F29-6D4E-ACD6-665777B2053A}" type="datetimeFigureOut">
               <a:rPr lang="es-ES" smtClean="0"/>
-              <a:t>7/3/24</a:t>
+              <a:t>11/3/24</a:t>
             </a:fld>
             <a:endParaRPr lang="es-ES"/>
           </a:p>
@@ -2262,7 +2262,7 @@
           <a:p>
             <a:fld id="{80A585E9-3F29-6D4E-ACD6-665777B2053A}" type="datetimeFigureOut">
               <a:rPr lang="es-ES" smtClean="0"/>
-              <a:t>7/3/24</a:t>
+              <a:t>11/3/24</a:t>
             </a:fld>
             <a:endParaRPr lang="es-ES"/>
           </a:p>
@@ -2537,7 +2537,7 @@
           <a:p>
             <a:fld id="{80A585E9-3F29-6D4E-ACD6-665777B2053A}" type="datetimeFigureOut">
               <a:rPr lang="es-ES" smtClean="0"/>
-              <a:t>7/3/24</a:t>
+              <a:t>11/3/24</a:t>
             </a:fld>
             <a:endParaRPr lang="es-ES"/>
           </a:p>
@@ -2802,7 +2802,7 @@
           <a:p>
             <a:fld id="{80A585E9-3F29-6D4E-ACD6-665777B2053A}" type="datetimeFigureOut">
               <a:rPr lang="es-ES" smtClean="0"/>
-              <a:t>7/3/24</a:t>
+              <a:t>11/3/24</a:t>
             </a:fld>
             <a:endParaRPr lang="es-ES"/>
           </a:p>
@@ -3214,7 +3214,7 @@
           <a:p>
             <a:fld id="{80A585E9-3F29-6D4E-ACD6-665777B2053A}" type="datetimeFigureOut">
               <a:rPr lang="es-ES" smtClean="0"/>
-              <a:t>7/3/24</a:t>
+              <a:t>11/3/24</a:t>
             </a:fld>
             <a:endParaRPr lang="es-ES"/>
           </a:p>
@@ -3355,7 +3355,7 @@
           <a:p>
             <a:fld id="{80A585E9-3F29-6D4E-ACD6-665777B2053A}" type="datetimeFigureOut">
               <a:rPr lang="es-ES" smtClean="0"/>
-              <a:t>7/3/24</a:t>
+              <a:t>11/3/24</a:t>
             </a:fld>
             <a:endParaRPr lang="es-ES"/>
           </a:p>
@@ -3468,7 +3468,7 @@
           <a:p>
             <a:fld id="{80A585E9-3F29-6D4E-ACD6-665777B2053A}" type="datetimeFigureOut">
               <a:rPr lang="es-ES" smtClean="0"/>
-              <a:t>7/3/24</a:t>
+              <a:t>11/3/24</a:t>
             </a:fld>
             <a:endParaRPr lang="es-ES"/>
           </a:p>
@@ -3779,7 +3779,7 @@
           <a:p>
             <a:fld id="{80A585E9-3F29-6D4E-ACD6-665777B2053A}" type="datetimeFigureOut">
               <a:rPr lang="es-ES" smtClean="0"/>
-              <a:t>7/3/24</a:t>
+              <a:t>11/3/24</a:t>
             </a:fld>
             <a:endParaRPr lang="es-ES"/>
           </a:p>
@@ -4067,7 +4067,7 @@
           <a:p>
             <a:fld id="{80A585E9-3F29-6D4E-ACD6-665777B2053A}" type="datetimeFigureOut">
               <a:rPr lang="es-ES" smtClean="0"/>
-              <a:t>7/3/24</a:t>
+              <a:t>11/3/24</a:t>
             </a:fld>
             <a:endParaRPr lang="es-ES"/>
           </a:p>
@@ -4308,7 +4308,7 @@
           <a:p>
             <a:fld id="{80A585E9-3F29-6D4E-ACD6-665777B2053A}" type="datetimeFigureOut">
               <a:rPr lang="es-ES" smtClean="0"/>
-              <a:t>7/3/24</a:t>
+              <a:t>11/3/24</a:t>
             </a:fld>
             <a:endParaRPr lang="es-ES"/>
           </a:p>
@@ -13261,12 +13261,6 @@
 </file>
 
 <file path=customXml/item1.xml><?xml version="1.0" encoding="utf-8"?>
-<p:properties xmlns:p="http://schemas.microsoft.com/office/2006/metadata/properties" xmlns:xsi="http://www.w3.org/2001/XMLSchema-instance" xmlns:pc="http://schemas.microsoft.com/office/infopath/2007/PartnerControls">
-  <documentManagement/>
-</p:properties>
-</file>
-
-<file path=customXml/item2.xml><?xml version="1.0" encoding="utf-8"?>
 <ct:contentTypeSchema xmlns:ct="http://schemas.microsoft.com/office/2006/metadata/contentType" xmlns:ma="http://schemas.microsoft.com/office/2006/metadata/properties/metaAttributes" ct:_="" ma:_="" ma:contentTypeName="Documento" ma:contentTypeID="0x010100E7F2B2EC4460034EA30A7475ACFAF5E1" ma:contentTypeVersion="4" ma:contentTypeDescription="Crear nuevo documento." ma:contentTypeScope="" ma:versionID="224a0642492d5ffa263e10e76a615c9d">
   <xsd:schema xmlns:xsd="http://www.w3.org/2001/XMLSchema" xmlns:xs="http://www.w3.org/2001/XMLSchema" xmlns:p="http://schemas.microsoft.com/office/2006/metadata/properties" xmlns:ns2="782acb9c-d06e-4256-9a80-165c233ae9f9" targetNamespace="http://schemas.microsoft.com/office/2006/metadata/properties" ma:root="true" ma:fieldsID="fa559abf687111e69f96e7951fefcf17" ns2:_="">
     <xsd:import namespace="782acb9c-d06e-4256-9a80-165c233ae9f9"/>
@@ -13410,6 +13404,12 @@
 </ct:contentTypeSchema>
 </file>
 
+<file path=customXml/item2.xml><?xml version="1.0" encoding="utf-8"?>
+<p:properties xmlns:p="http://schemas.microsoft.com/office/2006/metadata/properties" xmlns:xsi="http://www.w3.org/2001/XMLSchema-instance" xmlns:pc="http://schemas.microsoft.com/office/infopath/2007/PartnerControls">
+  <documentManagement/>
+</p:properties>
+</file>
+
 <file path=customXml/item3.xml><?xml version="1.0" encoding="utf-8"?>
 <?mso-contentType ?>
 <FormTemplates xmlns="http://schemas.microsoft.com/sharepoint/v3/contenttype/forms">
@@ -13420,22 +13420,6 @@
 </file>
 
 <file path=customXml/itemProps1.xml><?xml version="1.0" encoding="utf-8"?>
-<ds:datastoreItem xmlns:ds="http://schemas.openxmlformats.org/officeDocument/2006/customXml" ds:itemID="{6F653FC8-9771-44C4-AAF5-F45371A51B7E}">
-  <ds:schemaRefs>
-    <ds:schemaRef ds:uri="http://purl.org/dc/elements/1.1/"/>
-    <ds:schemaRef ds:uri="782acb9c-d06e-4256-9a80-165c233ae9f9"/>
-    <ds:schemaRef ds:uri="http://purl.org/dc/dcmitype/"/>
-    <ds:schemaRef ds:uri="http://schemas.microsoft.com/office/2006/documentManagement/types"/>
-    <ds:schemaRef ds:uri="http://purl.org/dc/terms/"/>
-    <ds:schemaRef ds:uri="http://www.w3.org/XML/1998/namespace"/>
-    <ds:schemaRef ds:uri="http://schemas.microsoft.com/office/infopath/2007/PartnerControls"/>
-    <ds:schemaRef ds:uri="http://schemas.openxmlformats.org/package/2006/metadata/core-properties"/>
-    <ds:schemaRef ds:uri="http://schemas.microsoft.com/office/2006/metadata/properties"/>
-  </ds:schemaRefs>
-</ds:datastoreItem>
-</file>
-
-<file path=customXml/itemProps2.xml><?xml version="1.0" encoding="utf-8"?>
 <ds:datastoreItem xmlns:ds="http://schemas.openxmlformats.org/officeDocument/2006/customXml" ds:itemID="{19DA4E1D-1B3C-4AD6-B6B2-8282C11F7A40}">
   <ds:schemaRefs>
     <ds:schemaRef ds:uri="782acb9c-d06e-4256-9a80-165c233ae9f9"/>
@@ -13453,6 +13437,22 @@
 </ds:datastoreItem>
 </file>
 
+<file path=customXml/itemProps2.xml><?xml version="1.0" encoding="utf-8"?>
+<ds:datastoreItem xmlns:ds="http://schemas.openxmlformats.org/officeDocument/2006/customXml" ds:itemID="{6F653FC8-9771-44C4-AAF5-F45371A51B7E}">
+  <ds:schemaRefs>
+    <ds:schemaRef ds:uri="http://purl.org/dc/elements/1.1/"/>
+    <ds:schemaRef ds:uri="782acb9c-d06e-4256-9a80-165c233ae9f9"/>
+    <ds:schemaRef ds:uri="http://purl.org/dc/dcmitype/"/>
+    <ds:schemaRef ds:uri="http://schemas.microsoft.com/office/2006/documentManagement/types"/>
+    <ds:schemaRef ds:uri="http://purl.org/dc/terms/"/>
+    <ds:schemaRef ds:uri="http://www.w3.org/XML/1998/namespace"/>
+    <ds:schemaRef ds:uri="http://schemas.microsoft.com/office/infopath/2007/PartnerControls"/>
+    <ds:schemaRef ds:uri="http://schemas.openxmlformats.org/package/2006/metadata/core-properties"/>
+    <ds:schemaRef ds:uri="http://schemas.microsoft.com/office/2006/metadata/properties"/>
+  </ds:schemaRefs>
+</ds:datastoreItem>
+</file>
+
 <file path=customXml/itemProps3.xml><?xml version="1.0" encoding="utf-8"?>
 <ds:datastoreItem xmlns:ds="http://schemas.openxmlformats.org/officeDocument/2006/customXml" ds:itemID="{41A4C341-6EBE-4782-B902-E8C7D71563F1}">
   <ds:schemaRefs>
